--- a/yabuki-a/PM演習矢吹a/C藩の内部設計書/内部設計書資料C藩の.pptx
+++ b/yabuki-a/PM演習矢吹a/C藩の内部設計書/内部設計書資料C藩の.pptx
@@ -6,6 +6,8 @@
   </p:sldMasterIdLst>
   <p:sldIdLst>
     <p:sldId id="256" r:id="rId2"/>
+    <p:sldId id="257" r:id="rId3"/>
+    <p:sldId id="258" r:id="rId4"/>
   </p:sldIdLst>
   <p:sldSz cx="12192000" cy="6858000"/>
   <p:notesSz cx="6858000" cy="9144000"/>
@@ -104,6 +106,11 @@
       </a:defRPr>
     </a:lvl9pPr>
   </p:defaultTextStyle>
+  <p:extLst>
+    <p:ext uri="{EFAFB233-063F-42B5-8137-9DF3F51BA10A}">
+      <p15:sldGuideLst xmlns:p15="http://schemas.microsoft.com/office/powerpoint/2012/main"/>
+    </p:ext>
+  </p:extLst>
 </p:presentation>
 </file>
 
@@ -238,7 +245,7 @@
           <a:p>
             <a:fld id="{C5A10E30-AF47-4A7E-9739-503BC68BBCD8}" type="datetimeFigureOut">
               <a:rPr kumimoji="1" lang="ja-JP" altLang="en-US" smtClean="0"/>
-              <a:t>2014/6/13</a:t>
+              <a:t>2014/6/20</a:t>
             </a:fld>
             <a:endParaRPr kumimoji="1" lang="ja-JP" altLang="en-US"/>
           </a:p>
@@ -440,7 +447,7 @@
           <a:p>
             <a:fld id="{C5A10E30-AF47-4A7E-9739-503BC68BBCD8}" type="datetimeFigureOut">
               <a:rPr kumimoji="1" lang="ja-JP" altLang="en-US" smtClean="0"/>
-              <a:t>2014/6/13</a:t>
+              <a:t>2014/6/20</a:t>
             </a:fld>
             <a:endParaRPr kumimoji="1" lang="ja-JP" altLang="en-US"/>
           </a:p>
@@ -652,7 +659,7 @@
           <a:p>
             <a:fld id="{C5A10E30-AF47-4A7E-9739-503BC68BBCD8}" type="datetimeFigureOut">
               <a:rPr kumimoji="1" lang="ja-JP" altLang="en-US" smtClean="0"/>
-              <a:t>2014/6/13</a:t>
+              <a:t>2014/6/20</a:t>
             </a:fld>
             <a:endParaRPr kumimoji="1" lang="ja-JP" altLang="en-US"/>
           </a:p>
@@ -854,7 +861,7 @@
           <a:p>
             <a:fld id="{C5A10E30-AF47-4A7E-9739-503BC68BBCD8}" type="datetimeFigureOut">
               <a:rPr kumimoji="1" lang="ja-JP" altLang="en-US" smtClean="0"/>
-              <a:t>2014/6/13</a:t>
+              <a:t>2014/6/20</a:t>
             </a:fld>
             <a:endParaRPr kumimoji="1" lang="ja-JP" altLang="en-US"/>
           </a:p>
@@ -1100,7 +1107,7 @@
           <a:p>
             <a:fld id="{C5A10E30-AF47-4A7E-9739-503BC68BBCD8}" type="datetimeFigureOut">
               <a:rPr kumimoji="1" lang="ja-JP" altLang="en-US" smtClean="0"/>
-              <a:t>2014/6/13</a:t>
+              <a:t>2014/6/20</a:t>
             </a:fld>
             <a:endParaRPr kumimoji="1" lang="ja-JP" altLang="en-US"/>
           </a:p>
@@ -1396,7 +1403,7 @@
           <a:p>
             <a:fld id="{C5A10E30-AF47-4A7E-9739-503BC68BBCD8}" type="datetimeFigureOut">
               <a:rPr kumimoji="1" lang="ja-JP" altLang="en-US" smtClean="0"/>
-              <a:t>2014/6/13</a:t>
+              <a:t>2014/6/20</a:t>
             </a:fld>
             <a:endParaRPr kumimoji="1" lang="ja-JP" altLang="en-US"/>
           </a:p>
@@ -1827,7 +1834,7 @@
           <a:p>
             <a:fld id="{C5A10E30-AF47-4A7E-9739-503BC68BBCD8}" type="datetimeFigureOut">
               <a:rPr kumimoji="1" lang="ja-JP" altLang="en-US" smtClean="0"/>
-              <a:t>2014/6/13</a:t>
+              <a:t>2014/6/20</a:t>
             </a:fld>
             <a:endParaRPr kumimoji="1" lang="ja-JP" altLang="en-US"/>
           </a:p>
@@ -1945,7 +1952,7 @@
           <a:p>
             <a:fld id="{C5A10E30-AF47-4A7E-9739-503BC68BBCD8}" type="datetimeFigureOut">
               <a:rPr kumimoji="1" lang="ja-JP" altLang="en-US" smtClean="0"/>
-              <a:t>2014/6/13</a:t>
+              <a:t>2014/6/20</a:t>
             </a:fld>
             <a:endParaRPr kumimoji="1" lang="ja-JP" altLang="en-US"/>
           </a:p>
@@ -2040,7 +2047,7 @@
           <a:p>
             <a:fld id="{C5A10E30-AF47-4A7E-9739-503BC68BBCD8}" type="datetimeFigureOut">
               <a:rPr kumimoji="1" lang="ja-JP" altLang="en-US" smtClean="0"/>
-              <a:t>2014/6/13</a:t>
+              <a:t>2014/6/20</a:t>
             </a:fld>
             <a:endParaRPr kumimoji="1" lang="ja-JP" altLang="en-US"/>
           </a:p>
@@ -2349,7 +2356,7 @@
           <a:p>
             <a:fld id="{C5A10E30-AF47-4A7E-9739-503BC68BBCD8}" type="datetimeFigureOut">
               <a:rPr kumimoji="1" lang="ja-JP" altLang="en-US" smtClean="0"/>
-              <a:t>2014/6/13</a:t>
+              <a:t>2014/6/20</a:t>
             </a:fld>
             <a:endParaRPr kumimoji="1" lang="ja-JP" altLang="en-US"/>
           </a:p>
@@ -2602,7 +2609,7 @@
           <a:p>
             <a:fld id="{C5A10E30-AF47-4A7E-9739-503BC68BBCD8}" type="datetimeFigureOut">
               <a:rPr kumimoji="1" lang="ja-JP" altLang="en-US" smtClean="0"/>
-              <a:t>2014/6/13</a:t>
+              <a:t>2014/6/20</a:t>
             </a:fld>
             <a:endParaRPr kumimoji="1" lang="ja-JP" altLang="en-US"/>
           </a:p>
@@ -2847,7 +2854,7 @@
           <a:p>
             <a:fld id="{C5A10E30-AF47-4A7E-9739-503BC68BBCD8}" type="datetimeFigureOut">
               <a:rPr kumimoji="1" lang="ja-JP" altLang="en-US" smtClean="0"/>
-              <a:t>2014/6/13</a:t>
+              <a:t>2014/6/20</a:t>
             </a:fld>
             <a:endParaRPr kumimoji="1" lang="ja-JP" altLang="en-US"/>
           </a:p>
@@ -3753,582 +3760,5725 @@
           </a:p>
         </p:txBody>
       </p:sp>
+      <p:grpSp>
+        <p:nvGrpSpPr>
+          <p:cNvPr id="102" name="グループ化 101"/>
+          <p:cNvGrpSpPr/>
+          <p:nvPr/>
+        </p:nvGrpSpPr>
+        <p:grpSpPr>
+          <a:xfrm>
+            <a:off x="9168693" y="3860656"/>
+            <a:ext cx="1343731" cy="589041"/>
+            <a:chOff x="0" y="0"/>
+            <a:chExt cx="1367117" cy="571501"/>
+          </a:xfrm>
+        </p:grpSpPr>
+        <p:sp>
+          <p:nvSpPr>
+            <p:cNvPr id="103" name="ひし形 102"/>
+            <p:cNvSpPr/>
+            <p:nvPr/>
+          </p:nvSpPr>
+          <p:spPr>
+            <a:xfrm>
+              <a:off x="0" y="0"/>
+              <a:ext cx="1367117" cy="571501"/>
+            </a:xfrm>
+            <a:prstGeom prst="diamond">
+              <a:avLst/>
+            </a:prstGeom>
+            <a:solidFill>
+              <a:sysClr val="window" lastClr="FFFFFF"/>
+            </a:solidFill>
+            <a:ln>
+              <a:solidFill>
+                <a:sysClr val="windowText" lastClr="000000"/>
+              </a:solidFill>
+            </a:ln>
+          </p:spPr>
+          <p:style>
+            <a:lnRef idx="2">
+              <a:schemeClr val="accent1">
+                <a:shade val="50000"/>
+              </a:schemeClr>
+            </a:lnRef>
+            <a:fillRef idx="1">
+              <a:schemeClr val="accent1"/>
+            </a:fillRef>
+            <a:effectRef idx="0">
+              <a:schemeClr val="accent1"/>
+            </a:effectRef>
+            <a:fontRef idx="minor">
+              <a:schemeClr val="lt1"/>
+            </a:fontRef>
+          </p:style>
+          <p:txBody>
+            <a:bodyPr rtlCol="0" anchor="t"/>
+            <a:lstStyle>
+              <a:lvl1pPr marL="0" indent="0">
+                <a:defRPr sz="1100">
+                  <a:solidFill>
+                    <a:schemeClr val="lt1"/>
+                  </a:solidFill>
+                  <a:latin typeface="+mn-lt"/>
+                  <a:ea typeface="+mn-ea"/>
+                  <a:cs typeface="+mn-cs"/>
+                </a:defRPr>
+              </a:lvl1pPr>
+              <a:lvl2pPr marL="457200" indent="0">
+                <a:defRPr sz="1100">
+                  <a:solidFill>
+                    <a:schemeClr val="lt1"/>
+                  </a:solidFill>
+                  <a:latin typeface="+mn-lt"/>
+                  <a:ea typeface="+mn-ea"/>
+                  <a:cs typeface="+mn-cs"/>
+                </a:defRPr>
+              </a:lvl2pPr>
+              <a:lvl3pPr marL="914400" indent="0">
+                <a:defRPr sz="1100">
+                  <a:solidFill>
+                    <a:schemeClr val="lt1"/>
+                  </a:solidFill>
+                  <a:latin typeface="+mn-lt"/>
+                  <a:ea typeface="+mn-ea"/>
+                  <a:cs typeface="+mn-cs"/>
+                </a:defRPr>
+              </a:lvl3pPr>
+              <a:lvl4pPr marL="1371600" indent="0">
+                <a:defRPr sz="1100">
+                  <a:solidFill>
+                    <a:schemeClr val="lt1"/>
+                  </a:solidFill>
+                  <a:latin typeface="+mn-lt"/>
+                  <a:ea typeface="+mn-ea"/>
+                  <a:cs typeface="+mn-cs"/>
+                </a:defRPr>
+              </a:lvl4pPr>
+              <a:lvl5pPr marL="1828800" indent="0">
+                <a:defRPr sz="1100">
+                  <a:solidFill>
+                    <a:schemeClr val="lt1"/>
+                  </a:solidFill>
+                  <a:latin typeface="+mn-lt"/>
+                  <a:ea typeface="+mn-ea"/>
+                  <a:cs typeface="+mn-cs"/>
+                </a:defRPr>
+              </a:lvl5pPr>
+              <a:lvl6pPr marL="2286000" indent="0">
+                <a:defRPr sz="1100">
+                  <a:solidFill>
+                    <a:schemeClr val="lt1"/>
+                  </a:solidFill>
+                  <a:latin typeface="+mn-lt"/>
+                  <a:ea typeface="+mn-ea"/>
+                  <a:cs typeface="+mn-cs"/>
+                </a:defRPr>
+              </a:lvl6pPr>
+              <a:lvl7pPr marL="2743200" indent="0">
+                <a:defRPr sz="1100">
+                  <a:solidFill>
+                    <a:schemeClr val="lt1"/>
+                  </a:solidFill>
+                  <a:latin typeface="+mn-lt"/>
+                  <a:ea typeface="+mn-ea"/>
+                  <a:cs typeface="+mn-cs"/>
+                </a:defRPr>
+              </a:lvl7pPr>
+              <a:lvl8pPr marL="3200400" indent="0">
+                <a:defRPr sz="1100">
+                  <a:solidFill>
+                    <a:schemeClr val="lt1"/>
+                  </a:solidFill>
+                  <a:latin typeface="+mn-lt"/>
+                  <a:ea typeface="+mn-ea"/>
+                  <a:cs typeface="+mn-cs"/>
+                </a:defRPr>
+              </a:lvl8pPr>
+              <a:lvl9pPr marL="3657600" indent="0">
+                <a:defRPr sz="1100">
+                  <a:solidFill>
+                    <a:schemeClr val="lt1"/>
+                  </a:solidFill>
+                  <a:latin typeface="+mn-lt"/>
+                  <a:ea typeface="+mn-ea"/>
+                  <a:cs typeface="+mn-cs"/>
+                </a:defRPr>
+              </a:lvl9pPr>
+            </a:lstStyle>
+            <a:p>
+              <a:pPr algn="l"/>
+              <a:endParaRPr kumimoji="1" lang="ja-JP" altLang="en-US" sz="900">
+                <a:latin typeface="MS UI Gothic" panose="020B0600070205080204" pitchFamily="50" charset="-128"/>
+                <a:ea typeface="MS UI Gothic" panose="020B0600070205080204" pitchFamily="50" charset="-128"/>
+              </a:endParaRPr>
+            </a:p>
+          </p:txBody>
+        </p:sp>
+        <p:sp>
+          <p:nvSpPr>
+            <p:cNvPr id="104" name="テキスト ボックス 35"/>
+            <p:cNvSpPr txBox="1"/>
+            <p:nvPr/>
+          </p:nvSpPr>
+          <p:spPr>
+            <a:xfrm>
+              <a:off x="62345" y="100853"/>
+              <a:ext cx="1229363" cy="392415"/>
+            </a:xfrm>
+            <a:prstGeom prst="rect">
+              <a:avLst/>
+            </a:prstGeom>
+            <a:noFill/>
+          </p:spPr>
+          <p:style>
+            <a:lnRef idx="0">
+              <a:scrgbClr r="0" g="0" b="0"/>
+            </a:lnRef>
+            <a:fillRef idx="0">
+              <a:scrgbClr r="0" g="0" b="0"/>
+            </a:fillRef>
+            <a:effectRef idx="0">
+              <a:scrgbClr r="0" g="0" b="0"/>
+            </a:effectRef>
+            <a:fontRef idx="minor">
+              <a:schemeClr val="tx1"/>
+            </a:fontRef>
+          </p:style>
+          <p:txBody>
+            <a:bodyPr wrap="square" rtlCol="0" anchor="ctr">
+              <a:noAutofit/>
+            </a:bodyPr>
+            <a:lstStyle>
+              <a:lvl1pPr marL="0" indent="0">
+                <a:defRPr sz="1100">
+                  <a:solidFill>
+                    <a:schemeClr val="tx1"/>
+                  </a:solidFill>
+                  <a:latin typeface="+mn-lt"/>
+                  <a:ea typeface="+mn-ea"/>
+                  <a:cs typeface="+mn-cs"/>
+                </a:defRPr>
+              </a:lvl1pPr>
+              <a:lvl2pPr marL="457200" indent="0">
+                <a:defRPr sz="1100">
+                  <a:solidFill>
+                    <a:schemeClr val="tx1"/>
+                  </a:solidFill>
+                  <a:latin typeface="+mn-lt"/>
+                  <a:ea typeface="+mn-ea"/>
+                  <a:cs typeface="+mn-cs"/>
+                </a:defRPr>
+              </a:lvl2pPr>
+              <a:lvl3pPr marL="914400" indent="0">
+                <a:defRPr sz="1100">
+                  <a:solidFill>
+                    <a:schemeClr val="tx1"/>
+                  </a:solidFill>
+                  <a:latin typeface="+mn-lt"/>
+                  <a:ea typeface="+mn-ea"/>
+                  <a:cs typeface="+mn-cs"/>
+                </a:defRPr>
+              </a:lvl3pPr>
+              <a:lvl4pPr marL="1371600" indent="0">
+                <a:defRPr sz="1100">
+                  <a:solidFill>
+                    <a:schemeClr val="tx1"/>
+                  </a:solidFill>
+                  <a:latin typeface="+mn-lt"/>
+                  <a:ea typeface="+mn-ea"/>
+                  <a:cs typeface="+mn-cs"/>
+                </a:defRPr>
+              </a:lvl4pPr>
+              <a:lvl5pPr marL="1828800" indent="0">
+                <a:defRPr sz="1100">
+                  <a:solidFill>
+                    <a:schemeClr val="tx1"/>
+                  </a:solidFill>
+                  <a:latin typeface="+mn-lt"/>
+                  <a:ea typeface="+mn-ea"/>
+                  <a:cs typeface="+mn-cs"/>
+                </a:defRPr>
+              </a:lvl5pPr>
+              <a:lvl6pPr marL="2286000" indent="0">
+                <a:defRPr sz="1100">
+                  <a:solidFill>
+                    <a:schemeClr val="tx1"/>
+                  </a:solidFill>
+                  <a:latin typeface="+mn-lt"/>
+                  <a:ea typeface="+mn-ea"/>
+                  <a:cs typeface="+mn-cs"/>
+                </a:defRPr>
+              </a:lvl6pPr>
+              <a:lvl7pPr marL="2743200" indent="0">
+                <a:defRPr sz="1100">
+                  <a:solidFill>
+                    <a:schemeClr val="tx1"/>
+                  </a:solidFill>
+                  <a:latin typeface="+mn-lt"/>
+                  <a:ea typeface="+mn-ea"/>
+                  <a:cs typeface="+mn-cs"/>
+                </a:defRPr>
+              </a:lvl7pPr>
+              <a:lvl8pPr marL="3200400" indent="0">
+                <a:defRPr sz="1100">
+                  <a:solidFill>
+                    <a:schemeClr val="tx1"/>
+                  </a:solidFill>
+                  <a:latin typeface="+mn-lt"/>
+                  <a:ea typeface="+mn-ea"/>
+                  <a:cs typeface="+mn-cs"/>
+                </a:defRPr>
+              </a:lvl8pPr>
+              <a:lvl9pPr marL="3657600" indent="0">
+                <a:defRPr sz="1100">
+                  <a:solidFill>
+                    <a:schemeClr val="tx1"/>
+                  </a:solidFill>
+                  <a:latin typeface="+mn-lt"/>
+                  <a:ea typeface="+mn-ea"/>
+                  <a:cs typeface="+mn-cs"/>
+                </a:defRPr>
+              </a:lvl9pPr>
+            </a:lstStyle>
+            <a:p>
+              <a:pPr algn="ctr"/>
+              <a:r>
+                <a:rPr kumimoji="1" lang="ja-JP" altLang="en-US" sz="900">
+                  <a:latin typeface="MS UI Gothic" panose="020B0600070205080204" pitchFamily="50" charset="-128"/>
+                  <a:ea typeface="MS UI Gothic" panose="020B0600070205080204" pitchFamily="50" charset="-128"/>
+                </a:rPr>
+                <a:t>パスワードの</a:t>
+              </a:r>
+              <a:endParaRPr kumimoji="1" lang="en-US" altLang="ja-JP" sz="900">
+                <a:latin typeface="MS UI Gothic" panose="020B0600070205080204" pitchFamily="50" charset="-128"/>
+                <a:ea typeface="MS UI Gothic" panose="020B0600070205080204" pitchFamily="50" charset="-128"/>
+              </a:endParaRPr>
+            </a:p>
+            <a:p>
+              <a:pPr algn="ctr"/>
+              <a:r>
+                <a:rPr kumimoji="1" lang="ja-JP" altLang="en-US" sz="900">
+                  <a:latin typeface="MS UI Gothic" panose="020B0600070205080204" pitchFamily="50" charset="-128"/>
+                  <a:ea typeface="MS UI Gothic" panose="020B0600070205080204" pitchFamily="50" charset="-128"/>
+                </a:rPr>
+                <a:t>正誤確認</a:t>
+              </a:r>
+            </a:p>
+          </p:txBody>
+        </p:sp>
+      </p:grpSp>
+      <p:grpSp>
+        <p:nvGrpSpPr>
+          <p:cNvPr id="30" name="グループ化 29"/>
+          <p:cNvGrpSpPr/>
+          <p:nvPr/>
+        </p:nvGrpSpPr>
+        <p:grpSpPr>
+          <a:xfrm>
+            <a:off x="2565710" y="1377003"/>
+            <a:ext cx="4693765" cy="4871901"/>
+            <a:chOff x="2565710" y="1377003"/>
+            <a:chExt cx="4693765" cy="4871901"/>
+          </a:xfrm>
+        </p:grpSpPr>
+        <p:sp>
+          <p:nvSpPr>
+            <p:cNvPr id="93" name="フローチャート : 定義済み処理 27"/>
+            <p:cNvSpPr/>
+            <p:nvPr/>
+          </p:nvSpPr>
+          <p:spPr>
+            <a:xfrm>
+              <a:off x="2616421" y="1377003"/>
+              <a:ext cx="1243949" cy="432339"/>
+            </a:xfrm>
+            <a:prstGeom prst="flowChartPredefinedProcess">
+              <a:avLst/>
+            </a:prstGeom>
+            <a:solidFill>
+              <a:sysClr val="window" lastClr="FFFFFF"/>
+            </a:solidFill>
+            <a:ln>
+              <a:solidFill>
+                <a:sysClr val="windowText" lastClr="000000"/>
+              </a:solidFill>
+            </a:ln>
+          </p:spPr>
+          <p:style>
+            <a:lnRef idx="2">
+              <a:schemeClr val="accent1">
+                <a:shade val="50000"/>
+              </a:schemeClr>
+            </a:lnRef>
+            <a:fillRef idx="1">
+              <a:schemeClr val="accent1"/>
+            </a:fillRef>
+            <a:effectRef idx="0">
+              <a:schemeClr val="accent1"/>
+            </a:effectRef>
+            <a:fontRef idx="minor">
+              <a:schemeClr val="lt1"/>
+            </a:fontRef>
+          </p:style>
+          <p:txBody>
+            <a:bodyPr wrap="square" rtlCol="0" anchor="ctr"/>
+            <a:lstStyle>
+              <a:lvl1pPr marL="0" indent="0">
+                <a:defRPr sz="1100">
+                  <a:solidFill>
+                    <a:schemeClr val="lt1"/>
+                  </a:solidFill>
+                  <a:latin typeface="+mn-lt"/>
+                  <a:ea typeface="+mn-ea"/>
+                  <a:cs typeface="+mn-cs"/>
+                </a:defRPr>
+              </a:lvl1pPr>
+              <a:lvl2pPr marL="457200" indent="0">
+                <a:defRPr sz="1100">
+                  <a:solidFill>
+                    <a:schemeClr val="lt1"/>
+                  </a:solidFill>
+                  <a:latin typeface="+mn-lt"/>
+                  <a:ea typeface="+mn-ea"/>
+                  <a:cs typeface="+mn-cs"/>
+                </a:defRPr>
+              </a:lvl2pPr>
+              <a:lvl3pPr marL="914400" indent="0">
+                <a:defRPr sz="1100">
+                  <a:solidFill>
+                    <a:schemeClr val="lt1"/>
+                  </a:solidFill>
+                  <a:latin typeface="+mn-lt"/>
+                  <a:ea typeface="+mn-ea"/>
+                  <a:cs typeface="+mn-cs"/>
+                </a:defRPr>
+              </a:lvl3pPr>
+              <a:lvl4pPr marL="1371600" indent="0">
+                <a:defRPr sz="1100">
+                  <a:solidFill>
+                    <a:schemeClr val="lt1"/>
+                  </a:solidFill>
+                  <a:latin typeface="+mn-lt"/>
+                  <a:ea typeface="+mn-ea"/>
+                  <a:cs typeface="+mn-cs"/>
+                </a:defRPr>
+              </a:lvl4pPr>
+              <a:lvl5pPr marL="1828800" indent="0">
+                <a:defRPr sz="1100">
+                  <a:solidFill>
+                    <a:schemeClr val="lt1"/>
+                  </a:solidFill>
+                  <a:latin typeface="+mn-lt"/>
+                  <a:ea typeface="+mn-ea"/>
+                  <a:cs typeface="+mn-cs"/>
+                </a:defRPr>
+              </a:lvl5pPr>
+              <a:lvl6pPr marL="2286000" indent="0">
+                <a:defRPr sz="1100">
+                  <a:solidFill>
+                    <a:schemeClr val="lt1"/>
+                  </a:solidFill>
+                  <a:latin typeface="+mn-lt"/>
+                  <a:ea typeface="+mn-ea"/>
+                  <a:cs typeface="+mn-cs"/>
+                </a:defRPr>
+              </a:lvl6pPr>
+              <a:lvl7pPr marL="2743200" indent="0">
+                <a:defRPr sz="1100">
+                  <a:solidFill>
+                    <a:schemeClr val="lt1"/>
+                  </a:solidFill>
+                  <a:latin typeface="+mn-lt"/>
+                  <a:ea typeface="+mn-ea"/>
+                  <a:cs typeface="+mn-cs"/>
+                </a:defRPr>
+              </a:lvl7pPr>
+              <a:lvl8pPr marL="3200400" indent="0">
+                <a:defRPr sz="1100">
+                  <a:solidFill>
+                    <a:schemeClr val="lt1"/>
+                  </a:solidFill>
+                  <a:latin typeface="+mn-lt"/>
+                  <a:ea typeface="+mn-ea"/>
+                  <a:cs typeface="+mn-cs"/>
+                </a:defRPr>
+              </a:lvl8pPr>
+              <a:lvl9pPr marL="3657600" indent="0">
+                <a:defRPr sz="1100">
+                  <a:solidFill>
+                    <a:schemeClr val="lt1"/>
+                  </a:solidFill>
+                  <a:latin typeface="+mn-lt"/>
+                  <a:ea typeface="+mn-ea"/>
+                  <a:cs typeface="+mn-cs"/>
+                </a:defRPr>
+              </a:lvl9pPr>
+            </a:lstStyle>
+            <a:p>
+              <a:pPr algn="ctr"/>
+              <a:r>
+                <a:rPr lang="ja-JP" altLang="en-US" sz="900" dirty="0">
+                  <a:solidFill>
+                    <a:sysClr val="windowText" lastClr="000000"/>
+                  </a:solidFill>
+                  <a:latin typeface="MS UI Gothic" panose="020B0600070205080204" pitchFamily="50" charset="-128"/>
+                  <a:ea typeface="MS UI Gothic" panose="020B0600070205080204" pitchFamily="50" charset="-128"/>
+                </a:rPr>
+                <a:t>システム</a:t>
+              </a:r>
+              <a:r>
+                <a:rPr lang="ja-JP" altLang="en-US" sz="900" dirty="0" smtClean="0">
+                  <a:solidFill>
+                    <a:sysClr val="windowText" lastClr="000000"/>
+                  </a:solidFill>
+                  <a:latin typeface="MS UI Gothic" panose="020B0600070205080204" pitchFamily="50" charset="-128"/>
+                  <a:ea typeface="MS UI Gothic" panose="020B0600070205080204" pitchFamily="50" charset="-128"/>
+                </a:rPr>
+                <a:t>へ</a:t>
+              </a:r>
+              <a:endParaRPr lang="en-US" altLang="ja-JP" sz="900" dirty="0" smtClean="0">
+                <a:solidFill>
+                  <a:sysClr val="windowText" lastClr="000000"/>
+                </a:solidFill>
+                <a:latin typeface="MS UI Gothic" panose="020B0600070205080204" pitchFamily="50" charset="-128"/>
+                <a:ea typeface="MS UI Gothic" panose="020B0600070205080204" pitchFamily="50" charset="-128"/>
+              </a:endParaRPr>
+            </a:p>
+            <a:p>
+              <a:pPr algn="ctr"/>
+              <a:r>
+                <a:rPr lang="ja-JP" altLang="en-US" sz="900" dirty="0" smtClean="0">
+                  <a:solidFill>
+                    <a:sysClr val="windowText" lastClr="000000"/>
+                  </a:solidFill>
+                  <a:latin typeface="MS UI Gothic" panose="020B0600070205080204" pitchFamily="50" charset="-128"/>
+                  <a:ea typeface="MS UI Gothic" panose="020B0600070205080204" pitchFamily="50" charset="-128"/>
+                </a:rPr>
+                <a:t>アクセス</a:t>
+              </a:r>
+              <a:endParaRPr lang="en-US" altLang="ja-JP" sz="900" dirty="0">
+                <a:solidFill>
+                  <a:sysClr val="windowText" lastClr="000000"/>
+                </a:solidFill>
+                <a:latin typeface="MS UI Gothic" panose="020B0600070205080204" pitchFamily="50" charset="-128"/>
+                <a:ea typeface="MS UI Gothic" panose="020B0600070205080204" pitchFamily="50" charset="-128"/>
+              </a:endParaRPr>
+            </a:p>
+          </p:txBody>
+        </p:sp>
+        <p:sp>
+          <p:nvSpPr>
+            <p:cNvPr id="94" name="フローチャート : 定義済み処理 27"/>
+            <p:cNvSpPr/>
+            <p:nvPr/>
+          </p:nvSpPr>
+          <p:spPr>
+            <a:xfrm>
+              <a:off x="2616421" y="2094977"/>
+              <a:ext cx="1243949" cy="432339"/>
+            </a:xfrm>
+            <a:prstGeom prst="flowChartPredefinedProcess">
+              <a:avLst/>
+            </a:prstGeom>
+            <a:solidFill>
+              <a:sysClr val="window" lastClr="FFFFFF"/>
+            </a:solidFill>
+            <a:ln>
+              <a:solidFill>
+                <a:sysClr val="windowText" lastClr="000000"/>
+              </a:solidFill>
+            </a:ln>
+          </p:spPr>
+          <p:style>
+            <a:lnRef idx="2">
+              <a:schemeClr val="accent1">
+                <a:shade val="50000"/>
+              </a:schemeClr>
+            </a:lnRef>
+            <a:fillRef idx="1">
+              <a:schemeClr val="accent1"/>
+            </a:fillRef>
+            <a:effectRef idx="0">
+              <a:schemeClr val="accent1"/>
+            </a:effectRef>
+            <a:fontRef idx="minor">
+              <a:schemeClr val="lt1"/>
+            </a:fontRef>
+          </p:style>
+          <p:txBody>
+            <a:bodyPr wrap="square" rtlCol="0" anchor="ctr"/>
+            <a:lstStyle>
+              <a:lvl1pPr marL="0" indent="0">
+                <a:defRPr sz="1100">
+                  <a:solidFill>
+                    <a:schemeClr val="lt1"/>
+                  </a:solidFill>
+                  <a:latin typeface="+mn-lt"/>
+                  <a:ea typeface="+mn-ea"/>
+                  <a:cs typeface="+mn-cs"/>
+                </a:defRPr>
+              </a:lvl1pPr>
+              <a:lvl2pPr marL="457200" indent="0">
+                <a:defRPr sz="1100">
+                  <a:solidFill>
+                    <a:schemeClr val="lt1"/>
+                  </a:solidFill>
+                  <a:latin typeface="+mn-lt"/>
+                  <a:ea typeface="+mn-ea"/>
+                  <a:cs typeface="+mn-cs"/>
+                </a:defRPr>
+              </a:lvl2pPr>
+              <a:lvl3pPr marL="914400" indent="0">
+                <a:defRPr sz="1100">
+                  <a:solidFill>
+                    <a:schemeClr val="lt1"/>
+                  </a:solidFill>
+                  <a:latin typeface="+mn-lt"/>
+                  <a:ea typeface="+mn-ea"/>
+                  <a:cs typeface="+mn-cs"/>
+                </a:defRPr>
+              </a:lvl3pPr>
+              <a:lvl4pPr marL="1371600" indent="0">
+                <a:defRPr sz="1100">
+                  <a:solidFill>
+                    <a:schemeClr val="lt1"/>
+                  </a:solidFill>
+                  <a:latin typeface="+mn-lt"/>
+                  <a:ea typeface="+mn-ea"/>
+                  <a:cs typeface="+mn-cs"/>
+                </a:defRPr>
+              </a:lvl4pPr>
+              <a:lvl5pPr marL="1828800" indent="0">
+                <a:defRPr sz="1100">
+                  <a:solidFill>
+                    <a:schemeClr val="lt1"/>
+                  </a:solidFill>
+                  <a:latin typeface="+mn-lt"/>
+                  <a:ea typeface="+mn-ea"/>
+                  <a:cs typeface="+mn-cs"/>
+                </a:defRPr>
+              </a:lvl5pPr>
+              <a:lvl6pPr marL="2286000" indent="0">
+                <a:defRPr sz="1100">
+                  <a:solidFill>
+                    <a:schemeClr val="lt1"/>
+                  </a:solidFill>
+                  <a:latin typeface="+mn-lt"/>
+                  <a:ea typeface="+mn-ea"/>
+                  <a:cs typeface="+mn-cs"/>
+                </a:defRPr>
+              </a:lvl6pPr>
+              <a:lvl7pPr marL="2743200" indent="0">
+                <a:defRPr sz="1100">
+                  <a:solidFill>
+                    <a:schemeClr val="lt1"/>
+                  </a:solidFill>
+                  <a:latin typeface="+mn-lt"/>
+                  <a:ea typeface="+mn-ea"/>
+                  <a:cs typeface="+mn-cs"/>
+                </a:defRPr>
+              </a:lvl7pPr>
+              <a:lvl8pPr marL="3200400" indent="0">
+                <a:defRPr sz="1100">
+                  <a:solidFill>
+                    <a:schemeClr val="lt1"/>
+                  </a:solidFill>
+                  <a:latin typeface="+mn-lt"/>
+                  <a:ea typeface="+mn-ea"/>
+                  <a:cs typeface="+mn-cs"/>
+                </a:defRPr>
+              </a:lvl8pPr>
+              <a:lvl9pPr marL="3657600" indent="0">
+                <a:defRPr sz="1100">
+                  <a:solidFill>
+                    <a:schemeClr val="lt1"/>
+                  </a:solidFill>
+                  <a:latin typeface="+mn-lt"/>
+                  <a:ea typeface="+mn-ea"/>
+                  <a:cs typeface="+mn-cs"/>
+                </a:defRPr>
+              </a:lvl9pPr>
+            </a:lstStyle>
+            <a:p>
+              <a:pPr algn="ctr"/>
+              <a:r>
+                <a:rPr lang="ja-JP" altLang="en-US" sz="900" dirty="0" smtClean="0">
+                  <a:solidFill>
+                    <a:sysClr val="windowText" lastClr="000000"/>
+                  </a:solidFill>
+                  <a:latin typeface="MS UI Gothic" panose="020B0600070205080204" pitchFamily="50" charset="-128"/>
+                  <a:ea typeface="MS UI Gothic" panose="020B0600070205080204" pitchFamily="50" charset="-128"/>
+                </a:rPr>
+                <a:t>グーグルマップを使用</a:t>
+              </a:r>
+              <a:endParaRPr kumimoji="1" lang="ja-JP" altLang="en-US" sz="900" dirty="0">
+                <a:solidFill>
+                  <a:sysClr val="windowText" lastClr="000000"/>
+                </a:solidFill>
+                <a:latin typeface="MS UI Gothic" panose="020B0600070205080204" pitchFamily="50" charset="-128"/>
+                <a:ea typeface="MS UI Gothic" panose="020B0600070205080204" pitchFamily="50" charset="-128"/>
+              </a:endParaRPr>
+            </a:p>
+          </p:txBody>
+        </p:sp>
+        <p:sp>
+          <p:nvSpPr>
+            <p:cNvPr id="95" name="フローチャート : 定義済み処理 27"/>
+            <p:cNvSpPr/>
+            <p:nvPr/>
+          </p:nvSpPr>
+          <p:spPr>
+            <a:xfrm>
+              <a:off x="2616420" y="2812951"/>
+              <a:ext cx="1243949" cy="432339"/>
+            </a:xfrm>
+            <a:prstGeom prst="flowChartPredefinedProcess">
+              <a:avLst/>
+            </a:prstGeom>
+            <a:solidFill>
+              <a:sysClr val="window" lastClr="FFFFFF"/>
+            </a:solidFill>
+            <a:ln>
+              <a:solidFill>
+                <a:sysClr val="windowText" lastClr="000000"/>
+              </a:solidFill>
+            </a:ln>
+          </p:spPr>
+          <p:style>
+            <a:lnRef idx="2">
+              <a:schemeClr val="accent1">
+                <a:shade val="50000"/>
+              </a:schemeClr>
+            </a:lnRef>
+            <a:fillRef idx="1">
+              <a:schemeClr val="accent1"/>
+            </a:fillRef>
+            <a:effectRef idx="0">
+              <a:schemeClr val="accent1"/>
+            </a:effectRef>
+            <a:fontRef idx="minor">
+              <a:schemeClr val="lt1"/>
+            </a:fontRef>
+          </p:style>
+          <p:txBody>
+            <a:bodyPr wrap="square" rtlCol="0" anchor="ctr"/>
+            <a:lstStyle>
+              <a:lvl1pPr marL="0" indent="0">
+                <a:defRPr sz="1100">
+                  <a:solidFill>
+                    <a:schemeClr val="lt1"/>
+                  </a:solidFill>
+                  <a:latin typeface="+mn-lt"/>
+                  <a:ea typeface="+mn-ea"/>
+                  <a:cs typeface="+mn-cs"/>
+                </a:defRPr>
+              </a:lvl1pPr>
+              <a:lvl2pPr marL="457200" indent="0">
+                <a:defRPr sz="1100">
+                  <a:solidFill>
+                    <a:schemeClr val="lt1"/>
+                  </a:solidFill>
+                  <a:latin typeface="+mn-lt"/>
+                  <a:ea typeface="+mn-ea"/>
+                  <a:cs typeface="+mn-cs"/>
+                </a:defRPr>
+              </a:lvl2pPr>
+              <a:lvl3pPr marL="914400" indent="0">
+                <a:defRPr sz="1100">
+                  <a:solidFill>
+                    <a:schemeClr val="lt1"/>
+                  </a:solidFill>
+                  <a:latin typeface="+mn-lt"/>
+                  <a:ea typeface="+mn-ea"/>
+                  <a:cs typeface="+mn-cs"/>
+                </a:defRPr>
+              </a:lvl3pPr>
+              <a:lvl4pPr marL="1371600" indent="0">
+                <a:defRPr sz="1100">
+                  <a:solidFill>
+                    <a:schemeClr val="lt1"/>
+                  </a:solidFill>
+                  <a:latin typeface="+mn-lt"/>
+                  <a:ea typeface="+mn-ea"/>
+                  <a:cs typeface="+mn-cs"/>
+                </a:defRPr>
+              </a:lvl4pPr>
+              <a:lvl5pPr marL="1828800" indent="0">
+                <a:defRPr sz="1100">
+                  <a:solidFill>
+                    <a:schemeClr val="lt1"/>
+                  </a:solidFill>
+                  <a:latin typeface="+mn-lt"/>
+                  <a:ea typeface="+mn-ea"/>
+                  <a:cs typeface="+mn-cs"/>
+                </a:defRPr>
+              </a:lvl5pPr>
+              <a:lvl6pPr marL="2286000" indent="0">
+                <a:defRPr sz="1100">
+                  <a:solidFill>
+                    <a:schemeClr val="lt1"/>
+                  </a:solidFill>
+                  <a:latin typeface="+mn-lt"/>
+                  <a:ea typeface="+mn-ea"/>
+                  <a:cs typeface="+mn-cs"/>
+                </a:defRPr>
+              </a:lvl6pPr>
+              <a:lvl7pPr marL="2743200" indent="0">
+                <a:defRPr sz="1100">
+                  <a:solidFill>
+                    <a:schemeClr val="lt1"/>
+                  </a:solidFill>
+                  <a:latin typeface="+mn-lt"/>
+                  <a:ea typeface="+mn-ea"/>
+                  <a:cs typeface="+mn-cs"/>
+                </a:defRPr>
+              </a:lvl7pPr>
+              <a:lvl8pPr marL="3200400" indent="0">
+                <a:defRPr sz="1100">
+                  <a:solidFill>
+                    <a:schemeClr val="lt1"/>
+                  </a:solidFill>
+                  <a:latin typeface="+mn-lt"/>
+                  <a:ea typeface="+mn-ea"/>
+                  <a:cs typeface="+mn-cs"/>
+                </a:defRPr>
+              </a:lvl8pPr>
+              <a:lvl9pPr marL="3657600" indent="0">
+                <a:defRPr sz="1100">
+                  <a:solidFill>
+                    <a:schemeClr val="lt1"/>
+                  </a:solidFill>
+                  <a:latin typeface="+mn-lt"/>
+                  <a:ea typeface="+mn-ea"/>
+                  <a:cs typeface="+mn-cs"/>
+                </a:defRPr>
+              </a:lvl9pPr>
+            </a:lstStyle>
+            <a:p>
+              <a:pPr algn="ctr"/>
+              <a:r>
+                <a:rPr kumimoji="1" lang="ja-JP" altLang="en-US" sz="900" dirty="0" smtClean="0">
+                  <a:solidFill>
+                    <a:sysClr val="windowText" lastClr="000000"/>
+                  </a:solidFill>
+                  <a:latin typeface="MS UI Gothic" panose="020B0600070205080204" pitchFamily="50" charset="-128"/>
+                  <a:ea typeface="MS UI Gothic" panose="020B0600070205080204" pitchFamily="50" charset="-128"/>
+                </a:rPr>
+                <a:t>ラーメン屋の店名とピンを表示</a:t>
+              </a:r>
+              <a:endParaRPr kumimoji="1" lang="ja-JP" altLang="en-US" sz="900" dirty="0">
+                <a:solidFill>
+                  <a:sysClr val="windowText" lastClr="000000"/>
+                </a:solidFill>
+                <a:latin typeface="MS UI Gothic" panose="020B0600070205080204" pitchFamily="50" charset="-128"/>
+                <a:ea typeface="MS UI Gothic" panose="020B0600070205080204" pitchFamily="50" charset="-128"/>
+              </a:endParaRPr>
+            </a:p>
+          </p:txBody>
+        </p:sp>
+        <p:cxnSp>
+          <p:nvCxnSpPr>
+            <p:cNvPr id="97" name="直線矢印コネクタ 96"/>
+            <p:cNvCxnSpPr>
+              <a:stCxn id="93" idx="2"/>
+              <a:endCxn id="94" idx="0"/>
+            </p:cNvCxnSpPr>
+            <p:nvPr/>
+          </p:nvCxnSpPr>
+          <p:spPr>
+            <a:xfrm>
+              <a:off x="3238396" y="1809342"/>
+              <a:ext cx="0" cy="285635"/>
+            </a:xfrm>
+            <a:prstGeom prst="straightConnector1">
+              <a:avLst/>
+            </a:prstGeom>
+            <a:ln>
+              <a:tailEnd type="triangle"/>
+            </a:ln>
+          </p:spPr>
+          <p:style>
+            <a:lnRef idx="1">
+              <a:schemeClr val="dk1"/>
+            </a:lnRef>
+            <a:fillRef idx="0">
+              <a:schemeClr val="dk1"/>
+            </a:fillRef>
+            <a:effectRef idx="0">
+              <a:schemeClr val="dk1"/>
+            </a:effectRef>
+            <a:fontRef idx="minor">
+              <a:schemeClr val="tx1"/>
+            </a:fontRef>
+          </p:style>
+        </p:cxnSp>
+        <p:cxnSp>
+          <p:nvCxnSpPr>
+            <p:cNvPr id="99" name="直線矢印コネクタ 98"/>
+            <p:cNvCxnSpPr>
+              <a:stCxn id="94" idx="2"/>
+              <a:endCxn id="95" idx="0"/>
+            </p:cNvCxnSpPr>
+            <p:nvPr/>
+          </p:nvCxnSpPr>
+          <p:spPr>
+            <a:xfrm flipH="1">
+              <a:off x="3238395" y="2527316"/>
+              <a:ext cx="1" cy="285635"/>
+            </a:xfrm>
+            <a:prstGeom prst="straightConnector1">
+              <a:avLst/>
+            </a:prstGeom>
+            <a:ln>
+              <a:tailEnd type="triangle"/>
+            </a:ln>
+          </p:spPr>
+          <p:style>
+            <a:lnRef idx="1">
+              <a:schemeClr val="dk1"/>
+            </a:lnRef>
+            <a:fillRef idx="0">
+              <a:schemeClr val="dk1"/>
+            </a:fillRef>
+            <a:effectRef idx="0">
+              <a:schemeClr val="dk1"/>
+            </a:effectRef>
+            <a:fontRef idx="minor">
+              <a:schemeClr val="tx1"/>
+            </a:fontRef>
+          </p:style>
+        </p:cxnSp>
+        <p:sp>
+          <p:nvSpPr>
+            <p:cNvPr id="100" name="フローチャート : 手操作入力 51"/>
+            <p:cNvSpPr/>
+            <p:nvPr/>
+          </p:nvSpPr>
+          <p:spPr>
+            <a:xfrm>
+              <a:off x="2615602" y="3530925"/>
+              <a:ext cx="1244767" cy="427177"/>
+            </a:xfrm>
+            <a:prstGeom prst="flowChartManualInput">
+              <a:avLst/>
+            </a:prstGeom>
+            <a:solidFill>
+              <a:sysClr val="window" lastClr="FFFFFF"/>
+            </a:solidFill>
+            <a:ln>
+              <a:solidFill>
+                <a:sysClr val="windowText" lastClr="000000"/>
+              </a:solidFill>
+            </a:ln>
+          </p:spPr>
+          <p:style>
+            <a:lnRef idx="2">
+              <a:schemeClr val="accent1">
+                <a:shade val="50000"/>
+              </a:schemeClr>
+            </a:lnRef>
+            <a:fillRef idx="1">
+              <a:schemeClr val="accent1"/>
+            </a:fillRef>
+            <a:effectRef idx="0">
+              <a:schemeClr val="accent1"/>
+            </a:effectRef>
+            <a:fontRef idx="minor">
+              <a:schemeClr val="lt1"/>
+            </a:fontRef>
+          </p:style>
+          <p:txBody>
+            <a:bodyPr wrap="square" rtlCol="0" anchor="ctr"/>
+            <a:lstStyle>
+              <a:lvl1pPr marL="0" indent="0">
+                <a:defRPr sz="1100">
+                  <a:solidFill>
+                    <a:schemeClr val="lt1"/>
+                  </a:solidFill>
+                  <a:latin typeface="+mn-lt"/>
+                  <a:ea typeface="+mn-ea"/>
+                  <a:cs typeface="+mn-cs"/>
+                </a:defRPr>
+              </a:lvl1pPr>
+              <a:lvl2pPr marL="457200" indent="0">
+                <a:defRPr sz="1100">
+                  <a:solidFill>
+                    <a:schemeClr val="lt1"/>
+                  </a:solidFill>
+                  <a:latin typeface="+mn-lt"/>
+                  <a:ea typeface="+mn-ea"/>
+                  <a:cs typeface="+mn-cs"/>
+                </a:defRPr>
+              </a:lvl2pPr>
+              <a:lvl3pPr marL="914400" indent="0">
+                <a:defRPr sz="1100">
+                  <a:solidFill>
+                    <a:schemeClr val="lt1"/>
+                  </a:solidFill>
+                  <a:latin typeface="+mn-lt"/>
+                  <a:ea typeface="+mn-ea"/>
+                  <a:cs typeface="+mn-cs"/>
+                </a:defRPr>
+              </a:lvl3pPr>
+              <a:lvl4pPr marL="1371600" indent="0">
+                <a:defRPr sz="1100">
+                  <a:solidFill>
+                    <a:schemeClr val="lt1"/>
+                  </a:solidFill>
+                  <a:latin typeface="+mn-lt"/>
+                  <a:ea typeface="+mn-ea"/>
+                  <a:cs typeface="+mn-cs"/>
+                </a:defRPr>
+              </a:lvl4pPr>
+              <a:lvl5pPr marL="1828800" indent="0">
+                <a:defRPr sz="1100">
+                  <a:solidFill>
+                    <a:schemeClr val="lt1"/>
+                  </a:solidFill>
+                  <a:latin typeface="+mn-lt"/>
+                  <a:ea typeface="+mn-ea"/>
+                  <a:cs typeface="+mn-cs"/>
+                </a:defRPr>
+              </a:lvl5pPr>
+              <a:lvl6pPr marL="2286000" indent="0">
+                <a:defRPr sz="1100">
+                  <a:solidFill>
+                    <a:schemeClr val="lt1"/>
+                  </a:solidFill>
+                  <a:latin typeface="+mn-lt"/>
+                  <a:ea typeface="+mn-ea"/>
+                  <a:cs typeface="+mn-cs"/>
+                </a:defRPr>
+              </a:lvl6pPr>
+              <a:lvl7pPr marL="2743200" indent="0">
+                <a:defRPr sz="1100">
+                  <a:solidFill>
+                    <a:schemeClr val="lt1"/>
+                  </a:solidFill>
+                  <a:latin typeface="+mn-lt"/>
+                  <a:ea typeface="+mn-ea"/>
+                  <a:cs typeface="+mn-cs"/>
+                </a:defRPr>
+              </a:lvl7pPr>
+              <a:lvl8pPr marL="3200400" indent="0">
+                <a:defRPr sz="1100">
+                  <a:solidFill>
+                    <a:schemeClr val="lt1"/>
+                  </a:solidFill>
+                  <a:latin typeface="+mn-lt"/>
+                  <a:ea typeface="+mn-ea"/>
+                  <a:cs typeface="+mn-cs"/>
+                </a:defRPr>
+              </a:lvl8pPr>
+              <a:lvl9pPr marL="3657600" indent="0">
+                <a:defRPr sz="1100">
+                  <a:solidFill>
+                    <a:schemeClr val="lt1"/>
+                  </a:solidFill>
+                  <a:latin typeface="+mn-lt"/>
+                  <a:ea typeface="+mn-ea"/>
+                  <a:cs typeface="+mn-cs"/>
+                </a:defRPr>
+              </a:lvl9pPr>
+            </a:lstStyle>
+            <a:p>
+              <a:pPr algn="ctr"/>
+              <a:r>
+                <a:rPr lang="ja-JP" altLang="en-US" sz="900" dirty="0" smtClean="0">
+                  <a:solidFill>
+                    <a:sysClr val="windowText" lastClr="000000"/>
+                  </a:solidFill>
+                  <a:latin typeface="MS UI Gothic" panose="020B0600070205080204" pitchFamily="50" charset="-128"/>
+                  <a:ea typeface="MS UI Gothic" panose="020B0600070205080204" pitchFamily="50" charset="-128"/>
+                </a:rPr>
+                <a:t>店名アイコン</a:t>
+              </a:r>
+              <a:r>
+                <a:rPr lang="ja-JP" altLang="en-US" sz="900" dirty="0">
+                  <a:solidFill>
+                    <a:sysClr val="windowText" lastClr="000000"/>
+                  </a:solidFill>
+                  <a:latin typeface="MS UI Gothic" panose="020B0600070205080204" pitchFamily="50" charset="-128"/>
+                  <a:ea typeface="MS UI Gothic" panose="020B0600070205080204" pitchFamily="50" charset="-128"/>
+                </a:rPr>
+                <a:t>選択</a:t>
+              </a:r>
+              <a:endParaRPr kumimoji="1" lang="ja-JP" altLang="en-US" sz="900" dirty="0">
+                <a:solidFill>
+                  <a:sysClr val="windowText" lastClr="000000"/>
+                </a:solidFill>
+                <a:latin typeface="MS UI Gothic" panose="020B0600070205080204" pitchFamily="50" charset="-128"/>
+                <a:ea typeface="MS UI Gothic" panose="020B0600070205080204" pitchFamily="50" charset="-128"/>
+              </a:endParaRPr>
+            </a:p>
+          </p:txBody>
+        </p:sp>
+        <p:sp>
+          <p:nvSpPr>
+            <p:cNvPr id="101" name="フローチャート : 定義済み処理 27"/>
+            <p:cNvSpPr/>
+            <p:nvPr/>
+          </p:nvSpPr>
+          <p:spPr>
+            <a:xfrm>
+              <a:off x="2609180" y="5118413"/>
+              <a:ext cx="1243949" cy="432339"/>
+            </a:xfrm>
+            <a:prstGeom prst="flowChartPredefinedProcess">
+              <a:avLst/>
+            </a:prstGeom>
+            <a:solidFill>
+              <a:sysClr val="window" lastClr="FFFFFF"/>
+            </a:solidFill>
+            <a:ln>
+              <a:solidFill>
+                <a:sysClr val="windowText" lastClr="000000"/>
+              </a:solidFill>
+            </a:ln>
+          </p:spPr>
+          <p:style>
+            <a:lnRef idx="2">
+              <a:schemeClr val="accent1">
+                <a:shade val="50000"/>
+              </a:schemeClr>
+            </a:lnRef>
+            <a:fillRef idx="1">
+              <a:schemeClr val="accent1"/>
+            </a:fillRef>
+            <a:effectRef idx="0">
+              <a:schemeClr val="accent1"/>
+            </a:effectRef>
+            <a:fontRef idx="minor">
+              <a:schemeClr val="lt1"/>
+            </a:fontRef>
+          </p:style>
+          <p:txBody>
+            <a:bodyPr wrap="square" rtlCol="0" anchor="ctr"/>
+            <a:lstStyle>
+              <a:lvl1pPr marL="0" indent="0">
+                <a:defRPr sz="1100">
+                  <a:solidFill>
+                    <a:schemeClr val="lt1"/>
+                  </a:solidFill>
+                  <a:latin typeface="+mn-lt"/>
+                  <a:ea typeface="+mn-ea"/>
+                  <a:cs typeface="+mn-cs"/>
+                </a:defRPr>
+              </a:lvl1pPr>
+              <a:lvl2pPr marL="457200" indent="0">
+                <a:defRPr sz="1100">
+                  <a:solidFill>
+                    <a:schemeClr val="lt1"/>
+                  </a:solidFill>
+                  <a:latin typeface="+mn-lt"/>
+                  <a:ea typeface="+mn-ea"/>
+                  <a:cs typeface="+mn-cs"/>
+                </a:defRPr>
+              </a:lvl2pPr>
+              <a:lvl3pPr marL="914400" indent="0">
+                <a:defRPr sz="1100">
+                  <a:solidFill>
+                    <a:schemeClr val="lt1"/>
+                  </a:solidFill>
+                  <a:latin typeface="+mn-lt"/>
+                  <a:ea typeface="+mn-ea"/>
+                  <a:cs typeface="+mn-cs"/>
+                </a:defRPr>
+              </a:lvl3pPr>
+              <a:lvl4pPr marL="1371600" indent="0">
+                <a:defRPr sz="1100">
+                  <a:solidFill>
+                    <a:schemeClr val="lt1"/>
+                  </a:solidFill>
+                  <a:latin typeface="+mn-lt"/>
+                  <a:ea typeface="+mn-ea"/>
+                  <a:cs typeface="+mn-cs"/>
+                </a:defRPr>
+              </a:lvl4pPr>
+              <a:lvl5pPr marL="1828800" indent="0">
+                <a:defRPr sz="1100">
+                  <a:solidFill>
+                    <a:schemeClr val="lt1"/>
+                  </a:solidFill>
+                  <a:latin typeface="+mn-lt"/>
+                  <a:ea typeface="+mn-ea"/>
+                  <a:cs typeface="+mn-cs"/>
+                </a:defRPr>
+              </a:lvl5pPr>
+              <a:lvl6pPr marL="2286000" indent="0">
+                <a:defRPr sz="1100">
+                  <a:solidFill>
+                    <a:schemeClr val="lt1"/>
+                  </a:solidFill>
+                  <a:latin typeface="+mn-lt"/>
+                  <a:ea typeface="+mn-ea"/>
+                  <a:cs typeface="+mn-cs"/>
+                </a:defRPr>
+              </a:lvl6pPr>
+              <a:lvl7pPr marL="2743200" indent="0">
+                <a:defRPr sz="1100">
+                  <a:solidFill>
+                    <a:schemeClr val="lt1"/>
+                  </a:solidFill>
+                  <a:latin typeface="+mn-lt"/>
+                  <a:ea typeface="+mn-ea"/>
+                  <a:cs typeface="+mn-cs"/>
+                </a:defRPr>
+              </a:lvl7pPr>
+              <a:lvl8pPr marL="3200400" indent="0">
+                <a:defRPr sz="1100">
+                  <a:solidFill>
+                    <a:schemeClr val="lt1"/>
+                  </a:solidFill>
+                  <a:latin typeface="+mn-lt"/>
+                  <a:ea typeface="+mn-ea"/>
+                  <a:cs typeface="+mn-cs"/>
+                </a:defRPr>
+              </a:lvl8pPr>
+              <a:lvl9pPr marL="3657600" indent="0">
+                <a:defRPr sz="1100">
+                  <a:solidFill>
+                    <a:schemeClr val="lt1"/>
+                  </a:solidFill>
+                  <a:latin typeface="+mn-lt"/>
+                  <a:ea typeface="+mn-ea"/>
+                  <a:cs typeface="+mn-cs"/>
+                </a:defRPr>
+              </a:lvl9pPr>
+            </a:lstStyle>
+            <a:p>
+              <a:pPr algn="ctr"/>
+              <a:r>
+                <a:rPr lang="ja-JP" altLang="en-US" sz="900" dirty="0" smtClean="0">
+                  <a:solidFill>
+                    <a:sysClr val="windowText" lastClr="000000"/>
+                  </a:solidFill>
+                  <a:latin typeface="MS UI Gothic" panose="020B0600070205080204" pitchFamily="50" charset="-128"/>
+                  <a:ea typeface="MS UI Gothic" panose="020B0600070205080204" pitchFamily="50" charset="-128"/>
+                </a:rPr>
+                <a:t>コメント</a:t>
+              </a:r>
+              <a:r>
+                <a:rPr lang="ja-JP" altLang="en-US" sz="900" dirty="0">
+                  <a:solidFill>
+                    <a:sysClr val="windowText" lastClr="000000"/>
+                  </a:solidFill>
+                  <a:latin typeface="MS UI Gothic" panose="020B0600070205080204" pitchFamily="50" charset="-128"/>
+                  <a:ea typeface="MS UI Gothic" panose="020B0600070205080204" pitchFamily="50" charset="-128"/>
+                </a:rPr>
+                <a:t>表示</a:t>
+              </a:r>
+              <a:endParaRPr kumimoji="1" lang="en-US" altLang="ja-JP" sz="900" dirty="0" smtClean="0">
+                <a:solidFill>
+                  <a:sysClr val="windowText" lastClr="000000"/>
+                </a:solidFill>
+                <a:latin typeface="MS UI Gothic" panose="020B0600070205080204" pitchFamily="50" charset="-128"/>
+                <a:ea typeface="MS UI Gothic" panose="020B0600070205080204" pitchFamily="50" charset="-128"/>
+              </a:endParaRPr>
+            </a:p>
+          </p:txBody>
+        </p:sp>
+        <p:sp>
+          <p:nvSpPr>
+            <p:cNvPr id="108" name="フローチャート : 定義済み処理 27"/>
+            <p:cNvSpPr/>
+            <p:nvPr/>
+          </p:nvSpPr>
+          <p:spPr>
+            <a:xfrm>
+              <a:off x="4373970" y="4319805"/>
+              <a:ext cx="1243949" cy="432339"/>
+            </a:xfrm>
+            <a:prstGeom prst="flowChartPredefinedProcess">
+              <a:avLst/>
+            </a:prstGeom>
+            <a:solidFill>
+              <a:sysClr val="window" lastClr="FFFFFF"/>
+            </a:solidFill>
+            <a:ln>
+              <a:solidFill>
+                <a:sysClr val="windowText" lastClr="000000"/>
+              </a:solidFill>
+            </a:ln>
+          </p:spPr>
+          <p:style>
+            <a:lnRef idx="2">
+              <a:schemeClr val="accent1">
+                <a:shade val="50000"/>
+              </a:schemeClr>
+            </a:lnRef>
+            <a:fillRef idx="1">
+              <a:schemeClr val="accent1"/>
+            </a:fillRef>
+            <a:effectRef idx="0">
+              <a:schemeClr val="accent1"/>
+            </a:effectRef>
+            <a:fontRef idx="minor">
+              <a:schemeClr val="lt1"/>
+            </a:fontRef>
+          </p:style>
+          <p:txBody>
+            <a:bodyPr wrap="square" rtlCol="0" anchor="ctr"/>
+            <a:lstStyle>
+              <a:lvl1pPr marL="0" indent="0">
+                <a:defRPr sz="1100">
+                  <a:solidFill>
+                    <a:schemeClr val="lt1"/>
+                  </a:solidFill>
+                  <a:latin typeface="+mn-lt"/>
+                  <a:ea typeface="+mn-ea"/>
+                  <a:cs typeface="+mn-cs"/>
+                </a:defRPr>
+              </a:lvl1pPr>
+              <a:lvl2pPr marL="457200" indent="0">
+                <a:defRPr sz="1100">
+                  <a:solidFill>
+                    <a:schemeClr val="lt1"/>
+                  </a:solidFill>
+                  <a:latin typeface="+mn-lt"/>
+                  <a:ea typeface="+mn-ea"/>
+                  <a:cs typeface="+mn-cs"/>
+                </a:defRPr>
+              </a:lvl2pPr>
+              <a:lvl3pPr marL="914400" indent="0">
+                <a:defRPr sz="1100">
+                  <a:solidFill>
+                    <a:schemeClr val="lt1"/>
+                  </a:solidFill>
+                  <a:latin typeface="+mn-lt"/>
+                  <a:ea typeface="+mn-ea"/>
+                  <a:cs typeface="+mn-cs"/>
+                </a:defRPr>
+              </a:lvl3pPr>
+              <a:lvl4pPr marL="1371600" indent="0">
+                <a:defRPr sz="1100">
+                  <a:solidFill>
+                    <a:schemeClr val="lt1"/>
+                  </a:solidFill>
+                  <a:latin typeface="+mn-lt"/>
+                  <a:ea typeface="+mn-ea"/>
+                  <a:cs typeface="+mn-cs"/>
+                </a:defRPr>
+              </a:lvl4pPr>
+              <a:lvl5pPr marL="1828800" indent="0">
+                <a:defRPr sz="1100">
+                  <a:solidFill>
+                    <a:schemeClr val="lt1"/>
+                  </a:solidFill>
+                  <a:latin typeface="+mn-lt"/>
+                  <a:ea typeface="+mn-ea"/>
+                  <a:cs typeface="+mn-cs"/>
+                </a:defRPr>
+              </a:lvl5pPr>
+              <a:lvl6pPr marL="2286000" indent="0">
+                <a:defRPr sz="1100">
+                  <a:solidFill>
+                    <a:schemeClr val="lt1"/>
+                  </a:solidFill>
+                  <a:latin typeface="+mn-lt"/>
+                  <a:ea typeface="+mn-ea"/>
+                  <a:cs typeface="+mn-cs"/>
+                </a:defRPr>
+              </a:lvl6pPr>
+              <a:lvl7pPr marL="2743200" indent="0">
+                <a:defRPr sz="1100">
+                  <a:solidFill>
+                    <a:schemeClr val="lt1"/>
+                  </a:solidFill>
+                  <a:latin typeface="+mn-lt"/>
+                  <a:ea typeface="+mn-ea"/>
+                  <a:cs typeface="+mn-cs"/>
+                </a:defRPr>
+              </a:lvl7pPr>
+              <a:lvl8pPr marL="3200400" indent="0">
+                <a:defRPr sz="1100">
+                  <a:solidFill>
+                    <a:schemeClr val="lt1"/>
+                  </a:solidFill>
+                  <a:latin typeface="+mn-lt"/>
+                  <a:ea typeface="+mn-ea"/>
+                  <a:cs typeface="+mn-cs"/>
+                </a:defRPr>
+              </a:lvl8pPr>
+              <a:lvl9pPr marL="3657600" indent="0">
+                <a:defRPr sz="1100">
+                  <a:solidFill>
+                    <a:schemeClr val="lt1"/>
+                  </a:solidFill>
+                  <a:latin typeface="+mn-lt"/>
+                  <a:ea typeface="+mn-ea"/>
+                  <a:cs typeface="+mn-cs"/>
+                </a:defRPr>
+              </a:lvl9pPr>
+            </a:lstStyle>
+            <a:p>
+              <a:pPr algn="ctr"/>
+              <a:r>
+                <a:rPr kumimoji="1" lang="ja-JP" altLang="en-US" sz="900" dirty="0" smtClean="0">
+                  <a:solidFill>
+                    <a:sysClr val="windowText" lastClr="000000"/>
+                  </a:solidFill>
+                  <a:latin typeface="MS UI Gothic" panose="020B0600070205080204" pitchFamily="50" charset="-128"/>
+                  <a:ea typeface="MS UI Gothic" panose="020B0600070205080204" pitchFamily="50" charset="-128"/>
+                </a:rPr>
+                <a:t>マップに戻る</a:t>
+              </a:r>
+              <a:endParaRPr kumimoji="1" lang="ja-JP" altLang="en-US" sz="900" dirty="0">
+                <a:solidFill>
+                  <a:sysClr val="windowText" lastClr="000000"/>
+                </a:solidFill>
+                <a:latin typeface="MS UI Gothic" panose="020B0600070205080204" pitchFamily="50" charset="-128"/>
+                <a:ea typeface="MS UI Gothic" panose="020B0600070205080204" pitchFamily="50" charset="-128"/>
+              </a:endParaRPr>
+            </a:p>
+          </p:txBody>
+        </p:sp>
+        <p:grpSp>
+          <p:nvGrpSpPr>
+            <p:cNvPr id="17" name="グループ化 16"/>
+            <p:cNvGrpSpPr/>
+            <p:nvPr/>
+          </p:nvGrpSpPr>
+          <p:grpSpPr>
+            <a:xfrm>
+              <a:off x="2565710" y="4243737"/>
+              <a:ext cx="1343731" cy="589041"/>
+              <a:chOff x="0" y="0"/>
+              <a:chExt cx="1367117" cy="571501"/>
+            </a:xfrm>
+          </p:grpSpPr>
+          <p:sp>
+            <p:nvSpPr>
+              <p:cNvPr id="18" name="ひし形 17"/>
+              <p:cNvSpPr/>
+              <p:nvPr/>
+            </p:nvSpPr>
+            <p:spPr>
+              <a:xfrm>
+                <a:off x="0" y="0"/>
+                <a:ext cx="1367117" cy="571501"/>
+              </a:xfrm>
+              <a:prstGeom prst="diamond">
+                <a:avLst/>
+              </a:prstGeom>
+              <a:solidFill>
+                <a:sysClr val="window" lastClr="FFFFFF"/>
+              </a:solidFill>
+              <a:ln>
+                <a:solidFill>
+                  <a:sysClr val="windowText" lastClr="000000"/>
+                </a:solidFill>
+              </a:ln>
+            </p:spPr>
+            <p:style>
+              <a:lnRef idx="2">
+                <a:schemeClr val="accent1">
+                  <a:shade val="50000"/>
+                </a:schemeClr>
+              </a:lnRef>
+              <a:fillRef idx="1">
+                <a:schemeClr val="accent1"/>
+              </a:fillRef>
+              <a:effectRef idx="0">
+                <a:schemeClr val="accent1"/>
+              </a:effectRef>
+              <a:fontRef idx="minor">
+                <a:schemeClr val="lt1"/>
+              </a:fontRef>
+            </p:style>
+            <p:txBody>
+              <a:bodyPr rtlCol="0" anchor="t"/>
+              <a:lstStyle>
+                <a:lvl1pPr marL="0" indent="0">
+                  <a:defRPr sz="1100">
+                    <a:solidFill>
+                      <a:schemeClr val="lt1"/>
+                    </a:solidFill>
+                    <a:latin typeface="+mn-lt"/>
+                    <a:ea typeface="+mn-ea"/>
+                    <a:cs typeface="+mn-cs"/>
+                  </a:defRPr>
+                </a:lvl1pPr>
+                <a:lvl2pPr marL="457200" indent="0">
+                  <a:defRPr sz="1100">
+                    <a:solidFill>
+                      <a:schemeClr val="lt1"/>
+                    </a:solidFill>
+                    <a:latin typeface="+mn-lt"/>
+                    <a:ea typeface="+mn-ea"/>
+                    <a:cs typeface="+mn-cs"/>
+                  </a:defRPr>
+                </a:lvl2pPr>
+                <a:lvl3pPr marL="914400" indent="0">
+                  <a:defRPr sz="1100">
+                    <a:solidFill>
+                      <a:schemeClr val="lt1"/>
+                    </a:solidFill>
+                    <a:latin typeface="+mn-lt"/>
+                    <a:ea typeface="+mn-ea"/>
+                    <a:cs typeface="+mn-cs"/>
+                  </a:defRPr>
+                </a:lvl3pPr>
+                <a:lvl4pPr marL="1371600" indent="0">
+                  <a:defRPr sz="1100">
+                    <a:solidFill>
+                      <a:schemeClr val="lt1"/>
+                    </a:solidFill>
+                    <a:latin typeface="+mn-lt"/>
+                    <a:ea typeface="+mn-ea"/>
+                    <a:cs typeface="+mn-cs"/>
+                  </a:defRPr>
+                </a:lvl4pPr>
+                <a:lvl5pPr marL="1828800" indent="0">
+                  <a:defRPr sz="1100">
+                    <a:solidFill>
+                      <a:schemeClr val="lt1"/>
+                    </a:solidFill>
+                    <a:latin typeface="+mn-lt"/>
+                    <a:ea typeface="+mn-ea"/>
+                    <a:cs typeface="+mn-cs"/>
+                  </a:defRPr>
+                </a:lvl5pPr>
+                <a:lvl6pPr marL="2286000" indent="0">
+                  <a:defRPr sz="1100">
+                    <a:solidFill>
+                      <a:schemeClr val="lt1"/>
+                    </a:solidFill>
+                    <a:latin typeface="+mn-lt"/>
+                    <a:ea typeface="+mn-ea"/>
+                    <a:cs typeface="+mn-cs"/>
+                  </a:defRPr>
+                </a:lvl6pPr>
+                <a:lvl7pPr marL="2743200" indent="0">
+                  <a:defRPr sz="1100">
+                    <a:solidFill>
+                      <a:schemeClr val="lt1"/>
+                    </a:solidFill>
+                    <a:latin typeface="+mn-lt"/>
+                    <a:ea typeface="+mn-ea"/>
+                    <a:cs typeface="+mn-cs"/>
+                  </a:defRPr>
+                </a:lvl7pPr>
+                <a:lvl8pPr marL="3200400" indent="0">
+                  <a:defRPr sz="1100">
+                    <a:solidFill>
+                      <a:schemeClr val="lt1"/>
+                    </a:solidFill>
+                    <a:latin typeface="+mn-lt"/>
+                    <a:ea typeface="+mn-ea"/>
+                    <a:cs typeface="+mn-cs"/>
+                  </a:defRPr>
+                </a:lvl8pPr>
+                <a:lvl9pPr marL="3657600" indent="0">
+                  <a:defRPr sz="1100">
+                    <a:solidFill>
+                      <a:schemeClr val="lt1"/>
+                    </a:solidFill>
+                    <a:latin typeface="+mn-lt"/>
+                    <a:ea typeface="+mn-ea"/>
+                    <a:cs typeface="+mn-cs"/>
+                  </a:defRPr>
+                </a:lvl9pPr>
+              </a:lstStyle>
+              <a:p>
+                <a:pPr algn="l"/>
+                <a:endParaRPr kumimoji="1" lang="ja-JP" altLang="en-US" sz="900">
+                  <a:latin typeface="MS UI Gothic" panose="020B0600070205080204" pitchFamily="50" charset="-128"/>
+                  <a:ea typeface="MS UI Gothic" panose="020B0600070205080204" pitchFamily="50" charset="-128"/>
+                </a:endParaRPr>
+              </a:p>
+            </p:txBody>
+          </p:sp>
+          <p:sp>
+            <p:nvSpPr>
+              <p:cNvPr id="19" name="テキスト ボックス 35"/>
+              <p:cNvSpPr txBox="1"/>
+              <p:nvPr/>
+            </p:nvSpPr>
+            <p:spPr>
+              <a:xfrm>
+                <a:off x="62345" y="100853"/>
+                <a:ext cx="1229363" cy="392415"/>
+              </a:xfrm>
+              <a:prstGeom prst="rect">
+                <a:avLst/>
+              </a:prstGeom>
+              <a:noFill/>
+            </p:spPr>
+            <p:style>
+              <a:lnRef idx="0">
+                <a:scrgbClr r="0" g="0" b="0"/>
+              </a:lnRef>
+              <a:fillRef idx="0">
+                <a:scrgbClr r="0" g="0" b="0"/>
+              </a:fillRef>
+              <a:effectRef idx="0">
+                <a:scrgbClr r="0" g="0" b="0"/>
+              </a:effectRef>
+              <a:fontRef idx="minor">
+                <a:schemeClr val="tx1"/>
+              </a:fontRef>
+            </p:style>
+            <p:txBody>
+              <a:bodyPr wrap="square" rtlCol="0" anchor="ctr">
+                <a:noAutofit/>
+              </a:bodyPr>
+              <a:lstStyle>
+                <a:lvl1pPr marL="0" indent="0">
+                  <a:defRPr sz="1100">
+                    <a:solidFill>
+                      <a:schemeClr val="tx1"/>
+                    </a:solidFill>
+                    <a:latin typeface="+mn-lt"/>
+                    <a:ea typeface="+mn-ea"/>
+                    <a:cs typeface="+mn-cs"/>
+                  </a:defRPr>
+                </a:lvl1pPr>
+                <a:lvl2pPr marL="457200" indent="0">
+                  <a:defRPr sz="1100">
+                    <a:solidFill>
+                      <a:schemeClr val="tx1"/>
+                    </a:solidFill>
+                    <a:latin typeface="+mn-lt"/>
+                    <a:ea typeface="+mn-ea"/>
+                    <a:cs typeface="+mn-cs"/>
+                  </a:defRPr>
+                </a:lvl2pPr>
+                <a:lvl3pPr marL="914400" indent="0">
+                  <a:defRPr sz="1100">
+                    <a:solidFill>
+                      <a:schemeClr val="tx1"/>
+                    </a:solidFill>
+                    <a:latin typeface="+mn-lt"/>
+                    <a:ea typeface="+mn-ea"/>
+                    <a:cs typeface="+mn-cs"/>
+                  </a:defRPr>
+                </a:lvl3pPr>
+                <a:lvl4pPr marL="1371600" indent="0">
+                  <a:defRPr sz="1100">
+                    <a:solidFill>
+                      <a:schemeClr val="tx1"/>
+                    </a:solidFill>
+                    <a:latin typeface="+mn-lt"/>
+                    <a:ea typeface="+mn-ea"/>
+                    <a:cs typeface="+mn-cs"/>
+                  </a:defRPr>
+                </a:lvl4pPr>
+                <a:lvl5pPr marL="1828800" indent="0">
+                  <a:defRPr sz="1100">
+                    <a:solidFill>
+                      <a:schemeClr val="tx1"/>
+                    </a:solidFill>
+                    <a:latin typeface="+mn-lt"/>
+                    <a:ea typeface="+mn-ea"/>
+                    <a:cs typeface="+mn-cs"/>
+                  </a:defRPr>
+                </a:lvl5pPr>
+                <a:lvl6pPr marL="2286000" indent="0">
+                  <a:defRPr sz="1100">
+                    <a:solidFill>
+                      <a:schemeClr val="tx1"/>
+                    </a:solidFill>
+                    <a:latin typeface="+mn-lt"/>
+                    <a:ea typeface="+mn-ea"/>
+                    <a:cs typeface="+mn-cs"/>
+                  </a:defRPr>
+                </a:lvl6pPr>
+                <a:lvl7pPr marL="2743200" indent="0">
+                  <a:defRPr sz="1100">
+                    <a:solidFill>
+                      <a:schemeClr val="tx1"/>
+                    </a:solidFill>
+                    <a:latin typeface="+mn-lt"/>
+                    <a:ea typeface="+mn-ea"/>
+                    <a:cs typeface="+mn-cs"/>
+                  </a:defRPr>
+                </a:lvl7pPr>
+                <a:lvl8pPr marL="3200400" indent="0">
+                  <a:defRPr sz="1100">
+                    <a:solidFill>
+                      <a:schemeClr val="tx1"/>
+                    </a:solidFill>
+                    <a:latin typeface="+mn-lt"/>
+                    <a:ea typeface="+mn-ea"/>
+                    <a:cs typeface="+mn-cs"/>
+                  </a:defRPr>
+                </a:lvl8pPr>
+                <a:lvl9pPr marL="3657600" indent="0">
+                  <a:defRPr sz="1100">
+                    <a:solidFill>
+                      <a:schemeClr val="tx1"/>
+                    </a:solidFill>
+                    <a:latin typeface="+mn-lt"/>
+                    <a:ea typeface="+mn-ea"/>
+                    <a:cs typeface="+mn-cs"/>
+                  </a:defRPr>
+                </a:lvl9pPr>
+              </a:lstStyle>
+              <a:p>
+                <a:pPr algn="ctr"/>
+                <a:r>
+                  <a:rPr kumimoji="1" lang="ja-JP" altLang="en-US" sz="900" dirty="0" smtClean="0">
+                    <a:latin typeface="MS UI Gothic" panose="020B0600070205080204" pitchFamily="50" charset="-128"/>
+                    <a:ea typeface="MS UI Gothic" panose="020B0600070205080204" pitchFamily="50" charset="-128"/>
+                  </a:rPr>
+                  <a:t>アイコン選択している</a:t>
+                </a:r>
+                <a:endParaRPr kumimoji="1" lang="ja-JP" altLang="en-US" sz="900" dirty="0">
+                  <a:latin typeface="MS UI Gothic" panose="020B0600070205080204" pitchFamily="50" charset="-128"/>
+                  <a:ea typeface="MS UI Gothic" panose="020B0600070205080204" pitchFamily="50" charset="-128"/>
+                </a:endParaRPr>
+              </a:p>
+            </p:txBody>
+          </p:sp>
+        </p:grpSp>
+        <p:cxnSp>
+          <p:nvCxnSpPr>
+            <p:cNvPr id="20" name="直線矢印コネクタ 19"/>
+            <p:cNvCxnSpPr>
+              <a:stCxn id="100" idx="2"/>
+              <a:endCxn id="18" idx="0"/>
+            </p:cNvCxnSpPr>
+            <p:nvPr/>
+          </p:nvCxnSpPr>
+          <p:spPr>
+            <a:xfrm flipH="1">
+              <a:off x="3237576" y="3958102"/>
+              <a:ext cx="410" cy="285635"/>
+            </a:xfrm>
+            <a:prstGeom prst="straightConnector1">
+              <a:avLst/>
+            </a:prstGeom>
+            <a:ln>
+              <a:tailEnd type="triangle"/>
+            </a:ln>
+          </p:spPr>
+          <p:style>
+            <a:lnRef idx="1">
+              <a:schemeClr val="dk1"/>
+            </a:lnRef>
+            <a:fillRef idx="0">
+              <a:schemeClr val="dk1"/>
+            </a:fillRef>
+            <a:effectRef idx="0">
+              <a:schemeClr val="dk1"/>
+            </a:effectRef>
+            <a:fontRef idx="minor">
+              <a:schemeClr val="tx1"/>
+            </a:fontRef>
+          </p:style>
+        </p:cxnSp>
+        <p:cxnSp>
+          <p:nvCxnSpPr>
+            <p:cNvPr id="21" name="直線矢印コネクタ 20"/>
+            <p:cNvCxnSpPr>
+              <a:stCxn id="95" idx="2"/>
+              <a:endCxn id="100" idx="0"/>
+            </p:cNvCxnSpPr>
+            <p:nvPr/>
+          </p:nvCxnSpPr>
+          <p:spPr>
+            <a:xfrm flipH="1">
+              <a:off x="3237986" y="3245290"/>
+              <a:ext cx="409" cy="328353"/>
+            </a:xfrm>
+            <a:prstGeom prst="straightConnector1">
+              <a:avLst/>
+            </a:prstGeom>
+            <a:ln>
+              <a:tailEnd type="triangle"/>
+            </a:ln>
+          </p:spPr>
+          <p:style>
+            <a:lnRef idx="1">
+              <a:schemeClr val="dk1"/>
+            </a:lnRef>
+            <a:fillRef idx="0">
+              <a:schemeClr val="dk1"/>
+            </a:fillRef>
+            <a:effectRef idx="0">
+              <a:schemeClr val="dk1"/>
+            </a:effectRef>
+            <a:fontRef idx="minor">
+              <a:schemeClr val="tx1"/>
+            </a:fontRef>
+          </p:style>
+        </p:cxnSp>
+        <p:cxnSp>
+          <p:nvCxnSpPr>
+            <p:cNvPr id="22" name="直線矢印コネクタ 21"/>
+            <p:cNvCxnSpPr>
+              <a:stCxn id="18" idx="3"/>
+              <a:endCxn id="108" idx="1"/>
+            </p:cNvCxnSpPr>
+            <p:nvPr/>
+          </p:nvCxnSpPr>
+          <p:spPr>
+            <a:xfrm flipV="1">
+              <a:off x="3909441" y="4535975"/>
+              <a:ext cx="464529" cy="2283"/>
+            </a:xfrm>
+            <a:prstGeom prst="straightConnector1">
+              <a:avLst/>
+            </a:prstGeom>
+            <a:ln>
+              <a:tailEnd type="triangle"/>
+            </a:ln>
+          </p:spPr>
+          <p:style>
+            <a:lnRef idx="1">
+              <a:schemeClr val="dk1"/>
+            </a:lnRef>
+            <a:fillRef idx="0">
+              <a:schemeClr val="dk1"/>
+            </a:fillRef>
+            <a:effectRef idx="0">
+              <a:schemeClr val="dk1"/>
+            </a:effectRef>
+            <a:fontRef idx="minor">
+              <a:schemeClr val="tx1"/>
+            </a:fontRef>
+          </p:style>
+        </p:cxnSp>
+        <p:cxnSp>
+          <p:nvCxnSpPr>
+            <p:cNvPr id="23" name="直線矢印コネクタ 22"/>
+            <p:cNvCxnSpPr>
+              <a:stCxn id="18" idx="2"/>
+              <a:endCxn id="101" idx="0"/>
+            </p:cNvCxnSpPr>
+            <p:nvPr/>
+          </p:nvCxnSpPr>
+          <p:spPr>
+            <a:xfrm flipH="1">
+              <a:off x="3231155" y="4832778"/>
+              <a:ext cx="6421" cy="285635"/>
+            </a:xfrm>
+            <a:prstGeom prst="straightConnector1">
+              <a:avLst/>
+            </a:prstGeom>
+            <a:ln>
+              <a:tailEnd type="triangle"/>
+            </a:ln>
+          </p:spPr>
+          <p:style>
+            <a:lnRef idx="1">
+              <a:schemeClr val="dk1"/>
+            </a:lnRef>
+            <a:fillRef idx="0">
+              <a:schemeClr val="dk1"/>
+            </a:fillRef>
+            <a:effectRef idx="0">
+              <a:schemeClr val="dk1"/>
+            </a:effectRef>
+            <a:fontRef idx="minor">
+              <a:schemeClr val="tx1"/>
+            </a:fontRef>
+          </p:style>
+        </p:cxnSp>
+        <p:sp>
+          <p:nvSpPr>
+            <p:cNvPr id="32" name="テキスト ボックス 49"/>
+            <p:cNvSpPr txBox="1"/>
+            <p:nvPr/>
+          </p:nvSpPr>
+          <p:spPr>
+            <a:xfrm>
+              <a:off x="3944452" y="4275582"/>
+              <a:ext cx="317203" cy="230832"/>
+            </a:xfrm>
+            <a:prstGeom prst="rect">
+              <a:avLst/>
+            </a:prstGeom>
+            <a:noFill/>
+          </p:spPr>
+          <p:style>
+            <a:lnRef idx="0">
+              <a:scrgbClr r="0" g="0" b="0"/>
+            </a:lnRef>
+            <a:fillRef idx="0">
+              <a:scrgbClr r="0" g="0" b="0"/>
+            </a:fillRef>
+            <a:effectRef idx="0">
+              <a:scrgbClr r="0" g="0" b="0"/>
+            </a:effectRef>
+            <a:fontRef idx="minor">
+              <a:schemeClr val="tx1"/>
+            </a:fontRef>
+          </p:style>
+          <p:txBody>
+            <a:bodyPr wrap="square" rtlCol="0" anchor="t">
+              <a:spAutoFit/>
+            </a:bodyPr>
+            <a:lstStyle>
+              <a:lvl1pPr marL="0" indent="0">
+                <a:defRPr sz="1100">
+                  <a:solidFill>
+                    <a:schemeClr val="tx1"/>
+                  </a:solidFill>
+                  <a:latin typeface="+mn-lt"/>
+                  <a:ea typeface="+mn-ea"/>
+                  <a:cs typeface="+mn-cs"/>
+                </a:defRPr>
+              </a:lvl1pPr>
+              <a:lvl2pPr marL="457200" indent="0">
+                <a:defRPr sz="1100">
+                  <a:solidFill>
+                    <a:schemeClr val="tx1"/>
+                  </a:solidFill>
+                  <a:latin typeface="+mn-lt"/>
+                  <a:ea typeface="+mn-ea"/>
+                  <a:cs typeface="+mn-cs"/>
+                </a:defRPr>
+              </a:lvl2pPr>
+              <a:lvl3pPr marL="914400" indent="0">
+                <a:defRPr sz="1100">
+                  <a:solidFill>
+                    <a:schemeClr val="tx1"/>
+                  </a:solidFill>
+                  <a:latin typeface="+mn-lt"/>
+                  <a:ea typeface="+mn-ea"/>
+                  <a:cs typeface="+mn-cs"/>
+                </a:defRPr>
+              </a:lvl3pPr>
+              <a:lvl4pPr marL="1371600" indent="0">
+                <a:defRPr sz="1100">
+                  <a:solidFill>
+                    <a:schemeClr val="tx1"/>
+                  </a:solidFill>
+                  <a:latin typeface="+mn-lt"/>
+                  <a:ea typeface="+mn-ea"/>
+                  <a:cs typeface="+mn-cs"/>
+                </a:defRPr>
+              </a:lvl4pPr>
+              <a:lvl5pPr marL="1828800" indent="0">
+                <a:defRPr sz="1100">
+                  <a:solidFill>
+                    <a:schemeClr val="tx1"/>
+                  </a:solidFill>
+                  <a:latin typeface="+mn-lt"/>
+                  <a:ea typeface="+mn-ea"/>
+                  <a:cs typeface="+mn-cs"/>
+                </a:defRPr>
+              </a:lvl5pPr>
+              <a:lvl6pPr marL="2286000" indent="0">
+                <a:defRPr sz="1100">
+                  <a:solidFill>
+                    <a:schemeClr val="tx1"/>
+                  </a:solidFill>
+                  <a:latin typeface="+mn-lt"/>
+                  <a:ea typeface="+mn-ea"/>
+                  <a:cs typeface="+mn-cs"/>
+                </a:defRPr>
+              </a:lvl6pPr>
+              <a:lvl7pPr marL="2743200" indent="0">
+                <a:defRPr sz="1100">
+                  <a:solidFill>
+                    <a:schemeClr val="tx1"/>
+                  </a:solidFill>
+                  <a:latin typeface="+mn-lt"/>
+                  <a:ea typeface="+mn-ea"/>
+                  <a:cs typeface="+mn-cs"/>
+                </a:defRPr>
+              </a:lvl7pPr>
+              <a:lvl8pPr marL="3200400" indent="0">
+                <a:defRPr sz="1100">
+                  <a:solidFill>
+                    <a:schemeClr val="tx1"/>
+                  </a:solidFill>
+                  <a:latin typeface="+mn-lt"/>
+                  <a:ea typeface="+mn-ea"/>
+                  <a:cs typeface="+mn-cs"/>
+                </a:defRPr>
+              </a:lvl8pPr>
+              <a:lvl9pPr marL="3657600" indent="0">
+                <a:defRPr sz="1100">
+                  <a:solidFill>
+                    <a:schemeClr val="tx1"/>
+                  </a:solidFill>
+                  <a:latin typeface="+mn-lt"/>
+                  <a:ea typeface="+mn-ea"/>
+                  <a:cs typeface="+mn-cs"/>
+                </a:defRPr>
+              </a:lvl9pPr>
+            </a:lstStyle>
+            <a:p>
+              <a:r>
+                <a:rPr kumimoji="1" lang="en-US" altLang="ja-JP" sz="900">
+                  <a:latin typeface="MS UI Gothic" panose="020B0600070205080204" pitchFamily="50" charset="-128"/>
+                  <a:ea typeface="MS UI Gothic" panose="020B0600070205080204" pitchFamily="50" charset="-128"/>
+                </a:rPr>
+                <a:t>No</a:t>
+              </a:r>
+              <a:endParaRPr kumimoji="1" lang="ja-JP" altLang="en-US" sz="900">
+                <a:latin typeface="MS UI Gothic" panose="020B0600070205080204" pitchFamily="50" charset="-128"/>
+                <a:ea typeface="MS UI Gothic" panose="020B0600070205080204" pitchFamily="50" charset="-128"/>
+              </a:endParaRPr>
+            </a:p>
+          </p:txBody>
+        </p:sp>
+        <p:sp>
+          <p:nvSpPr>
+            <p:cNvPr id="33" name="テキスト ボックス 47"/>
+            <p:cNvSpPr txBox="1"/>
+            <p:nvPr/>
+          </p:nvSpPr>
+          <p:spPr>
+            <a:xfrm>
+              <a:off x="3237575" y="4835362"/>
+              <a:ext cx="363689" cy="242374"/>
+            </a:xfrm>
+            <a:prstGeom prst="rect">
+              <a:avLst/>
+            </a:prstGeom>
+            <a:noFill/>
+          </p:spPr>
+          <p:style>
+            <a:lnRef idx="0">
+              <a:scrgbClr r="0" g="0" b="0"/>
+            </a:lnRef>
+            <a:fillRef idx="0">
+              <a:scrgbClr r="0" g="0" b="0"/>
+            </a:fillRef>
+            <a:effectRef idx="0">
+              <a:scrgbClr r="0" g="0" b="0"/>
+            </a:effectRef>
+            <a:fontRef idx="minor">
+              <a:schemeClr val="tx1"/>
+            </a:fontRef>
+          </p:style>
+          <p:txBody>
+            <a:bodyPr wrap="none" rtlCol="0" anchor="t">
+              <a:spAutoFit/>
+            </a:bodyPr>
+            <a:lstStyle>
+              <a:lvl1pPr marL="0" indent="0">
+                <a:defRPr sz="1100">
+                  <a:solidFill>
+                    <a:schemeClr val="tx1"/>
+                  </a:solidFill>
+                  <a:latin typeface="+mn-lt"/>
+                  <a:ea typeface="+mn-ea"/>
+                  <a:cs typeface="+mn-cs"/>
+                </a:defRPr>
+              </a:lvl1pPr>
+              <a:lvl2pPr marL="457200" indent="0">
+                <a:defRPr sz="1100">
+                  <a:solidFill>
+                    <a:schemeClr val="tx1"/>
+                  </a:solidFill>
+                  <a:latin typeface="+mn-lt"/>
+                  <a:ea typeface="+mn-ea"/>
+                  <a:cs typeface="+mn-cs"/>
+                </a:defRPr>
+              </a:lvl2pPr>
+              <a:lvl3pPr marL="914400" indent="0">
+                <a:defRPr sz="1100">
+                  <a:solidFill>
+                    <a:schemeClr val="tx1"/>
+                  </a:solidFill>
+                  <a:latin typeface="+mn-lt"/>
+                  <a:ea typeface="+mn-ea"/>
+                  <a:cs typeface="+mn-cs"/>
+                </a:defRPr>
+              </a:lvl3pPr>
+              <a:lvl4pPr marL="1371600" indent="0">
+                <a:defRPr sz="1100">
+                  <a:solidFill>
+                    <a:schemeClr val="tx1"/>
+                  </a:solidFill>
+                  <a:latin typeface="+mn-lt"/>
+                  <a:ea typeface="+mn-ea"/>
+                  <a:cs typeface="+mn-cs"/>
+                </a:defRPr>
+              </a:lvl4pPr>
+              <a:lvl5pPr marL="1828800" indent="0">
+                <a:defRPr sz="1100">
+                  <a:solidFill>
+                    <a:schemeClr val="tx1"/>
+                  </a:solidFill>
+                  <a:latin typeface="+mn-lt"/>
+                  <a:ea typeface="+mn-ea"/>
+                  <a:cs typeface="+mn-cs"/>
+                </a:defRPr>
+              </a:lvl5pPr>
+              <a:lvl6pPr marL="2286000" indent="0">
+                <a:defRPr sz="1100">
+                  <a:solidFill>
+                    <a:schemeClr val="tx1"/>
+                  </a:solidFill>
+                  <a:latin typeface="+mn-lt"/>
+                  <a:ea typeface="+mn-ea"/>
+                  <a:cs typeface="+mn-cs"/>
+                </a:defRPr>
+              </a:lvl6pPr>
+              <a:lvl7pPr marL="2743200" indent="0">
+                <a:defRPr sz="1100">
+                  <a:solidFill>
+                    <a:schemeClr val="tx1"/>
+                  </a:solidFill>
+                  <a:latin typeface="+mn-lt"/>
+                  <a:ea typeface="+mn-ea"/>
+                  <a:cs typeface="+mn-cs"/>
+                </a:defRPr>
+              </a:lvl7pPr>
+              <a:lvl8pPr marL="3200400" indent="0">
+                <a:defRPr sz="1100">
+                  <a:solidFill>
+                    <a:schemeClr val="tx1"/>
+                  </a:solidFill>
+                  <a:latin typeface="+mn-lt"/>
+                  <a:ea typeface="+mn-ea"/>
+                  <a:cs typeface="+mn-cs"/>
+                </a:defRPr>
+              </a:lvl8pPr>
+              <a:lvl9pPr marL="3657600" indent="0">
+                <a:defRPr sz="1100">
+                  <a:solidFill>
+                    <a:schemeClr val="tx1"/>
+                  </a:solidFill>
+                  <a:latin typeface="+mn-lt"/>
+                  <a:ea typeface="+mn-ea"/>
+                  <a:cs typeface="+mn-cs"/>
+                </a:defRPr>
+              </a:lvl9pPr>
+            </a:lstStyle>
+            <a:p>
+              <a:r>
+                <a:rPr kumimoji="1" lang="en-US" altLang="ja-JP" sz="900">
+                  <a:latin typeface="MS UI Gothic" panose="020B0600070205080204" pitchFamily="50" charset="-128"/>
+                  <a:ea typeface="MS UI Gothic" panose="020B0600070205080204" pitchFamily="50" charset="-128"/>
+                </a:rPr>
+                <a:t>Yes</a:t>
+              </a:r>
+              <a:endParaRPr kumimoji="1" lang="ja-JP" altLang="en-US" sz="900">
+                <a:latin typeface="MS UI Gothic" panose="020B0600070205080204" pitchFamily="50" charset="-128"/>
+                <a:ea typeface="MS UI Gothic" panose="020B0600070205080204" pitchFamily="50" charset="-128"/>
+              </a:endParaRPr>
+            </a:p>
+          </p:txBody>
+        </p:sp>
+        <p:sp>
+          <p:nvSpPr>
+            <p:cNvPr id="34" name="フローチャート : 手操作入力 51"/>
+            <p:cNvSpPr/>
+            <p:nvPr/>
+          </p:nvSpPr>
+          <p:spPr>
+            <a:xfrm>
+              <a:off x="4373970" y="5123575"/>
+              <a:ext cx="1244767" cy="427177"/>
+            </a:xfrm>
+            <a:prstGeom prst="flowChartManualInput">
+              <a:avLst/>
+            </a:prstGeom>
+            <a:solidFill>
+              <a:sysClr val="window" lastClr="FFFFFF"/>
+            </a:solidFill>
+            <a:ln>
+              <a:solidFill>
+                <a:sysClr val="windowText" lastClr="000000"/>
+              </a:solidFill>
+            </a:ln>
+          </p:spPr>
+          <p:style>
+            <a:lnRef idx="2">
+              <a:schemeClr val="accent1">
+                <a:shade val="50000"/>
+              </a:schemeClr>
+            </a:lnRef>
+            <a:fillRef idx="1">
+              <a:schemeClr val="accent1"/>
+            </a:fillRef>
+            <a:effectRef idx="0">
+              <a:schemeClr val="accent1"/>
+            </a:effectRef>
+            <a:fontRef idx="minor">
+              <a:schemeClr val="lt1"/>
+            </a:fontRef>
+          </p:style>
+          <p:txBody>
+            <a:bodyPr wrap="square" rtlCol="0" anchor="ctr"/>
+            <a:lstStyle>
+              <a:lvl1pPr marL="0" indent="0">
+                <a:defRPr sz="1100">
+                  <a:solidFill>
+                    <a:schemeClr val="lt1"/>
+                  </a:solidFill>
+                  <a:latin typeface="+mn-lt"/>
+                  <a:ea typeface="+mn-ea"/>
+                  <a:cs typeface="+mn-cs"/>
+                </a:defRPr>
+              </a:lvl1pPr>
+              <a:lvl2pPr marL="457200" indent="0">
+                <a:defRPr sz="1100">
+                  <a:solidFill>
+                    <a:schemeClr val="lt1"/>
+                  </a:solidFill>
+                  <a:latin typeface="+mn-lt"/>
+                  <a:ea typeface="+mn-ea"/>
+                  <a:cs typeface="+mn-cs"/>
+                </a:defRPr>
+              </a:lvl2pPr>
+              <a:lvl3pPr marL="914400" indent="0">
+                <a:defRPr sz="1100">
+                  <a:solidFill>
+                    <a:schemeClr val="lt1"/>
+                  </a:solidFill>
+                  <a:latin typeface="+mn-lt"/>
+                  <a:ea typeface="+mn-ea"/>
+                  <a:cs typeface="+mn-cs"/>
+                </a:defRPr>
+              </a:lvl3pPr>
+              <a:lvl4pPr marL="1371600" indent="0">
+                <a:defRPr sz="1100">
+                  <a:solidFill>
+                    <a:schemeClr val="lt1"/>
+                  </a:solidFill>
+                  <a:latin typeface="+mn-lt"/>
+                  <a:ea typeface="+mn-ea"/>
+                  <a:cs typeface="+mn-cs"/>
+                </a:defRPr>
+              </a:lvl4pPr>
+              <a:lvl5pPr marL="1828800" indent="0">
+                <a:defRPr sz="1100">
+                  <a:solidFill>
+                    <a:schemeClr val="lt1"/>
+                  </a:solidFill>
+                  <a:latin typeface="+mn-lt"/>
+                  <a:ea typeface="+mn-ea"/>
+                  <a:cs typeface="+mn-cs"/>
+                </a:defRPr>
+              </a:lvl5pPr>
+              <a:lvl6pPr marL="2286000" indent="0">
+                <a:defRPr sz="1100">
+                  <a:solidFill>
+                    <a:schemeClr val="lt1"/>
+                  </a:solidFill>
+                  <a:latin typeface="+mn-lt"/>
+                  <a:ea typeface="+mn-ea"/>
+                  <a:cs typeface="+mn-cs"/>
+                </a:defRPr>
+              </a:lvl6pPr>
+              <a:lvl7pPr marL="2743200" indent="0">
+                <a:defRPr sz="1100">
+                  <a:solidFill>
+                    <a:schemeClr val="lt1"/>
+                  </a:solidFill>
+                  <a:latin typeface="+mn-lt"/>
+                  <a:ea typeface="+mn-ea"/>
+                  <a:cs typeface="+mn-cs"/>
+                </a:defRPr>
+              </a:lvl7pPr>
+              <a:lvl8pPr marL="3200400" indent="0">
+                <a:defRPr sz="1100">
+                  <a:solidFill>
+                    <a:schemeClr val="lt1"/>
+                  </a:solidFill>
+                  <a:latin typeface="+mn-lt"/>
+                  <a:ea typeface="+mn-ea"/>
+                  <a:cs typeface="+mn-cs"/>
+                </a:defRPr>
+              </a:lvl8pPr>
+              <a:lvl9pPr marL="3657600" indent="0">
+                <a:defRPr sz="1100">
+                  <a:solidFill>
+                    <a:schemeClr val="lt1"/>
+                  </a:solidFill>
+                  <a:latin typeface="+mn-lt"/>
+                  <a:ea typeface="+mn-ea"/>
+                  <a:cs typeface="+mn-cs"/>
+                </a:defRPr>
+              </a:lvl9pPr>
+            </a:lstStyle>
+            <a:p>
+              <a:pPr algn="ctr"/>
+              <a:r>
+                <a:rPr lang="ja-JP" altLang="en-US" sz="900" dirty="0">
+                  <a:solidFill>
+                    <a:sysClr val="windowText" lastClr="000000"/>
+                  </a:solidFill>
+                  <a:latin typeface="MS UI Gothic" panose="020B0600070205080204" pitchFamily="50" charset="-128"/>
+                  <a:ea typeface="MS UI Gothic" panose="020B0600070205080204" pitchFamily="50" charset="-128"/>
+                </a:rPr>
+                <a:t>リンク</a:t>
+              </a:r>
+              <a:r>
+                <a:rPr lang="ja-JP" altLang="en-US" sz="900" dirty="0" smtClean="0">
+                  <a:solidFill>
+                    <a:sysClr val="windowText" lastClr="000000"/>
+                  </a:solidFill>
+                  <a:latin typeface="MS UI Gothic" panose="020B0600070205080204" pitchFamily="50" charset="-128"/>
+                  <a:ea typeface="MS UI Gothic" panose="020B0600070205080204" pitchFamily="50" charset="-128"/>
+                </a:rPr>
+                <a:t>を</a:t>
+              </a:r>
+              <a:r>
+                <a:rPr lang="ja-JP" altLang="en-US" sz="900" dirty="0">
+                  <a:solidFill>
+                    <a:sysClr val="windowText" lastClr="000000"/>
+                  </a:solidFill>
+                  <a:latin typeface="MS UI Gothic" panose="020B0600070205080204" pitchFamily="50" charset="-128"/>
+                  <a:ea typeface="MS UI Gothic" panose="020B0600070205080204" pitchFamily="50" charset="-128"/>
+                </a:rPr>
+                <a:t>押下</a:t>
+              </a:r>
+              <a:endParaRPr kumimoji="1" lang="ja-JP" altLang="en-US" sz="900" dirty="0">
+                <a:solidFill>
+                  <a:sysClr val="windowText" lastClr="000000"/>
+                </a:solidFill>
+                <a:latin typeface="MS UI Gothic" panose="020B0600070205080204" pitchFamily="50" charset="-128"/>
+                <a:ea typeface="MS UI Gothic" panose="020B0600070205080204" pitchFamily="50" charset="-128"/>
+              </a:endParaRPr>
+            </a:p>
+          </p:txBody>
+        </p:sp>
+        <p:sp>
+          <p:nvSpPr>
+            <p:cNvPr id="35" name="フローチャート : 定義済み処理 27"/>
+            <p:cNvSpPr/>
+            <p:nvPr/>
+          </p:nvSpPr>
+          <p:spPr>
+            <a:xfrm>
+              <a:off x="4373970" y="5816565"/>
+              <a:ext cx="1243949" cy="432339"/>
+            </a:xfrm>
+            <a:prstGeom prst="flowChartPredefinedProcess">
+              <a:avLst/>
+            </a:prstGeom>
+            <a:solidFill>
+              <a:sysClr val="window" lastClr="FFFFFF"/>
+            </a:solidFill>
+            <a:ln>
+              <a:solidFill>
+                <a:sysClr val="windowText" lastClr="000000"/>
+              </a:solidFill>
+            </a:ln>
+          </p:spPr>
+          <p:style>
+            <a:lnRef idx="2">
+              <a:schemeClr val="accent1">
+                <a:shade val="50000"/>
+              </a:schemeClr>
+            </a:lnRef>
+            <a:fillRef idx="1">
+              <a:schemeClr val="accent1"/>
+            </a:fillRef>
+            <a:effectRef idx="0">
+              <a:schemeClr val="accent1"/>
+            </a:effectRef>
+            <a:fontRef idx="minor">
+              <a:schemeClr val="lt1"/>
+            </a:fontRef>
+          </p:style>
+          <p:txBody>
+            <a:bodyPr wrap="square" rtlCol="0" anchor="ctr"/>
+            <a:lstStyle>
+              <a:lvl1pPr marL="0" indent="0">
+                <a:defRPr sz="1100">
+                  <a:solidFill>
+                    <a:schemeClr val="lt1"/>
+                  </a:solidFill>
+                  <a:latin typeface="+mn-lt"/>
+                  <a:ea typeface="+mn-ea"/>
+                  <a:cs typeface="+mn-cs"/>
+                </a:defRPr>
+              </a:lvl1pPr>
+              <a:lvl2pPr marL="457200" indent="0">
+                <a:defRPr sz="1100">
+                  <a:solidFill>
+                    <a:schemeClr val="lt1"/>
+                  </a:solidFill>
+                  <a:latin typeface="+mn-lt"/>
+                  <a:ea typeface="+mn-ea"/>
+                  <a:cs typeface="+mn-cs"/>
+                </a:defRPr>
+              </a:lvl2pPr>
+              <a:lvl3pPr marL="914400" indent="0">
+                <a:defRPr sz="1100">
+                  <a:solidFill>
+                    <a:schemeClr val="lt1"/>
+                  </a:solidFill>
+                  <a:latin typeface="+mn-lt"/>
+                  <a:ea typeface="+mn-ea"/>
+                  <a:cs typeface="+mn-cs"/>
+                </a:defRPr>
+              </a:lvl3pPr>
+              <a:lvl4pPr marL="1371600" indent="0">
+                <a:defRPr sz="1100">
+                  <a:solidFill>
+                    <a:schemeClr val="lt1"/>
+                  </a:solidFill>
+                  <a:latin typeface="+mn-lt"/>
+                  <a:ea typeface="+mn-ea"/>
+                  <a:cs typeface="+mn-cs"/>
+                </a:defRPr>
+              </a:lvl4pPr>
+              <a:lvl5pPr marL="1828800" indent="0">
+                <a:defRPr sz="1100">
+                  <a:solidFill>
+                    <a:schemeClr val="lt1"/>
+                  </a:solidFill>
+                  <a:latin typeface="+mn-lt"/>
+                  <a:ea typeface="+mn-ea"/>
+                  <a:cs typeface="+mn-cs"/>
+                </a:defRPr>
+              </a:lvl5pPr>
+              <a:lvl6pPr marL="2286000" indent="0">
+                <a:defRPr sz="1100">
+                  <a:solidFill>
+                    <a:schemeClr val="lt1"/>
+                  </a:solidFill>
+                  <a:latin typeface="+mn-lt"/>
+                  <a:ea typeface="+mn-ea"/>
+                  <a:cs typeface="+mn-cs"/>
+                </a:defRPr>
+              </a:lvl6pPr>
+              <a:lvl7pPr marL="2743200" indent="0">
+                <a:defRPr sz="1100">
+                  <a:solidFill>
+                    <a:schemeClr val="lt1"/>
+                  </a:solidFill>
+                  <a:latin typeface="+mn-lt"/>
+                  <a:ea typeface="+mn-ea"/>
+                  <a:cs typeface="+mn-cs"/>
+                </a:defRPr>
+              </a:lvl7pPr>
+              <a:lvl8pPr marL="3200400" indent="0">
+                <a:defRPr sz="1100">
+                  <a:solidFill>
+                    <a:schemeClr val="lt1"/>
+                  </a:solidFill>
+                  <a:latin typeface="+mn-lt"/>
+                  <a:ea typeface="+mn-ea"/>
+                  <a:cs typeface="+mn-cs"/>
+                </a:defRPr>
+              </a:lvl8pPr>
+              <a:lvl9pPr marL="3657600" indent="0">
+                <a:defRPr sz="1100">
+                  <a:solidFill>
+                    <a:schemeClr val="lt1"/>
+                  </a:solidFill>
+                  <a:latin typeface="+mn-lt"/>
+                  <a:ea typeface="+mn-ea"/>
+                  <a:cs typeface="+mn-cs"/>
+                </a:defRPr>
+              </a:lvl9pPr>
+            </a:lstStyle>
+            <a:p>
+              <a:pPr algn="ctr"/>
+              <a:r>
+                <a:rPr lang="ja-JP" altLang="en-US" sz="900" dirty="0" smtClean="0">
+                  <a:solidFill>
+                    <a:sysClr val="windowText" lastClr="000000"/>
+                  </a:solidFill>
+                  <a:latin typeface="MS UI Gothic" panose="020B0600070205080204" pitchFamily="50" charset="-128"/>
+                  <a:ea typeface="MS UI Gothic" panose="020B0600070205080204" pitchFamily="50" charset="-128"/>
+                </a:rPr>
+                <a:t>別ウィンドウを</a:t>
+              </a:r>
+              <a:endParaRPr lang="en-US" altLang="ja-JP" sz="900" dirty="0" smtClean="0">
+                <a:solidFill>
+                  <a:sysClr val="windowText" lastClr="000000"/>
+                </a:solidFill>
+                <a:latin typeface="MS UI Gothic" panose="020B0600070205080204" pitchFamily="50" charset="-128"/>
+                <a:ea typeface="MS UI Gothic" panose="020B0600070205080204" pitchFamily="50" charset="-128"/>
+              </a:endParaRPr>
+            </a:p>
+            <a:p>
+              <a:pPr algn="ctr"/>
+              <a:r>
+                <a:rPr lang="ja-JP" altLang="en-US" sz="900" dirty="0" smtClean="0">
+                  <a:solidFill>
+                    <a:sysClr val="windowText" lastClr="000000"/>
+                  </a:solidFill>
+                  <a:latin typeface="MS UI Gothic" panose="020B0600070205080204" pitchFamily="50" charset="-128"/>
+                  <a:ea typeface="MS UI Gothic" panose="020B0600070205080204" pitchFamily="50" charset="-128"/>
+                </a:rPr>
+                <a:t>表示</a:t>
+              </a:r>
+              <a:endParaRPr kumimoji="1" lang="en-US" altLang="ja-JP" sz="900" dirty="0" smtClean="0">
+                <a:solidFill>
+                  <a:sysClr val="windowText" lastClr="000000"/>
+                </a:solidFill>
+                <a:latin typeface="MS UI Gothic" panose="020B0600070205080204" pitchFamily="50" charset="-128"/>
+                <a:ea typeface="MS UI Gothic" panose="020B0600070205080204" pitchFamily="50" charset="-128"/>
+              </a:endParaRPr>
+            </a:p>
+          </p:txBody>
+        </p:sp>
+        <p:sp>
+          <p:nvSpPr>
+            <p:cNvPr id="36" name="フローチャート : 定義済み処理 27"/>
+            <p:cNvSpPr/>
+            <p:nvPr/>
+          </p:nvSpPr>
+          <p:spPr>
+            <a:xfrm>
+              <a:off x="6015526" y="5816565"/>
+              <a:ext cx="1243949" cy="432339"/>
+            </a:xfrm>
+            <a:prstGeom prst="flowChartPredefinedProcess">
+              <a:avLst/>
+            </a:prstGeom>
+            <a:solidFill>
+              <a:sysClr val="window" lastClr="FFFFFF"/>
+            </a:solidFill>
+            <a:ln>
+              <a:solidFill>
+                <a:sysClr val="windowText" lastClr="000000"/>
+              </a:solidFill>
+            </a:ln>
+          </p:spPr>
+          <p:style>
+            <a:lnRef idx="2">
+              <a:schemeClr val="accent1">
+                <a:shade val="50000"/>
+              </a:schemeClr>
+            </a:lnRef>
+            <a:fillRef idx="1">
+              <a:schemeClr val="accent1"/>
+            </a:fillRef>
+            <a:effectRef idx="0">
+              <a:schemeClr val="accent1"/>
+            </a:effectRef>
+            <a:fontRef idx="minor">
+              <a:schemeClr val="lt1"/>
+            </a:fontRef>
+          </p:style>
+          <p:txBody>
+            <a:bodyPr wrap="square" rtlCol="0" anchor="ctr"/>
+            <a:lstStyle>
+              <a:lvl1pPr marL="0" indent="0">
+                <a:defRPr sz="1100">
+                  <a:solidFill>
+                    <a:schemeClr val="lt1"/>
+                  </a:solidFill>
+                  <a:latin typeface="+mn-lt"/>
+                  <a:ea typeface="+mn-ea"/>
+                  <a:cs typeface="+mn-cs"/>
+                </a:defRPr>
+              </a:lvl1pPr>
+              <a:lvl2pPr marL="457200" indent="0">
+                <a:defRPr sz="1100">
+                  <a:solidFill>
+                    <a:schemeClr val="lt1"/>
+                  </a:solidFill>
+                  <a:latin typeface="+mn-lt"/>
+                  <a:ea typeface="+mn-ea"/>
+                  <a:cs typeface="+mn-cs"/>
+                </a:defRPr>
+              </a:lvl2pPr>
+              <a:lvl3pPr marL="914400" indent="0">
+                <a:defRPr sz="1100">
+                  <a:solidFill>
+                    <a:schemeClr val="lt1"/>
+                  </a:solidFill>
+                  <a:latin typeface="+mn-lt"/>
+                  <a:ea typeface="+mn-ea"/>
+                  <a:cs typeface="+mn-cs"/>
+                </a:defRPr>
+              </a:lvl3pPr>
+              <a:lvl4pPr marL="1371600" indent="0">
+                <a:defRPr sz="1100">
+                  <a:solidFill>
+                    <a:schemeClr val="lt1"/>
+                  </a:solidFill>
+                  <a:latin typeface="+mn-lt"/>
+                  <a:ea typeface="+mn-ea"/>
+                  <a:cs typeface="+mn-cs"/>
+                </a:defRPr>
+              </a:lvl4pPr>
+              <a:lvl5pPr marL="1828800" indent="0">
+                <a:defRPr sz="1100">
+                  <a:solidFill>
+                    <a:schemeClr val="lt1"/>
+                  </a:solidFill>
+                  <a:latin typeface="+mn-lt"/>
+                  <a:ea typeface="+mn-ea"/>
+                  <a:cs typeface="+mn-cs"/>
+                </a:defRPr>
+              </a:lvl5pPr>
+              <a:lvl6pPr marL="2286000" indent="0">
+                <a:defRPr sz="1100">
+                  <a:solidFill>
+                    <a:schemeClr val="lt1"/>
+                  </a:solidFill>
+                  <a:latin typeface="+mn-lt"/>
+                  <a:ea typeface="+mn-ea"/>
+                  <a:cs typeface="+mn-cs"/>
+                </a:defRPr>
+              </a:lvl6pPr>
+              <a:lvl7pPr marL="2743200" indent="0">
+                <a:defRPr sz="1100">
+                  <a:solidFill>
+                    <a:schemeClr val="lt1"/>
+                  </a:solidFill>
+                  <a:latin typeface="+mn-lt"/>
+                  <a:ea typeface="+mn-ea"/>
+                  <a:cs typeface="+mn-cs"/>
+                </a:defRPr>
+              </a:lvl7pPr>
+              <a:lvl8pPr marL="3200400" indent="0">
+                <a:defRPr sz="1100">
+                  <a:solidFill>
+                    <a:schemeClr val="lt1"/>
+                  </a:solidFill>
+                  <a:latin typeface="+mn-lt"/>
+                  <a:ea typeface="+mn-ea"/>
+                  <a:cs typeface="+mn-cs"/>
+                </a:defRPr>
+              </a:lvl8pPr>
+              <a:lvl9pPr marL="3657600" indent="0">
+                <a:defRPr sz="1100">
+                  <a:solidFill>
+                    <a:schemeClr val="lt1"/>
+                  </a:solidFill>
+                  <a:latin typeface="+mn-lt"/>
+                  <a:ea typeface="+mn-ea"/>
+                  <a:cs typeface="+mn-cs"/>
+                </a:defRPr>
+              </a:lvl9pPr>
+            </a:lstStyle>
+            <a:p>
+              <a:pPr algn="ctr"/>
+              <a:r>
+                <a:rPr lang="ja-JP" altLang="en-US" sz="900" dirty="0">
+                  <a:solidFill>
+                    <a:sysClr val="windowText" lastClr="000000"/>
+                  </a:solidFill>
+                  <a:latin typeface="MS UI Gothic" panose="020B0600070205080204" pitchFamily="50" charset="-128"/>
+                  <a:ea typeface="MS UI Gothic" panose="020B0600070205080204" pitchFamily="50" charset="-128"/>
+                </a:rPr>
+                <a:t>食べログ</a:t>
+              </a:r>
+              <a:r>
+                <a:rPr lang="ja-JP" altLang="en-US" sz="900" dirty="0" smtClean="0">
+                  <a:solidFill>
+                    <a:sysClr val="windowText" lastClr="000000"/>
+                  </a:solidFill>
+                  <a:latin typeface="MS UI Gothic" panose="020B0600070205080204" pitchFamily="50" charset="-128"/>
+                  <a:ea typeface="MS UI Gothic" panose="020B0600070205080204" pitchFamily="50" charset="-128"/>
+                </a:rPr>
+                <a:t>を表示</a:t>
+              </a:r>
+              <a:endParaRPr kumimoji="1" lang="en-US" altLang="ja-JP" sz="900" dirty="0" smtClean="0">
+                <a:solidFill>
+                  <a:sysClr val="windowText" lastClr="000000"/>
+                </a:solidFill>
+                <a:latin typeface="MS UI Gothic" panose="020B0600070205080204" pitchFamily="50" charset="-128"/>
+                <a:ea typeface="MS UI Gothic" panose="020B0600070205080204" pitchFamily="50" charset="-128"/>
+              </a:endParaRPr>
+            </a:p>
+          </p:txBody>
+        </p:sp>
+        <p:cxnSp>
+          <p:nvCxnSpPr>
+            <p:cNvPr id="41" name="直線矢印コネクタ 40"/>
+            <p:cNvCxnSpPr>
+              <a:stCxn id="101" idx="3"/>
+              <a:endCxn id="34" idx="1"/>
+            </p:cNvCxnSpPr>
+            <p:nvPr/>
+          </p:nvCxnSpPr>
+          <p:spPr>
+            <a:xfrm>
+              <a:off x="3853129" y="5334583"/>
+              <a:ext cx="520841" cy="2581"/>
+            </a:xfrm>
+            <a:prstGeom prst="straightConnector1">
+              <a:avLst/>
+            </a:prstGeom>
+            <a:ln>
+              <a:tailEnd type="triangle"/>
+            </a:ln>
+          </p:spPr>
+          <p:style>
+            <a:lnRef idx="1">
+              <a:schemeClr val="dk1"/>
+            </a:lnRef>
+            <a:fillRef idx="0">
+              <a:schemeClr val="dk1"/>
+            </a:fillRef>
+            <a:effectRef idx="0">
+              <a:schemeClr val="dk1"/>
+            </a:effectRef>
+            <a:fontRef idx="minor">
+              <a:schemeClr val="tx1"/>
+            </a:fontRef>
+          </p:style>
+        </p:cxnSp>
+        <p:cxnSp>
+          <p:nvCxnSpPr>
+            <p:cNvPr id="43" name="直線矢印コネクタ 42"/>
+            <p:cNvCxnSpPr>
+              <a:stCxn id="34" idx="2"/>
+              <a:endCxn id="35" idx="0"/>
+            </p:cNvCxnSpPr>
+            <p:nvPr/>
+          </p:nvCxnSpPr>
+          <p:spPr>
+            <a:xfrm flipH="1">
+              <a:off x="4995945" y="5550752"/>
+              <a:ext cx="409" cy="265813"/>
+            </a:xfrm>
+            <a:prstGeom prst="straightConnector1">
+              <a:avLst/>
+            </a:prstGeom>
+            <a:ln>
+              <a:tailEnd type="triangle"/>
+            </a:ln>
+          </p:spPr>
+          <p:style>
+            <a:lnRef idx="1">
+              <a:schemeClr val="dk1"/>
+            </a:lnRef>
+            <a:fillRef idx="0">
+              <a:schemeClr val="dk1"/>
+            </a:fillRef>
+            <a:effectRef idx="0">
+              <a:schemeClr val="dk1"/>
+            </a:effectRef>
+            <a:fontRef idx="minor">
+              <a:schemeClr val="tx1"/>
+            </a:fontRef>
+          </p:style>
+        </p:cxnSp>
+        <p:cxnSp>
+          <p:nvCxnSpPr>
+            <p:cNvPr id="45" name="直線矢印コネクタ 44"/>
+            <p:cNvCxnSpPr>
+              <a:stCxn id="35" idx="3"/>
+              <a:endCxn id="36" idx="1"/>
+            </p:cNvCxnSpPr>
+            <p:nvPr/>
+          </p:nvCxnSpPr>
+          <p:spPr>
+            <a:xfrm>
+              <a:off x="5617919" y="6032735"/>
+              <a:ext cx="397607" cy="0"/>
+            </a:xfrm>
+            <a:prstGeom prst="straightConnector1">
+              <a:avLst/>
+            </a:prstGeom>
+            <a:ln>
+              <a:tailEnd type="triangle"/>
+            </a:ln>
+          </p:spPr>
+          <p:style>
+            <a:lnRef idx="1">
+              <a:schemeClr val="dk1"/>
+            </a:lnRef>
+            <a:fillRef idx="0">
+              <a:schemeClr val="dk1"/>
+            </a:fillRef>
+            <a:effectRef idx="0">
+              <a:schemeClr val="dk1"/>
+            </a:effectRef>
+            <a:fontRef idx="minor">
+              <a:schemeClr val="tx1"/>
+            </a:fontRef>
+          </p:style>
+        </p:cxnSp>
+      </p:grpSp>
+    </p:spTree>
+    <p:extLst>
+      <p:ext uri="{BB962C8B-B14F-4D97-AF65-F5344CB8AC3E}">
+        <p14:creationId xmlns:p14="http://schemas.microsoft.com/office/powerpoint/2010/main" val="2683530456"/>
+      </p:ext>
+    </p:extLst>
+  </p:cSld>
+  <p:clrMapOvr>
+    <a:masterClrMapping/>
+  </p:clrMapOvr>
+</p:sld>
+</file>
+
+<file path=ppt/slides/slide2.xml><?xml version="1.0" encoding="utf-8"?>
+<p:sld xmlns:a="http://schemas.openxmlformats.org/drawingml/2006/main" xmlns:r="http://schemas.openxmlformats.org/officeDocument/2006/relationships" xmlns:p="http://schemas.openxmlformats.org/presentationml/2006/main">
+  <p:cSld>
+    <p:spTree>
+      <p:nvGrpSpPr>
+        <p:cNvPr id="1" name=""/>
+        <p:cNvGrpSpPr/>
+        <p:nvPr/>
+      </p:nvGrpSpPr>
+      <p:grpSpPr>
+        <a:xfrm>
+          <a:off x="0" y="0"/>
+          <a:ext cx="0" cy="0"/>
+          <a:chOff x="0" y="0"/>
+          <a:chExt cx="0" cy="0"/>
+        </a:xfrm>
+      </p:grpSpPr>
+      <p:grpSp>
+        <p:nvGrpSpPr>
+          <p:cNvPr id="14" name="グループ化 13"/>
+          <p:cNvGrpSpPr/>
+          <p:nvPr/>
+        </p:nvGrpSpPr>
+        <p:grpSpPr>
+          <a:xfrm>
+            <a:off x="914800" y="876588"/>
+            <a:ext cx="9369454" cy="3518624"/>
+            <a:chOff x="600475" y="952788"/>
+            <a:chExt cx="9369454" cy="3518624"/>
+          </a:xfrm>
+        </p:grpSpPr>
+        <p:grpSp>
+          <p:nvGrpSpPr>
+            <p:cNvPr id="160" name="グループ化 159"/>
+            <p:cNvGrpSpPr/>
+            <p:nvPr/>
+          </p:nvGrpSpPr>
+          <p:grpSpPr>
+            <a:xfrm>
+              <a:off x="600475" y="952788"/>
+              <a:ext cx="9369454" cy="3518624"/>
+              <a:chOff x="600475" y="952788"/>
+              <a:chExt cx="9369454" cy="3518624"/>
+            </a:xfrm>
+          </p:grpSpPr>
+          <p:sp>
+            <p:nvSpPr>
+              <p:cNvPr id="4" name="フローチャート : 定義済み処理 27"/>
+              <p:cNvSpPr/>
+              <p:nvPr/>
+            </p:nvSpPr>
+            <p:spPr>
+              <a:xfrm>
+                <a:off x="2408652" y="1038513"/>
+                <a:ext cx="1243949" cy="432339"/>
+              </a:xfrm>
+              <a:prstGeom prst="flowChartPredefinedProcess">
+                <a:avLst/>
+              </a:prstGeom>
+              <a:solidFill>
+                <a:sysClr val="window" lastClr="FFFFFF"/>
+              </a:solidFill>
+              <a:ln>
+                <a:solidFill>
+                  <a:sysClr val="windowText" lastClr="000000"/>
+                </a:solidFill>
+              </a:ln>
+            </p:spPr>
+            <p:style>
+              <a:lnRef idx="2">
+                <a:schemeClr val="accent1">
+                  <a:shade val="50000"/>
+                </a:schemeClr>
+              </a:lnRef>
+              <a:fillRef idx="1">
+                <a:schemeClr val="accent1"/>
+              </a:fillRef>
+              <a:effectRef idx="0">
+                <a:schemeClr val="accent1"/>
+              </a:effectRef>
+              <a:fontRef idx="minor">
+                <a:schemeClr val="lt1"/>
+              </a:fontRef>
+            </p:style>
+            <p:txBody>
+              <a:bodyPr wrap="square" rtlCol="0" anchor="ctr"/>
+              <a:lstStyle>
+                <a:lvl1pPr marL="0" indent="0">
+                  <a:defRPr sz="1100">
+                    <a:solidFill>
+                      <a:schemeClr val="lt1"/>
+                    </a:solidFill>
+                    <a:latin typeface="+mn-lt"/>
+                    <a:ea typeface="+mn-ea"/>
+                    <a:cs typeface="+mn-cs"/>
+                  </a:defRPr>
+                </a:lvl1pPr>
+                <a:lvl2pPr marL="457200" indent="0">
+                  <a:defRPr sz="1100">
+                    <a:solidFill>
+                      <a:schemeClr val="lt1"/>
+                    </a:solidFill>
+                    <a:latin typeface="+mn-lt"/>
+                    <a:ea typeface="+mn-ea"/>
+                    <a:cs typeface="+mn-cs"/>
+                  </a:defRPr>
+                </a:lvl2pPr>
+                <a:lvl3pPr marL="914400" indent="0">
+                  <a:defRPr sz="1100">
+                    <a:solidFill>
+                      <a:schemeClr val="lt1"/>
+                    </a:solidFill>
+                    <a:latin typeface="+mn-lt"/>
+                    <a:ea typeface="+mn-ea"/>
+                    <a:cs typeface="+mn-cs"/>
+                  </a:defRPr>
+                </a:lvl3pPr>
+                <a:lvl4pPr marL="1371600" indent="0">
+                  <a:defRPr sz="1100">
+                    <a:solidFill>
+                      <a:schemeClr val="lt1"/>
+                    </a:solidFill>
+                    <a:latin typeface="+mn-lt"/>
+                    <a:ea typeface="+mn-ea"/>
+                    <a:cs typeface="+mn-cs"/>
+                  </a:defRPr>
+                </a:lvl4pPr>
+                <a:lvl5pPr marL="1828800" indent="0">
+                  <a:defRPr sz="1100">
+                    <a:solidFill>
+                      <a:schemeClr val="lt1"/>
+                    </a:solidFill>
+                    <a:latin typeface="+mn-lt"/>
+                    <a:ea typeface="+mn-ea"/>
+                    <a:cs typeface="+mn-cs"/>
+                  </a:defRPr>
+                </a:lvl5pPr>
+                <a:lvl6pPr marL="2286000" indent="0">
+                  <a:defRPr sz="1100">
+                    <a:solidFill>
+                      <a:schemeClr val="lt1"/>
+                    </a:solidFill>
+                    <a:latin typeface="+mn-lt"/>
+                    <a:ea typeface="+mn-ea"/>
+                    <a:cs typeface="+mn-cs"/>
+                  </a:defRPr>
+                </a:lvl6pPr>
+                <a:lvl7pPr marL="2743200" indent="0">
+                  <a:defRPr sz="1100">
+                    <a:solidFill>
+                      <a:schemeClr val="lt1"/>
+                    </a:solidFill>
+                    <a:latin typeface="+mn-lt"/>
+                    <a:ea typeface="+mn-ea"/>
+                    <a:cs typeface="+mn-cs"/>
+                  </a:defRPr>
+                </a:lvl7pPr>
+                <a:lvl8pPr marL="3200400" indent="0">
+                  <a:defRPr sz="1100">
+                    <a:solidFill>
+                      <a:schemeClr val="lt1"/>
+                    </a:solidFill>
+                    <a:latin typeface="+mn-lt"/>
+                    <a:ea typeface="+mn-ea"/>
+                    <a:cs typeface="+mn-cs"/>
+                  </a:defRPr>
+                </a:lvl8pPr>
+                <a:lvl9pPr marL="3657600" indent="0">
+                  <a:defRPr sz="1100">
+                    <a:solidFill>
+                      <a:schemeClr val="lt1"/>
+                    </a:solidFill>
+                    <a:latin typeface="+mn-lt"/>
+                    <a:ea typeface="+mn-ea"/>
+                    <a:cs typeface="+mn-cs"/>
+                  </a:defRPr>
+                </a:lvl9pPr>
+              </a:lstStyle>
+              <a:p>
+                <a:pPr algn="ctr"/>
+                <a:r>
+                  <a:rPr lang="ja-JP" altLang="en-US" sz="900">
+                    <a:solidFill>
+                      <a:sysClr val="windowText" lastClr="000000"/>
+                    </a:solidFill>
+                    <a:latin typeface="MS UI Gothic" panose="020B0600070205080204" pitchFamily="50" charset="-128"/>
+                    <a:ea typeface="MS UI Gothic" panose="020B0600070205080204" pitchFamily="50" charset="-128"/>
+                  </a:rPr>
+                  <a:t>システムへ</a:t>
+                </a:r>
+                <a:endParaRPr lang="en-US" altLang="ja-JP" sz="900">
+                  <a:solidFill>
+                    <a:sysClr val="windowText" lastClr="000000"/>
+                  </a:solidFill>
+                  <a:latin typeface="MS UI Gothic" panose="020B0600070205080204" pitchFamily="50" charset="-128"/>
+                  <a:ea typeface="MS UI Gothic" panose="020B0600070205080204" pitchFamily="50" charset="-128"/>
+                </a:endParaRPr>
+              </a:p>
+              <a:p>
+                <a:pPr algn="ctr"/>
+                <a:r>
+                  <a:rPr lang="ja-JP" altLang="en-US" sz="900">
+                    <a:solidFill>
+                      <a:sysClr val="windowText" lastClr="000000"/>
+                    </a:solidFill>
+                    <a:latin typeface="MS UI Gothic" panose="020B0600070205080204" pitchFamily="50" charset="-128"/>
+                    <a:ea typeface="MS UI Gothic" panose="020B0600070205080204" pitchFamily="50" charset="-128"/>
+                  </a:rPr>
+                  <a:t>アクセス</a:t>
+                </a:r>
+                <a:endParaRPr lang="en-US" altLang="ja-JP" sz="900">
+                  <a:solidFill>
+                    <a:sysClr val="windowText" lastClr="000000"/>
+                  </a:solidFill>
+                  <a:latin typeface="MS UI Gothic" panose="020B0600070205080204" pitchFamily="50" charset="-128"/>
+                  <a:ea typeface="MS UI Gothic" panose="020B0600070205080204" pitchFamily="50" charset="-128"/>
+                </a:endParaRPr>
+              </a:p>
+            </p:txBody>
+          </p:sp>
+          <p:sp>
+            <p:nvSpPr>
+              <p:cNvPr id="5" name="フローチャート : 定義済み処理 27"/>
+              <p:cNvSpPr/>
+              <p:nvPr/>
+            </p:nvSpPr>
+            <p:spPr>
+              <a:xfrm>
+                <a:off x="2408652" y="1756487"/>
+                <a:ext cx="1243949" cy="432339"/>
+              </a:xfrm>
+              <a:prstGeom prst="flowChartPredefinedProcess">
+                <a:avLst/>
+              </a:prstGeom>
+              <a:solidFill>
+                <a:sysClr val="window" lastClr="FFFFFF"/>
+              </a:solidFill>
+              <a:ln>
+                <a:solidFill>
+                  <a:sysClr val="windowText" lastClr="000000"/>
+                </a:solidFill>
+              </a:ln>
+            </p:spPr>
+            <p:style>
+              <a:lnRef idx="2">
+                <a:schemeClr val="accent1">
+                  <a:shade val="50000"/>
+                </a:schemeClr>
+              </a:lnRef>
+              <a:fillRef idx="1">
+                <a:schemeClr val="accent1"/>
+              </a:fillRef>
+              <a:effectRef idx="0">
+                <a:schemeClr val="accent1"/>
+              </a:effectRef>
+              <a:fontRef idx="minor">
+                <a:schemeClr val="lt1"/>
+              </a:fontRef>
+            </p:style>
+            <p:txBody>
+              <a:bodyPr wrap="square" rtlCol="0" anchor="ctr"/>
+              <a:lstStyle>
+                <a:lvl1pPr marL="0" indent="0">
+                  <a:defRPr sz="1100">
+                    <a:solidFill>
+                      <a:schemeClr val="lt1"/>
+                    </a:solidFill>
+                    <a:latin typeface="+mn-lt"/>
+                    <a:ea typeface="+mn-ea"/>
+                    <a:cs typeface="+mn-cs"/>
+                  </a:defRPr>
+                </a:lvl1pPr>
+                <a:lvl2pPr marL="457200" indent="0">
+                  <a:defRPr sz="1100">
+                    <a:solidFill>
+                      <a:schemeClr val="lt1"/>
+                    </a:solidFill>
+                    <a:latin typeface="+mn-lt"/>
+                    <a:ea typeface="+mn-ea"/>
+                    <a:cs typeface="+mn-cs"/>
+                  </a:defRPr>
+                </a:lvl2pPr>
+                <a:lvl3pPr marL="914400" indent="0">
+                  <a:defRPr sz="1100">
+                    <a:solidFill>
+                      <a:schemeClr val="lt1"/>
+                    </a:solidFill>
+                    <a:latin typeface="+mn-lt"/>
+                    <a:ea typeface="+mn-ea"/>
+                    <a:cs typeface="+mn-cs"/>
+                  </a:defRPr>
+                </a:lvl3pPr>
+                <a:lvl4pPr marL="1371600" indent="0">
+                  <a:defRPr sz="1100">
+                    <a:solidFill>
+                      <a:schemeClr val="lt1"/>
+                    </a:solidFill>
+                    <a:latin typeface="+mn-lt"/>
+                    <a:ea typeface="+mn-ea"/>
+                    <a:cs typeface="+mn-cs"/>
+                  </a:defRPr>
+                </a:lvl4pPr>
+                <a:lvl5pPr marL="1828800" indent="0">
+                  <a:defRPr sz="1100">
+                    <a:solidFill>
+                      <a:schemeClr val="lt1"/>
+                    </a:solidFill>
+                    <a:latin typeface="+mn-lt"/>
+                    <a:ea typeface="+mn-ea"/>
+                    <a:cs typeface="+mn-cs"/>
+                  </a:defRPr>
+                </a:lvl5pPr>
+                <a:lvl6pPr marL="2286000" indent="0">
+                  <a:defRPr sz="1100">
+                    <a:solidFill>
+                      <a:schemeClr val="lt1"/>
+                    </a:solidFill>
+                    <a:latin typeface="+mn-lt"/>
+                    <a:ea typeface="+mn-ea"/>
+                    <a:cs typeface="+mn-cs"/>
+                  </a:defRPr>
+                </a:lvl6pPr>
+                <a:lvl7pPr marL="2743200" indent="0">
+                  <a:defRPr sz="1100">
+                    <a:solidFill>
+                      <a:schemeClr val="lt1"/>
+                    </a:solidFill>
+                    <a:latin typeface="+mn-lt"/>
+                    <a:ea typeface="+mn-ea"/>
+                    <a:cs typeface="+mn-cs"/>
+                  </a:defRPr>
+                </a:lvl7pPr>
+                <a:lvl8pPr marL="3200400" indent="0">
+                  <a:defRPr sz="1100">
+                    <a:solidFill>
+                      <a:schemeClr val="lt1"/>
+                    </a:solidFill>
+                    <a:latin typeface="+mn-lt"/>
+                    <a:ea typeface="+mn-ea"/>
+                    <a:cs typeface="+mn-cs"/>
+                  </a:defRPr>
+                </a:lvl8pPr>
+                <a:lvl9pPr marL="3657600" indent="0">
+                  <a:defRPr sz="1100">
+                    <a:solidFill>
+                      <a:schemeClr val="lt1"/>
+                    </a:solidFill>
+                    <a:latin typeface="+mn-lt"/>
+                    <a:ea typeface="+mn-ea"/>
+                    <a:cs typeface="+mn-cs"/>
+                  </a:defRPr>
+                </a:lvl9pPr>
+              </a:lstStyle>
+              <a:p>
+                <a:pPr algn="ctr"/>
+                <a:r>
+                  <a:rPr lang="ja-JP" altLang="en-US" sz="900">
+                    <a:solidFill>
+                      <a:sysClr val="windowText" lastClr="000000"/>
+                    </a:solidFill>
+                    <a:latin typeface="MS UI Gothic" panose="020B0600070205080204" pitchFamily="50" charset="-128"/>
+                    <a:ea typeface="MS UI Gothic" panose="020B0600070205080204" pitchFamily="50" charset="-128"/>
+                  </a:rPr>
+                  <a:t>グーグルマップを使用</a:t>
+                </a:r>
+                <a:endParaRPr kumimoji="1" lang="ja-JP" altLang="en-US" sz="900">
+                  <a:solidFill>
+                    <a:sysClr val="windowText" lastClr="000000"/>
+                  </a:solidFill>
+                  <a:latin typeface="MS UI Gothic" panose="020B0600070205080204" pitchFamily="50" charset="-128"/>
+                  <a:ea typeface="MS UI Gothic" panose="020B0600070205080204" pitchFamily="50" charset="-128"/>
+                </a:endParaRPr>
+              </a:p>
+            </p:txBody>
+          </p:sp>
+          <p:sp>
+            <p:nvSpPr>
+              <p:cNvPr id="6" name="フローチャート : 定義済み処理 27"/>
+              <p:cNvSpPr/>
+              <p:nvPr/>
+            </p:nvSpPr>
+            <p:spPr>
+              <a:xfrm>
+                <a:off x="2408651" y="2474461"/>
+                <a:ext cx="1243949" cy="432339"/>
+              </a:xfrm>
+              <a:prstGeom prst="flowChartPredefinedProcess">
+                <a:avLst/>
+              </a:prstGeom>
+              <a:solidFill>
+                <a:sysClr val="window" lastClr="FFFFFF"/>
+              </a:solidFill>
+              <a:ln>
+                <a:solidFill>
+                  <a:sysClr val="windowText" lastClr="000000"/>
+                </a:solidFill>
+              </a:ln>
+            </p:spPr>
+            <p:style>
+              <a:lnRef idx="2">
+                <a:schemeClr val="accent1">
+                  <a:shade val="50000"/>
+                </a:schemeClr>
+              </a:lnRef>
+              <a:fillRef idx="1">
+                <a:schemeClr val="accent1"/>
+              </a:fillRef>
+              <a:effectRef idx="0">
+                <a:schemeClr val="accent1"/>
+              </a:effectRef>
+              <a:fontRef idx="minor">
+                <a:schemeClr val="lt1"/>
+              </a:fontRef>
+            </p:style>
+            <p:txBody>
+              <a:bodyPr wrap="square" rtlCol="0" anchor="ctr"/>
+              <a:lstStyle>
+                <a:lvl1pPr marL="0" indent="0">
+                  <a:defRPr sz="1100">
+                    <a:solidFill>
+                      <a:schemeClr val="lt1"/>
+                    </a:solidFill>
+                    <a:latin typeface="+mn-lt"/>
+                    <a:ea typeface="+mn-ea"/>
+                    <a:cs typeface="+mn-cs"/>
+                  </a:defRPr>
+                </a:lvl1pPr>
+                <a:lvl2pPr marL="457200" indent="0">
+                  <a:defRPr sz="1100">
+                    <a:solidFill>
+                      <a:schemeClr val="lt1"/>
+                    </a:solidFill>
+                    <a:latin typeface="+mn-lt"/>
+                    <a:ea typeface="+mn-ea"/>
+                    <a:cs typeface="+mn-cs"/>
+                  </a:defRPr>
+                </a:lvl2pPr>
+                <a:lvl3pPr marL="914400" indent="0">
+                  <a:defRPr sz="1100">
+                    <a:solidFill>
+                      <a:schemeClr val="lt1"/>
+                    </a:solidFill>
+                    <a:latin typeface="+mn-lt"/>
+                    <a:ea typeface="+mn-ea"/>
+                    <a:cs typeface="+mn-cs"/>
+                  </a:defRPr>
+                </a:lvl3pPr>
+                <a:lvl4pPr marL="1371600" indent="0">
+                  <a:defRPr sz="1100">
+                    <a:solidFill>
+                      <a:schemeClr val="lt1"/>
+                    </a:solidFill>
+                    <a:latin typeface="+mn-lt"/>
+                    <a:ea typeface="+mn-ea"/>
+                    <a:cs typeface="+mn-cs"/>
+                  </a:defRPr>
+                </a:lvl4pPr>
+                <a:lvl5pPr marL="1828800" indent="0">
+                  <a:defRPr sz="1100">
+                    <a:solidFill>
+                      <a:schemeClr val="lt1"/>
+                    </a:solidFill>
+                    <a:latin typeface="+mn-lt"/>
+                    <a:ea typeface="+mn-ea"/>
+                    <a:cs typeface="+mn-cs"/>
+                  </a:defRPr>
+                </a:lvl5pPr>
+                <a:lvl6pPr marL="2286000" indent="0">
+                  <a:defRPr sz="1100">
+                    <a:solidFill>
+                      <a:schemeClr val="lt1"/>
+                    </a:solidFill>
+                    <a:latin typeface="+mn-lt"/>
+                    <a:ea typeface="+mn-ea"/>
+                    <a:cs typeface="+mn-cs"/>
+                  </a:defRPr>
+                </a:lvl6pPr>
+                <a:lvl7pPr marL="2743200" indent="0">
+                  <a:defRPr sz="1100">
+                    <a:solidFill>
+                      <a:schemeClr val="lt1"/>
+                    </a:solidFill>
+                    <a:latin typeface="+mn-lt"/>
+                    <a:ea typeface="+mn-ea"/>
+                    <a:cs typeface="+mn-cs"/>
+                  </a:defRPr>
+                </a:lvl7pPr>
+                <a:lvl8pPr marL="3200400" indent="0">
+                  <a:defRPr sz="1100">
+                    <a:solidFill>
+                      <a:schemeClr val="lt1"/>
+                    </a:solidFill>
+                    <a:latin typeface="+mn-lt"/>
+                    <a:ea typeface="+mn-ea"/>
+                    <a:cs typeface="+mn-cs"/>
+                  </a:defRPr>
+                </a:lvl8pPr>
+                <a:lvl9pPr marL="3657600" indent="0">
+                  <a:defRPr sz="1100">
+                    <a:solidFill>
+                      <a:schemeClr val="lt1"/>
+                    </a:solidFill>
+                    <a:latin typeface="+mn-lt"/>
+                    <a:ea typeface="+mn-ea"/>
+                    <a:cs typeface="+mn-cs"/>
+                  </a:defRPr>
+                </a:lvl9pPr>
+              </a:lstStyle>
+              <a:p>
+                <a:pPr algn="ctr"/>
+                <a:r>
+                  <a:rPr kumimoji="1" lang="ja-JP" altLang="en-US" sz="900">
+                    <a:solidFill>
+                      <a:sysClr val="windowText" lastClr="000000"/>
+                    </a:solidFill>
+                    <a:latin typeface="MS UI Gothic" panose="020B0600070205080204" pitchFamily="50" charset="-128"/>
+                    <a:ea typeface="MS UI Gothic" panose="020B0600070205080204" pitchFamily="50" charset="-128"/>
+                  </a:rPr>
+                  <a:t>ラーメン屋の店名とピンを表示</a:t>
+                </a:r>
+              </a:p>
+            </p:txBody>
+          </p:sp>
+          <p:sp>
+            <p:nvSpPr>
+              <p:cNvPr id="9" name="フローチャート : 手操作入力 51"/>
+              <p:cNvSpPr/>
+              <p:nvPr/>
+            </p:nvSpPr>
+            <p:spPr>
+              <a:xfrm>
+                <a:off x="2407833" y="3192435"/>
+                <a:ext cx="1244767" cy="427177"/>
+              </a:xfrm>
+              <a:prstGeom prst="flowChartManualInput">
+                <a:avLst/>
+              </a:prstGeom>
+              <a:solidFill>
+                <a:sysClr val="window" lastClr="FFFFFF"/>
+              </a:solidFill>
+              <a:ln>
+                <a:solidFill>
+                  <a:sysClr val="windowText" lastClr="000000"/>
+                </a:solidFill>
+              </a:ln>
+            </p:spPr>
+            <p:style>
+              <a:lnRef idx="2">
+                <a:schemeClr val="accent1">
+                  <a:shade val="50000"/>
+                </a:schemeClr>
+              </a:lnRef>
+              <a:fillRef idx="1">
+                <a:schemeClr val="accent1"/>
+              </a:fillRef>
+              <a:effectRef idx="0">
+                <a:schemeClr val="accent1"/>
+              </a:effectRef>
+              <a:fontRef idx="minor">
+                <a:schemeClr val="lt1"/>
+              </a:fontRef>
+            </p:style>
+            <p:txBody>
+              <a:bodyPr wrap="square" rtlCol="0" anchor="ctr"/>
+              <a:lstStyle>
+                <a:lvl1pPr marL="0" indent="0">
+                  <a:defRPr sz="1100">
+                    <a:solidFill>
+                      <a:schemeClr val="lt1"/>
+                    </a:solidFill>
+                    <a:latin typeface="+mn-lt"/>
+                    <a:ea typeface="+mn-ea"/>
+                    <a:cs typeface="+mn-cs"/>
+                  </a:defRPr>
+                </a:lvl1pPr>
+                <a:lvl2pPr marL="457200" indent="0">
+                  <a:defRPr sz="1100">
+                    <a:solidFill>
+                      <a:schemeClr val="lt1"/>
+                    </a:solidFill>
+                    <a:latin typeface="+mn-lt"/>
+                    <a:ea typeface="+mn-ea"/>
+                    <a:cs typeface="+mn-cs"/>
+                  </a:defRPr>
+                </a:lvl2pPr>
+                <a:lvl3pPr marL="914400" indent="0">
+                  <a:defRPr sz="1100">
+                    <a:solidFill>
+                      <a:schemeClr val="lt1"/>
+                    </a:solidFill>
+                    <a:latin typeface="+mn-lt"/>
+                    <a:ea typeface="+mn-ea"/>
+                    <a:cs typeface="+mn-cs"/>
+                  </a:defRPr>
+                </a:lvl3pPr>
+                <a:lvl4pPr marL="1371600" indent="0">
+                  <a:defRPr sz="1100">
+                    <a:solidFill>
+                      <a:schemeClr val="lt1"/>
+                    </a:solidFill>
+                    <a:latin typeface="+mn-lt"/>
+                    <a:ea typeface="+mn-ea"/>
+                    <a:cs typeface="+mn-cs"/>
+                  </a:defRPr>
+                </a:lvl4pPr>
+                <a:lvl5pPr marL="1828800" indent="0">
+                  <a:defRPr sz="1100">
+                    <a:solidFill>
+                      <a:schemeClr val="lt1"/>
+                    </a:solidFill>
+                    <a:latin typeface="+mn-lt"/>
+                    <a:ea typeface="+mn-ea"/>
+                    <a:cs typeface="+mn-cs"/>
+                  </a:defRPr>
+                </a:lvl5pPr>
+                <a:lvl6pPr marL="2286000" indent="0">
+                  <a:defRPr sz="1100">
+                    <a:solidFill>
+                      <a:schemeClr val="lt1"/>
+                    </a:solidFill>
+                    <a:latin typeface="+mn-lt"/>
+                    <a:ea typeface="+mn-ea"/>
+                    <a:cs typeface="+mn-cs"/>
+                  </a:defRPr>
+                </a:lvl6pPr>
+                <a:lvl7pPr marL="2743200" indent="0">
+                  <a:defRPr sz="1100">
+                    <a:solidFill>
+                      <a:schemeClr val="lt1"/>
+                    </a:solidFill>
+                    <a:latin typeface="+mn-lt"/>
+                    <a:ea typeface="+mn-ea"/>
+                    <a:cs typeface="+mn-cs"/>
+                  </a:defRPr>
+                </a:lvl7pPr>
+                <a:lvl8pPr marL="3200400" indent="0">
+                  <a:defRPr sz="1100">
+                    <a:solidFill>
+                      <a:schemeClr val="lt1"/>
+                    </a:solidFill>
+                    <a:latin typeface="+mn-lt"/>
+                    <a:ea typeface="+mn-ea"/>
+                    <a:cs typeface="+mn-cs"/>
+                  </a:defRPr>
+                </a:lvl8pPr>
+                <a:lvl9pPr marL="3657600" indent="0">
+                  <a:defRPr sz="1100">
+                    <a:solidFill>
+                      <a:schemeClr val="lt1"/>
+                    </a:solidFill>
+                    <a:latin typeface="+mn-lt"/>
+                    <a:ea typeface="+mn-ea"/>
+                    <a:cs typeface="+mn-cs"/>
+                  </a:defRPr>
+                </a:lvl9pPr>
+              </a:lstStyle>
+              <a:p>
+                <a:pPr algn="ctr"/>
+                <a:r>
+                  <a:rPr lang="ja-JP" altLang="en-US" sz="900">
+                    <a:solidFill>
+                      <a:sysClr val="windowText" lastClr="000000"/>
+                    </a:solidFill>
+                    <a:latin typeface="MS UI Gothic" panose="020B0600070205080204" pitchFamily="50" charset="-128"/>
+                    <a:ea typeface="MS UI Gothic" panose="020B0600070205080204" pitchFamily="50" charset="-128"/>
+                  </a:rPr>
+                  <a:t>店名アイコン選択</a:t>
+                </a:r>
+                <a:endParaRPr kumimoji="1" lang="ja-JP" altLang="en-US" sz="900">
+                  <a:solidFill>
+                    <a:sysClr val="windowText" lastClr="000000"/>
+                  </a:solidFill>
+                  <a:latin typeface="MS UI Gothic" panose="020B0600070205080204" pitchFamily="50" charset="-128"/>
+                  <a:ea typeface="MS UI Gothic" panose="020B0600070205080204" pitchFamily="50" charset="-128"/>
+                </a:endParaRPr>
+              </a:p>
+            </p:txBody>
+          </p:sp>
+          <p:sp>
+            <p:nvSpPr>
+              <p:cNvPr id="10" name="フローチャート : 定義済み処理 27"/>
+              <p:cNvSpPr/>
+              <p:nvPr/>
+            </p:nvSpPr>
+            <p:spPr>
+              <a:xfrm>
+                <a:off x="4501906" y="952788"/>
+                <a:ext cx="1243949" cy="432339"/>
+              </a:xfrm>
+              <a:prstGeom prst="flowChartPredefinedProcess">
+                <a:avLst/>
+              </a:prstGeom>
+              <a:solidFill>
+                <a:sysClr val="window" lastClr="FFFFFF"/>
+              </a:solidFill>
+              <a:ln>
+                <a:solidFill>
+                  <a:sysClr val="windowText" lastClr="000000"/>
+                </a:solidFill>
+              </a:ln>
+            </p:spPr>
+            <p:style>
+              <a:lnRef idx="2">
+                <a:schemeClr val="accent1">
+                  <a:shade val="50000"/>
+                </a:schemeClr>
+              </a:lnRef>
+              <a:fillRef idx="1">
+                <a:schemeClr val="accent1"/>
+              </a:fillRef>
+              <a:effectRef idx="0">
+                <a:schemeClr val="accent1"/>
+              </a:effectRef>
+              <a:fontRef idx="minor">
+                <a:schemeClr val="lt1"/>
+              </a:fontRef>
+            </p:style>
+            <p:txBody>
+              <a:bodyPr wrap="square" rtlCol="0" anchor="ctr"/>
+              <a:lstStyle>
+                <a:lvl1pPr marL="0" indent="0">
+                  <a:defRPr sz="1100">
+                    <a:solidFill>
+                      <a:schemeClr val="lt1"/>
+                    </a:solidFill>
+                    <a:latin typeface="+mn-lt"/>
+                    <a:ea typeface="+mn-ea"/>
+                    <a:cs typeface="+mn-cs"/>
+                  </a:defRPr>
+                </a:lvl1pPr>
+                <a:lvl2pPr marL="457200" indent="0">
+                  <a:defRPr sz="1100">
+                    <a:solidFill>
+                      <a:schemeClr val="lt1"/>
+                    </a:solidFill>
+                    <a:latin typeface="+mn-lt"/>
+                    <a:ea typeface="+mn-ea"/>
+                    <a:cs typeface="+mn-cs"/>
+                  </a:defRPr>
+                </a:lvl2pPr>
+                <a:lvl3pPr marL="914400" indent="0">
+                  <a:defRPr sz="1100">
+                    <a:solidFill>
+                      <a:schemeClr val="lt1"/>
+                    </a:solidFill>
+                    <a:latin typeface="+mn-lt"/>
+                    <a:ea typeface="+mn-ea"/>
+                    <a:cs typeface="+mn-cs"/>
+                  </a:defRPr>
+                </a:lvl3pPr>
+                <a:lvl4pPr marL="1371600" indent="0">
+                  <a:defRPr sz="1100">
+                    <a:solidFill>
+                      <a:schemeClr val="lt1"/>
+                    </a:solidFill>
+                    <a:latin typeface="+mn-lt"/>
+                    <a:ea typeface="+mn-ea"/>
+                    <a:cs typeface="+mn-cs"/>
+                  </a:defRPr>
+                </a:lvl4pPr>
+                <a:lvl5pPr marL="1828800" indent="0">
+                  <a:defRPr sz="1100">
+                    <a:solidFill>
+                      <a:schemeClr val="lt1"/>
+                    </a:solidFill>
+                    <a:latin typeface="+mn-lt"/>
+                    <a:ea typeface="+mn-ea"/>
+                    <a:cs typeface="+mn-cs"/>
+                  </a:defRPr>
+                </a:lvl5pPr>
+                <a:lvl6pPr marL="2286000" indent="0">
+                  <a:defRPr sz="1100">
+                    <a:solidFill>
+                      <a:schemeClr val="lt1"/>
+                    </a:solidFill>
+                    <a:latin typeface="+mn-lt"/>
+                    <a:ea typeface="+mn-ea"/>
+                    <a:cs typeface="+mn-cs"/>
+                  </a:defRPr>
+                </a:lvl6pPr>
+                <a:lvl7pPr marL="2743200" indent="0">
+                  <a:defRPr sz="1100">
+                    <a:solidFill>
+                      <a:schemeClr val="lt1"/>
+                    </a:solidFill>
+                    <a:latin typeface="+mn-lt"/>
+                    <a:ea typeface="+mn-ea"/>
+                    <a:cs typeface="+mn-cs"/>
+                  </a:defRPr>
+                </a:lvl7pPr>
+                <a:lvl8pPr marL="3200400" indent="0">
+                  <a:defRPr sz="1100">
+                    <a:solidFill>
+                      <a:schemeClr val="lt1"/>
+                    </a:solidFill>
+                    <a:latin typeface="+mn-lt"/>
+                    <a:ea typeface="+mn-ea"/>
+                    <a:cs typeface="+mn-cs"/>
+                  </a:defRPr>
+                </a:lvl8pPr>
+                <a:lvl9pPr marL="3657600" indent="0">
+                  <a:defRPr sz="1100">
+                    <a:solidFill>
+                      <a:schemeClr val="lt1"/>
+                    </a:solidFill>
+                    <a:latin typeface="+mn-lt"/>
+                    <a:ea typeface="+mn-ea"/>
+                    <a:cs typeface="+mn-cs"/>
+                  </a:defRPr>
+                </a:lvl9pPr>
+              </a:lstStyle>
+              <a:p>
+                <a:pPr algn="ctr"/>
+                <a:r>
+                  <a:rPr lang="ja-JP" altLang="en-US" sz="900" dirty="0" smtClean="0">
+                    <a:solidFill>
+                      <a:sysClr val="windowText" lastClr="000000"/>
+                    </a:solidFill>
+                    <a:latin typeface="MS UI Gothic" panose="020B0600070205080204" pitchFamily="50" charset="-128"/>
+                    <a:ea typeface="MS UI Gothic" panose="020B0600070205080204" pitchFamily="50" charset="-128"/>
+                  </a:rPr>
+                  <a:t>「コメント」を</a:t>
+                </a:r>
+                <a:endParaRPr lang="en-US" altLang="ja-JP" sz="900" dirty="0" smtClean="0">
+                  <a:solidFill>
+                    <a:sysClr val="windowText" lastClr="000000"/>
+                  </a:solidFill>
+                  <a:latin typeface="MS UI Gothic" panose="020B0600070205080204" pitchFamily="50" charset="-128"/>
+                  <a:ea typeface="MS UI Gothic" panose="020B0600070205080204" pitchFamily="50" charset="-128"/>
+                </a:endParaRPr>
+              </a:p>
+              <a:p>
+                <a:pPr algn="ctr"/>
+                <a:r>
+                  <a:rPr lang="ja-JP" altLang="en-US" sz="900" dirty="0" smtClean="0">
+                    <a:solidFill>
+                      <a:sysClr val="windowText" lastClr="000000"/>
+                    </a:solidFill>
+                    <a:latin typeface="MS UI Gothic" panose="020B0600070205080204" pitchFamily="50" charset="-128"/>
+                    <a:ea typeface="MS UI Gothic" panose="020B0600070205080204" pitchFamily="50" charset="-128"/>
+                  </a:rPr>
+                  <a:t>表示</a:t>
+                </a:r>
+                <a:endParaRPr kumimoji="1" lang="en-US" altLang="ja-JP" sz="900" dirty="0">
+                  <a:solidFill>
+                    <a:sysClr val="windowText" lastClr="000000"/>
+                  </a:solidFill>
+                  <a:latin typeface="MS UI Gothic" panose="020B0600070205080204" pitchFamily="50" charset="-128"/>
+                  <a:ea typeface="MS UI Gothic" panose="020B0600070205080204" pitchFamily="50" charset="-128"/>
+                </a:endParaRPr>
+              </a:p>
+            </p:txBody>
+          </p:sp>
+          <p:sp>
+            <p:nvSpPr>
+              <p:cNvPr id="11" name="フローチャート : 定義済み処理 27"/>
+              <p:cNvSpPr/>
+              <p:nvPr/>
+            </p:nvSpPr>
+            <p:spPr>
+              <a:xfrm>
+                <a:off x="4488776" y="4039073"/>
+                <a:ext cx="1243949" cy="432339"/>
+              </a:xfrm>
+              <a:prstGeom prst="flowChartPredefinedProcess">
+                <a:avLst/>
+              </a:prstGeom>
+              <a:solidFill>
+                <a:sysClr val="window" lastClr="FFFFFF"/>
+              </a:solidFill>
+              <a:ln>
+                <a:solidFill>
+                  <a:sysClr val="windowText" lastClr="000000"/>
+                </a:solidFill>
+              </a:ln>
+            </p:spPr>
+            <p:style>
+              <a:lnRef idx="2">
+                <a:schemeClr val="accent1">
+                  <a:shade val="50000"/>
+                </a:schemeClr>
+              </a:lnRef>
+              <a:fillRef idx="1">
+                <a:schemeClr val="accent1"/>
+              </a:fillRef>
+              <a:effectRef idx="0">
+                <a:schemeClr val="accent1"/>
+              </a:effectRef>
+              <a:fontRef idx="minor">
+                <a:schemeClr val="lt1"/>
+              </a:fontRef>
+            </p:style>
+            <p:txBody>
+              <a:bodyPr wrap="square" rtlCol="0" anchor="ctr"/>
+              <a:lstStyle>
+                <a:lvl1pPr marL="0" indent="0">
+                  <a:defRPr sz="1100">
+                    <a:solidFill>
+                      <a:schemeClr val="lt1"/>
+                    </a:solidFill>
+                    <a:latin typeface="+mn-lt"/>
+                    <a:ea typeface="+mn-ea"/>
+                    <a:cs typeface="+mn-cs"/>
+                  </a:defRPr>
+                </a:lvl1pPr>
+                <a:lvl2pPr marL="457200" indent="0">
+                  <a:defRPr sz="1100">
+                    <a:solidFill>
+                      <a:schemeClr val="lt1"/>
+                    </a:solidFill>
+                    <a:latin typeface="+mn-lt"/>
+                    <a:ea typeface="+mn-ea"/>
+                    <a:cs typeface="+mn-cs"/>
+                  </a:defRPr>
+                </a:lvl2pPr>
+                <a:lvl3pPr marL="914400" indent="0">
+                  <a:defRPr sz="1100">
+                    <a:solidFill>
+                      <a:schemeClr val="lt1"/>
+                    </a:solidFill>
+                    <a:latin typeface="+mn-lt"/>
+                    <a:ea typeface="+mn-ea"/>
+                    <a:cs typeface="+mn-cs"/>
+                  </a:defRPr>
+                </a:lvl3pPr>
+                <a:lvl4pPr marL="1371600" indent="0">
+                  <a:defRPr sz="1100">
+                    <a:solidFill>
+                      <a:schemeClr val="lt1"/>
+                    </a:solidFill>
+                    <a:latin typeface="+mn-lt"/>
+                    <a:ea typeface="+mn-ea"/>
+                    <a:cs typeface="+mn-cs"/>
+                  </a:defRPr>
+                </a:lvl4pPr>
+                <a:lvl5pPr marL="1828800" indent="0">
+                  <a:defRPr sz="1100">
+                    <a:solidFill>
+                      <a:schemeClr val="lt1"/>
+                    </a:solidFill>
+                    <a:latin typeface="+mn-lt"/>
+                    <a:ea typeface="+mn-ea"/>
+                    <a:cs typeface="+mn-cs"/>
+                  </a:defRPr>
+                </a:lvl5pPr>
+                <a:lvl6pPr marL="2286000" indent="0">
+                  <a:defRPr sz="1100">
+                    <a:solidFill>
+                      <a:schemeClr val="lt1"/>
+                    </a:solidFill>
+                    <a:latin typeface="+mn-lt"/>
+                    <a:ea typeface="+mn-ea"/>
+                    <a:cs typeface="+mn-cs"/>
+                  </a:defRPr>
+                </a:lvl6pPr>
+                <a:lvl7pPr marL="2743200" indent="0">
+                  <a:defRPr sz="1100">
+                    <a:solidFill>
+                      <a:schemeClr val="lt1"/>
+                    </a:solidFill>
+                    <a:latin typeface="+mn-lt"/>
+                    <a:ea typeface="+mn-ea"/>
+                    <a:cs typeface="+mn-cs"/>
+                  </a:defRPr>
+                </a:lvl7pPr>
+                <a:lvl8pPr marL="3200400" indent="0">
+                  <a:defRPr sz="1100">
+                    <a:solidFill>
+                      <a:schemeClr val="lt1"/>
+                    </a:solidFill>
+                    <a:latin typeface="+mn-lt"/>
+                    <a:ea typeface="+mn-ea"/>
+                    <a:cs typeface="+mn-cs"/>
+                  </a:defRPr>
+                </a:lvl8pPr>
+                <a:lvl9pPr marL="3657600" indent="0">
+                  <a:defRPr sz="1100">
+                    <a:solidFill>
+                      <a:schemeClr val="lt1"/>
+                    </a:solidFill>
+                    <a:latin typeface="+mn-lt"/>
+                    <a:ea typeface="+mn-ea"/>
+                    <a:cs typeface="+mn-cs"/>
+                  </a:defRPr>
+                </a:lvl9pPr>
+              </a:lstStyle>
+              <a:p>
+                <a:pPr algn="ctr"/>
+                <a:r>
+                  <a:rPr kumimoji="1" lang="ja-JP" altLang="en-US" sz="900">
+                    <a:solidFill>
+                      <a:sysClr val="windowText" lastClr="000000"/>
+                    </a:solidFill>
+                    <a:latin typeface="MS UI Gothic" panose="020B0600070205080204" pitchFamily="50" charset="-128"/>
+                    <a:ea typeface="MS UI Gothic" panose="020B0600070205080204" pitchFamily="50" charset="-128"/>
+                  </a:rPr>
+                  <a:t>マップに戻る</a:t>
+                </a:r>
+              </a:p>
+            </p:txBody>
+          </p:sp>
+          <p:sp>
+            <p:nvSpPr>
+              <p:cNvPr id="19" name="フローチャート : 手操作入力 51"/>
+              <p:cNvSpPr/>
+              <p:nvPr/>
+            </p:nvSpPr>
+            <p:spPr>
+              <a:xfrm>
+                <a:off x="8725162" y="1038513"/>
+                <a:ext cx="1244767" cy="427177"/>
+              </a:xfrm>
+              <a:prstGeom prst="flowChartManualInput">
+                <a:avLst/>
+              </a:prstGeom>
+              <a:solidFill>
+                <a:sysClr val="window" lastClr="FFFFFF"/>
+              </a:solidFill>
+              <a:ln>
+                <a:solidFill>
+                  <a:sysClr val="windowText" lastClr="000000"/>
+                </a:solidFill>
+              </a:ln>
+            </p:spPr>
+            <p:style>
+              <a:lnRef idx="2">
+                <a:schemeClr val="accent1">
+                  <a:shade val="50000"/>
+                </a:schemeClr>
+              </a:lnRef>
+              <a:fillRef idx="1">
+                <a:schemeClr val="accent1"/>
+              </a:fillRef>
+              <a:effectRef idx="0">
+                <a:schemeClr val="accent1"/>
+              </a:effectRef>
+              <a:fontRef idx="minor">
+                <a:schemeClr val="lt1"/>
+              </a:fontRef>
+            </p:style>
+            <p:txBody>
+              <a:bodyPr wrap="square" rtlCol="0" anchor="ctr"/>
+              <a:lstStyle>
+                <a:lvl1pPr marL="0" indent="0">
+                  <a:defRPr sz="1100">
+                    <a:solidFill>
+                      <a:schemeClr val="lt1"/>
+                    </a:solidFill>
+                    <a:latin typeface="+mn-lt"/>
+                    <a:ea typeface="+mn-ea"/>
+                    <a:cs typeface="+mn-cs"/>
+                  </a:defRPr>
+                </a:lvl1pPr>
+                <a:lvl2pPr marL="457200" indent="0">
+                  <a:defRPr sz="1100">
+                    <a:solidFill>
+                      <a:schemeClr val="lt1"/>
+                    </a:solidFill>
+                    <a:latin typeface="+mn-lt"/>
+                    <a:ea typeface="+mn-ea"/>
+                    <a:cs typeface="+mn-cs"/>
+                  </a:defRPr>
+                </a:lvl2pPr>
+                <a:lvl3pPr marL="914400" indent="0">
+                  <a:defRPr sz="1100">
+                    <a:solidFill>
+                      <a:schemeClr val="lt1"/>
+                    </a:solidFill>
+                    <a:latin typeface="+mn-lt"/>
+                    <a:ea typeface="+mn-ea"/>
+                    <a:cs typeface="+mn-cs"/>
+                  </a:defRPr>
+                </a:lvl3pPr>
+                <a:lvl4pPr marL="1371600" indent="0">
+                  <a:defRPr sz="1100">
+                    <a:solidFill>
+                      <a:schemeClr val="lt1"/>
+                    </a:solidFill>
+                    <a:latin typeface="+mn-lt"/>
+                    <a:ea typeface="+mn-ea"/>
+                    <a:cs typeface="+mn-cs"/>
+                  </a:defRPr>
+                </a:lvl4pPr>
+                <a:lvl5pPr marL="1828800" indent="0">
+                  <a:defRPr sz="1100">
+                    <a:solidFill>
+                      <a:schemeClr val="lt1"/>
+                    </a:solidFill>
+                    <a:latin typeface="+mn-lt"/>
+                    <a:ea typeface="+mn-ea"/>
+                    <a:cs typeface="+mn-cs"/>
+                  </a:defRPr>
+                </a:lvl5pPr>
+                <a:lvl6pPr marL="2286000" indent="0">
+                  <a:defRPr sz="1100">
+                    <a:solidFill>
+                      <a:schemeClr val="lt1"/>
+                    </a:solidFill>
+                    <a:latin typeface="+mn-lt"/>
+                    <a:ea typeface="+mn-ea"/>
+                    <a:cs typeface="+mn-cs"/>
+                  </a:defRPr>
+                </a:lvl6pPr>
+                <a:lvl7pPr marL="2743200" indent="0">
+                  <a:defRPr sz="1100">
+                    <a:solidFill>
+                      <a:schemeClr val="lt1"/>
+                    </a:solidFill>
+                    <a:latin typeface="+mn-lt"/>
+                    <a:ea typeface="+mn-ea"/>
+                    <a:cs typeface="+mn-cs"/>
+                  </a:defRPr>
+                </a:lvl7pPr>
+                <a:lvl8pPr marL="3200400" indent="0">
+                  <a:defRPr sz="1100">
+                    <a:solidFill>
+                      <a:schemeClr val="lt1"/>
+                    </a:solidFill>
+                    <a:latin typeface="+mn-lt"/>
+                    <a:ea typeface="+mn-ea"/>
+                    <a:cs typeface="+mn-cs"/>
+                  </a:defRPr>
+                </a:lvl8pPr>
+                <a:lvl9pPr marL="3657600" indent="0">
+                  <a:defRPr sz="1100">
+                    <a:solidFill>
+                      <a:schemeClr val="lt1"/>
+                    </a:solidFill>
+                    <a:latin typeface="+mn-lt"/>
+                    <a:ea typeface="+mn-ea"/>
+                    <a:cs typeface="+mn-cs"/>
+                  </a:defRPr>
+                </a:lvl9pPr>
+              </a:lstStyle>
+              <a:p>
+                <a:pPr algn="ctr"/>
+                <a:r>
+                  <a:rPr lang="ja-JP" altLang="en-US" sz="900">
+                    <a:solidFill>
+                      <a:sysClr val="windowText" lastClr="000000"/>
+                    </a:solidFill>
+                    <a:latin typeface="MS UI Gothic" panose="020B0600070205080204" pitchFamily="50" charset="-128"/>
+                    <a:ea typeface="MS UI Gothic" panose="020B0600070205080204" pitchFamily="50" charset="-128"/>
+                  </a:rPr>
+                  <a:t>リンクを押下</a:t>
+                </a:r>
+                <a:endParaRPr kumimoji="1" lang="ja-JP" altLang="en-US" sz="900">
+                  <a:solidFill>
+                    <a:sysClr val="windowText" lastClr="000000"/>
+                  </a:solidFill>
+                  <a:latin typeface="MS UI Gothic" panose="020B0600070205080204" pitchFamily="50" charset="-128"/>
+                  <a:ea typeface="MS UI Gothic" panose="020B0600070205080204" pitchFamily="50" charset="-128"/>
+                </a:endParaRPr>
+              </a:p>
+            </p:txBody>
+          </p:sp>
+          <p:sp>
+            <p:nvSpPr>
+              <p:cNvPr id="20" name="フローチャート : 定義済み処理 27"/>
+              <p:cNvSpPr/>
+              <p:nvPr/>
+            </p:nvSpPr>
+            <p:spPr>
+              <a:xfrm>
+                <a:off x="8725162" y="1756486"/>
+                <a:ext cx="1243949" cy="432339"/>
+              </a:xfrm>
+              <a:prstGeom prst="flowChartPredefinedProcess">
+                <a:avLst/>
+              </a:prstGeom>
+              <a:solidFill>
+                <a:sysClr val="window" lastClr="FFFFFF"/>
+              </a:solidFill>
+              <a:ln>
+                <a:solidFill>
+                  <a:sysClr val="windowText" lastClr="000000"/>
+                </a:solidFill>
+              </a:ln>
+            </p:spPr>
+            <p:style>
+              <a:lnRef idx="2">
+                <a:schemeClr val="accent1">
+                  <a:shade val="50000"/>
+                </a:schemeClr>
+              </a:lnRef>
+              <a:fillRef idx="1">
+                <a:schemeClr val="accent1"/>
+              </a:fillRef>
+              <a:effectRef idx="0">
+                <a:schemeClr val="accent1"/>
+              </a:effectRef>
+              <a:fontRef idx="minor">
+                <a:schemeClr val="lt1"/>
+              </a:fontRef>
+            </p:style>
+            <p:txBody>
+              <a:bodyPr wrap="square" rtlCol="0" anchor="ctr"/>
+              <a:lstStyle>
+                <a:lvl1pPr marL="0" indent="0">
+                  <a:defRPr sz="1100">
+                    <a:solidFill>
+                      <a:schemeClr val="lt1"/>
+                    </a:solidFill>
+                    <a:latin typeface="+mn-lt"/>
+                    <a:ea typeface="+mn-ea"/>
+                    <a:cs typeface="+mn-cs"/>
+                  </a:defRPr>
+                </a:lvl1pPr>
+                <a:lvl2pPr marL="457200" indent="0">
+                  <a:defRPr sz="1100">
+                    <a:solidFill>
+                      <a:schemeClr val="lt1"/>
+                    </a:solidFill>
+                    <a:latin typeface="+mn-lt"/>
+                    <a:ea typeface="+mn-ea"/>
+                    <a:cs typeface="+mn-cs"/>
+                  </a:defRPr>
+                </a:lvl2pPr>
+                <a:lvl3pPr marL="914400" indent="0">
+                  <a:defRPr sz="1100">
+                    <a:solidFill>
+                      <a:schemeClr val="lt1"/>
+                    </a:solidFill>
+                    <a:latin typeface="+mn-lt"/>
+                    <a:ea typeface="+mn-ea"/>
+                    <a:cs typeface="+mn-cs"/>
+                  </a:defRPr>
+                </a:lvl3pPr>
+                <a:lvl4pPr marL="1371600" indent="0">
+                  <a:defRPr sz="1100">
+                    <a:solidFill>
+                      <a:schemeClr val="lt1"/>
+                    </a:solidFill>
+                    <a:latin typeface="+mn-lt"/>
+                    <a:ea typeface="+mn-ea"/>
+                    <a:cs typeface="+mn-cs"/>
+                  </a:defRPr>
+                </a:lvl4pPr>
+                <a:lvl5pPr marL="1828800" indent="0">
+                  <a:defRPr sz="1100">
+                    <a:solidFill>
+                      <a:schemeClr val="lt1"/>
+                    </a:solidFill>
+                    <a:latin typeface="+mn-lt"/>
+                    <a:ea typeface="+mn-ea"/>
+                    <a:cs typeface="+mn-cs"/>
+                  </a:defRPr>
+                </a:lvl5pPr>
+                <a:lvl6pPr marL="2286000" indent="0">
+                  <a:defRPr sz="1100">
+                    <a:solidFill>
+                      <a:schemeClr val="lt1"/>
+                    </a:solidFill>
+                    <a:latin typeface="+mn-lt"/>
+                    <a:ea typeface="+mn-ea"/>
+                    <a:cs typeface="+mn-cs"/>
+                  </a:defRPr>
+                </a:lvl6pPr>
+                <a:lvl7pPr marL="2743200" indent="0">
+                  <a:defRPr sz="1100">
+                    <a:solidFill>
+                      <a:schemeClr val="lt1"/>
+                    </a:solidFill>
+                    <a:latin typeface="+mn-lt"/>
+                    <a:ea typeface="+mn-ea"/>
+                    <a:cs typeface="+mn-cs"/>
+                  </a:defRPr>
+                </a:lvl7pPr>
+                <a:lvl8pPr marL="3200400" indent="0">
+                  <a:defRPr sz="1100">
+                    <a:solidFill>
+                      <a:schemeClr val="lt1"/>
+                    </a:solidFill>
+                    <a:latin typeface="+mn-lt"/>
+                    <a:ea typeface="+mn-ea"/>
+                    <a:cs typeface="+mn-cs"/>
+                  </a:defRPr>
+                </a:lvl8pPr>
+                <a:lvl9pPr marL="3657600" indent="0">
+                  <a:defRPr sz="1100">
+                    <a:solidFill>
+                      <a:schemeClr val="lt1"/>
+                    </a:solidFill>
+                    <a:latin typeface="+mn-lt"/>
+                    <a:ea typeface="+mn-ea"/>
+                    <a:cs typeface="+mn-cs"/>
+                  </a:defRPr>
+                </a:lvl9pPr>
+              </a:lstStyle>
+              <a:p>
+                <a:pPr algn="ctr"/>
+                <a:r>
+                  <a:rPr lang="ja-JP" altLang="en-US" sz="900">
+                    <a:solidFill>
+                      <a:sysClr val="windowText" lastClr="000000"/>
+                    </a:solidFill>
+                    <a:latin typeface="MS UI Gothic" panose="020B0600070205080204" pitchFamily="50" charset="-128"/>
+                    <a:ea typeface="MS UI Gothic" panose="020B0600070205080204" pitchFamily="50" charset="-128"/>
+                  </a:rPr>
+                  <a:t>別ウィンドウを</a:t>
+                </a:r>
+                <a:endParaRPr lang="en-US" altLang="ja-JP" sz="900">
+                  <a:solidFill>
+                    <a:sysClr val="windowText" lastClr="000000"/>
+                  </a:solidFill>
+                  <a:latin typeface="MS UI Gothic" panose="020B0600070205080204" pitchFamily="50" charset="-128"/>
+                  <a:ea typeface="MS UI Gothic" panose="020B0600070205080204" pitchFamily="50" charset="-128"/>
+                </a:endParaRPr>
+              </a:p>
+              <a:p>
+                <a:pPr algn="ctr"/>
+                <a:r>
+                  <a:rPr lang="ja-JP" altLang="en-US" sz="900">
+                    <a:solidFill>
+                      <a:sysClr val="windowText" lastClr="000000"/>
+                    </a:solidFill>
+                    <a:latin typeface="MS UI Gothic" panose="020B0600070205080204" pitchFamily="50" charset="-128"/>
+                    <a:ea typeface="MS UI Gothic" panose="020B0600070205080204" pitchFamily="50" charset="-128"/>
+                  </a:rPr>
+                  <a:t>表示</a:t>
+                </a:r>
+                <a:endParaRPr kumimoji="1" lang="en-US" altLang="ja-JP" sz="900">
+                  <a:solidFill>
+                    <a:sysClr val="windowText" lastClr="000000"/>
+                  </a:solidFill>
+                  <a:latin typeface="MS UI Gothic" panose="020B0600070205080204" pitchFamily="50" charset="-128"/>
+                  <a:ea typeface="MS UI Gothic" panose="020B0600070205080204" pitchFamily="50" charset="-128"/>
+                </a:endParaRPr>
+              </a:p>
+            </p:txBody>
+          </p:sp>
+          <p:sp>
+            <p:nvSpPr>
+              <p:cNvPr id="27" name="フローチャート : 磁気ディスク 1"/>
+              <p:cNvSpPr/>
+              <p:nvPr/>
+            </p:nvSpPr>
+            <p:spPr>
+              <a:xfrm>
+                <a:off x="600475" y="2476136"/>
+                <a:ext cx="1261003" cy="443139"/>
+              </a:xfrm>
+              <a:prstGeom prst="flowChartMagneticDisk">
+                <a:avLst/>
+              </a:prstGeom>
+              <a:solidFill>
+                <a:sysClr val="window" lastClr="FFFFFF"/>
+              </a:solidFill>
+              <a:ln>
+                <a:solidFill>
+                  <a:sysClr val="windowText" lastClr="000000"/>
+                </a:solidFill>
+              </a:ln>
+            </p:spPr>
+            <p:style>
+              <a:lnRef idx="2">
+                <a:schemeClr val="accent1">
+                  <a:shade val="50000"/>
+                </a:schemeClr>
+              </a:lnRef>
+              <a:fillRef idx="1">
+                <a:schemeClr val="accent1"/>
+              </a:fillRef>
+              <a:effectRef idx="0">
+                <a:schemeClr val="accent1"/>
+              </a:effectRef>
+              <a:fontRef idx="minor">
+                <a:schemeClr val="lt1"/>
+              </a:fontRef>
+            </p:style>
+            <p:txBody>
+              <a:bodyPr wrap="square" rtlCol="0" anchor="t"/>
+              <a:lstStyle>
+                <a:lvl1pPr marL="0" indent="0">
+                  <a:defRPr sz="1100">
+                    <a:solidFill>
+                      <a:schemeClr val="lt1"/>
+                    </a:solidFill>
+                    <a:latin typeface="+mn-lt"/>
+                    <a:ea typeface="+mn-ea"/>
+                    <a:cs typeface="+mn-cs"/>
+                  </a:defRPr>
+                </a:lvl1pPr>
+                <a:lvl2pPr marL="457200" indent="0">
+                  <a:defRPr sz="1100">
+                    <a:solidFill>
+                      <a:schemeClr val="lt1"/>
+                    </a:solidFill>
+                    <a:latin typeface="+mn-lt"/>
+                    <a:ea typeface="+mn-ea"/>
+                    <a:cs typeface="+mn-cs"/>
+                  </a:defRPr>
+                </a:lvl2pPr>
+                <a:lvl3pPr marL="914400" indent="0">
+                  <a:defRPr sz="1100">
+                    <a:solidFill>
+                      <a:schemeClr val="lt1"/>
+                    </a:solidFill>
+                    <a:latin typeface="+mn-lt"/>
+                    <a:ea typeface="+mn-ea"/>
+                    <a:cs typeface="+mn-cs"/>
+                  </a:defRPr>
+                </a:lvl3pPr>
+                <a:lvl4pPr marL="1371600" indent="0">
+                  <a:defRPr sz="1100">
+                    <a:solidFill>
+                      <a:schemeClr val="lt1"/>
+                    </a:solidFill>
+                    <a:latin typeface="+mn-lt"/>
+                    <a:ea typeface="+mn-ea"/>
+                    <a:cs typeface="+mn-cs"/>
+                  </a:defRPr>
+                </a:lvl4pPr>
+                <a:lvl5pPr marL="1828800" indent="0">
+                  <a:defRPr sz="1100">
+                    <a:solidFill>
+                      <a:schemeClr val="lt1"/>
+                    </a:solidFill>
+                    <a:latin typeface="+mn-lt"/>
+                    <a:ea typeface="+mn-ea"/>
+                    <a:cs typeface="+mn-cs"/>
+                  </a:defRPr>
+                </a:lvl5pPr>
+                <a:lvl6pPr marL="2286000" indent="0">
+                  <a:defRPr sz="1100">
+                    <a:solidFill>
+                      <a:schemeClr val="lt1"/>
+                    </a:solidFill>
+                    <a:latin typeface="+mn-lt"/>
+                    <a:ea typeface="+mn-ea"/>
+                    <a:cs typeface="+mn-cs"/>
+                  </a:defRPr>
+                </a:lvl6pPr>
+                <a:lvl7pPr marL="2743200" indent="0">
+                  <a:defRPr sz="1100">
+                    <a:solidFill>
+                      <a:schemeClr val="lt1"/>
+                    </a:solidFill>
+                    <a:latin typeface="+mn-lt"/>
+                    <a:ea typeface="+mn-ea"/>
+                    <a:cs typeface="+mn-cs"/>
+                  </a:defRPr>
+                </a:lvl7pPr>
+                <a:lvl8pPr marL="3200400" indent="0">
+                  <a:defRPr sz="1100">
+                    <a:solidFill>
+                      <a:schemeClr val="lt1"/>
+                    </a:solidFill>
+                    <a:latin typeface="+mn-lt"/>
+                    <a:ea typeface="+mn-ea"/>
+                    <a:cs typeface="+mn-cs"/>
+                  </a:defRPr>
+                </a:lvl8pPr>
+                <a:lvl9pPr marL="3657600" indent="0">
+                  <a:defRPr sz="1100">
+                    <a:solidFill>
+                      <a:schemeClr val="lt1"/>
+                    </a:solidFill>
+                    <a:latin typeface="+mn-lt"/>
+                    <a:ea typeface="+mn-ea"/>
+                    <a:cs typeface="+mn-cs"/>
+                  </a:defRPr>
+                </a:lvl9pPr>
+              </a:lstStyle>
+              <a:p>
+                <a:pPr algn="ctr"/>
+                <a:r>
+                  <a:rPr lang="ja-JP" altLang="en-US" sz="900" dirty="0" smtClean="0">
+                    <a:solidFill>
+                      <a:sysClr val="windowText" lastClr="000000"/>
+                    </a:solidFill>
+                    <a:latin typeface="MS UI Gothic" panose="020B0600070205080204" pitchFamily="50" charset="-128"/>
+                    <a:ea typeface="MS UI Gothic" panose="020B0600070205080204" pitchFamily="50" charset="-128"/>
+                  </a:rPr>
+                  <a:t>店名管理</a:t>
+                </a:r>
+                <a:r>
+                  <a:rPr kumimoji="1" lang="ja-JP" altLang="en-US" sz="900" dirty="0">
+                    <a:solidFill>
+                      <a:sysClr val="windowText" lastClr="000000"/>
+                    </a:solidFill>
+                    <a:latin typeface="MS UI Gothic" panose="020B0600070205080204" pitchFamily="50" charset="-128"/>
+                    <a:ea typeface="MS UI Gothic" panose="020B0600070205080204" pitchFamily="50" charset="-128"/>
+                  </a:rPr>
+                  <a:t>テーブル</a:t>
+                </a:r>
+              </a:p>
+            </p:txBody>
+          </p:sp>
+          <p:sp>
+            <p:nvSpPr>
+              <p:cNvPr id="28" name="フローチャート : 磁気ディスク 1"/>
+              <p:cNvSpPr/>
+              <p:nvPr/>
+            </p:nvSpPr>
+            <p:spPr>
+              <a:xfrm>
+                <a:off x="5837809" y="1489921"/>
+                <a:ext cx="1261003" cy="443139"/>
+              </a:xfrm>
+              <a:prstGeom prst="flowChartMagneticDisk">
+                <a:avLst/>
+              </a:prstGeom>
+              <a:solidFill>
+                <a:sysClr val="window" lastClr="FFFFFF"/>
+              </a:solidFill>
+              <a:ln>
+                <a:solidFill>
+                  <a:sysClr val="windowText" lastClr="000000"/>
+                </a:solidFill>
+              </a:ln>
+            </p:spPr>
+            <p:style>
+              <a:lnRef idx="2">
+                <a:schemeClr val="accent1">
+                  <a:shade val="50000"/>
+                </a:schemeClr>
+              </a:lnRef>
+              <a:fillRef idx="1">
+                <a:schemeClr val="accent1"/>
+              </a:fillRef>
+              <a:effectRef idx="0">
+                <a:schemeClr val="accent1"/>
+              </a:effectRef>
+              <a:fontRef idx="minor">
+                <a:schemeClr val="lt1"/>
+              </a:fontRef>
+            </p:style>
+            <p:txBody>
+              <a:bodyPr wrap="square" rtlCol="0" anchor="t"/>
+              <a:lstStyle>
+                <a:lvl1pPr marL="0" indent="0">
+                  <a:defRPr sz="1100">
+                    <a:solidFill>
+                      <a:schemeClr val="lt1"/>
+                    </a:solidFill>
+                    <a:latin typeface="+mn-lt"/>
+                    <a:ea typeface="+mn-ea"/>
+                    <a:cs typeface="+mn-cs"/>
+                  </a:defRPr>
+                </a:lvl1pPr>
+                <a:lvl2pPr marL="457200" indent="0">
+                  <a:defRPr sz="1100">
+                    <a:solidFill>
+                      <a:schemeClr val="lt1"/>
+                    </a:solidFill>
+                    <a:latin typeface="+mn-lt"/>
+                    <a:ea typeface="+mn-ea"/>
+                    <a:cs typeface="+mn-cs"/>
+                  </a:defRPr>
+                </a:lvl2pPr>
+                <a:lvl3pPr marL="914400" indent="0">
+                  <a:defRPr sz="1100">
+                    <a:solidFill>
+                      <a:schemeClr val="lt1"/>
+                    </a:solidFill>
+                    <a:latin typeface="+mn-lt"/>
+                    <a:ea typeface="+mn-ea"/>
+                    <a:cs typeface="+mn-cs"/>
+                  </a:defRPr>
+                </a:lvl3pPr>
+                <a:lvl4pPr marL="1371600" indent="0">
+                  <a:defRPr sz="1100">
+                    <a:solidFill>
+                      <a:schemeClr val="lt1"/>
+                    </a:solidFill>
+                    <a:latin typeface="+mn-lt"/>
+                    <a:ea typeface="+mn-ea"/>
+                    <a:cs typeface="+mn-cs"/>
+                  </a:defRPr>
+                </a:lvl4pPr>
+                <a:lvl5pPr marL="1828800" indent="0">
+                  <a:defRPr sz="1100">
+                    <a:solidFill>
+                      <a:schemeClr val="lt1"/>
+                    </a:solidFill>
+                    <a:latin typeface="+mn-lt"/>
+                    <a:ea typeface="+mn-ea"/>
+                    <a:cs typeface="+mn-cs"/>
+                  </a:defRPr>
+                </a:lvl5pPr>
+                <a:lvl6pPr marL="2286000" indent="0">
+                  <a:defRPr sz="1100">
+                    <a:solidFill>
+                      <a:schemeClr val="lt1"/>
+                    </a:solidFill>
+                    <a:latin typeface="+mn-lt"/>
+                    <a:ea typeface="+mn-ea"/>
+                    <a:cs typeface="+mn-cs"/>
+                  </a:defRPr>
+                </a:lvl6pPr>
+                <a:lvl7pPr marL="2743200" indent="0">
+                  <a:defRPr sz="1100">
+                    <a:solidFill>
+                      <a:schemeClr val="lt1"/>
+                    </a:solidFill>
+                    <a:latin typeface="+mn-lt"/>
+                    <a:ea typeface="+mn-ea"/>
+                    <a:cs typeface="+mn-cs"/>
+                  </a:defRPr>
+                </a:lvl7pPr>
+                <a:lvl8pPr marL="3200400" indent="0">
+                  <a:defRPr sz="1100">
+                    <a:solidFill>
+                      <a:schemeClr val="lt1"/>
+                    </a:solidFill>
+                    <a:latin typeface="+mn-lt"/>
+                    <a:ea typeface="+mn-ea"/>
+                    <a:cs typeface="+mn-cs"/>
+                  </a:defRPr>
+                </a:lvl8pPr>
+                <a:lvl9pPr marL="3657600" indent="0">
+                  <a:defRPr sz="1100">
+                    <a:solidFill>
+                      <a:schemeClr val="lt1"/>
+                    </a:solidFill>
+                    <a:latin typeface="+mn-lt"/>
+                    <a:ea typeface="+mn-ea"/>
+                    <a:cs typeface="+mn-cs"/>
+                  </a:defRPr>
+                </a:lvl9pPr>
+              </a:lstStyle>
+              <a:p>
+                <a:pPr algn="ctr"/>
+                <a:r>
+                  <a:rPr lang="ja-JP" altLang="en-US" sz="900" dirty="0">
+                    <a:solidFill>
+                      <a:sysClr val="windowText" lastClr="000000"/>
+                    </a:solidFill>
+                    <a:latin typeface="MS UI Gothic" panose="020B0600070205080204" pitchFamily="50" charset="-128"/>
+                    <a:ea typeface="MS UI Gothic" panose="020B0600070205080204" pitchFamily="50" charset="-128"/>
+                  </a:rPr>
+                  <a:t>コメント</a:t>
+                </a:r>
+                <a:r>
+                  <a:rPr lang="ja-JP" altLang="en-US" sz="900" dirty="0" smtClean="0">
+                    <a:solidFill>
+                      <a:sysClr val="windowText" lastClr="000000"/>
+                    </a:solidFill>
+                    <a:latin typeface="MS UI Gothic" panose="020B0600070205080204" pitchFamily="50" charset="-128"/>
+                    <a:ea typeface="MS UI Gothic" panose="020B0600070205080204" pitchFamily="50" charset="-128"/>
+                  </a:rPr>
+                  <a:t>管理</a:t>
+                </a:r>
+                <a:r>
+                  <a:rPr kumimoji="1" lang="ja-JP" altLang="en-US" sz="900" dirty="0">
+                    <a:solidFill>
+                      <a:sysClr val="windowText" lastClr="000000"/>
+                    </a:solidFill>
+                    <a:latin typeface="MS UI Gothic" panose="020B0600070205080204" pitchFamily="50" charset="-128"/>
+                    <a:ea typeface="MS UI Gothic" panose="020B0600070205080204" pitchFamily="50" charset="-128"/>
+                  </a:rPr>
+                  <a:t>テーブル</a:t>
+                </a:r>
+              </a:p>
+            </p:txBody>
+          </p:sp>
+          <p:cxnSp>
+            <p:nvCxnSpPr>
+              <p:cNvPr id="3" name="直線矢印コネクタ 2"/>
+              <p:cNvCxnSpPr>
+                <a:stCxn id="4" idx="2"/>
+                <a:endCxn id="5" idx="0"/>
+              </p:cNvCxnSpPr>
+              <p:nvPr/>
+            </p:nvCxnSpPr>
+            <p:spPr>
+              <a:xfrm>
+                <a:off x="3030627" y="1470852"/>
+                <a:ext cx="0" cy="285635"/>
+              </a:xfrm>
+              <a:prstGeom prst="straightConnector1">
+                <a:avLst/>
+              </a:prstGeom>
+              <a:ln>
+                <a:headEnd type="none"/>
+                <a:tailEnd type="arrow"/>
+              </a:ln>
+            </p:spPr>
+            <p:style>
+              <a:lnRef idx="1">
+                <a:schemeClr val="dk1"/>
+              </a:lnRef>
+              <a:fillRef idx="0">
+                <a:schemeClr val="dk1"/>
+              </a:fillRef>
+              <a:effectRef idx="0">
+                <a:schemeClr val="dk1"/>
+              </a:effectRef>
+              <a:fontRef idx="minor">
+                <a:schemeClr val="tx1"/>
+              </a:fontRef>
+            </p:style>
+          </p:cxnSp>
+          <p:cxnSp>
+            <p:nvCxnSpPr>
+              <p:cNvPr id="32" name="直線矢印コネクタ 31"/>
+              <p:cNvCxnSpPr>
+                <a:stCxn id="5" idx="2"/>
+                <a:endCxn id="6" idx="0"/>
+              </p:cNvCxnSpPr>
+              <p:nvPr/>
+            </p:nvCxnSpPr>
+            <p:spPr>
+              <a:xfrm flipH="1">
+                <a:off x="3030626" y="2188826"/>
+                <a:ext cx="1" cy="285635"/>
+              </a:xfrm>
+              <a:prstGeom prst="straightConnector1">
+                <a:avLst/>
+              </a:prstGeom>
+              <a:ln>
+                <a:headEnd type="none"/>
+                <a:tailEnd type="arrow"/>
+              </a:ln>
+            </p:spPr>
+            <p:style>
+              <a:lnRef idx="1">
+                <a:schemeClr val="dk1"/>
+              </a:lnRef>
+              <a:fillRef idx="0">
+                <a:schemeClr val="dk1"/>
+              </a:fillRef>
+              <a:effectRef idx="0">
+                <a:schemeClr val="dk1"/>
+              </a:effectRef>
+              <a:fontRef idx="minor">
+                <a:schemeClr val="tx1"/>
+              </a:fontRef>
+            </p:style>
+          </p:cxnSp>
+          <p:cxnSp>
+            <p:nvCxnSpPr>
+              <p:cNvPr id="35" name="直線矢印コネクタ 34"/>
+              <p:cNvCxnSpPr>
+                <a:stCxn id="6" idx="2"/>
+                <a:endCxn id="9" idx="0"/>
+              </p:cNvCxnSpPr>
+              <p:nvPr/>
+            </p:nvCxnSpPr>
+            <p:spPr>
+              <a:xfrm flipH="1">
+                <a:off x="3030217" y="2906800"/>
+                <a:ext cx="409" cy="328353"/>
+              </a:xfrm>
+              <a:prstGeom prst="straightConnector1">
+                <a:avLst/>
+              </a:prstGeom>
+              <a:ln>
+                <a:headEnd type="none"/>
+                <a:tailEnd type="arrow"/>
+              </a:ln>
+            </p:spPr>
+            <p:style>
+              <a:lnRef idx="1">
+                <a:schemeClr val="dk1"/>
+              </a:lnRef>
+              <a:fillRef idx="0">
+                <a:schemeClr val="dk1"/>
+              </a:fillRef>
+              <a:effectRef idx="0">
+                <a:schemeClr val="dk1"/>
+              </a:effectRef>
+              <a:fontRef idx="minor">
+                <a:schemeClr val="tx1"/>
+              </a:fontRef>
+            </p:style>
+          </p:cxnSp>
+          <p:cxnSp>
+            <p:nvCxnSpPr>
+              <p:cNvPr id="38" name="直線矢印コネクタ 37"/>
+              <p:cNvCxnSpPr/>
+              <p:nvPr/>
+            </p:nvCxnSpPr>
+            <p:spPr>
+              <a:xfrm flipV="1">
+                <a:off x="1872047" y="2799100"/>
+                <a:ext cx="547173" cy="7075"/>
+              </a:xfrm>
+              <a:prstGeom prst="straightConnector1">
+                <a:avLst/>
+              </a:prstGeom>
+              <a:ln>
+                <a:headEnd type="none"/>
+                <a:tailEnd type="arrow"/>
+              </a:ln>
+            </p:spPr>
+            <p:style>
+              <a:lnRef idx="1">
+                <a:schemeClr val="dk1"/>
+              </a:lnRef>
+              <a:fillRef idx="0">
+                <a:schemeClr val="dk1"/>
+              </a:fillRef>
+              <a:effectRef idx="0">
+                <a:schemeClr val="dk1"/>
+              </a:effectRef>
+              <a:fontRef idx="minor">
+                <a:schemeClr val="tx1"/>
+              </a:fontRef>
+            </p:style>
+          </p:cxnSp>
+          <p:cxnSp>
+            <p:nvCxnSpPr>
+              <p:cNvPr id="41" name="直線矢印コネクタ 40"/>
+              <p:cNvCxnSpPr/>
+              <p:nvPr/>
+            </p:nvCxnSpPr>
+            <p:spPr>
+              <a:xfrm flipH="1">
+                <a:off x="1860660" y="2584606"/>
+                <a:ext cx="547173" cy="7075"/>
+              </a:xfrm>
+              <a:prstGeom prst="straightConnector1">
+                <a:avLst/>
+              </a:prstGeom>
+              <a:ln>
+                <a:headEnd type="none"/>
+                <a:tailEnd type="arrow"/>
+              </a:ln>
+            </p:spPr>
+            <p:style>
+              <a:lnRef idx="1">
+                <a:schemeClr val="dk1"/>
+              </a:lnRef>
+              <a:fillRef idx="0">
+                <a:schemeClr val="dk1"/>
+              </a:fillRef>
+              <a:effectRef idx="0">
+                <a:schemeClr val="dk1"/>
+              </a:effectRef>
+              <a:fontRef idx="minor">
+                <a:schemeClr val="tx1"/>
+              </a:fontRef>
+            </p:style>
+          </p:cxnSp>
+          <p:cxnSp>
+            <p:nvCxnSpPr>
+              <p:cNvPr id="64" name="直線矢印コネクタ 63"/>
+              <p:cNvCxnSpPr>
+                <a:stCxn id="19" idx="2"/>
+                <a:endCxn id="20" idx="0"/>
+              </p:cNvCxnSpPr>
+              <p:nvPr/>
+            </p:nvCxnSpPr>
+            <p:spPr>
+              <a:xfrm flipH="1">
+                <a:off x="9347137" y="1465690"/>
+                <a:ext cx="409" cy="290796"/>
+              </a:xfrm>
+              <a:prstGeom prst="straightConnector1">
+                <a:avLst/>
+              </a:prstGeom>
+              <a:ln>
+                <a:headEnd type="none"/>
+                <a:tailEnd type="arrow"/>
+              </a:ln>
+            </p:spPr>
+            <p:style>
+              <a:lnRef idx="1">
+                <a:schemeClr val="dk1"/>
+              </a:lnRef>
+              <a:fillRef idx="0">
+                <a:schemeClr val="dk1"/>
+              </a:fillRef>
+              <a:effectRef idx="0">
+                <a:schemeClr val="dk1"/>
+              </a:effectRef>
+              <a:fontRef idx="minor">
+                <a:schemeClr val="tx1"/>
+              </a:fontRef>
+            </p:style>
+          </p:cxnSp>
+          <p:sp>
+            <p:nvSpPr>
+              <p:cNvPr id="76" name="フローチャート : 定義済み処理 27"/>
+              <p:cNvSpPr/>
+              <p:nvPr/>
+            </p:nvSpPr>
+            <p:spPr>
+              <a:xfrm>
+                <a:off x="4501905" y="1670761"/>
+                <a:ext cx="1243949" cy="432339"/>
+              </a:xfrm>
+              <a:prstGeom prst="flowChartPredefinedProcess">
+                <a:avLst/>
+              </a:prstGeom>
+              <a:solidFill>
+                <a:sysClr val="window" lastClr="FFFFFF"/>
+              </a:solidFill>
+              <a:ln>
+                <a:solidFill>
+                  <a:sysClr val="windowText" lastClr="000000"/>
+                </a:solidFill>
+              </a:ln>
+            </p:spPr>
+            <p:style>
+              <a:lnRef idx="2">
+                <a:schemeClr val="accent1">
+                  <a:shade val="50000"/>
+                </a:schemeClr>
+              </a:lnRef>
+              <a:fillRef idx="1">
+                <a:schemeClr val="accent1"/>
+              </a:fillRef>
+              <a:effectRef idx="0">
+                <a:schemeClr val="accent1"/>
+              </a:effectRef>
+              <a:fontRef idx="minor">
+                <a:schemeClr val="lt1"/>
+              </a:fontRef>
+            </p:style>
+            <p:txBody>
+              <a:bodyPr wrap="square" rtlCol="0" anchor="ctr"/>
+              <a:lstStyle>
+                <a:lvl1pPr marL="0" indent="0">
+                  <a:defRPr sz="1100">
+                    <a:solidFill>
+                      <a:schemeClr val="lt1"/>
+                    </a:solidFill>
+                    <a:latin typeface="+mn-lt"/>
+                    <a:ea typeface="+mn-ea"/>
+                    <a:cs typeface="+mn-cs"/>
+                  </a:defRPr>
+                </a:lvl1pPr>
+                <a:lvl2pPr marL="457200" indent="0">
+                  <a:defRPr sz="1100">
+                    <a:solidFill>
+                      <a:schemeClr val="lt1"/>
+                    </a:solidFill>
+                    <a:latin typeface="+mn-lt"/>
+                    <a:ea typeface="+mn-ea"/>
+                    <a:cs typeface="+mn-cs"/>
+                  </a:defRPr>
+                </a:lvl2pPr>
+                <a:lvl3pPr marL="914400" indent="0">
+                  <a:defRPr sz="1100">
+                    <a:solidFill>
+                      <a:schemeClr val="lt1"/>
+                    </a:solidFill>
+                    <a:latin typeface="+mn-lt"/>
+                    <a:ea typeface="+mn-ea"/>
+                    <a:cs typeface="+mn-cs"/>
+                  </a:defRPr>
+                </a:lvl3pPr>
+                <a:lvl4pPr marL="1371600" indent="0">
+                  <a:defRPr sz="1100">
+                    <a:solidFill>
+                      <a:schemeClr val="lt1"/>
+                    </a:solidFill>
+                    <a:latin typeface="+mn-lt"/>
+                    <a:ea typeface="+mn-ea"/>
+                    <a:cs typeface="+mn-cs"/>
+                  </a:defRPr>
+                </a:lvl4pPr>
+                <a:lvl5pPr marL="1828800" indent="0">
+                  <a:defRPr sz="1100">
+                    <a:solidFill>
+                      <a:schemeClr val="lt1"/>
+                    </a:solidFill>
+                    <a:latin typeface="+mn-lt"/>
+                    <a:ea typeface="+mn-ea"/>
+                    <a:cs typeface="+mn-cs"/>
+                  </a:defRPr>
+                </a:lvl5pPr>
+                <a:lvl6pPr marL="2286000" indent="0">
+                  <a:defRPr sz="1100">
+                    <a:solidFill>
+                      <a:schemeClr val="lt1"/>
+                    </a:solidFill>
+                    <a:latin typeface="+mn-lt"/>
+                    <a:ea typeface="+mn-ea"/>
+                    <a:cs typeface="+mn-cs"/>
+                  </a:defRPr>
+                </a:lvl6pPr>
+                <a:lvl7pPr marL="2743200" indent="0">
+                  <a:defRPr sz="1100">
+                    <a:solidFill>
+                      <a:schemeClr val="lt1"/>
+                    </a:solidFill>
+                    <a:latin typeface="+mn-lt"/>
+                    <a:ea typeface="+mn-ea"/>
+                    <a:cs typeface="+mn-cs"/>
+                  </a:defRPr>
+                </a:lvl7pPr>
+                <a:lvl8pPr marL="3200400" indent="0">
+                  <a:defRPr sz="1100">
+                    <a:solidFill>
+                      <a:schemeClr val="lt1"/>
+                    </a:solidFill>
+                    <a:latin typeface="+mn-lt"/>
+                    <a:ea typeface="+mn-ea"/>
+                    <a:cs typeface="+mn-cs"/>
+                  </a:defRPr>
+                </a:lvl8pPr>
+                <a:lvl9pPr marL="3657600" indent="0">
+                  <a:defRPr sz="1100">
+                    <a:solidFill>
+                      <a:schemeClr val="lt1"/>
+                    </a:solidFill>
+                    <a:latin typeface="+mn-lt"/>
+                    <a:ea typeface="+mn-ea"/>
+                    <a:cs typeface="+mn-cs"/>
+                  </a:defRPr>
+                </a:lvl9pPr>
+              </a:lstStyle>
+              <a:p>
+                <a:pPr algn="ctr"/>
+                <a:r>
+                  <a:rPr lang="ja-JP" altLang="en-US" sz="900" dirty="0" smtClean="0">
+                    <a:solidFill>
+                      <a:sysClr val="windowText" lastClr="000000"/>
+                    </a:solidFill>
+                    <a:latin typeface="MS UI Gothic" panose="020B0600070205080204" pitchFamily="50" charset="-128"/>
+                    <a:ea typeface="MS UI Gothic" panose="020B0600070205080204" pitchFamily="50" charset="-128"/>
+                  </a:rPr>
+                  <a:t>名前，コメント欄に入力</a:t>
+                </a:r>
+                <a:endParaRPr kumimoji="1" lang="en-US" altLang="ja-JP" sz="900" dirty="0">
+                  <a:solidFill>
+                    <a:sysClr val="windowText" lastClr="000000"/>
+                  </a:solidFill>
+                  <a:latin typeface="MS UI Gothic" panose="020B0600070205080204" pitchFamily="50" charset="-128"/>
+                  <a:ea typeface="MS UI Gothic" panose="020B0600070205080204" pitchFamily="50" charset="-128"/>
+                </a:endParaRPr>
+              </a:p>
+            </p:txBody>
+          </p:sp>
+          <p:sp>
+            <p:nvSpPr>
+              <p:cNvPr id="78" name="フローチャート : 手操作入力 51"/>
+              <p:cNvSpPr/>
+              <p:nvPr/>
+            </p:nvSpPr>
+            <p:spPr>
+              <a:xfrm>
+                <a:off x="4501068" y="2388736"/>
+                <a:ext cx="1244767" cy="427177"/>
+              </a:xfrm>
+              <a:prstGeom prst="flowChartManualInput">
+                <a:avLst/>
+              </a:prstGeom>
+              <a:solidFill>
+                <a:sysClr val="window" lastClr="FFFFFF"/>
+              </a:solidFill>
+              <a:ln>
+                <a:solidFill>
+                  <a:sysClr val="windowText" lastClr="000000"/>
+                </a:solidFill>
+              </a:ln>
+            </p:spPr>
+            <p:style>
+              <a:lnRef idx="2">
+                <a:schemeClr val="accent1">
+                  <a:shade val="50000"/>
+                </a:schemeClr>
+              </a:lnRef>
+              <a:fillRef idx="1">
+                <a:schemeClr val="accent1"/>
+              </a:fillRef>
+              <a:effectRef idx="0">
+                <a:schemeClr val="accent1"/>
+              </a:effectRef>
+              <a:fontRef idx="minor">
+                <a:schemeClr val="lt1"/>
+              </a:fontRef>
+            </p:style>
+            <p:txBody>
+              <a:bodyPr wrap="square" rtlCol="0" anchor="ctr"/>
+              <a:lstStyle>
+                <a:lvl1pPr marL="0" indent="0">
+                  <a:defRPr sz="1100">
+                    <a:solidFill>
+                      <a:schemeClr val="lt1"/>
+                    </a:solidFill>
+                    <a:latin typeface="+mn-lt"/>
+                    <a:ea typeface="+mn-ea"/>
+                    <a:cs typeface="+mn-cs"/>
+                  </a:defRPr>
+                </a:lvl1pPr>
+                <a:lvl2pPr marL="457200" indent="0">
+                  <a:defRPr sz="1100">
+                    <a:solidFill>
+                      <a:schemeClr val="lt1"/>
+                    </a:solidFill>
+                    <a:latin typeface="+mn-lt"/>
+                    <a:ea typeface="+mn-ea"/>
+                    <a:cs typeface="+mn-cs"/>
+                  </a:defRPr>
+                </a:lvl2pPr>
+                <a:lvl3pPr marL="914400" indent="0">
+                  <a:defRPr sz="1100">
+                    <a:solidFill>
+                      <a:schemeClr val="lt1"/>
+                    </a:solidFill>
+                    <a:latin typeface="+mn-lt"/>
+                    <a:ea typeface="+mn-ea"/>
+                    <a:cs typeface="+mn-cs"/>
+                  </a:defRPr>
+                </a:lvl3pPr>
+                <a:lvl4pPr marL="1371600" indent="0">
+                  <a:defRPr sz="1100">
+                    <a:solidFill>
+                      <a:schemeClr val="lt1"/>
+                    </a:solidFill>
+                    <a:latin typeface="+mn-lt"/>
+                    <a:ea typeface="+mn-ea"/>
+                    <a:cs typeface="+mn-cs"/>
+                  </a:defRPr>
+                </a:lvl4pPr>
+                <a:lvl5pPr marL="1828800" indent="0">
+                  <a:defRPr sz="1100">
+                    <a:solidFill>
+                      <a:schemeClr val="lt1"/>
+                    </a:solidFill>
+                    <a:latin typeface="+mn-lt"/>
+                    <a:ea typeface="+mn-ea"/>
+                    <a:cs typeface="+mn-cs"/>
+                  </a:defRPr>
+                </a:lvl5pPr>
+                <a:lvl6pPr marL="2286000" indent="0">
+                  <a:defRPr sz="1100">
+                    <a:solidFill>
+                      <a:schemeClr val="lt1"/>
+                    </a:solidFill>
+                    <a:latin typeface="+mn-lt"/>
+                    <a:ea typeface="+mn-ea"/>
+                    <a:cs typeface="+mn-cs"/>
+                  </a:defRPr>
+                </a:lvl6pPr>
+                <a:lvl7pPr marL="2743200" indent="0">
+                  <a:defRPr sz="1100">
+                    <a:solidFill>
+                      <a:schemeClr val="lt1"/>
+                    </a:solidFill>
+                    <a:latin typeface="+mn-lt"/>
+                    <a:ea typeface="+mn-ea"/>
+                    <a:cs typeface="+mn-cs"/>
+                  </a:defRPr>
+                </a:lvl7pPr>
+                <a:lvl8pPr marL="3200400" indent="0">
+                  <a:defRPr sz="1100">
+                    <a:solidFill>
+                      <a:schemeClr val="lt1"/>
+                    </a:solidFill>
+                    <a:latin typeface="+mn-lt"/>
+                    <a:ea typeface="+mn-ea"/>
+                    <a:cs typeface="+mn-cs"/>
+                  </a:defRPr>
+                </a:lvl8pPr>
+                <a:lvl9pPr marL="3657600" indent="0">
+                  <a:defRPr sz="1100">
+                    <a:solidFill>
+                      <a:schemeClr val="lt1"/>
+                    </a:solidFill>
+                    <a:latin typeface="+mn-lt"/>
+                    <a:ea typeface="+mn-ea"/>
+                    <a:cs typeface="+mn-cs"/>
+                  </a:defRPr>
+                </a:lvl9pPr>
+              </a:lstStyle>
+              <a:p>
+                <a:pPr algn="ctr"/>
+                <a:r>
+                  <a:rPr lang="ja-JP" altLang="en-US" sz="900" dirty="0" smtClean="0">
+                    <a:solidFill>
+                      <a:sysClr val="windowText" lastClr="000000"/>
+                    </a:solidFill>
+                    <a:latin typeface="MS UI Gothic" panose="020B0600070205080204" pitchFamily="50" charset="-128"/>
+                    <a:ea typeface="MS UI Gothic" panose="020B0600070205080204" pitchFamily="50" charset="-128"/>
+                  </a:rPr>
+                  <a:t>「</a:t>
+                </a:r>
+                <a:r>
+                  <a:rPr lang="ja-JP" altLang="en-US" sz="900" dirty="0">
+                    <a:solidFill>
+                      <a:sysClr val="windowText" lastClr="000000"/>
+                    </a:solidFill>
+                    <a:latin typeface="MS UI Gothic" panose="020B0600070205080204" pitchFamily="50" charset="-128"/>
+                    <a:ea typeface="MS UI Gothic" panose="020B0600070205080204" pitchFamily="50" charset="-128"/>
+                  </a:rPr>
+                  <a:t>投稿</a:t>
+                </a:r>
+                <a:r>
+                  <a:rPr lang="ja-JP" altLang="en-US" sz="900" dirty="0" smtClean="0">
+                    <a:solidFill>
+                      <a:sysClr val="windowText" lastClr="000000"/>
+                    </a:solidFill>
+                    <a:latin typeface="MS UI Gothic" panose="020B0600070205080204" pitchFamily="50" charset="-128"/>
+                    <a:ea typeface="MS UI Gothic" panose="020B0600070205080204" pitchFamily="50" charset="-128"/>
+                  </a:rPr>
+                  <a:t>する」ボタンを</a:t>
+                </a:r>
+                <a:endParaRPr lang="en-US" altLang="ja-JP" sz="900" dirty="0" smtClean="0">
+                  <a:solidFill>
+                    <a:sysClr val="windowText" lastClr="000000"/>
+                  </a:solidFill>
+                  <a:latin typeface="MS UI Gothic" panose="020B0600070205080204" pitchFamily="50" charset="-128"/>
+                  <a:ea typeface="MS UI Gothic" panose="020B0600070205080204" pitchFamily="50" charset="-128"/>
+                </a:endParaRPr>
+              </a:p>
+              <a:p>
+                <a:pPr algn="ctr"/>
+                <a:r>
+                  <a:rPr lang="ja-JP" altLang="en-US" sz="900" dirty="0" smtClean="0">
+                    <a:solidFill>
+                      <a:sysClr val="windowText" lastClr="000000"/>
+                    </a:solidFill>
+                    <a:latin typeface="MS UI Gothic" panose="020B0600070205080204" pitchFamily="50" charset="-128"/>
+                    <a:ea typeface="MS UI Gothic" panose="020B0600070205080204" pitchFamily="50" charset="-128"/>
+                  </a:rPr>
+                  <a:t>押下</a:t>
+                </a:r>
+                <a:endParaRPr kumimoji="1" lang="ja-JP" altLang="en-US" sz="900" dirty="0">
+                  <a:solidFill>
+                    <a:sysClr val="windowText" lastClr="000000"/>
+                  </a:solidFill>
+                  <a:latin typeface="MS UI Gothic" panose="020B0600070205080204" pitchFamily="50" charset="-128"/>
+                  <a:ea typeface="MS UI Gothic" panose="020B0600070205080204" pitchFamily="50" charset="-128"/>
+                </a:endParaRPr>
+              </a:p>
+            </p:txBody>
+          </p:sp>
+          <p:sp>
+            <p:nvSpPr>
+              <p:cNvPr id="91" name="フローチャート : 手操作入力 51"/>
+              <p:cNvSpPr/>
+              <p:nvPr/>
+            </p:nvSpPr>
+            <p:spPr>
+              <a:xfrm>
+                <a:off x="4487958" y="3320298"/>
+                <a:ext cx="1244767" cy="427177"/>
+              </a:xfrm>
+              <a:prstGeom prst="flowChartManualInput">
+                <a:avLst/>
+              </a:prstGeom>
+              <a:solidFill>
+                <a:sysClr val="window" lastClr="FFFFFF"/>
+              </a:solidFill>
+              <a:ln>
+                <a:solidFill>
+                  <a:sysClr val="windowText" lastClr="000000"/>
+                </a:solidFill>
+              </a:ln>
+            </p:spPr>
+            <p:style>
+              <a:lnRef idx="2">
+                <a:schemeClr val="accent1">
+                  <a:shade val="50000"/>
+                </a:schemeClr>
+              </a:lnRef>
+              <a:fillRef idx="1">
+                <a:schemeClr val="accent1"/>
+              </a:fillRef>
+              <a:effectRef idx="0">
+                <a:schemeClr val="accent1"/>
+              </a:effectRef>
+              <a:fontRef idx="minor">
+                <a:schemeClr val="lt1"/>
+              </a:fontRef>
+            </p:style>
+            <p:txBody>
+              <a:bodyPr wrap="square" rtlCol="0" anchor="ctr"/>
+              <a:lstStyle>
+                <a:lvl1pPr marL="0" indent="0">
+                  <a:defRPr sz="1100">
+                    <a:solidFill>
+                      <a:schemeClr val="lt1"/>
+                    </a:solidFill>
+                    <a:latin typeface="+mn-lt"/>
+                    <a:ea typeface="+mn-ea"/>
+                    <a:cs typeface="+mn-cs"/>
+                  </a:defRPr>
+                </a:lvl1pPr>
+                <a:lvl2pPr marL="457200" indent="0">
+                  <a:defRPr sz="1100">
+                    <a:solidFill>
+                      <a:schemeClr val="lt1"/>
+                    </a:solidFill>
+                    <a:latin typeface="+mn-lt"/>
+                    <a:ea typeface="+mn-ea"/>
+                    <a:cs typeface="+mn-cs"/>
+                  </a:defRPr>
+                </a:lvl2pPr>
+                <a:lvl3pPr marL="914400" indent="0">
+                  <a:defRPr sz="1100">
+                    <a:solidFill>
+                      <a:schemeClr val="lt1"/>
+                    </a:solidFill>
+                    <a:latin typeface="+mn-lt"/>
+                    <a:ea typeface="+mn-ea"/>
+                    <a:cs typeface="+mn-cs"/>
+                  </a:defRPr>
+                </a:lvl3pPr>
+                <a:lvl4pPr marL="1371600" indent="0">
+                  <a:defRPr sz="1100">
+                    <a:solidFill>
+                      <a:schemeClr val="lt1"/>
+                    </a:solidFill>
+                    <a:latin typeface="+mn-lt"/>
+                    <a:ea typeface="+mn-ea"/>
+                    <a:cs typeface="+mn-cs"/>
+                  </a:defRPr>
+                </a:lvl4pPr>
+                <a:lvl5pPr marL="1828800" indent="0">
+                  <a:defRPr sz="1100">
+                    <a:solidFill>
+                      <a:schemeClr val="lt1"/>
+                    </a:solidFill>
+                    <a:latin typeface="+mn-lt"/>
+                    <a:ea typeface="+mn-ea"/>
+                    <a:cs typeface="+mn-cs"/>
+                  </a:defRPr>
+                </a:lvl5pPr>
+                <a:lvl6pPr marL="2286000" indent="0">
+                  <a:defRPr sz="1100">
+                    <a:solidFill>
+                      <a:schemeClr val="lt1"/>
+                    </a:solidFill>
+                    <a:latin typeface="+mn-lt"/>
+                    <a:ea typeface="+mn-ea"/>
+                    <a:cs typeface="+mn-cs"/>
+                  </a:defRPr>
+                </a:lvl6pPr>
+                <a:lvl7pPr marL="2743200" indent="0">
+                  <a:defRPr sz="1100">
+                    <a:solidFill>
+                      <a:schemeClr val="lt1"/>
+                    </a:solidFill>
+                    <a:latin typeface="+mn-lt"/>
+                    <a:ea typeface="+mn-ea"/>
+                    <a:cs typeface="+mn-cs"/>
+                  </a:defRPr>
+                </a:lvl7pPr>
+                <a:lvl8pPr marL="3200400" indent="0">
+                  <a:defRPr sz="1100">
+                    <a:solidFill>
+                      <a:schemeClr val="lt1"/>
+                    </a:solidFill>
+                    <a:latin typeface="+mn-lt"/>
+                    <a:ea typeface="+mn-ea"/>
+                    <a:cs typeface="+mn-cs"/>
+                  </a:defRPr>
+                </a:lvl8pPr>
+                <a:lvl9pPr marL="3657600" indent="0">
+                  <a:defRPr sz="1100">
+                    <a:solidFill>
+                      <a:schemeClr val="lt1"/>
+                    </a:solidFill>
+                    <a:latin typeface="+mn-lt"/>
+                    <a:ea typeface="+mn-ea"/>
+                    <a:cs typeface="+mn-cs"/>
+                  </a:defRPr>
+                </a:lvl9pPr>
+              </a:lstStyle>
+              <a:p>
+                <a:pPr algn="ctr"/>
+                <a:r>
+                  <a:rPr lang="ja-JP" altLang="en-US" sz="900" dirty="0" smtClean="0">
+                    <a:solidFill>
+                      <a:sysClr val="windowText" lastClr="000000"/>
+                    </a:solidFill>
+                    <a:latin typeface="MS UI Gothic" panose="020B0600070205080204" pitchFamily="50" charset="-128"/>
+                    <a:ea typeface="MS UI Gothic" panose="020B0600070205080204" pitchFamily="50" charset="-128"/>
+                  </a:rPr>
+                  <a:t>「コメント」以外の場所を押下</a:t>
+                </a:r>
+                <a:endParaRPr kumimoji="1" lang="ja-JP" altLang="en-US" sz="900" dirty="0">
+                  <a:solidFill>
+                    <a:sysClr val="windowText" lastClr="000000"/>
+                  </a:solidFill>
+                  <a:latin typeface="MS UI Gothic" panose="020B0600070205080204" pitchFamily="50" charset="-128"/>
+                  <a:ea typeface="MS UI Gothic" panose="020B0600070205080204" pitchFamily="50" charset="-128"/>
+                </a:endParaRPr>
+              </a:p>
+            </p:txBody>
+          </p:sp>
+          <p:cxnSp>
+            <p:nvCxnSpPr>
+              <p:cNvPr id="104" name="直線矢印コネクタ 103"/>
+              <p:cNvCxnSpPr>
+                <a:stCxn id="91" idx="2"/>
+                <a:endCxn id="11" idx="0"/>
+              </p:cNvCxnSpPr>
+              <p:nvPr/>
+            </p:nvCxnSpPr>
+            <p:spPr>
+              <a:xfrm>
+                <a:off x="5110342" y="3747475"/>
+                <a:ext cx="409" cy="291598"/>
+              </a:xfrm>
+              <a:prstGeom prst="straightConnector1">
+                <a:avLst/>
+              </a:prstGeom>
+              <a:ln>
+                <a:headEnd type="none"/>
+                <a:tailEnd type="arrow"/>
+              </a:ln>
+            </p:spPr>
+            <p:style>
+              <a:lnRef idx="1">
+                <a:schemeClr val="dk1"/>
+              </a:lnRef>
+              <a:fillRef idx="0">
+                <a:schemeClr val="dk1"/>
+              </a:fillRef>
+              <a:effectRef idx="0">
+                <a:schemeClr val="dk1"/>
+              </a:effectRef>
+              <a:fontRef idx="minor">
+                <a:schemeClr val="tx1"/>
+              </a:fontRef>
+            </p:style>
+          </p:cxnSp>
+          <p:cxnSp>
+            <p:nvCxnSpPr>
+              <p:cNvPr id="110" name="直線矢印コネクタ 109"/>
+              <p:cNvCxnSpPr>
+                <a:stCxn id="10" idx="2"/>
+                <a:endCxn id="76" idx="0"/>
+              </p:cNvCxnSpPr>
+              <p:nvPr/>
+            </p:nvCxnSpPr>
+            <p:spPr>
+              <a:xfrm flipH="1">
+                <a:off x="5123880" y="1385127"/>
+                <a:ext cx="1" cy="285634"/>
+              </a:xfrm>
+              <a:prstGeom prst="straightConnector1">
+                <a:avLst/>
+              </a:prstGeom>
+              <a:ln>
+                <a:headEnd type="none"/>
+                <a:tailEnd type="arrow"/>
+              </a:ln>
+            </p:spPr>
+            <p:style>
+              <a:lnRef idx="1">
+                <a:schemeClr val="dk1"/>
+              </a:lnRef>
+              <a:fillRef idx="0">
+                <a:schemeClr val="dk1"/>
+              </a:fillRef>
+              <a:effectRef idx="0">
+                <a:schemeClr val="dk1"/>
+              </a:effectRef>
+              <a:fontRef idx="minor">
+                <a:schemeClr val="tx1"/>
+              </a:fontRef>
+            </p:style>
+          </p:cxnSp>
+          <p:cxnSp>
+            <p:nvCxnSpPr>
+              <p:cNvPr id="113" name="直線矢印コネクタ 112"/>
+              <p:cNvCxnSpPr>
+                <a:stCxn id="76" idx="2"/>
+                <a:endCxn id="78" idx="0"/>
+              </p:cNvCxnSpPr>
+              <p:nvPr/>
+            </p:nvCxnSpPr>
+            <p:spPr>
+              <a:xfrm flipH="1">
+                <a:off x="5123452" y="2103100"/>
+                <a:ext cx="428" cy="328354"/>
+              </a:xfrm>
+              <a:prstGeom prst="straightConnector1">
+                <a:avLst/>
+              </a:prstGeom>
+              <a:ln>
+                <a:headEnd type="none"/>
+                <a:tailEnd type="arrow"/>
+              </a:ln>
+            </p:spPr>
+            <p:style>
+              <a:lnRef idx="1">
+                <a:schemeClr val="dk1"/>
+              </a:lnRef>
+              <a:fillRef idx="0">
+                <a:schemeClr val="dk1"/>
+              </a:fillRef>
+              <a:effectRef idx="0">
+                <a:schemeClr val="dk1"/>
+              </a:effectRef>
+              <a:fontRef idx="minor">
+                <a:schemeClr val="tx1"/>
+              </a:fontRef>
+            </p:style>
+          </p:cxnSp>
+          <p:cxnSp>
+            <p:nvCxnSpPr>
+              <p:cNvPr id="122" name="カギ線コネクタ 121"/>
+              <p:cNvCxnSpPr>
+                <a:endCxn id="91" idx="1"/>
+              </p:cNvCxnSpPr>
+              <p:nvPr/>
+            </p:nvCxnSpPr>
+            <p:spPr>
+              <a:xfrm rot="5400000">
+                <a:off x="3801443" y="2211878"/>
+                <a:ext cx="2008525" cy="635493"/>
+              </a:xfrm>
+              <a:prstGeom prst="bentConnector4">
+                <a:avLst>
+                  <a:gd name="adj1" fmla="val -369"/>
+                  <a:gd name="adj2" fmla="val 150960"/>
+                </a:avLst>
+              </a:prstGeom>
+              <a:ln>
+                <a:tailEnd type="arrow"/>
+              </a:ln>
+            </p:spPr>
+            <p:style>
+              <a:lnRef idx="1">
+                <a:schemeClr val="dk1"/>
+              </a:lnRef>
+              <a:fillRef idx="0">
+                <a:schemeClr val="dk1"/>
+              </a:fillRef>
+              <a:effectRef idx="0">
+                <a:schemeClr val="dk1"/>
+              </a:effectRef>
+              <a:fontRef idx="minor">
+                <a:schemeClr val="tx1"/>
+              </a:fontRef>
+            </p:style>
+          </p:cxnSp>
+          <p:cxnSp>
+            <p:nvCxnSpPr>
+              <p:cNvPr id="126" name="カギ線コネクタ 125"/>
+              <p:cNvCxnSpPr>
+                <a:stCxn id="9" idx="3"/>
+                <a:endCxn id="10" idx="1"/>
+              </p:cNvCxnSpPr>
+              <p:nvPr/>
+            </p:nvCxnSpPr>
+            <p:spPr>
+              <a:xfrm flipV="1">
+                <a:off x="3652600" y="1168958"/>
+                <a:ext cx="849306" cy="2237066"/>
+              </a:xfrm>
+              <a:prstGeom prst="bentConnector3">
+                <a:avLst>
+                  <a:gd name="adj1" fmla="val 50000"/>
+                </a:avLst>
+              </a:prstGeom>
+              <a:ln>
+                <a:tailEnd type="arrow"/>
+              </a:ln>
+            </p:spPr>
+            <p:style>
+              <a:lnRef idx="1">
+                <a:schemeClr val="dk1"/>
+              </a:lnRef>
+              <a:fillRef idx="0">
+                <a:schemeClr val="dk1"/>
+              </a:fillRef>
+              <a:effectRef idx="0">
+                <a:schemeClr val="dk1"/>
+              </a:effectRef>
+              <a:fontRef idx="minor">
+                <a:schemeClr val="tx1"/>
+              </a:fontRef>
+            </p:style>
+          </p:cxnSp>
+          <p:cxnSp>
+            <p:nvCxnSpPr>
+              <p:cNvPr id="142" name="カギ線コネクタ 141"/>
+              <p:cNvCxnSpPr>
+                <a:stCxn id="10" idx="0"/>
+                <a:endCxn id="19" idx="0"/>
+              </p:cNvCxnSpPr>
+              <p:nvPr/>
+            </p:nvCxnSpPr>
+            <p:spPr>
+              <a:xfrm rot="16200000" flipH="1">
+                <a:off x="7171491" y="-1094823"/>
+                <a:ext cx="128443" cy="4223665"/>
+              </a:xfrm>
+              <a:prstGeom prst="bentConnector3">
+                <a:avLst>
+                  <a:gd name="adj1" fmla="val -177978"/>
+                </a:avLst>
+              </a:prstGeom>
+              <a:ln>
+                <a:tailEnd type="arrow"/>
+              </a:ln>
+            </p:spPr>
+            <p:style>
+              <a:lnRef idx="1">
+                <a:schemeClr val="dk1"/>
+              </a:lnRef>
+              <a:fillRef idx="0">
+                <a:schemeClr val="dk1"/>
+              </a:fillRef>
+              <a:effectRef idx="0">
+                <a:schemeClr val="dk1"/>
+              </a:effectRef>
+              <a:fontRef idx="minor">
+                <a:schemeClr val="tx1"/>
+              </a:fontRef>
+            </p:style>
+          </p:cxnSp>
+          <p:cxnSp>
+            <p:nvCxnSpPr>
+              <p:cNvPr id="144" name="直線矢印コネクタ 143"/>
+              <p:cNvCxnSpPr>
+                <a:endCxn id="28" idx="1"/>
+              </p:cNvCxnSpPr>
+              <p:nvPr/>
+            </p:nvCxnSpPr>
+            <p:spPr>
+              <a:xfrm>
+                <a:off x="5745855" y="1066860"/>
+                <a:ext cx="722456" cy="423061"/>
+              </a:xfrm>
+              <a:prstGeom prst="bentConnector2">
+                <a:avLst/>
+              </a:prstGeom>
+              <a:ln>
+                <a:tailEnd type="arrow"/>
+              </a:ln>
+            </p:spPr>
+            <p:style>
+              <a:lnRef idx="1">
+                <a:schemeClr val="dk1"/>
+              </a:lnRef>
+              <a:fillRef idx="0">
+                <a:schemeClr val="dk1"/>
+              </a:fillRef>
+              <a:effectRef idx="0">
+                <a:schemeClr val="dk1"/>
+              </a:effectRef>
+              <a:fontRef idx="minor">
+                <a:schemeClr val="tx1"/>
+              </a:fontRef>
+            </p:style>
+          </p:cxnSp>
+          <p:cxnSp>
+            <p:nvCxnSpPr>
+              <p:cNvPr id="145" name="直線矢印コネクタ 144"/>
+              <p:cNvCxnSpPr/>
+              <p:nvPr/>
+            </p:nvCxnSpPr>
+            <p:spPr>
+              <a:xfrm rot="10800000">
+                <a:off x="5732725" y="1292060"/>
+                <a:ext cx="506150" cy="178792"/>
+              </a:xfrm>
+              <a:prstGeom prst="bentConnector3">
+                <a:avLst>
+                  <a:gd name="adj1" fmla="val -810"/>
+                </a:avLst>
+              </a:prstGeom>
+              <a:ln>
+                <a:headEnd type="none"/>
+                <a:tailEnd type="arrow"/>
+              </a:ln>
+            </p:spPr>
+            <p:style>
+              <a:lnRef idx="1">
+                <a:schemeClr val="dk1"/>
+              </a:lnRef>
+              <a:fillRef idx="0">
+                <a:schemeClr val="dk1"/>
+              </a:fillRef>
+              <a:effectRef idx="0">
+                <a:schemeClr val="dk1"/>
+              </a:effectRef>
+              <a:fontRef idx="minor">
+                <a:schemeClr val="tx1"/>
+              </a:fontRef>
+            </p:style>
+          </p:cxnSp>
+          <p:cxnSp>
+            <p:nvCxnSpPr>
+              <p:cNvPr id="149" name="カギ線コネクタ 148"/>
+              <p:cNvCxnSpPr>
+                <a:stCxn id="78" idx="3"/>
+                <a:endCxn id="28" idx="3"/>
+              </p:cNvCxnSpPr>
+              <p:nvPr/>
+            </p:nvCxnSpPr>
+            <p:spPr>
+              <a:xfrm flipV="1">
+                <a:off x="5745835" y="1933060"/>
+                <a:ext cx="722476" cy="669265"/>
+              </a:xfrm>
+              <a:prstGeom prst="bentConnector2">
+                <a:avLst/>
+              </a:prstGeom>
+              <a:ln>
+                <a:tailEnd type="arrow"/>
+              </a:ln>
+            </p:spPr>
+            <p:style>
+              <a:lnRef idx="1">
+                <a:schemeClr val="dk1"/>
+              </a:lnRef>
+              <a:fillRef idx="0">
+                <a:schemeClr val="dk1"/>
+              </a:fillRef>
+              <a:effectRef idx="0">
+                <a:schemeClr val="dk1"/>
+              </a:effectRef>
+              <a:fontRef idx="minor">
+                <a:schemeClr val="tx1"/>
+              </a:fontRef>
+            </p:style>
+          </p:cxnSp>
+        </p:grpSp>
+        <p:sp>
+          <p:nvSpPr>
+            <p:cNvPr id="36" name="フローチャート : 定義済み処理 27"/>
+            <p:cNvSpPr/>
+            <p:nvPr/>
+          </p:nvSpPr>
+          <p:spPr>
+            <a:xfrm>
+              <a:off x="5837809" y="2848363"/>
+              <a:ext cx="1243949" cy="432339"/>
+            </a:xfrm>
+            <a:prstGeom prst="flowChartPredefinedProcess">
+              <a:avLst/>
+            </a:prstGeom>
+            <a:solidFill>
+              <a:sysClr val="window" lastClr="FFFFFF"/>
+            </a:solidFill>
+            <a:ln>
+              <a:solidFill>
+                <a:sysClr val="windowText" lastClr="000000"/>
+              </a:solidFill>
+            </a:ln>
+          </p:spPr>
+          <p:style>
+            <a:lnRef idx="2">
+              <a:schemeClr val="accent1">
+                <a:shade val="50000"/>
+              </a:schemeClr>
+            </a:lnRef>
+            <a:fillRef idx="1">
+              <a:schemeClr val="accent1"/>
+            </a:fillRef>
+            <a:effectRef idx="0">
+              <a:schemeClr val="accent1"/>
+            </a:effectRef>
+            <a:fontRef idx="minor">
+              <a:schemeClr val="lt1"/>
+            </a:fontRef>
+          </p:style>
+          <p:txBody>
+            <a:bodyPr wrap="square" rtlCol="0" anchor="ctr"/>
+            <a:lstStyle>
+              <a:lvl1pPr marL="0" indent="0">
+                <a:defRPr sz="1100">
+                  <a:solidFill>
+                    <a:schemeClr val="lt1"/>
+                  </a:solidFill>
+                  <a:latin typeface="+mn-lt"/>
+                  <a:ea typeface="+mn-ea"/>
+                  <a:cs typeface="+mn-cs"/>
+                </a:defRPr>
+              </a:lvl1pPr>
+              <a:lvl2pPr marL="457200" indent="0">
+                <a:defRPr sz="1100">
+                  <a:solidFill>
+                    <a:schemeClr val="lt1"/>
+                  </a:solidFill>
+                  <a:latin typeface="+mn-lt"/>
+                  <a:ea typeface="+mn-ea"/>
+                  <a:cs typeface="+mn-cs"/>
+                </a:defRPr>
+              </a:lvl2pPr>
+              <a:lvl3pPr marL="914400" indent="0">
+                <a:defRPr sz="1100">
+                  <a:solidFill>
+                    <a:schemeClr val="lt1"/>
+                  </a:solidFill>
+                  <a:latin typeface="+mn-lt"/>
+                  <a:ea typeface="+mn-ea"/>
+                  <a:cs typeface="+mn-cs"/>
+                </a:defRPr>
+              </a:lvl3pPr>
+              <a:lvl4pPr marL="1371600" indent="0">
+                <a:defRPr sz="1100">
+                  <a:solidFill>
+                    <a:schemeClr val="lt1"/>
+                  </a:solidFill>
+                  <a:latin typeface="+mn-lt"/>
+                  <a:ea typeface="+mn-ea"/>
+                  <a:cs typeface="+mn-cs"/>
+                </a:defRPr>
+              </a:lvl4pPr>
+              <a:lvl5pPr marL="1828800" indent="0">
+                <a:defRPr sz="1100">
+                  <a:solidFill>
+                    <a:schemeClr val="lt1"/>
+                  </a:solidFill>
+                  <a:latin typeface="+mn-lt"/>
+                  <a:ea typeface="+mn-ea"/>
+                  <a:cs typeface="+mn-cs"/>
+                </a:defRPr>
+              </a:lvl5pPr>
+              <a:lvl6pPr marL="2286000" indent="0">
+                <a:defRPr sz="1100">
+                  <a:solidFill>
+                    <a:schemeClr val="lt1"/>
+                  </a:solidFill>
+                  <a:latin typeface="+mn-lt"/>
+                  <a:ea typeface="+mn-ea"/>
+                  <a:cs typeface="+mn-cs"/>
+                </a:defRPr>
+              </a:lvl6pPr>
+              <a:lvl7pPr marL="2743200" indent="0">
+                <a:defRPr sz="1100">
+                  <a:solidFill>
+                    <a:schemeClr val="lt1"/>
+                  </a:solidFill>
+                  <a:latin typeface="+mn-lt"/>
+                  <a:ea typeface="+mn-ea"/>
+                  <a:cs typeface="+mn-cs"/>
+                </a:defRPr>
+              </a:lvl7pPr>
+              <a:lvl8pPr marL="3200400" indent="0">
+                <a:defRPr sz="1100">
+                  <a:solidFill>
+                    <a:schemeClr val="lt1"/>
+                  </a:solidFill>
+                  <a:latin typeface="+mn-lt"/>
+                  <a:ea typeface="+mn-ea"/>
+                  <a:cs typeface="+mn-cs"/>
+                </a:defRPr>
+              </a:lvl8pPr>
+              <a:lvl9pPr marL="3657600" indent="0">
+                <a:defRPr sz="1100">
+                  <a:solidFill>
+                    <a:schemeClr val="lt1"/>
+                  </a:solidFill>
+                  <a:latin typeface="+mn-lt"/>
+                  <a:ea typeface="+mn-ea"/>
+                  <a:cs typeface="+mn-cs"/>
+                </a:defRPr>
+              </a:lvl9pPr>
+            </a:lstStyle>
+            <a:p>
+              <a:pPr algn="ctr"/>
+              <a:r>
+                <a:rPr lang="ja-JP" altLang="en-US" sz="900" dirty="0" smtClean="0">
+                  <a:solidFill>
+                    <a:sysClr val="windowText" lastClr="000000"/>
+                  </a:solidFill>
+                  <a:latin typeface="MS UI Gothic" panose="020B0600070205080204" pitchFamily="50" charset="-128"/>
+                  <a:ea typeface="MS UI Gothic" panose="020B0600070205080204" pitchFamily="50" charset="-128"/>
+                </a:rPr>
+                <a:t>「</a:t>
+              </a:r>
+              <a:r>
+                <a:rPr lang="ja-JP" altLang="en-US" sz="900" dirty="0">
+                  <a:solidFill>
+                    <a:sysClr val="windowText" lastClr="000000"/>
+                  </a:solidFill>
+                  <a:latin typeface="MS UI Gothic" panose="020B0600070205080204" pitchFamily="50" charset="-128"/>
+                  <a:ea typeface="MS UI Gothic" panose="020B0600070205080204" pitchFamily="50" charset="-128"/>
+                </a:rPr>
+                <a:t>コメント</a:t>
+              </a:r>
+              <a:r>
+                <a:rPr lang="ja-JP" altLang="en-US" sz="900" dirty="0" smtClean="0">
+                  <a:solidFill>
+                    <a:sysClr val="windowText" lastClr="000000"/>
+                  </a:solidFill>
+                  <a:latin typeface="MS UI Gothic" panose="020B0600070205080204" pitchFamily="50" charset="-128"/>
+                  <a:ea typeface="MS UI Gothic" panose="020B0600070205080204" pitchFamily="50" charset="-128"/>
+                </a:rPr>
+                <a:t>」を</a:t>
+              </a:r>
+              <a:endParaRPr lang="en-US" altLang="ja-JP" sz="900" dirty="0" smtClean="0">
+                <a:solidFill>
+                  <a:sysClr val="windowText" lastClr="000000"/>
+                </a:solidFill>
+                <a:latin typeface="MS UI Gothic" panose="020B0600070205080204" pitchFamily="50" charset="-128"/>
+                <a:ea typeface="MS UI Gothic" panose="020B0600070205080204" pitchFamily="50" charset="-128"/>
+              </a:endParaRPr>
+            </a:p>
+            <a:p>
+              <a:pPr algn="ctr"/>
+              <a:r>
+                <a:rPr lang="ja-JP" altLang="en-US" sz="900" dirty="0" smtClean="0">
+                  <a:solidFill>
+                    <a:sysClr val="windowText" lastClr="000000"/>
+                  </a:solidFill>
+                  <a:latin typeface="MS UI Gothic" panose="020B0600070205080204" pitchFamily="50" charset="-128"/>
+                  <a:ea typeface="MS UI Gothic" panose="020B0600070205080204" pitchFamily="50" charset="-128"/>
+                </a:rPr>
+                <a:t>更新し表示</a:t>
+              </a:r>
+              <a:endParaRPr kumimoji="1" lang="ja-JP" altLang="en-US" sz="900" dirty="0">
+                <a:solidFill>
+                  <a:sysClr val="windowText" lastClr="000000"/>
+                </a:solidFill>
+                <a:latin typeface="MS UI Gothic" panose="020B0600070205080204" pitchFamily="50" charset="-128"/>
+                <a:ea typeface="MS UI Gothic" panose="020B0600070205080204" pitchFamily="50" charset="-128"/>
+              </a:endParaRPr>
+            </a:p>
+          </p:txBody>
+        </p:sp>
+        <p:cxnSp>
+          <p:nvCxnSpPr>
+            <p:cNvPr id="13" name="カギ線コネクタ 12"/>
+            <p:cNvCxnSpPr>
+              <a:stCxn id="78" idx="2"/>
+              <a:endCxn id="36" idx="1"/>
+            </p:cNvCxnSpPr>
+            <p:nvPr/>
+          </p:nvCxnSpPr>
+          <p:spPr>
+            <a:xfrm rot="16200000" flipH="1">
+              <a:off x="5356320" y="2583044"/>
+              <a:ext cx="248620" cy="714357"/>
+            </a:xfrm>
+            <a:prstGeom prst="bentConnector2">
+              <a:avLst/>
+            </a:prstGeom>
+            <a:ln>
+              <a:tailEnd type="arrow"/>
+            </a:ln>
+          </p:spPr>
+          <p:style>
+            <a:lnRef idx="1">
+              <a:schemeClr val="dk1"/>
+            </a:lnRef>
+            <a:fillRef idx="0">
+              <a:schemeClr val="dk1"/>
+            </a:fillRef>
+            <a:effectRef idx="0">
+              <a:schemeClr val="dk1"/>
+            </a:effectRef>
+            <a:fontRef idx="minor">
+              <a:schemeClr val="tx1"/>
+            </a:fontRef>
+          </p:style>
+        </p:cxnSp>
+      </p:grpSp>
+    </p:spTree>
+    <p:extLst>
+      <p:ext uri="{BB962C8B-B14F-4D97-AF65-F5344CB8AC3E}">
+        <p14:creationId xmlns:p14="http://schemas.microsoft.com/office/powerpoint/2010/main" val="3829639849"/>
+      </p:ext>
+    </p:extLst>
+  </p:cSld>
+  <p:clrMapOvr>
+    <a:masterClrMapping/>
+  </p:clrMapOvr>
+</p:sld>
+</file>
+
+<file path=ppt/slides/slide3.xml><?xml version="1.0" encoding="utf-8"?>
+<p:sld xmlns:a="http://schemas.openxmlformats.org/drawingml/2006/main" xmlns:r="http://schemas.openxmlformats.org/officeDocument/2006/relationships" xmlns:p="http://schemas.openxmlformats.org/presentationml/2006/main">
+  <p:cSld>
+    <p:spTree>
+      <p:nvGrpSpPr>
+        <p:cNvPr id="1" name=""/>
+        <p:cNvGrpSpPr/>
+        <p:nvPr/>
+      </p:nvGrpSpPr>
+      <p:grpSpPr>
+        <a:xfrm>
+          <a:off x="0" y="0"/>
+          <a:ext cx="0" cy="0"/>
+          <a:chOff x="0" y="0"/>
+          <a:chExt cx="0" cy="0"/>
+        </a:xfrm>
+      </p:grpSpPr>
       <p:sp>
         <p:nvSpPr>
-          <p:cNvPr id="93" name="フローチャート : 定義済み処理 27"/>
+          <p:cNvPr id="4" name="フローチャート : 手操作入力 51"/>
           <p:cNvSpPr/>
           <p:nvPr/>
         </p:nvSpPr>
         <p:spPr>
           <a:xfrm>
-            <a:off x="2616421" y="1377003"/>
-            <a:ext cx="1243949" cy="432339"/>
-          </a:xfrm>
-          <a:prstGeom prst="flowChartPredefinedProcess">
-            <a:avLst/>
-          </a:prstGeom>
-          <a:solidFill>
-            <a:sysClr val="window" lastClr="FFFFFF"/>
-          </a:solidFill>
-          <a:ln>
-            <a:solidFill>
-              <a:sysClr val="windowText" lastClr="000000"/>
-            </a:solidFill>
-          </a:ln>
-        </p:spPr>
-        <p:style>
-          <a:lnRef idx="2">
-            <a:schemeClr val="accent1">
-              <a:shade val="50000"/>
-            </a:schemeClr>
-          </a:lnRef>
-          <a:fillRef idx="1">
-            <a:schemeClr val="accent1"/>
-          </a:fillRef>
-          <a:effectRef idx="0">
-            <a:schemeClr val="accent1"/>
-          </a:effectRef>
-          <a:fontRef idx="minor">
-            <a:schemeClr val="lt1"/>
-          </a:fontRef>
-        </p:style>
-        <p:txBody>
-          <a:bodyPr wrap="square" rtlCol="0" anchor="ctr"/>
-          <a:lstStyle>
-            <a:lvl1pPr marL="0" indent="0">
-              <a:defRPr sz="1100">
-                <a:solidFill>
-                  <a:schemeClr val="lt1"/>
-                </a:solidFill>
-                <a:latin typeface="+mn-lt"/>
-                <a:ea typeface="+mn-ea"/>
-                <a:cs typeface="+mn-cs"/>
-              </a:defRPr>
-            </a:lvl1pPr>
-            <a:lvl2pPr marL="457200" indent="0">
-              <a:defRPr sz="1100">
-                <a:solidFill>
-                  <a:schemeClr val="lt1"/>
-                </a:solidFill>
-                <a:latin typeface="+mn-lt"/>
-                <a:ea typeface="+mn-ea"/>
-                <a:cs typeface="+mn-cs"/>
-              </a:defRPr>
-            </a:lvl2pPr>
-            <a:lvl3pPr marL="914400" indent="0">
-              <a:defRPr sz="1100">
-                <a:solidFill>
-                  <a:schemeClr val="lt1"/>
-                </a:solidFill>
-                <a:latin typeface="+mn-lt"/>
-                <a:ea typeface="+mn-ea"/>
-                <a:cs typeface="+mn-cs"/>
-              </a:defRPr>
-            </a:lvl3pPr>
-            <a:lvl4pPr marL="1371600" indent="0">
-              <a:defRPr sz="1100">
-                <a:solidFill>
-                  <a:schemeClr val="lt1"/>
-                </a:solidFill>
-                <a:latin typeface="+mn-lt"/>
-                <a:ea typeface="+mn-ea"/>
-                <a:cs typeface="+mn-cs"/>
-              </a:defRPr>
-            </a:lvl4pPr>
-            <a:lvl5pPr marL="1828800" indent="0">
-              <a:defRPr sz="1100">
-                <a:solidFill>
-                  <a:schemeClr val="lt1"/>
-                </a:solidFill>
-                <a:latin typeface="+mn-lt"/>
-                <a:ea typeface="+mn-ea"/>
-                <a:cs typeface="+mn-cs"/>
-              </a:defRPr>
-            </a:lvl5pPr>
-            <a:lvl6pPr marL="2286000" indent="0">
-              <a:defRPr sz="1100">
-                <a:solidFill>
-                  <a:schemeClr val="lt1"/>
-                </a:solidFill>
-                <a:latin typeface="+mn-lt"/>
-                <a:ea typeface="+mn-ea"/>
-                <a:cs typeface="+mn-cs"/>
-              </a:defRPr>
-            </a:lvl6pPr>
-            <a:lvl7pPr marL="2743200" indent="0">
-              <a:defRPr sz="1100">
-                <a:solidFill>
-                  <a:schemeClr val="lt1"/>
-                </a:solidFill>
-                <a:latin typeface="+mn-lt"/>
-                <a:ea typeface="+mn-ea"/>
-                <a:cs typeface="+mn-cs"/>
-              </a:defRPr>
-            </a:lvl7pPr>
-            <a:lvl8pPr marL="3200400" indent="0">
-              <a:defRPr sz="1100">
-                <a:solidFill>
-                  <a:schemeClr val="lt1"/>
-                </a:solidFill>
-                <a:latin typeface="+mn-lt"/>
-                <a:ea typeface="+mn-ea"/>
-                <a:cs typeface="+mn-cs"/>
-              </a:defRPr>
-            </a:lvl8pPr>
-            <a:lvl9pPr marL="3657600" indent="0">
-              <a:defRPr sz="1100">
-                <a:solidFill>
-                  <a:schemeClr val="lt1"/>
-                </a:solidFill>
-                <a:latin typeface="+mn-lt"/>
-                <a:ea typeface="+mn-ea"/>
-                <a:cs typeface="+mn-cs"/>
-              </a:defRPr>
-            </a:lvl9pPr>
-          </a:lstStyle>
-          <a:p>
-            <a:pPr algn="ctr"/>
-            <a:r>
-              <a:rPr lang="ja-JP" altLang="en-US" sz="900" dirty="0">
-                <a:solidFill>
-                  <a:sysClr val="windowText" lastClr="000000"/>
-                </a:solidFill>
-                <a:latin typeface="MS UI Gothic" panose="020B0600070205080204" pitchFamily="50" charset="-128"/>
-                <a:ea typeface="MS UI Gothic" panose="020B0600070205080204" pitchFamily="50" charset="-128"/>
-              </a:rPr>
-              <a:t>システム</a:t>
-            </a:r>
-            <a:r>
-              <a:rPr lang="ja-JP" altLang="en-US" sz="900" dirty="0" smtClean="0">
-                <a:solidFill>
-                  <a:sysClr val="windowText" lastClr="000000"/>
-                </a:solidFill>
-                <a:latin typeface="MS UI Gothic" panose="020B0600070205080204" pitchFamily="50" charset="-128"/>
-                <a:ea typeface="MS UI Gothic" panose="020B0600070205080204" pitchFamily="50" charset="-128"/>
-              </a:rPr>
-              <a:t>へ</a:t>
-            </a:r>
-            <a:endParaRPr lang="en-US" altLang="ja-JP" sz="900" dirty="0" smtClean="0">
-              <a:solidFill>
-                <a:sysClr val="windowText" lastClr="000000"/>
-              </a:solidFill>
-              <a:latin typeface="MS UI Gothic" panose="020B0600070205080204" pitchFamily="50" charset="-128"/>
-              <a:ea typeface="MS UI Gothic" panose="020B0600070205080204" pitchFamily="50" charset="-128"/>
-            </a:endParaRPr>
-          </a:p>
-          <a:p>
-            <a:pPr algn="ctr"/>
-            <a:r>
-              <a:rPr lang="ja-JP" altLang="en-US" sz="900" dirty="0" smtClean="0">
-                <a:solidFill>
-                  <a:sysClr val="windowText" lastClr="000000"/>
-                </a:solidFill>
-                <a:latin typeface="MS UI Gothic" panose="020B0600070205080204" pitchFamily="50" charset="-128"/>
-                <a:ea typeface="MS UI Gothic" panose="020B0600070205080204" pitchFamily="50" charset="-128"/>
-              </a:rPr>
-              <a:t>アクセス</a:t>
-            </a:r>
-            <a:endParaRPr lang="en-US" altLang="ja-JP" sz="900" dirty="0">
-              <a:solidFill>
-                <a:sysClr val="windowText" lastClr="000000"/>
-              </a:solidFill>
-              <a:latin typeface="MS UI Gothic" panose="020B0600070205080204" pitchFamily="50" charset="-128"/>
-              <a:ea typeface="MS UI Gothic" panose="020B0600070205080204" pitchFamily="50" charset="-128"/>
-            </a:endParaRPr>
-          </a:p>
-        </p:txBody>
-      </p:sp>
-      <p:sp>
-        <p:nvSpPr>
-          <p:cNvPr id="94" name="フローチャート : 定義済み処理 27"/>
-          <p:cNvSpPr/>
-          <p:nvPr/>
-        </p:nvSpPr>
-        <p:spPr>
-          <a:xfrm>
-            <a:off x="2616421" y="2094977"/>
-            <a:ext cx="1243949" cy="432339"/>
-          </a:xfrm>
-          <a:prstGeom prst="flowChartPredefinedProcess">
-            <a:avLst/>
-          </a:prstGeom>
-          <a:solidFill>
-            <a:sysClr val="window" lastClr="FFFFFF"/>
-          </a:solidFill>
-          <a:ln>
-            <a:solidFill>
-              <a:sysClr val="windowText" lastClr="000000"/>
-            </a:solidFill>
-          </a:ln>
-        </p:spPr>
-        <p:style>
-          <a:lnRef idx="2">
-            <a:schemeClr val="accent1">
-              <a:shade val="50000"/>
-            </a:schemeClr>
-          </a:lnRef>
-          <a:fillRef idx="1">
-            <a:schemeClr val="accent1"/>
-          </a:fillRef>
-          <a:effectRef idx="0">
-            <a:schemeClr val="accent1"/>
-          </a:effectRef>
-          <a:fontRef idx="minor">
-            <a:schemeClr val="lt1"/>
-          </a:fontRef>
-        </p:style>
-        <p:txBody>
-          <a:bodyPr wrap="square" rtlCol="0" anchor="ctr"/>
-          <a:lstStyle>
-            <a:lvl1pPr marL="0" indent="0">
-              <a:defRPr sz="1100">
-                <a:solidFill>
-                  <a:schemeClr val="lt1"/>
-                </a:solidFill>
-                <a:latin typeface="+mn-lt"/>
-                <a:ea typeface="+mn-ea"/>
-                <a:cs typeface="+mn-cs"/>
-              </a:defRPr>
-            </a:lvl1pPr>
-            <a:lvl2pPr marL="457200" indent="0">
-              <a:defRPr sz="1100">
-                <a:solidFill>
-                  <a:schemeClr val="lt1"/>
-                </a:solidFill>
-                <a:latin typeface="+mn-lt"/>
-                <a:ea typeface="+mn-ea"/>
-                <a:cs typeface="+mn-cs"/>
-              </a:defRPr>
-            </a:lvl2pPr>
-            <a:lvl3pPr marL="914400" indent="0">
-              <a:defRPr sz="1100">
-                <a:solidFill>
-                  <a:schemeClr val="lt1"/>
-                </a:solidFill>
-                <a:latin typeface="+mn-lt"/>
-                <a:ea typeface="+mn-ea"/>
-                <a:cs typeface="+mn-cs"/>
-              </a:defRPr>
-            </a:lvl3pPr>
-            <a:lvl4pPr marL="1371600" indent="0">
-              <a:defRPr sz="1100">
-                <a:solidFill>
-                  <a:schemeClr val="lt1"/>
-                </a:solidFill>
-                <a:latin typeface="+mn-lt"/>
-                <a:ea typeface="+mn-ea"/>
-                <a:cs typeface="+mn-cs"/>
-              </a:defRPr>
-            </a:lvl4pPr>
-            <a:lvl5pPr marL="1828800" indent="0">
-              <a:defRPr sz="1100">
-                <a:solidFill>
-                  <a:schemeClr val="lt1"/>
-                </a:solidFill>
-                <a:latin typeface="+mn-lt"/>
-                <a:ea typeface="+mn-ea"/>
-                <a:cs typeface="+mn-cs"/>
-              </a:defRPr>
-            </a:lvl5pPr>
-            <a:lvl6pPr marL="2286000" indent="0">
-              <a:defRPr sz="1100">
-                <a:solidFill>
-                  <a:schemeClr val="lt1"/>
-                </a:solidFill>
-                <a:latin typeface="+mn-lt"/>
-                <a:ea typeface="+mn-ea"/>
-                <a:cs typeface="+mn-cs"/>
-              </a:defRPr>
-            </a:lvl6pPr>
-            <a:lvl7pPr marL="2743200" indent="0">
-              <a:defRPr sz="1100">
-                <a:solidFill>
-                  <a:schemeClr val="lt1"/>
-                </a:solidFill>
-                <a:latin typeface="+mn-lt"/>
-                <a:ea typeface="+mn-ea"/>
-                <a:cs typeface="+mn-cs"/>
-              </a:defRPr>
-            </a:lvl7pPr>
-            <a:lvl8pPr marL="3200400" indent="0">
-              <a:defRPr sz="1100">
-                <a:solidFill>
-                  <a:schemeClr val="lt1"/>
-                </a:solidFill>
-                <a:latin typeface="+mn-lt"/>
-                <a:ea typeface="+mn-ea"/>
-                <a:cs typeface="+mn-cs"/>
-              </a:defRPr>
-            </a:lvl8pPr>
-            <a:lvl9pPr marL="3657600" indent="0">
-              <a:defRPr sz="1100">
-                <a:solidFill>
-                  <a:schemeClr val="lt1"/>
-                </a:solidFill>
-                <a:latin typeface="+mn-lt"/>
-                <a:ea typeface="+mn-ea"/>
-                <a:cs typeface="+mn-cs"/>
-              </a:defRPr>
-            </a:lvl9pPr>
-          </a:lstStyle>
-          <a:p>
-            <a:pPr algn="ctr"/>
-            <a:r>
-              <a:rPr lang="ja-JP" altLang="en-US" sz="900" dirty="0" smtClean="0">
-                <a:solidFill>
-                  <a:sysClr val="windowText" lastClr="000000"/>
-                </a:solidFill>
-                <a:latin typeface="MS UI Gothic" panose="020B0600070205080204" pitchFamily="50" charset="-128"/>
-                <a:ea typeface="MS UI Gothic" panose="020B0600070205080204" pitchFamily="50" charset="-128"/>
-              </a:rPr>
-              <a:t>グーグルマップを使用</a:t>
-            </a:r>
-            <a:endParaRPr kumimoji="1" lang="ja-JP" altLang="en-US" sz="900" dirty="0">
-              <a:solidFill>
-                <a:sysClr val="windowText" lastClr="000000"/>
-              </a:solidFill>
-              <a:latin typeface="MS UI Gothic" panose="020B0600070205080204" pitchFamily="50" charset="-128"/>
-              <a:ea typeface="MS UI Gothic" panose="020B0600070205080204" pitchFamily="50" charset="-128"/>
-            </a:endParaRPr>
-          </a:p>
-        </p:txBody>
-      </p:sp>
-      <p:sp>
-        <p:nvSpPr>
-          <p:cNvPr id="95" name="フローチャート : 定義済み処理 27"/>
-          <p:cNvSpPr/>
-          <p:nvPr/>
-        </p:nvSpPr>
-        <p:spPr>
-          <a:xfrm>
-            <a:off x="2616420" y="2812951"/>
-            <a:ext cx="1243949" cy="432339"/>
-          </a:xfrm>
-          <a:prstGeom prst="flowChartPredefinedProcess">
-            <a:avLst/>
-          </a:prstGeom>
-          <a:solidFill>
-            <a:sysClr val="window" lastClr="FFFFFF"/>
-          </a:solidFill>
-          <a:ln>
-            <a:solidFill>
-              <a:sysClr val="windowText" lastClr="000000"/>
-            </a:solidFill>
-          </a:ln>
-        </p:spPr>
-        <p:style>
-          <a:lnRef idx="2">
-            <a:schemeClr val="accent1">
-              <a:shade val="50000"/>
-            </a:schemeClr>
-          </a:lnRef>
-          <a:fillRef idx="1">
-            <a:schemeClr val="accent1"/>
-          </a:fillRef>
-          <a:effectRef idx="0">
-            <a:schemeClr val="accent1"/>
-          </a:effectRef>
-          <a:fontRef idx="minor">
-            <a:schemeClr val="lt1"/>
-          </a:fontRef>
-        </p:style>
-        <p:txBody>
-          <a:bodyPr wrap="square" rtlCol="0" anchor="ctr"/>
-          <a:lstStyle>
-            <a:lvl1pPr marL="0" indent="0">
-              <a:defRPr sz="1100">
-                <a:solidFill>
-                  <a:schemeClr val="lt1"/>
-                </a:solidFill>
-                <a:latin typeface="+mn-lt"/>
-                <a:ea typeface="+mn-ea"/>
-                <a:cs typeface="+mn-cs"/>
-              </a:defRPr>
-            </a:lvl1pPr>
-            <a:lvl2pPr marL="457200" indent="0">
-              <a:defRPr sz="1100">
-                <a:solidFill>
-                  <a:schemeClr val="lt1"/>
-                </a:solidFill>
-                <a:latin typeface="+mn-lt"/>
-                <a:ea typeface="+mn-ea"/>
-                <a:cs typeface="+mn-cs"/>
-              </a:defRPr>
-            </a:lvl2pPr>
-            <a:lvl3pPr marL="914400" indent="0">
-              <a:defRPr sz="1100">
-                <a:solidFill>
-                  <a:schemeClr val="lt1"/>
-                </a:solidFill>
-                <a:latin typeface="+mn-lt"/>
-                <a:ea typeface="+mn-ea"/>
-                <a:cs typeface="+mn-cs"/>
-              </a:defRPr>
-            </a:lvl3pPr>
-            <a:lvl4pPr marL="1371600" indent="0">
-              <a:defRPr sz="1100">
-                <a:solidFill>
-                  <a:schemeClr val="lt1"/>
-                </a:solidFill>
-                <a:latin typeface="+mn-lt"/>
-                <a:ea typeface="+mn-ea"/>
-                <a:cs typeface="+mn-cs"/>
-              </a:defRPr>
-            </a:lvl4pPr>
-            <a:lvl5pPr marL="1828800" indent="0">
-              <a:defRPr sz="1100">
-                <a:solidFill>
-                  <a:schemeClr val="lt1"/>
-                </a:solidFill>
-                <a:latin typeface="+mn-lt"/>
-                <a:ea typeface="+mn-ea"/>
-                <a:cs typeface="+mn-cs"/>
-              </a:defRPr>
-            </a:lvl5pPr>
-            <a:lvl6pPr marL="2286000" indent="0">
-              <a:defRPr sz="1100">
-                <a:solidFill>
-                  <a:schemeClr val="lt1"/>
-                </a:solidFill>
-                <a:latin typeface="+mn-lt"/>
-                <a:ea typeface="+mn-ea"/>
-                <a:cs typeface="+mn-cs"/>
-              </a:defRPr>
-            </a:lvl6pPr>
-            <a:lvl7pPr marL="2743200" indent="0">
-              <a:defRPr sz="1100">
-                <a:solidFill>
-                  <a:schemeClr val="lt1"/>
-                </a:solidFill>
-                <a:latin typeface="+mn-lt"/>
-                <a:ea typeface="+mn-ea"/>
-                <a:cs typeface="+mn-cs"/>
-              </a:defRPr>
-            </a:lvl7pPr>
-            <a:lvl8pPr marL="3200400" indent="0">
-              <a:defRPr sz="1100">
-                <a:solidFill>
-                  <a:schemeClr val="lt1"/>
-                </a:solidFill>
-                <a:latin typeface="+mn-lt"/>
-                <a:ea typeface="+mn-ea"/>
-                <a:cs typeface="+mn-cs"/>
-              </a:defRPr>
-            </a:lvl8pPr>
-            <a:lvl9pPr marL="3657600" indent="0">
-              <a:defRPr sz="1100">
-                <a:solidFill>
-                  <a:schemeClr val="lt1"/>
-                </a:solidFill>
-                <a:latin typeface="+mn-lt"/>
-                <a:ea typeface="+mn-ea"/>
-                <a:cs typeface="+mn-cs"/>
-              </a:defRPr>
-            </a:lvl9pPr>
-          </a:lstStyle>
-          <a:p>
-            <a:pPr algn="ctr"/>
-            <a:r>
-              <a:rPr kumimoji="1" lang="ja-JP" altLang="en-US" sz="900" dirty="0" smtClean="0">
-                <a:solidFill>
-                  <a:sysClr val="windowText" lastClr="000000"/>
-                </a:solidFill>
-                <a:latin typeface="MS UI Gothic" panose="020B0600070205080204" pitchFamily="50" charset="-128"/>
-                <a:ea typeface="MS UI Gothic" panose="020B0600070205080204" pitchFamily="50" charset="-128"/>
-              </a:rPr>
-              <a:t>ラーメン屋の店名とピンを表示</a:t>
-            </a:r>
-            <a:endParaRPr kumimoji="1" lang="ja-JP" altLang="en-US" sz="900" dirty="0">
-              <a:solidFill>
-                <a:sysClr val="windowText" lastClr="000000"/>
-              </a:solidFill>
-              <a:latin typeface="MS UI Gothic" panose="020B0600070205080204" pitchFamily="50" charset="-128"/>
-              <a:ea typeface="MS UI Gothic" panose="020B0600070205080204" pitchFamily="50" charset="-128"/>
-            </a:endParaRPr>
-          </a:p>
-        </p:txBody>
-      </p:sp>
-      <p:cxnSp>
-        <p:nvCxnSpPr>
-          <p:cNvPr id="97" name="直線矢印コネクタ 96"/>
-          <p:cNvCxnSpPr>
-            <a:stCxn id="93" idx="2"/>
-            <a:endCxn id="94" idx="0"/>
-          </p:cNvCxnSpPr>
-          <p:nvPr/>
-        </p:nvCxnSpPr>
-        <p:spPr>
-          <a:xfrm>
-            <a:off x="3238396" y="1809342"/>
-            <a:ext cx="0" cy="285635"/>
-          </a:xfrm>
-          <a:prstGeom prst="straightConnector1">
-            <a:avLst/>
-          </a:prstGeom>
-          <a:ln>
-            <a:tailEnd type="triangle"/>
-          </a:ln>
-        </p:spPr>
-        <p:style>
-          <a:lnRef idx="1">
-            <a:schemeClr val="dk1"/>
-          </a:lnRef>
-          <a:fillRef idx="0">
-            <a:schemeClr val="dk1"/>
-          </a:fillRef>
-          <a:effectRef idx="0">
-            <a:schemeClr val="dk1"/>
-          </a:effectRef>
-          <a:fontRef idx="minor">
-            <a:schemeClr val="tx1"/>
-          </a:fontRef>
-        </p:style>
-      </p:cxnSp>
-      <p:cxnSp>
-        <p:nvCxnSpPr>
-          <p:cNvPr id="99" name="直線矢印コネクタ 98"/>
-          <p:cNvCxnSpPr>
-            <a:stCxn id="94" idx="2"/>
-            <a:endCxn id="95" idx="0"/>
-          </p:cNvCxnSpPr>
-          <p:nvPr/>
-        </p:nvCxnSpPr>
-        <p:spPr>
-          <a:xfrm flipH="1">
-            <a:off x="3238395" y="2527316"/>
-            <a:ext cx="1" cy="285635"/>
-          </a:xfrm>
-          <a:prstGeom prst="straightConnector1">
-            <a:avLst/>
-          </a:prstGeom>
-          <a:ln>
-            <a:tailEnd type="triangle"/>
-          </a:ln>
-        </p:spPr>
-        <p:style>
-          <a:lnRef idx="1">
-            <a:schemeClr val="dk1"/>
-          </a:lnRef>
-          <a:fillRef idx="0">
-            <a:schemeClr val="dk1"/>
-          </a:fillRef>
-          <a:effectRef idx="0">
-            <a:schemeClr val="dk1"/>
-          </a:effectRef>
-          <a:fontRef idx="minor">
-            <a:schemeClr val="tx1"/>
-          </a:fontRef>
-        </p:style>
-      </p:cxnSp>
-      <p:sp>
-        <p:nvSpPr>
-          <p:cNvPr id="100" name="フローチャート : 手操作入力 51"/>
-          <p:cNvSpPr/>
-          <p:nvPr/>
-        </p:nvSpPr>
-        <p:spPr>
-          <a:xfrm>
-            <a:off x="2615602" y="3530925"/>
+            <a:off x="4211733" y="2348748"/>
             <a:ext cx="1244767" cy="427177"/>
           </a:xfrm>
           <a:prstGeom prst="flowChartManualInput">
@@ -4463,17 +9613,7 @@
                 <a:latin typeface="MS UI Gothic" panose="020B0600070205080204" pitchFamily="50" charset="-128"/>
                 <a:ea typeface="MS UI Gothic" panose="020B0600070205080204" pitchFamily="50" charset="-128"/>
               </a:rPr>
-              <a:t>店名アイコン</a:t>
-            </a:r>
-            <a:r>
-              <a:rPr lang="ja-JP" altLang="en-US" sz="900" dirty="0">
-                <a:solidFill>
-                  <a:sysClr val="windowText" lastClr="000000"/>
-                </a:solidFill>
-                <a:latin typeface="MS UI Gothic" panose="020B0600070205080204" pitchFamily="50" charset="-128"/>
-                <a:ea typeface="MS UI Gothic" panose="020B0600070205080204" pitchFamily="50" charset="-128"/>
-              </a:rPr>
-              <a:t>選択</a:t>
+              <a:t>「コメント」以外の場所を押下</a:t>
             </a:r>
             <a:endParaRPr kumimoji="1" lang="ja-JP" altLang="en-US" sz="900" dirty="0">
               <a:solidFill>
@@ -4485,18 +9625,52 @@
           </a:p>
         </p:txBody>
       </p:sp>
+      <p:cxnSp>
+        <p:nvCxnSpPr>
+          <p:cNvPr id="5" name="直線矢印コネクタ 4"/>
+          <p:cNvCxnSpPr/>
+          <p:nvPr/>
+        </p:nvCxnSpPr>
+        <p:spPr>
+          <a:xfrm>
+            <a:off x="5043667" y="4852375"/>
+            <a:ext cx="409" cy="291598"/>
+          </a:xfrm>
+          <a:prstGeom prst="straightConnector1">
+            <a:avLst/>
+          </a:prstGeom>
+          <a:ln>
+            <a:headEnd type="none"/>
+            <a:tailEnd type="arrow"/>
+          </a:ln>
+        </p:spPr>
+        <p:style>
+          <a:lnRef idx="1">
+            <a:schemeClr val="dk1"/>
+          </a:lnRef>
+          <a:fillRef idx="0">
+            <a:schemeClr val="dk1"/>
+          </a:fillRef>
+          <a:effectRef idx="0">
+            <a:schemeClr val="dk1"/>
+          </a:effectRef>
+          <a:fontRef idx="minor">
+            <a:schemeClr val="tx1"/>
+          </a:fontRef>
+        </p:style>
+      </p:cxnSp>
       <p:sp>
         <p:nvSpPr>
-          <p:cNvPr id="101" name="フローチャート : 定義済み処理 27"/>
+          <p:cNvPr id="6" name="フローチャート : 手操作入力 51"/>
           <p:cNvSpPr/>
           <p:nvPr/>
         </p:nvSpPr>
         <p:spPr>
           <a:xfrm>
-            <a:off x="2616420" y="4243737"/>
-            <a:ext cx="1243949" cy="432339"/>
+            <a:off x="4211732" y="3516646"/>
+            <a:ext cx="1244767" cy="427177"/>
           </a:xfrm>
-          <a:prstGeom prst="flowChartPredefinedProcess">
+          <a:prstGeom prst="flowChartManualInput">
             <a:avLst/>
           </a:prstGeom>
           <a:solidFill>
@@ -4621,14 +9795,14 @@
           <a:p>
             <a:pPr algn="ctr"/>
             <a:r>
-              <a:rPr kumimoji="1" lang="ja-JP" altLang="en-US" sz="900" dirty="0" smtClean="0">
+              <a:rPr lang="ja-JP" altLang="en-US" sz="900" dirty="0" smtClean="0">
                 <a:solidFill>
                   <a:sysClr val="windowText" lastClr="000000"/>
                 </a:solidFill>
                 <a:latin typeface="MS UI Gothic" panose="020B0600070205080204" pitchFamily="50" charset="-128"/>
                 <a:ea typeface="MS UI Gothic" panose="020B0600070205080204" pitchFamily="50" charset="-128"/>
               </a:rPr>
-              <a:t>食べログへのリンク先，コメント欄を表示</a:t>
+              <a:t>「コメント」以外の場所を押下</a:t>
             </a:r>
             <a:endParaRPr kumimoji="1" lang="ja-JP" altLang="en-US" sz="900" dirty="0">
               <a:solidFill>
@@ -4640,464 +9814,128 @@
           </a:p>
         </p:txBody>
       </p:sp>
+      <p:cxnSp>
+        <p:nvCxnSpPr>
+          <p:cNvPr id="8" name="カギ線コネクタ 7"/>
+          <p:cNvCxnSpPr>
+            <a:stCxn id="6" idx="3"/>
+            <a:endCxn id="4" idx="3"/>
+          </p:cNvCxnSpPr>
+          <p:nvPr/>
+        </p:nvCxnSpPr>
+        <p:spPr>
+          <a:xfrm flipV="1">
+            <a:off x="5456499" y="2562337"/>
+            <a:ext cx="1" cy="1167898"/>
+          </a:xfrm>
+          <a:prstGeom prst="bentConnector3">
+            <a:avLst>
+              <a:gd name="adj1" fmla="val 22860100000"/>
+            </a:avLst>
+          </a:prstGeom>
+          <a:ln>
+            <a:tailEnd type="arrow"/>
+          </a:ln>
+        </p:spPr>
+        <p:style>
+          <a:lnRef idx="1">
+            <a:schemeClr val="dk1"/>
+          </a:lnRef>
+          <a:fillRef idx="0">
+            <a:schemeClr val="dk1"/>
+          </a:fillRef>
+          <a:effectRef idx="0">
+            <a:schemeClr val="dk1"/>
+          </a:effectRef>
+          <a:fontRef idx="minor">
+            <a:schemeClr val="tx1"/>
+          </a:fontRef>
+        </p:style>
+      </p:cxnSp>
       <p:grpSp>
         <p:nvGrpSpPr>
-          <p:cNvPr id="102" name="グループ化 101"/>
+          <p:cNvPr id="23" name="グループ化 22"/>
           <p:cNvGrpSpPr/>
           <p:nvPr/>
         </p:nvGrpSpPr>
         <p:grpSpPr>
           <a:xfrm>
-            <a:off x="9168693" y="3860656"/>
-            <a:ext cx="1343731" cy="589041"/>
-            <a:chOff x="0" y="0"/>
-            <a:chExt cx="1367117" cy="571501"/>
+            <a:off x="6958193" y="1457326"/>
+            <a:ext cx="1157107" cy="2272908"/>
+            <a:chOff x="6958193" y="1457326"/>
+            <a:chExt cx="1157107" cy="2272908"/>
           </a:xfrm>
         </p:grpSpPr>
-        <p:sp>
-          <p:nvSpPr>
-            <p:cNvPr id="103" name="ひし形 102"/>
-            <p:cNvSpPr/>
+        <p:cxnSp>
+          <p:nvCxnSpPr>
+            <p:cNvPr id="17" name="カギ線コネクタ 16"/>
+            <p:cNvCxnSpPr/>
             <p:nvPr/>
-          </p:nvSpPr>
+          </p:nvCxnSpPr>
           <p:spPr>
-            <a:xfrm>
-              <a:off x="0" y="0"/>
-              <a:ext cx="1367117" cy="571501"/>
+            <a:xfrm rot="16200000" flipV="1">
+              <a:off x="6395530" y="2019989"/>
+              <a:ext cx="2272908" cy="1147582"/>
             </a:xfrm>
-            <a:prstGeom prst="diamond">
-              <a:avLst/>
+            <a:prstGeom prst="bentConnector3">
+              <a:avLst>
+                <a:gd name="adj1" fmla="val 99869"/>
+              </a:avLst>
             </a:prstGeom>
-            <a:solidFill>
-              <a:sysClr val="window" lastClr="FFFFFF"/>
-            </a:solidFill>
             <a:ln>
-              <a:solidFill>
-                <a:sysClr val="windowText" lastClr="000000"/>
-              </a:solidFill>
+              <a:tailEnd type="triangle"/>
             </a:ln>
           </p:spPr>
           <p:style>
-            <a:lnRef idx="2">
-              <a:schemeClr val="accent1">
-                <a:shade val="50000"/>
-              </a:schemeClr>
+            <a:lnRef idx="1">
+              <a:schemeClr val="dk1"/>
             </a:lnRef>
-            <a:fillRef idx="1">
-              <a:schemeClr val="accent1"/>
+            <a:fillRef idx="0">
+              <a:schemeClr val="dk1"/>
             </a:fillRef>
             <a:effectRef idx="0">
-              <a:schemeClr val="accent1"/>
-            </a:effectRef>
-            <a:fontRef idx="minor">
-              <a:schemeClr val="lt1"/>
-            </a:fontRef>
-          </p:style>
-          <p:txBody>
-            <a:bodyPr rtlCol="0" anchor="t"/>
-            <a:lstStyle>
-              <a:lvl1pPr marL="0" indent="0">
-                <a:defRPr sz="1100">
-                  <a:solidFill>
-                    <a:schemeClr val="lt1"/>
-                  </a:solidFill>
-                  <a:latin typeface="+mn-lt"/>
-                  <a:ea typeface="+mn-ea"/>
-                  <a:cs typeface="+mn-cs"/>
-                </a:defRPr>
-              </a:lvl1pPr>
-              <a:lvl2pPr marL="457200" indent="0">
-                <a:defRPr sz="1100">
-                  <a:solidFill>
-                    <a:schemeClr val="lt1"/>
-                  </a:solidFill>
-                  <a:latin typeface="+mn-lt"/>
-                  <a:ea typeface="+mn-ea"/>
-                  <a:cs typeface="+mn-cs"/>
-                </a:defRPr>
-              </a:lvl2pPr>
-              <a:lvl3pPr marL="914400" indent="0">
-                <a:defRPr sz="1100">
-                  <a:solidFill>
-                    <a:schemeClr val="lt1"/>
-                  </a:solidFill>
-                  <a:latin typeface="+mn-lt"/>
-                  <a:ea typeface="+mn-ea"/>
-                  <a:cs typeface="+mn-cs"/>
-                </a:defRPr>
-              </a:lvl3pPr>
-              <a:lvl4pPr marL="1371600" indent="0">
-                <a:defRPr sz="1100">
-                  <a:solidFill>
-                    <a:schemeClr val="lt1"/>
-                  </a:solidFill>
-                  <a:latin typeface="+mn-lt"/>
-                  <a:ea typeface="+mn-ea"/>
-                  <a:cs typeface="+mn-cs"/>
-                </a:defRPr>
-              </a:lvl4pPr>
-              <a:lvl5pPr marL="1828800" indent="0">
-                <a:defRPr sz="1100">
-                  <a:solidFill>
-                    <a:schemeClr val="lt1"/>
-                  </a:solidFill>
-                  <a:latin typeface="+mn-lt"/>
-                  <a:ea typeface="+mn-ea"/>
-                  <a:cs typeface="+mn-cs"/>
-                </a:defRPr>
-              </a:lvl5pPr>
-              <a:lvl6pPr marL="2286000" indent="0">
-                <a:defRPr sz="1100">
-                  <a:solidFill>
-                    <a:schemeClr val="lt1"/>
-                  </a:solidFill>
-                  <a:latin typeface="+mn-lt"/>
-                  <a:ea typeface="+mn-ea"/>
-                  <a:cs typeface="+mn-cs"/>
-                </a:defRPr>
-              </a:lvl6pPr>
-              <a:lvl7pPr marL="2743200" indent="0">
-                <a:defRPr sz="1100">
-                  <a:solidFill>
-                    <a:schemeClr val="lt1"/>
-                  </a:solidFill>
-                  <a:latin typeface="+mn-lt"/>
-                  <a:ea typeface="+mn-ea"/>
-                  <a:cs typeface="+mn-cs"/>
-                </a:defRPr>
-              </a:lvl7pPr>
-              <a:lvl8pPr marL="3200400" indent="0">
-                <a:defRPr sz="1100">
-                  <a:solidFill>
-                    <a:schemeClr val="lt1"/>
-                  </a:solidFill>
-                  <a:latin typeface="+mn-lt"/>
-                  <a:ea typeface="+mn-ea"/>
-                  <a:cs typeface="+mn-cs"/>
-                </a:defRPr>
-              </a:lvl8pPr>
-              <a:lvl9pPr marL="3657600" indent="0">
-                <a:defRPr sz="1100">
-                  <a:solidFill>
-                    <a:schemeClr val="lt1"/>
-                  </a:solidFill>
-                  <a:latin typeface="+mn-lt"/>
-                  <a:ea typeface="+mn-ea"/>
-                  <a:cs typeface="+mn-cs"/>
-                </a:defRPr>
-              </a:lvl9pPr>
-            </a:lstStyle>
-            <a:p>
-              <a:pPr algn="l"/>
-              <a:endParaRPr kumimoji="1" lang="ja-JP" altLang="en-US" sz="900">
-                <a:latin typeface="MS UI Gothic" panose="020B0600070205080204" pitchFamily="50" charset="-128"/>
-                <a:ea typeface="MS UI Gothic" panose="020B0600070205080204" pitchFamily="50" charset="-128"/>
-              </a:endParaRPr>
-            </a:p>
-          </p:txBody>
-        </p:sp>
-        <p:sp>
-          <p:nvSpPr>
-            <p:cNvPr id="104" name="テキスト ボックス 35"/>
-            <p:cNvSpPr txBox="1"/>
-            <p:nvPr/>
-          </p:nvSpPr>
-          <p:spPr>
-            <a:xfrm>
-              <a:off x="62345" y="100853"/>
-              <a:ext cx="1229363" cy="392415"/>
-            </a:xfrm>
-            <a:prstGeom prst="rect">
-              <a:avLst/>
-            </a:prstGeom>
-            <a:noFill/>
-          </p:spPr>
-          <p:style>
-            <a:lnRef idx="0">
-              <a:scrgbClr r="0" g="0" b="0"/>
-            </a:lnRef>
-            <a:fillRef idx="0">
-              <a:scrgbClr r="0" g="0" b="0"/>
-            </a:fillRef>
-            <a:effectRef idx="0">
-              <a:scrgbClr r="0" g="0" b="0"/>
+              <a:schemeClr val="dk1"/>
             </a:effectRef>
             <a:fontRef idx="minor">
               <a:schemeClr val="tx1"/>
             </a:fontRef>
           </p:style>
-          <p:txBody>
-            <a:bodyPr wrap="square" rtlCol="0" anchor="ctr">
-              <a:noAutofit/>
-            </a:bodyPr>
-            <a:lstStyle>
-              <a:lvl1pPr marL="0" indent="0">
-                <a:defRPr sz="1100">
-                  <a:solidFill>
-                    <a:schemeClr val="tx1"/>
-                  </a:solidFill>
-                  <a:latin typeface="+mn-lt"/>
-                  <a:ea typeface="+mn-ea"/>
-                  <a:cs typeface="+mn-cs"/>
-                </a:defRPr>
-              </a:lvl1pPr>
-              <a:lvl2pPr marL="457200" indent="0">
-                <a:defRPr sz="1100">
-                  <a:solidFill>
-                    <a:schemeClr val="tx1"/>
-                  </a:solidFill>
-                  <a:latin typeface="+mn-lt"/>
-                  <a:ea typeface="+mn-ea"/>
-                  <a:cs typeface="+mn-cs"/>
-                </a:defRPr>
-              </a:lvl2pPr>
-              <a:lvl3pPr marL="914400" indent="0">
-                <a:defRPr sz="1100">
-                  <a:solidFill>
-                    <a:schemeClr val="tx1"/>
-                  </a:solidFill>
-                  <a:latin typeface="+mn-lt"/>
-                  <a:ea typeface="+mn-ea"/>
-                  <a:cs typeface="+mn-cs"/>
-                </a:defRPr>
-              </a:lvl3pPr>
-              <a:lvl4pPr marL="1371600" indent="0">
-                <a:defRPr sz="1100">
-                  <a:solidFill>
-                    <a:schemeClr val="tx1"/>
-                  </a:solidFill>
-                  <a:latin typeface="+mn-lt"/>
-                  <a:ea typeface="+mn-ea"/>
-                  <a:cs typeface="+mn-cs"/>
-                </a:defRPr>
-              </a:lvl4pPr>
-              <a:lvl5pPr marL="1828800" indent="0">
-                <a:defRPr sz="1100">
-                  <a:solidFill>
-                    <a:schemeClr val="tx1"/>
-                  </a:solidFill>
-                  <a:latin typeface="+mn-lt"/>
-                  <a:ea typeface="+mn-ea"/>
-                  <a:cs typeface="+mn-cs"/>
-                </a:defRPr>
-              </a:lvl5pPr>
-              <a:lvl6pPr marL="2286000" indent="0">
-                <a:defRPr sz="1100">
-                  <a:solidFill>
-                    <a:schemeClr val="tx1"/>
-                  </a:solidFill>
-                  <a:latin typeface="+mn-lt"/>
-                  <a:ea typeface="+mn-ea"/>
-                  <a:cs typeface="+mn-cs"/>
-                </a:defRPr>
-              </a:lvl6pPr>
-              <a:lvl7pPr marL="2743200" indent="0">
-                <a:defRPr sz="1100">
-                  <a:solidFill>
-                    <a:schemeClr val="tx1"/>
-                  </a:solidFill>
-                  <a:latin typeface="+mn-lt"/>
-                  <a:ea typeface="+mn-ea"/>
-                  <a:cs typeface="+mn-cs"/>
-                </a:defRPr>
-              </a:lvl7pPr>
-              <a:lvl8pPr marL="3200400" indent="0">
-                <a:defRPr sz="1100">
-                  <a:solidFill>
-                    <a:schemeClr val="tx1"/>
-                  </a:solidFill>
-                  <a:latin typeface="+mn-lt"/>
-                  <a:ea typeface="+mn-ea"/>
-                  <a:cs typeface="+mn-cs"/>
-                </a:defRPr>
-              </a:lvl8pPr>
-              <a:lvl9pPr marL="3657600" indent="0">
-                <a:defRPr sz="1100">
-                  <a:solidFill>
-                    <a:schemeClr val="tx1"/>
-                  </a:solidFill>
-                  <a:latin typeface="+mn-lt"/>
-                  <a:ea typeface="+mn-ea"/>
-                  <a:cs typeface="+mn-cs"/>
-                </a:defRPr>
-              </a:lvl9pPr>
-            </a:lstStyle>
-            <a:p>
-              <a:pPr algn="ctr"/>
-              <a:r>
-                <a:rPr kumimoji="1" lang="ja-JP" altLang="en-US" sz="900">
-                  <a:latin typeface="MS UI Gothic" panose="020B0600070205080204" pitchFamily="50" charset="-128"/>
-                  <a:ea typeface="MS UI Gothic" panose="020B0600070205080204" pitchFamily="50" charset="-128"/>
-                </a:rPr>
-                <a:t>パスワードの</a:t>
-              </a:r>
-              <a:endParaRPr kumimoji="1" lang="en-US" altLang="ja-JP" sz="900">
-                <a:latin typeface="MS UI Gothic" panose="020B0600070205080204" pitchFamily="50" charset="-128"/>
-                <a:ea typeface="MS UI Gothic" panose="020B0600070205080204" pitchFamily="50" charset="-128"/>
-              </a:endParaRPr>
-            </a:p>
-            <a:p>
-              <a:pPr algn="ctr"/>
-              <a:r>
-                <a:rPr kumimoji="1" lang="ja-JP" altLang="en-US" sz="900">
-                  <a:latin typeface="MS UI Gothic" panose="020B0600070205080204" pitchFamily="50" charset="-128"/>
-                  <a:ea typeface="MS UI Gothic" panose="020B0600070205080204" pitchFamily="50" charset="-128"/>
-                </a:rPr>
-                <a:t>正誤確認</a:t>
-              </a:r>
-            </a:p>
-          </p:txBody>
-        </p:sp>
+        </p:cxnSp>
+        <p:cxnSp>
+          <p:nvCxnSpPr>
+            <p:cNvPr id="22" name="直線コネクタ 21"/>
+            <p:cNvCxnSpPr/>
+            <p:nvPr/>
+          </p:nvCxnSpPr>
+          <p:spPr>
+            <a:xfrm flipH="1">
+              <a:off x="7077075" y="3730234"/>
+              <a:ext cx="1038225" cy="0"/>
+            </a:xfrm>
+            <a:prstGeom prst="line">
+              <a:avLst/>
+            </a:prstGeom>
+          </p:spPr>
+          <p:style>
+            <a:lnRef idx="1">
+              <a:schemeClr val="dk1"/>
+            </a:lnRef>
+            <a:fillRef idx="0">
+              <a:schemeClr val="dk1"/>
+            </a:fillRef>
+            <a:effectRef idx="0">
+              <a:schemeClr val="dk1"/>
+            </a:effectRef>
+            <a:fontRef idx="minor">
+              <a:schemeClr val="tx1"/>
+            </a:fontRef>
+          </p:style>
+        </p:cxnSp>
       </p:grpSp>
-      <p:sp>
-        <p:nvSpPr>
-          <p:cNvPr id="108" name="フローチャート : 定義済み処理 27"/>
-          <p:cNvSpPr/>
-          <p:nvPr/>
-        </p:nvSpPr>
-        <p:spPr>
-          <a:xfrm>
-            <a:off x="2611944" y="4961711"/>
-            <a:ext cx="1243949" cy="432339"/>
-          </a:xfrm>
-          <a:prstGeom prst="flowChartPredefinedProcess">
-            <a:avLst/>
-          </a:prstGeom>
-          <a:solidFill>
-            <a:sysClr val="window" lastClr="FFFFFF"/>
-          </a:solidFill>
-          <a:ln>
-            <a:solidFill>
-              <a:sysClr val="windowText" lastClr="000000"/>
-            </a:solidFill>
-          </a:ln>
-        </p:spPr>
-        <p:style>
-          <a:lnRef idx="2">
-            <a:schemeClr val="accent1">
-              <a:shade val="50000"/>
-            </a:schemeClr>
-          </a:lnRef>
-          <a:fillRef idx="1">
-            <a:schemeClr val="accent1"/>
-          </a:fillRef>
-          <a:effectRef idx="0">
-            <a:schemeClr val="accent1"/>
-          </a:effectRef>
-          <a:fontRef idx="minor">
-            <a:schemeClr val="lt1"/>
-          </a:fontRef>
-        </p:style>
-        <p:txBody>
-          <a:bodyPr wrap="square" rtlCol="0" anchor="ctr"/>
-          <a:lstStyle>
-            <a:lvl1pPr marL="0" indent="0">
-              <a:defRPr sz="1100">
-                <a:solidFill>
-                  <a:schemeClr val="lt1"/>
-                </a:solidFill>
-                <a:latin typeface="+mn-lt"/>
-                <a:ea typeface="+mn-ea"/>
-                <a:cs typeface="+mn-cs"/>
-              </a:defRPr>
-            </a:lvl1pPr>
-            <a:lvl2pPr marL="457200" indent="0">
-              <a:defRPr sz="1100">
-                <a:solidFill>
-                  <a:schemeClr val="lt1"/>
-                </a:solidFill>
-                <a:latin typeface="+mn-lt"/>
-                <a:ea typeface="+mn-ea"/>
-                <a:cs typeface="+mn-cs"/>
-              </a:defRPr>
-            </a:lvl2pPr>
-            <a:lvl3pPr marL="914400" indent="0">
-              <a:defRPr sz="1100">
-                <a:solidFill>
-                  <a:schemeClr val="lt1"/>
-                </a:solidFill>
-                <a:latin typeface="+mn-lt"/>
-                <a:ea typeface="+mn-ea"/>
-                <a:cs typeface="+mn-cs"/>
-              </a:defRPr>
-            </a:lvl3pPr>
-            <a:lvl4pPr marL="1371600" indent="0">
-              <a:defRPr sz="1100">
-                <a:solidFill>
-                  <a:schemeClr val="lt1"/>
-                </a:solidFill>
-                <a:latin typeface="+mn-lt"/>
-                <a:ea typeface="+mn-ea"/>
-                <a:cs typeface="+mn-cs"/>
-              </a:defRPr>
-            </a:lvl4pPr>
-            <a:lvl5pPr marL="1828800" indent="0">
-              <a:defRPr sz="1100">
-                <a:solidFill>
-                  <a:schemeClr val="lt1"/>
-                </a:solidFill>
-                <a:latin typeface="+mn-lt"/>
-                <a:ea typeface="+mn-ea"/>
-                <a:cs typeface="+mn-cs"/>
-              </a:defRPr>
-            </a:lvl5pPr>
-            <a:lvl6pPr marL="2286000" indent="0">
-              <a:defRPr sz="1100">
-                <a:solidFill>
-                  <a:schemeClr val="lt1"/>
-                </a:solidFill>
-                <a:latin typeface="+mn-lt"/>
-                <a:ea typeface="+mn-ea"/>
-                <a:cs typeface="+mn-cs"/>
-              </a:defRPr>
-            </a:lvl6pPr>
-            <a:lvl7pPr marL="2743200" indent="0">
-              <a:defRPr sz="1100">
-                <a:solidFill>
-                  <a:schemeClr val="lt1"/>
-                </a:solidFill>
-                <a:latin typeface="+mn-lt"/>
-                <a:ea typeface="+mn-ea"/>
-                <a:cs typeface="+mn-cs"/>
-              </a:defRPr>
-            </a:lvl7pPr>
-            <a:lvl8pPr marL="3200400" indent="0">
-              <a:defRPr sz="1100">
-                <a:solidFill>
-                  <a:schemeClr val="lt1"/>
-                </a:solidFill>
-                <a:latin typeface="+mn-lt"/>
-                <a:ea typeface="+mn-ea"/>
-                <a:cs typeface="+mn-cs"/>
-              </a:defRPr>
-            </a:lvl8pPr>
-            <a:lvl9pPr marL="3657600" indent="0">
-              <a:defRPr sz="1100">
-                <a:solidFill>
-                  <a:schemeClr val="lt1"/>
-                </a:solidFill>
-                <a:latin typeface="+mn-lt"/>
-                <a:ea typeface="+mn-ea"/>
-                <a:cs typeface="+mn-cs"/>
-              </a:defRPr>
-            </a:lvl9pPr>
-          </a:lstStyle>
-          <a:p>
-            <a:pPr algn="ctr"/>
-            <a:endParaRPr kumimoji="1" lang="ja-JP" altLang="en-US" sz="900" dirty="0">
-              <a:solidFill>
-                <a:sysClr val="windowText" lastClr="000000"/>
-              </a:solidFill>
-              <a:latin typeface="MS UI Gothic" panose="020B0600070205080204" pitchFamily="50" charset="-128"/>
-              <a:ea typeface="MS UI Gothic" panose="020B0600070205080204" pitchFamily="50" charset="-128"/>
-            </a:endParaRPr>
-          </a:p>
-        </p:txBody>
-      </p:sp>
     </p:spTree>
     <p:extLst>
       <p:ext uri="{BB962C8B-B14F-4D97-AF65-F5344CB8AC3E}">
-        <p14:creationId xmlns:p14="http://schemas.microsoft.com/office/powerpoint/2010/main" val="2683530456"/>
+        <p14:creationId xmlns:p14="http://schemas.microsoft.com/office/powerpoint/2010/main" val="2578996458"/>
       </p:ext>
     </p:extLst>
   </p:cSld>

--- a/yabuki-a/PM演習矢吹a/C藩の内部設計書/内部設計書資料C藩の.pptx
+++ b/yabuki-a/PM演習矢吹a/C藩の内部設計書/内部設計書資料C藩の.pptx
@@ -245,7 +245,7 @@
           <a:p>
             <a:fld id="{C5A10E30-AF47-4A7E-9739-503BC68BBCD8}" type="datetimeFigureOut">
               <a:rPr kumimoji="1" lang="ja-JP" altLang="en-US" smtClean="0"/>
-              <a:t>2014/6/20</a:t>
+              <a:t>2014/6/23</a:t>
             </a:fld>
             <a:endParaRPr kumimoji="1" lang="ja-JP" altLang="en-US"/>
           </a:p>
@@ -447,7 +447,7 @@
           <a:p>
             <a:fld id="{C5A10E30-AF47-4A7E-9739-503BC68BBCD8}" type="datetimeFigureOut">
               <a:rPr kumimoji="1" lang="ja-JP" altLang="en-US" smtClean="0"/>
-              <a:t>2014/6/20</a:t>
+              <a:t>2014/6/23</a:t>
             </a:fld>
             <a:endParaRPr kumimoji="1" lang="ja-JP" altLang="en-US"/>
           </a:p>
@@ -659,7 +659,7 @@
           <a:p>
             <a:fld id="{C5A10E30-AF47-4A7E-9739-503BC68BBCD8}" type="datetimeFigureOut">
               <a:rPr kumimoji="1" lang="ja-JP" altLang="en-US" smtClean="0"/>
-              <a:t>2014/6/20</a:t>
+              <a:t>2014/6/23</a:t>
             </a:fld>
             <a:endParaRPr kumimoji="1" lang="ja-JP" altLang="en-US"/>
           </a:p>
@@ -861,7 +861,7 @@
           <a:p>
             <a:fld id="{C5A10E30-AF47-4A7E-9739-503BC68BBCD8}" type="datetimeFigureOut">
               <a:rPr kumimoji="1" lang="ja-JP" altLang="en-US" smtClean="0"/>
-              <a:t>2014/6/20</a:t>
+              <a:t>2014/6/23</a:t>
             </a:fld>
             <a:endParaRPr kumimoji="1" lang="ja-JP" altLang="en-US"/>
           </a:p>
@@ -1107,7 +1107,7 @@
           <a:p>
             <a:fld id="{C5A10E30-AF47-4A7E-9739-503BC68BBCD8}" type="datetimeFigureOut">
               <a:rPr kumimoji="1" lang="ja-JP" altLang="en-US" smtClean="0"/>
-              <a:t>2014/6/20</a:t>
+              <a:t>2014/6/23</a:t>
             </a:fld>
             <a:endParaRPr kumimoji="1" lang="ja-JP" altLang="en-US"/>
           </a:p>
@@ -1403,7 +1403,7 @@
           <a:p>
             <a:fld id="{C5A10E30-AF47-4A7E-9739-503BC68BBCD8}" type="datetimeFigureOut">
               <a:rPr kumimoji="1" lang="ja-JP" altLang="en-US" smtClean="0"/>
-              <a:t>2014/6/20</a:t>
+              <a:t>2014/6/23</a:t>
             </a:fld>
             <a:endParaRPr kumimoji="1" lang="ja-JP" altLang="en-US"/>
           </a:p>
@@ -1834,7 +1834,7 @@
           <a:p>
             <a:fld id="{C5A10E30-AF47-4A7E-9739-503BC68BBCD8}" type="datetimeFigureOut">
               <a:rPr kumimoji="1" lang="ja-JP" altLang="en-US" smtClean="0"/>
-              <a:t>2014/6/20</a:t>
+              <a:t>2014/6/23</a:t>
             </a:fld>
             <a:endParaRPr kumimoji="1" lang="ja-JP" altLang="en-US"/>
           </a:p>
@@ -1952,7 +1952,7 @@
           <a:p>
             <a:fld id="{C5A10E30-AF47-4A7E-9739-503BC68BBCD8}" type="datetimeFigureOut">
               <a:rPr kumimoji="1" lang="ja-JP" altLang="en-US" smtClean="0"/>
-              <a:t>2014/6/20</a:t>
+              <a:t>2014/6/23</a:t>
             </a:fld>
             <a:endParaRPr kumimoji="1" lang="ja-JP" altLang="en-US"/>
           </a:p>
@@ -2047,7 +2047,7 @@
           <a:p>
             <a:fld id="{C5A10E30-AF47-4A7E-9739-503BC68BBCD8}" type="datetimeFigureOut">
               <a:rPr kumimoji="1" lang="ja-JP" altLang="en-US" smtClean="0"/>
-              <a:t>2014/6/20</a:t>
+              <a:t>2014/6/23</a:t>
             </a:fld>
             <a:endParaRPr kumimoji="1" lang="ja-JP" altLang="en-US"/>
           </a:p>
@@ -2356,7 +2356,7 @@
           <a:p>
             <a:fld id="{C5A10E30-AF47-4A7E-9739-503BC68BBCD8}" type="datetimeFigureOut">
               <a:rPr kumimoji="1" lang="ja-JP" altLang="en-US" smtClean="0"/>
-              <a:t>2014/6/20</a:t>
+              <a:t>2014/6/23</a:t>
             </a:fld>
             <a:endParaRPr kumimoji="1" lang="ja-JP" altLang="en-US"/>
           </a:p>
@@ -2609,7 +2609,7 @@
           <a:p>
             <a:fld id="{C5A10E30-AF47-4A7E-9739-503BC68BBCD8}" type="datetimeFigureOut">
               <a:rPr kumimoji="1" lang="ja-JP" altLang="en-US" smtClean="0"/>
-              <a:t>2014/6/20</a:t>
+              <a:t>2014/6/23</a:t>
             </a:fld>
             <a:endParaRPr kumimoji="1" lang="ja-JP" altLang="en-US"/>
           </a:p>
@@ -2854,7 +2854,7 @@
           <a:p>
             <a:fld id="{C5A10E30-AF47-4A7E-9739-503BC68BBCD8}" type="datetimeFigureOut">
               <a:rPr kumimoji="1" lang="ja-JP" altLang="en-US" smtClean="0"/>
-              <a:t>2014/6/20</a:t>
+              <a:t>2014/6/23</a:t>
             </a:fld>
             <a:endParaRPr kumimoji="1" lang="ja-JP" altLang="en-US"/>
           </a:p>
@@ -6494,6 +6494,13 @@
   <p:clrMapOvr>
     <a:masterClrMapping/>
   </p:clrMapOvr>
+  <p:timing>
+    <p:tnLst>
+      <p:par>
+        <p:cTn id="1" dur="indefinite" restart="never" nodeType="tmRoot"/>
+      </p:par>
+    </p:tnLst>
+  </p:timing>
 </p:sld>
 </file>
 
@@ -6516,7 +6523,7 @@
       </p:grpSpPr>
       <p:grpSp>
         <p:nvGrpSpPr>
-          <p:cNvPr id="14" name="グループ化 13"/>
+          <p:cNvPr id="33" name="グループ化 32"/>
           <p:cNvGrpSpPr/>
           <p:nvPr/>
         </p:nvGrpSpPr>
@@ -6524,2019 +6531,2720 @@
           <a:xfrm>
             <a:off x="914800" y="876588"/>
             <a:ext cx="9369454" cy="3518624"/>
-            <a:chOff x="600475" y="952788"/>
+            <a:chOff x="914800" y="876588"/>
             <a:chExt cx="9369454" cy="3518624"/>
           </a:xfrm>
         </p:grpSpPr>
         <p:grpSp>
           <p:nvGrpSpPr>
-            <p:cNvPr id="160" name="グループ化 159"/>
+            <p:cNvPr id="14" name="グループ化 13"/>
             <p:cNvGrpSpPr/>
             <p:nvPr/>
           </p:nvGrpSpPr>
           <p:grpSpPr>
             <a:xfrm>
-              <a:off x="600475" y="952788"/>
+              <a:off x="914800" y="876588"/>
               <a:ext cx="9369454" cy="3518624"/>
               <a:chOff x="600475" y="952788"/>
               <a:chExt cx="9369454" cy="3518624"/>
             </a:xfrm>
           </p:grpSpPr>
+          <p:grpSp>
+            <p:nvGrpSpPr>
+              <p:cNvPr id="160" name="グループ化 159"/>
+              <p:cNvGrpSpPr/>
+              <p:nvPr/>
+            </p:nvGrpSpPr>
+            <p:grpSpPr>
+              <a:xfrm>
+                <a:off x="600475" y="952788"/>
+                <a:ext cx="9369454" cy="3518624"/>
+                <a:chOff x="600475" y="952788"/>
+                <a:chExt cx="9369454" cy="3518624"/>
+              </a:xfrm>
+            </p:grpSpPr>
+            <p:sp>
+              <p:nvSpPr>
+                <p:cNvPr id="4" name="フローチャート : 定義済み処理 27"/>
+                <p:cNvSpPr/>
+                <p:nvPr/>
+              </p:nvSpPr>
+              <p:spPr>
+                <a:xfrm>
+                  <a:off x="2408652" y="1038513"/>
+                  <a:ext cx="1243949" cy="432339"/>
+                </a:xfrm>
+                <a:prstGeom prst="flowChartPredefinedProcess">
+                  <a:avLst/>
+                </a:prstGeom>
+                <a:solidFill>
+                  <a:sysClr val="window" lastClr="FFFFFF"/>
+                </a:solidFill>
+                <a:ln>
+                  <a:solidFill>
+                    <a:sysClr val="windowText" lastClr="000000"/>
+                  </a:solidFill>
+                </a:ln>
+              </p:spPr>
+              <p:style>
+                <a:lnRef idx="2">
+                  <a:schemeClr val="accent1">
+                    <a:shade val="50000"/>
+                  </a:schemeClr>
+                </a:lnRef>
+                <a:fillRef idx="1">
+                  <a:schemeClr val="accent1"/>
+                </a:fillRef>
+                <a:effectRef idx="0">
+                  <a:schemeClr val="accent1"/>
+                </a:effectRef>
+                <a:fontRef idx="minor">
+                  <a:schemeClr val="lt1"/>
+                </a:fontRef>
+              </p:style>
+              <p:txBody>
+                <a:bodyPr wrap="square" rtlCol="0" anchor="ctr"/>
+                <a:lstStyle>
+                  <a:lvl1pPr marL="0" indent="0">
+                    <a:defRPr sz="1100">
+                      <a:solidFill>
+                        <a:schemeClr val="lt1"/>
+                      </a:solidFill>
+                      <a:latin typeface="+mn-lt"/>
+                      <a:ea typeface="+mn-ea"/>
+                      <a:cs typeface="+mn-cs"/>
+                    </a:defRPr>
+                  </a:lvl1pPr>
+                  <a:lvl2pPr marL="457200" indent="0">
+                    <a:defRPr sz="1100">
+                      <a:solidFill>
+                        <a:schemeClr val="lt1"/>
+                      </a:solidFill>
+                      <a:latin typeface="+mn-lt"/>
+                      <a:ea typeface="+mn-ea"/>
+                      <a:cs typeface="+mn-cs"/>
+                    </a:defRPr>
+                  </a:lvl2pPr>
+                  <a:lvl3pPr marL="914400" indent="0">
+                    <a:defRPr sz="1100">
+                      <a:solidFill>
+                        <a:schemeClr val="lt1"/>
+                      </a:solidFill>
+                      <a:latin typeface="+mn-lt"/>
+                      <a:ea typeface="+mn-ea"/>
+                      <a:cs typeface="+mn-cs"/>
+                    </a:defRPr>
+                  </a:lvl3pPr>
+                  <a:lvl4pPr marL="1371600" indent="0">
+                    <a:defRPr sz="1100">
+                      <a:solidFill>
+                        <a:schemeClr val="lt1"/>
+                      </a:solidFill>
+                      <a:latin typeface="+mn-lt"/>
+                      <a:ea typeface="+mn-ea"/>
+                      <a:cs typeface="+mn-cs"/>
+                    </a:defRPr>
+                  </a:lvl4pPr>
+                  <a:lvl5pPr marL="1828800" indent="0">
+                    <a:defRPr sz="1100">
+                      <a:solidFill>
+                        <a:schemeClr val="lt1"/>
+                      </a:solidFill>
+                      <a:latin typeface="+mn-lt"/>
+                      <a:ea typeface="+mn-ea"/>
+                      <a:cs typeface="+mn-cs"/>
+                    </a:defRPr>
+                  </a:lvl5pPr>
+                  <a:lvl6pPr marL="2286000" indent="0">
+                    <a:defRPr sz="1100">
+                      <a:solidFill>
+                        <a:schemeClr val="lt1"/>
+                      </a:solidFill>
+                      <a:latin typeface="+mn-lt"/>
+                      <a:ea typeface="+mn-ea"/>
+                      <a:cs typeface="+mn-cs"/>
+                    </a:defRPr>
+                  </a:lvl6pPr>
+                  <a:lvl7pPr marL="2743200" indent="0">
+                    <a:defRPr sz="1100">
+                      <a:solidFill>
+                        <a:schemeClr val="lt1"/>
+                      </a:solidFill>
+                      <a:latin typeface="+mn-lt"/>
+                      <a:ea typeface="+mn-ea"/>
+                      <a:cs typeface="+mn-cs"/>
+                    </a:defRPr>
+                  </a:lvl7pPr>
+                  <a:lvl8pPr marL="3200400" indent="0">
+                    <a:defRPr sz="1100">
+                      <a:solidFill>
+                        <a:schemeClr val="lt1"/>
+                      </a:solidFill>
+                      <a:latin typeface="+mn-lt"/>
+                      <a:ea typeface="+mn-ea"/>
+                      <a:cs typeface="+mn-cs"/>
+                    </a:defRPr>
+                  </a:lvl8pPr>
+                  <a:lvl9pPr marL="3657600" indent="0">
+                    <a:defRPr sz="1100">
+                      <a:solidFill>
+                        <a:schemeClr val="lt1"/>
+                      </a:solidFill>
+                      <a:latin typeface="+mn-lt"/>
+                      <a:ea typeface="+mn-ea"/>
+                      <a:cs typeface="+mn-cs"/>
+                    </a:defRPr>
+                  </a:lvl9pPr>
+                </a:lstStyle>
+                <a:p>
+                  <a:pPr algn="ctr"/>
+                  <a:r>
+                    <a:rPr lang="ja-JP" altLang="en-US" sz="900">
+                      <a:solidFill>
+                        <a:sysClr val="windowText" lastClr="000000"/>
+                      </a:solidFill>
+                      <a:latin typeface="MS UI Gothic" panose="020B0600070205080204" pitchFamily="50" charset="-128"/>
+                      <a:ea typeface="MS UI Gothic" panose="020B0600070205080204" pitchFamily="50" charset="-128"/>
+                    </a:rPr>
+                    <a:t>システムへ</a:t>
+                  </a:r>
+                  <a:endParaRPr lang="en-US" altLang="ja-JP" sz="900">
+                    <a:solidFill>
+                      <a:sysClr val="windowText" lastClr="000000"/>
+                    </a:solidFill>
+                    <a:latin typeface="MS UI Gothic" panose="020B0600070205080204" pitchFamily="50" charset="-128"/>
+                    <a:ea typeface="MS UI Gothic" panose="020B0600070205080204" pitchFamily="50" charset="-128"/>
+                  </a:endParaRPr>
+                </a:p>
+                <a:p>
+                  <a:pPr algn="ctr"/>
+                  <a:r>
+                    <a:rPr lang="ja-JP" altLang="en-US" sz="900">
+                      <a:solidFill>
+                        <a:sysClr val="windowText" lastClr="000000"/>
+                      </a:solidFill>
+                      <a:latin typeface="MS UI Gothic" panose="020B0600070205080204" pitchFamily="50" charset="-128"/>
+                      <a:ea typeface="MS UI Gothic" panose="020B0600070205080204" pitchFamily="50" charset="-128"/>
+                    </a:rPr>
+                    <a:t>アクセス</a:t>
+                  </a:r>
+                  <a:endParaRPr lang="en-US" altLang="ja-JP" sz="900">
+                    <a:solidFill>
+                      <a:sysClr val="windowText" lastClr="000000"/>
+                    </a:solidFill>
+                    <a:latin typeface="MS UI Gothic" panose="020B0600070205080204" pitchFamily="50" charset="-128"/>
+                    <a:ea typeface="MS UI Gothic" panose="020B0600070205080204" pitchFamily="50" charset="-128"/>
+                  </a:endParaRPr>
+                </a:p>
+              </p:txBody>
+            </p:sp>
+            <p:sp>
+              <p:nvSpPr>
+                <p:cNvPr id="5" name="フローチャート : 定義済み処理 27"/>
+                <p:cNvSpPr/>
+                <p:nvPr/>
+              </p:nvSpPr>
+              <p:spPr>
+                <a:xfrm>
+                  <a:off x="2408652" y="1756487"/>
+                  <a:ext cx="1243949" cy="432339"/>
+                </a:xfrm>
+                <a:prstGeom prst="flowChartPredefinedProcess">
+                  <a:avLst/>
+                </a:prstGeom>
+                <a:solidFill>
+                  <a:sysClr val="window" lastClr="FFFFFF"/>
+                </a:solidFill>
+                <a:ln>
+                  <a:solidFill>
+                    <a:sysClr val="windowText" lastClr="000000"/>
+                  </a:solidFill>
+                </a:ln>
+              </p:spPr>
+              <p:style>
+                <a:lnRef idx="2">
+                  <a:schemeClr val="accent1">
+                    <a:shade val="50000"/>
+                  </a:schemeClr>
+                </a:lnRef>
+                <a:fillRef idx="1">
+                  <a:schemeClr val="accent1"/>
+                </a:fillRef>
+                <a:effectRef idx="0">
+                  <a:schemeClr val="accent1"/>
+                </a:effectRef>
+                <a:fontRef idx="minor">
+                  <a:schemeClr val="lt1"/>
+                </a:fontRef>
+              </p:style>
+              <p:txBody>
+                <a:bodyPr wrap="square" rtlCol="0" anchor="ctr"/>
+                <a:lstStyle>
+                  <a:lvl1pPr marL="0" indent="0">
+                    <a:defRPr sz="1100">
+                      <a:solidFill>
+                        <a:schemeClr val="lt1"/>
+                      </a:solidFill>
+                      <a:latin typeface="+mn-lt"/>
+                      <a:ea typeface="+mn-ea"/>
+                      <a:cs typeface="+mn-cs"/>
+                    </a:defRPr>
+                  </a:lvl1pPr>
+                  <a:lvl2pPr marL="457200" indent="0">
+                    <a:defRPr sz="1100">
+                      <a:solidFill>
+                        <a:schemeClr val="lt1"/>
+                      </a:solidFill>
+                      <a:latin typeface="+mn-lt"/>
+                      <a:ea typeface="+mn-ea"/>
+                      <a:cs typeface="+mn-cs"/>
+                    </a:defRPr>
+                  </a:lvl2pPr>
+                  <a:lvl3pPr marL="914400" indent="0">
+                    <a:defRPr sz="1100">
+                      <a:solidFill>
+                        <a:schemeClr val="lt1"/>
+                      </a:solidFill>
+                      <a:latin typeface="+mn-lt"/>
+                      <a:ea typeface="+mn-ea"/>
+                      <a:cs typeface="+mn-cs"/>
+                    </a:defRPr>
+                  </a:lvl3pPr>
+                  <a:lvl4pPr marL="1371600" indent="0">
+                    <a:defRPr sz="1100">
+                      <a:solidFill>
+                        <a:schemeClr val="lt1"/>
+                      </a:solidFill>
+                      <a:latin typeface="+mn-lt"/>
+                      <a:ea typeface="+mn-ea"/>
+                      <a:cs typeface="+mn-cs"/>
+                    </a:defRPr>
+                  </a:lvl4pPr>
+                  <a:lvl5pPr marL="1828800" indent="0">
+                    <a:defRPr sz="1100">
+                      <a:solidFill>
+                        <a:schemeClr val="lt1"/>
+                      </a:solidFill>
+                      <a:latin typeface="+mn-lt"/>
+                      <a:ea typeface="+mn-ea"/>
+                      <a:cs typeface="+mn-cs"/>
+                    </a:defRPr>
+                  </a:lvl5pPr>
+                  <a:lvl6pPr marL="2286000" indent="0">
+                    <a:defRPr sz="1100">
+                      <a:solidFill>
+                        <a:schemeClr val="lt1"/>
+                      </a:solidFill>
+                      <a:latin typeface="+mn-lt"/>
+                      <a:ea typeface="+mn-ea"/>
+                      <a:cs typeface="+mn-cs"/>
+                    </a:defRPr>
+                  </a:lvl6pPr>
+                  <a:lvl7pPr marL="2743200" indent="0">
+                    <a:defRPr sz="1100">
+                      <a:solidFill>
+                        <a:schemeClr val="lt1"/>
+                      </a:solidFill>
+                      <a:latin typeface="+mn-lt"/>
+                      <a:ea typeface="+mn-ea"/>
+                      <a:cs typeface="+mn-cs"/>
+                    </a:defRPr>
+                  </a:lvl7pPr>
+                  <a:lvl8pPr marL="3200400" indent="0">
+                    <a:defRPr sz="1100">
+                      <a:solidFill>
+                        <a:schemeClr val="lt1"/>
+                      </a:solidFill>
+                      <a:latin typeface="+mn-lt"/>
+                      <a:ea typeface="+mn-ea"/>
+                      <a:cs typeface="+mn-cs"/>
+                    </a:defRPr>
+                  </a:lvl8pPr>
+                  <a:lvl9pPr marL="3657600" indent="0">
+                    <a:defRPr sz="1100">
+                      <a:solidFill>
+                        <a:schemeClr val="lt1"/>
+                      </a:solidFill>
+                      <a:latin typeface="+mn-lt"/>
+                      <a:ea typeface="+mn-ea"/>
+                      <a:cs typeface="+mn-cs"/>
+                    </a:defRPr>
+                  </a:lvl9pPr>
+                </a:lstStyle>
+                <a:p>
+                  <a:pPr algn="ctr"/>
+                  <a:r>
+                    <a:rPr lang="ja-JP" altLang="en-US" sz="900">
+                      <a:solidFill>
+                        <a:sysClr val="windowText" lastClr="000000"/>
+                      </a:solidFill>
+                      <a:latin typeface="MS UI Gothic" panose="020B0600070205080204" pitchFamily="50" charset="-128"/>
+                      <a:ea typeface="MS UI Gothic" panose="020B0600070205080204" pitchFamily="50" charset="-128"/>
+                    </a:rPr>
+                    <a:t>グーグルマップを使用</a:t>
+                  </a:r>
+                  <a:endParaRPr kumimoji="1" lang="ja-JP" altLang="en-US" sz="900">
+                    <a:solidFill>
+                      <a:sysClr val="windowText" lastClr="000000"/>
+                    </a:solidFill>
+                    <a:latin typeface="MS UI Gothic" panose="020B0600070205080204" pitchFamily="50" charset="-128"/>
+                    <a:ea typeface="MS UI Gothic" panose="020B0600070205080204" pitchFamily="50" charset="-128"/>
+                  </a:endParaRPr>
+                </a:p>
+              </p:txBody>
+            </p:sp>
+            <p:sp>
+              <p:nvSpPr>
+                <p:cNvPr id="6" name="フローチャート : 定義済み処理 27"/>
+                <p:cNvSpPr/>
+                <p:nvPr/>
+              </p:nvSpPr>
+              <p:spPr>
+                <a:xfrm>
+                  <a:off x="2408651" y="2474461"/>
+                  <a:ext cx="1243949" cy="432339"/>
+                </a:xfrm>
+                <a:prstGeom prst="flowChartPredefinedProcess">
+                  <a:avLst/>
+                </a:prstGeom>
+                <a:solidFill>
+                  <a:sysClr val="window" lastClr="FFFFFF"/>
+                </a:solidFill>
+                <a:ln>
+                  <a:solidFill>
+                    <a:sysClr val="windowText" lastClr="000000"/>
+                  </a:solidFill>
+                </a:ln>
+              </p:spPr>
+              <p:style>
+                <a:lnRef idx="2">
+                  <a:schemeClr val="accent1">
+                    <a:shade val="50000"/>
+                  </a:schemeClr>
+                </a:lnRef>
+                <a:fillRef idx="1">
+                  <a:schemeClr val="accent1"/>
+                </a:fillRef>
+                <a:effectRef idx="0">
+                  <a:schemeClr val="accent1"/>
+                </a:effectRef>
+                <a:fontRef idx="minor">
+                  <a:schemeClr val="lt1"/>
+                </a:fontRef>
+              </p:style>
+              <p:txBody>
+                <a:bodyPr wrap="square" rtlCol="0" anchor="ctr"/>
+                <a:lstStyle>
+                  <a:lvl1pPr marL="0" indent="0">
+                    <a:defRPr sz="1100">
+                      <a:solidFill>
+                        <a:schemeClr val="lt1"/>
+                      </a:solidFill>
+                      <a:latin typeface="+mn-lt"/>
+                      <a:ea typeface="+mn-ea"/>
+                      <a:cs typeface="+mn-cs"/>
+                    </a:defRPr>
+                  </a:lvl1pPr>
+                  <a:lvl2pPr marL="457200" indent="0">
+                    <a:defRPr sz="1100">
+                      <a:solidFill>
+                        <a:schemeClr val="lt1"/>
+                      </a:solidFill>
+                      <a:latin typeface="+mn-lt"/>
+                      <a:ea typeface="+mn-ea"/>
+                      <a:cs typeface="+mn-cs"/>
+                    </a:defRPr>
+                  </a:lvl2pPr>
+                  <a:lvl3pPr marL="914400" indent="0">
+                    <a:defRPr sz="1100">
+                      <a:solidFill>
+                        <a:schemeClr val="lt1"/>
+                      </a:solidFill>
+                      <a:latin typeface="+mn-lt"/>
+                      <a:ea typeface="+mn-ea"/>
+                      <a:cs typeface="+mn-cs"/>
+                    </a:defRPr>
+                  </a:lvl3pPr>
+                  <a:lvl4pPr marL="1371600" indent="0">
+                    <a:defRPr sz="1100">
+                      <a:solidFill>
+                        <a:schemeClr val="lt1"/>
+                      </a:solidFill>
+                      <a:latin typeface="+mn-lt"/>
+                      <a:ea typeface="+mn-ea"/>
+                      <a:cs typeface="+mn-cs"/>
+                    </a:defRPr>
+                  </a:lvl4pPr>
+                  <a:lvl5pPr marL="1828800" indent="0">
+                    <a:defRPr sz="1100">
+                      <a:solidFill>
+                        <a:schemeClr val="lt1"/>
+                      </a:solidFill>
+                      <a:latin typeface="+mn-lt"/>
+                      <a:ea typeface="+mn-ea"/>
+                      <a:cs typeface="+mn-cs"/>
+                    </a:defRPr>
+                  </a:lvl5pPr>
+                  <a:lvl6pPr marL="2286000" indent="0">
+                    <a:defRPr sz="1100">
+                      <a:solidFill>
+                        <a:schemeClr val="lt1"/>
+                      </a:solidFill>
+                      <a:latin typeface="+mn-lt"/>
+                      <a:ea typeface="+mn-ea"/>
+                      <a:cs typeface="+mn-cs"/>
+                    </a:defRPr>
+                  </a:lvl6pPr>
+                  <a:lvl7pPr marL="2743200" indent="0">
+                    <a:defRPr sz="1100">
+                      <a:solidFill>
+                        <a:schemeClr val="lt1"/>
+                      </a:solidFill>
+                      <a:latin typeface="+mn-lt"/>
+                      <a:ea typeface="+mn-ea"/>
+                      <a:cs typeface="+mn-cs"/>
+                    </a:defRPr>
+                  </a:lvl7pPr>
+                  <a:lvl8pPr marL="3200400" indent="0">
+                    <a:defRPr sz="1100">
+                      <a:solidFill>
+                        <a:schemeClr val="lt1"/>
+                      </a:solidFill>
+                      <a:latin typeface="+mn-lt"/>
+                      <a:ea typeface="+mn-ea"/>
+                      <a:cs typeface="+mn-cs"/>
+                    </a:defRPr>
+                  </a:lvl8pPr>
+                  <a:lvl9pPr marL="3657600" indent="0">
+                    <a:defRPr sz="1100">
+                      <a:solidFill>
+                        <a:schemeClr val="lt1"/>
+                      </a:solidFill>
+                      <a:latin typeface="+mn-lt"/>
+                      <a:ea typeface="+mn-ea"/>
+                      <a:cs typeface="+mn-cs"/>
+                    </a:defRPr>
+                  </a:lvl9pPr>
+                </a:lstStyle>
+                <a:p>
+                  <a:pPr algn="ctr"/>
+                  <a:r>
+                    <a:rPr kumimoji="1" lang="ja-JP" altLang="en-US" sz="900">
+                      <a:solidFill>
+                        <a:sysClr val="windowText" lastClr="000000"/>
+                      </a:solidFill>
+                      <a:latin typeface="MS UI Gothic" panose="020B0600070205080204" pitchFamily="50" charset="-128"/>
+                      <a:ea typeface="MS UI Gothic" panose="020B0600070205080204" pitchFamily="50" charset="-128"/>
+                    </a:rPr>
+                    <a:t>ラーメン屋の店名とピンを表示</a:t>
+                  </a:r>
+                </a:p>
+              </p:txBody>
+            </p:sp>
+            <p:sp>
+              <p:nvSpPr>
+                <p:cNvPr id="9" name="フローチャート : 手操作入力 51"/>
+                <p:cNvSpPr/>
+                <p:nvPr/>
+              </p:nvSpPr>
+              <p:spPr>
+                <a:xfrm>
+                  <a:off x="2407833" y="3192435"/>
+                  <a:ext cx="1244767" cy="427177"/>
+                </a:xfrm>
+                <a:prstGeom prst="flowChartManualInput">
+                  <a:avLst/>
+                </a:prstGeom>
+                <a:solidFill>
+                  <a:sysClr val="window" lastClr="FFFFFF"/>
+                </a:solidFill>
+                <a:ln>
+                  <a:solidFill>
+                    <a:sysClr val="windowText" lastClr="000000"/>
+                  </a:solidFill>
+                </a:ln>
+              </p:spPr>
+              <p:style>
+                <a:lnRef idx="2">
+                  <a:schemeClr val="accent1">
+                    <a:shade val="50000"/>
+                  </a:schemeClr>
+                </a:lnRef>
+                <a:fillRef idx="1">
+                  <a:schemeClr val="accent1"/>
+                </a:fillRef>
+                <a:effectRef idx="0">
+                  <a:schemeClr val="accent1"/>
+                </a:effectRef>
+                <a:fontRef idx="minor">
+                  <a:schemeClr val="lt1"/>
+                </a:fontRef>
+              </p:style>
+              <p:txBody>
+                <a:bodyPr wrap="square" rtlCol="0" anchor="ctr"/>
+                <a:lstStyle>
+                  <a:lvl1pPr marL="0" indent="0">
+                    <a:defRPr sz="1100">
+                      <a:solidFill>
+                        <a:schemeClr val="lt1"/>
+                      </a:solidFill>
+                      <a:latin typeface="+mn-lt"/>
+                      <a:ea typeface="+mn-ea"/>
+                      <a:cs typeface="+mn-cs"/>
+                    </a:defRPr>
+                  </a:lvl1pPr>
+                  <a:lvl2pPr marL="457200" indent="0">
+                    <a:defRPr sz="1100">
+                      <a:solidFill>
+                        <a:schemeClr val="lt1"/>
+                      </a:solidFill>
+                      <a:latin typeface="+mn-lt"/>
+                      <a:ea typeface="+mn-ea"/>
+                      <a:cs typeface="+mn-cs"/>
+                    </a:defRPr>
+                  </a:lvl2pPr>
+                  <a:lvl3pPr marL="914400" indent="0">
+                    <a:defRPr sz="1100">
+                      <a:solidFill>
+                        <a:schemeClr val="lt1"/>
+                      </a:solidFill>
+                      <a:latin typeface="+mn-lt"/>
+                      <a:ea typeface="+mn-ea"/>
+                      <a:cs typeface="+mn-cs"/>
+                    </a:defRPr>
+                  </a:lvl3pPr>
+                  <a:lvl4pPr marL="1371600" indent="0">
+                    <a:defRPr sz="1100">
+                      <a:solidFill>
+                        <a:schemeClr val="lt1"/>
+                      </a:solidFill>
+                      <a:latin typeface="+mn-lt"/>
+                      <a:ea typeface="+mn-ea"/>
+                      <a:cs typeface="+mn-cs"/>
+                    </a:defRPr>
+                  </a:lvl4pPr>
+                  <a:lvl5pPr marL="1828800" indent="0">
+                    <a:defRPr sz="1100">
+                      <a:solidFill>
+                        <a:schemeClr val="lt1"/>
+                      </a:solidFill>
+                      <a:latin typeface="+mn-lt"/>
+                      <a:ea typeface="+mn-ea"/>
+                      <a:cs typeface="+mn-cs"/>
+                    </a:defRPr>
+                  </a:lvl5pPr>
+                  <a:lvl6pPr marL="2286000" indent="0">
+                    <a:defRPr sz="1100">
+                      <a:solidFill>
+                        <a:schemeClr val="lt1"/>
+                      </a:solidFill>
+                      <a:latin typeface="+mn-lt"/>
+                      <a:ea typeface="+mn-ea"/>
+                      <a:cs typeface="+mn-cs"/>
+                    </a:defRPr>
+                  </a:lvl6pPr>
+                  <a:lvl7pPr marL="2743200" indent="0">
+                    <a:defRPr sz="1100">
+                      <a:solidFill>
+                        <a:schemeClr val="lt1"/>
+                      </a:solidFill>
+                      <a:latin typeface="+mn-lt"/>
+                      <a:ea typeface="+mn-ea"/>
+                      <a:cs typeface="+mn-cs"/>
+                    </a:defRPr>
+                  </a:lvl7pPr>
+                  <a:lvl8pPr marL="3200400" indent="0">
+                    <a:defRPr sz="1100">
+                      <a:solidFill>
+                        <a:schemeClr val="lt1"/>
+                      </a:solidFill>
+                      <a:latin typeface="+mn-lt"/>
+                      <a:ea typeface="+mn-ea"/>
+                      <a:cs typeface="+mn-cs"/>
+                    </a:defRPr>
+                  </a:lvl8pPr>
+                  <a:lvl9pPr marL="3657600" indent="0">
+                    <a:defRPr sz="1100">
+                      <a:solidFill>
+                        <a:schemeClr val="lt1"/>
+                      </a:solidFill>
+                      <a:latin typeface="+mn-lt"/>
+                      <a:ea typeface="+mn-ea"/>
+                      <a:cs typeface="+mn-cs"/>
+                    </a:defRPr>
+                  </a:lvl9pPr>
+                </a:lstStyle>
+                <a:p>
+                  <a:pPr algn="ctr"/>
+                  <a:r>
+                    <a:rPr lang="ja-JP" altLang="en-US" sz="900">
+                      <a:solidFill>
+                        <a:sysClr val="windowText" lastClr="000000"/>
+                      </a:solidFill>
+                      <a:latin typeface="MS UI Gothic" panose="020B0600070205080204" pitchFamily="50" charset="-128"/>
+                      <a:ea typeface="MS UI Gothic" panose="020B0600070205080204" pitchFamily="50" charset="-128"/>
+                    </a:rPr>
+                    <a:t>店名アイコン選択</a:t>
+                  </a:r>
+                  <a:endParaRPr kumimoji="1" lang="ja-JP" altLang="en-US" sz="900">
+                    <a:solidFill>
+                      <a:sysClr val="windowText" lastClr="000000"/>
+                    </a:solidFill>
+                    <a:latin typeface="MS UI Gothic" panose="020B0600070205080204" pitchFamily="50" charset="-128"/>
+                    <a:ea typeface="MS UI Gothic" panose="020B0600070205080204" pitchFamily="50" charset="-128"/>
+                  </a:endParaRPr>
+                </a:p>
+              </p:txBody>
+            </p:sp>
+            <p:sp>
+              <p:nvSpPr>
+                <p:cNvPr id="10" name="フローチャート : 定義済み処理 27"/>
+                <p:cNvSpPr/>
+                <p:nvPr/>
+              </p:nvSpPr>
+              <p:spPr>
+                <a:xfrm>
+                  <a:off x="4501906" y="952788"/>
+                  <a:ext cx="1243949" cy="432339"/>
+                </a:xfrm>
+                <a:prstGeom prst="flowChartPredefinedProcess">
+                  <a:avLst/>
+                </a:prstGeom>
+                <a:solidFill>
+                  <a:sysClr val="window" lastClr="FFFFFF"/>
+                </a:solidFill>
+                <a:ln>
+                  <a:solidFill>
+                    <a:sysClr val="windowText" lastClr="000000"/>
+                  </a:solidFill>
+                </a:ln>
+              </p:spPr>
+              <p:style>
+                <a:lnRef idx="2">
+                  <a:schemeClr val="accent1">
+                    <a:shade val="50000"/>
+                  </a:schemeClr>
+                </a:lnRef>
+                <a:fillRef idx="1">
+                  <a:schemeClr val="accent1"/>
+                </a:fillRef>
+                <a:effectRef idx="0">
+                  <a:schemeClr val="accent1"/>
+                </a:effectRef>
+                <a:fontRef idx="minor">
+                  <a:schemeClr val="lt1"/>
+                </a:fontRef>
+              </p:style>
+              <p:txBody>
+                <a:bodyPr wrap="square" rtlCol="0" anchor="ctr"/>
+                <a:lstStyle>
+                  <a:lvl1pPr marL="0" indent="0">
+                    <a:defRPr sz="1100">
+                      <a:solidFill>
+                        <a:schemeClr val="lt1"/>
+                      </a:solidFill>
+                      <a:latin typeface="+mn-lt"/>
+                      <a:ea typeface="+mn-ea"/>
+                      <a:cs typeface="+mn-cs"/>
+                    </a:defRPr>
+                  </a:lvl1pPr>
+                  <a:lvl2pPr marL="457200" indent="0">
+                    <a:defRPr sz="1100">
+                      <a:solidFill>
+                        <a:schemeClr val="lt1"/>
+                      </a:solidFill>
+                      <a:latin typeface="+mn-lt"/>
+                      <a:ea typeface="+mn-ea"/>
+                      <a:cs typeface="+mn-cs"/>
+                    </a:defRPr>
+                  </a:lvl2pPr>
+                  <a:lvl3pPr marL="914400" indent="0">
+                    <a:defRPr sz="1100">
+                      <a:solidFill>
+                        <a:schemeClr val="lt1"/>
+                      </a:solidFill>
+                      <a:latin typeface="+mn-lt"/>
+                      <a:ea typeface="+mn-ea"/>
+                      <a:cs typeface="+mn-cs"/>
+                    </a:defRPr>
+                  </a:lvl3pPr>
+                  <a:lvl4pPr marL="1371600" indent="0">
+                    <a:defRPr sz="1100">
+                      <a:solidFill>
+                        <a:schemeClr val="lt1"/>
+                      </a:solidFill>
+                      <a:latin typeface="+mn-lt"/>
+                      <a:ea typeface="+mn-ea"/>
+                      <a:cs typeface="+mn-cs"/>
+                    </a:defRPr>
+                  </a:lvl4pPr>
+                  <a:lvl5pPr marL="1828800" indent="0">
+                    <a:defRPr sz="1100">
+                      <a:solidFill>
+                        <a:schemeClr val="lt1"/>
+                      </a:solidFill>
+                      <a:latin typeface="+mn-lt"/>
+                      <a:ea typeface="+mn-ea"/>
+                      <a:cs typeface="+mn-cs"/>
+                    </a:defRPr>
+                  </a:lvl5pPr>
+                  <a:lvl6pPr marL="2286000" indent="0">
+                    <a:defRPr sz="1100">
+                      <a:solidFill>
+                        <a:schemeClr val="lt1"/>
+                      </a:solidFill>
+                      <a:latin typeface="+mn-lt"/>
+                      <a:ea typeface="+mn-ea"/>
+                      <a:cs typeface="+mn-cs"/>
+                    </a:defRPr>
+                  </a:lvl6pPr>
+                  <a:lvl7pPr marL="2743200" indent="0">
+                    <a:defRPr sz="1100">
+                      <a:solidFill>
+                        <a:schemeClr val="lt1"/>
+                      </a:solidFill>
+                      <a:latin typeface="+mn-lt"/>
+                      <a:ea typeface="+mn-ea"/>
+                      <a:cs typeface="+mn-cs"/>
+                    </a:defRPr>
+                  </a:lvl7pPr>
+                  <a:lvl8pPr marL="3200400" indent="0">
+                    <a:defRPr sz="1100">
+                      <a:solidFill>
+                        <a:schemeClr val="lt1"/>
+                      </a:solidFill>
+                      <a:latin typeface="+mn-lt"/>
+                      <a:ea typeface="+mn-ea"/>
+                      <a:cs typeface="+mn-cs"/>
+                    </a:defRPr>
+                  </a:lvl8pPr>
+                  <a:lvl9pPr marL="3657600" indent="0">
+                    <a:defRPr sz="1100">
+                      <a:solidFill>
+                        <a:schemeClr val="lt1"/>
+                      </a:solidFill>
+                      <a:latin typeface="+mn-lt"/>
+                      <a:ea typeface="+mn-ea"/>
+                      <a:cs typeface="+mn-cs"/>
+                    </a:defRPr>
+                  </a:lvl9pPr>
+                </a:lstStyle>
+                <a:p>
+                  <a:pPr algn="ctr"/>
+                  <a:r>
+                    <a:rPr lang="ja-JP" altLang="en-US" sz="900" dirty="0" smtClean="0">
+                      <a:solidFill>
+                        <a:sysClr val="windowText" lastClr="000000"/>
+                      </a:solidFill>
+                      <a:latin typeface="MS UI Gothic" panose="020B0600070205080204" pitchFamily="50" charset="-128"/>
+                      <a:ea typeface="MS UI Gothic" panose="020B0600070205080204" pitchFamily="50" charset="-128"/>
+                    </a:rPr>
+                    <a:t>「コメント」を</a:t>
+                  </a:r>
+                  <a:endParaRPr lang="en-US" altLang="ja-JP" sz="900" dirty="0" smtClean="0">
+                    <a:solidFill>
+                      <a:sysClr val="windowText" lastClr="000000"/>
+                    </a:solidFill>
+                    <a:latin typeface="MS UI Gothic" panose="020B0600070205080204" pitchFamily="50" charset="-128"/>
+                    <a:ea typeface="MS UI Gothic" panose="020B0600070205080204" pitchFamily="50" charset="-128"/>
+                  </a:endParaRPr>
+                </a:p>
+                <a:p>
+                  <a:pPr algn="ctr"/>
+                  <a:r>
+                    <a:rPr lang="ja-JP" altLang="en-US" sz="900" dirty="0" smtClean="0">
+                      <a:solidFill>
+                        <a:sysClr val="windowText" lastClr="000000"/>
+                      </a:solidFill>
+                      <a:latin typeface="MS UI Gothic" panose="020B0600070205080204" pitchFamily="50" charset="-128"/>
+                      <a:ea typeface="MS UI Gothic" panose="020B0600070205080204" pitchFamily="50" charset="-128"/>
+                    </a:rPr>
+                    <a:t>表示</a:t>
+                  </a:r>
+                  <a:endParaRPr kumimoji="1" lang="en-US" altLang="ja-JP" sz="900" dirty="0">
+                    <a:solidFill>
+                      <a:sysClr val="windowText" lastClr="000000"/>
+                    </a:solidFill>
+                    <a:latin typeface="MS UI Gothic" panose="020B0600070205080204" pitchFamily="50" charset="-128"/>
+                    <a:ea typeface="MS UI Gothic" panose="020B0600070205080204" pitchFamily="50" charset="-128"/>
+                  </a:endParaRPr>
+                </a:p>
+              </p:txBody>
+            </p:sp>
+            <p:sp>
+              <p:nvSpPr>
+                <p:cNvPr id="11" name="フローチャート : 定義済み処理 27"/>
+                <p:cNvSpPr/>
+                <p:nvPr/>
+              </p:nvSpPr>
+              <p:spPr>
+                <a:xfrm>
+                  <a:off x="4488776" y="4039073"/>
+                  <a:ext cx="1243949" cy="432339"/>
+                </a:xfrm>
+                <a:prstGeom prst="flowChartPredefinedProcess">
+                  <a:avLst/>
+                </a:prstGeom>
+                <a:solidFill>
+                  <a:sysClr val="window" lastClr="FFFFFF"/>
+                </a:solidFill>
+                <a:ln>
+                  <a:solidFill>
+                    <a:sysClr val="windowText" lastClr="000000"/>
+                  </a:solidFill>
+                </a:ln>
+              </p:spPr>
+              <p:style>
+                <a:lnRef idx="2">
+                  <a:schemeClr val="accent1">
+                    <a:shade val="50000"/>
+                  </a:schemeClr>
+                </a:lnRef>
+                <a:fillRef idx="1">
+                  <a:schemeClr val="accent1"/>
+                </a:fillRef>
+                <a:effectRef idx="0">
+                  <a:schemeClr val="accent1"/>
+                </a:effectRef>
+                <a:fontRef idx="minor">
+                  <a:schemeClr val="lt1"/>
+                </a:fontRef>
+              </p:style>
+              <p:txBody>
+                <a:bodyPr wrap="square" rtlCol="0" anchor="ctr"/>
+                <a:lstStyle>
+                  <a:lvl1pPr marL="0" indent="0">
+                    <a:defRPr sz="1100">
+                      <a:solidFill>
+                        <a:schemeClr val="lt1"/>
+                      </a:solidFill>
+                      <a:latin typeface="+mn-lt"/>
+                      <a:ea typeface="+mn-ea"/>
+                      <a:cs typeface="+mn-cs"/>
+                    </a:defRPr>
+                  </a:lvl1pPr>
+                  <a:lvl2pPr marL="457200" indent="0">
+                    <a:defRPr sz="1100">
+                      <a:solidFill>
+                        <a:schemeClr val="lt1"/>
+                      </a:solidFill>
+                      <a:latin typeface="+mn-lt"/>
+                      <a:ea typeface="+mn-ea"/>
+                      <a:cs typeface="+mn-cs"/>
+                    </a:defRPr>
+                  </a:lvl2pPr>
+                  <a:lvl3pPr marL="914400" indent="0">
+                    <a:defRPr sz="1100">
+                      <a:solidFill>
+                        <a:schemeClr val="lt1"/>
+                      </a:solidFill>
+                      <a:latin typeface="+mn-lt"/>
+                      <a:ea typeface="+mn-ea"/>
+                      <a:cs typeface="+mn-cs"/>
+                    </a:defRPr>
+                  </a:lvl3pPr>
+                  <a:lvl4pPr marL="1371600" indent="0">
+                    <a:defRPr sz="1100">
+                      <a:solidFill>
+                        <a:schemeClr val="lt1"/>
+                      </a:solidFill>
+                      <a:latin typeface="+mn-lt"/>
+                      <a:ea typeface="+mn-ea"/>
+                      <a:cs typeface="+mn-cs"/>
+                    </a:defRPr>
+                  </a:lvl4pPr>
+                  <a:lvl5pPr marL="1828800" indent="0">
+                    <a:defRPr sz="1100">
+                      <a:solidFill>
+                        <a:schemeClr val="lt1"/>
+                      </a:solidFill>
+                      <a:latin typeface="+mn-lt"/>
+                      <a:ea typeface="+mn-ea"/>
+                      <a:cs typeface="+mn-cs"/>
+                    </a:defRPr>
+                  </a:lvl5pPr>
+                  <a:lvl6pPr marL="2286000" indent="0">
+                    <a:defRPr sz="1100">
+                      <a:solidFill>
+                        <a:schemeClr val="lt1"/>
+                      </a:solidFill>
+                      <a:latin typeface="+mn-lt"/>
+                      <a:ea typeface="+mn-ea"/>
+                      <a:cs typeface="+mn-cs"/>
+                    </a:defRPr>
+                  </a:lvl6pPr>
+                  <a:lvl7pPr marL="2743200" indent="0">
+                    <a:defRPr sz="1100">
+                      <a:solidFill>
+                        <a:schemeClr val="lt1"/>
+                      </a:solidFill>
+                      <a:latin typeface="+mn-lt"/>
+                      <a:ea typeface="+mn-ea"/>
+                      <a:cs typeface="+mn-cs"/>
+                    </a:defRPr>
+                  </a:lvl7pPr>
+                  <a:lvl8pPr marL="3200400" indent="0">
+                    <a:defRPr sz="1100">
+                      <a:solidFill>
+                        <a:schemeClr val="lt1"/>
+                      </a:solidFill>
+                      <a:latin typeface="+mn-lt"/>
+                      <a:ea typeface="+mn-ea"/>
+                      <a:cs typeface="+mn-cs"/>
+                    </a:defRPr>
+                  </a:lvl8pPr>
+                  <a:lvl9pPr marL="3657600" indent="0">
+                    <a:defRPr sz="1100">
+                      <a:solidFill>
+                        <a:schemeClr val="lt1"/>
+                      </a:solidFill>
+                      <a:latin typeface="+mn-lt"/>
+                      <a:ea typeface="+mn-ea"/>
+                      <a:cs typeface="+mn-cs"/>
+                    </a:defRPr>
+                  </a:lvl9pPr>
+                </a:lstStyle>
+                <a:p>
+                  <a:pPr algn="ctr"/>
+                  <a:r>
+                    <a:rPr kumimoji="1" lang="ja-JP" altLang="en-US" sz="900">
+                      <a:solidFill>
+                        <a:sysClr val="windowText" lastClr="000000"/>
+                      </a:solidFill>
+                      <a:latin typeface="MS UI Gothic" panose="020B0600070205080204" pitchFamily="50" charset="-128"/>
+                      <a:ea typeface="MS UI Gothic" panose="020B0600070205080204" pitchFamily="50" charset="-128"/>
+                    </a:rPr>
+                    <a:t>マップに戻る</a:t>
+                  </a:r>
+                </a:p>
+              </p:txBody>
+            </p:sp>
+            <p:sp>
+              <p:nvSpPr>
+                <p:cNvPr id="19" name="フローチャート : 手操作入力 51"/>
+                <p:cNvSpPr/>
+                <p:nvPr/>
+              </p:nvSpPr>
+              <p:spPr>
+                <a:xfrm>
+                  <a:off x="8725162" y="1038513"/>
+                  <a:ext cx="1244767" cy="427177"/>
+                </a:xfrm>
+                <a:prstGeom prst="flowChartManualInput">
+                  <a:avLst/>
+                </a:prstGeom>
+                <a:solidFill>
+                  <a:sysClr val="window" lastClr="FFFFFF"/>
+                </a:solidFill>
+                <a:ln>
+                  <a:solidFill>
+                    <a:sysClr val="windowText" lastClr="000000"/>
+                  </a:solidFill>
+                </a:ln>
+              </p:spPr>
+              <p:style>
+                <a:lnRef idx="2">
+                  <a:schemeClr val="accent1">
+                    <a:shade val="50000"/>
+                  </a:schemeClr>
+                </a:lnRef>
+                <a:fillRef idx="1">
+                  <a:schemeClr val="accent1"/>
+                </a:fillRef>
+                <a:effectRef idx="0">
+                  <a:schemeClr val="accent1"/>
+                </a:effectRef>
+                <a:fontRef idx="minor">
+                  <a:schemeClr val="lt1"/>
+                </a:fontRef>
+              </p:style>
+              <p:txBody>
+                <a:bodyPr wrap="square" rtlCol="0" anchor="ctr"/>
+                <a:lstStyle>
+                  <a:lvl1pPr marL="0" indent="0">
+                    <a:defRPr sz="1100">
+                      <a:solidFill>
+                        <a:schemeClr val="lt1"/>
+                      </a:solidFill>
+                      <a:latin typeface="+mn-lt"/>
+                      <a:ea typeface="+mn-ea"/>
+                      <a:cs typeface="+mn-cs"/>
+                    </a:defRPr>
+                  </a:lvl1pPr>
+                  <a:lvl2pPr marL="457200" indent="0">
+                    <a:defRPr sz="1100">
+                      <a:solidFill>
+                        <a:schemeClr val="lt1"/>
+                      </a:solidFill>
+                      <a:latin typeface="+mn-lt"/>
+                      <a:ea typeface="+mn-ea"/>
+                      <a:cs typeface="+mn-cs"/>
+                    </a:defRPr>
+                  </a:lvl2pPr>
+                  <a:lvl3pPr marL="914400" indent="0">
+                    <a:defRPr sz="1100">
+                      <a:solidFill>
+                        <a:schemeClr val="lt1"/>
+                      </a:solidFill>
+                      <a:latin typeface="+mn-lt"/>
+                      <a:ea typeface="+mn-ea"/>
+                      <a:cs typeface="+mn-cs"/>
+                    </a:defRPr>
+                  </a:lvl3pPr>
+                  <a:lvl4pPr marL="1371600" indent="0">
+                    <a:defRPr sz="1100">
+                      <a:solidFill>
+                        <a:schemeClr val="lt1"/>
+                      </a:solidFill>
+                      <a:latin typeface="+mn-lt"/>
+                      <a:ea typeface="+mn-ea"/>
+                      <a:cs typeface="+mn-cs"/>
+                    </a:defRPr>
+                  </a:lvl4pPr>
+                  <a:lvl5pPr marL="1828800" indent="0">
+                    <a:defRPr sz="1100">
+                      <a:solidFill>
+                        <a:schemeClr val="lt1"/>
+                      </a:solidFill>
+                      <a:latin typeface="+mn-lt"/>
+                      <a:ea typeface="+mn-ea"/>
+                      <a:cs typeface="+mn-cs"/>
+                    </a:defRPr>
+                  </a:lvl5pPr>
+                  <a:lvl6pPr marL="2286000" indent="0">
+                    <a:defRPr sz="1100">
+                      <a:solidFill>
+                        <a:schemeClr val="lt1"/>
+                      </a:solidFill>
+                      <a:latin typeface="+mn-lt"/>
+                      <a:ea typeface="+mn-ea"/>
+                      <a:cs typeface="+mn-cs"/>
+                    </a:defRPr>
+                  </a:lvl6pPr>
+                  <a:lvl7pPr marL="2743200" indent="0">
+                    <a:defRPr sz="1100">
+                      <a:solidFill>
+                        <a:schemeClr val="lt1"/>
+                      </a:solidFill>
+                      <a:latin typeface="+mn-lt"/>
+                      <a:ea typeface="+mn-ea"/>
+                      <a:cs typeface="+mn-cs"/>
+                    </a:defRPr>
+                  </a:lvl7pPr>
+                  <a:lvl8pPr marL="3200400" indent="0">
+                    <a:defRPr sz="1100">
+                      <a:solidFill>
+                        <a:schemeClr val="lt1"/>
+                      </a:solidFill>
+                      <a:latin typeface="+mn-lt"/>
+                      <a:ea typeface="+mn-ea"/>
+                      <a:cs typeface="+mn-cs"/>
+                    </a:defRPr>
+                  </a:lvl8pPr>
+                  <a:lvl9pPr marL="3657600" indent="0">
+                    <a:defRPr sz="1100">
+                      <a:solidFill>
+                        <a:schemeClr val="lt1"/>
+                      </a:solidFill>
+                      <a:latin typeface="+mn-lt"/>
+                      <a:ea typeface="+mn-ea"/>
+                      <a:cs typeface="+mn-cs"/>
+                    </a:defRPr>
+                  </a:lvl9pPr>
+                </a:lstStyle>
+                <a:p>
+                  <a:pPr algn="ctr"/>
+                  <a:r>
+                    <a:rPr lang="ja-JP" altLang="en-US" sz="900">
+                      <a:solidFill>
+                        <a:sysClr val="windowText" lastClr="000000"/>
+                      </a:solidFill>
+                      <a:latin typeface="MS UI Gothic" panose="020B0600070205080204" pitchFamily="50" charset="-128"/>
+                      <a:ea typeface="MS UI Gothic" panose="020B0600070205080204" pitchFamily="50" charset="-128"/>
+                    </a:rPr>
+                    <a:t>リンクを押下</a:t>
+                  </a:r>
+                  <a:endParaRPr kumimoji="1" lang="ja-JP" altLang="en-US" sz="900">
+                    <a:solidFill>
+                      <a:sysClr val="windowText" lastClr="000000"/>
+                    </a:solidFill>
+                    <a:latin typeface="MS UI Gothic" panose="020B0600070205080204" pitchFamily="50" charset="-128"/>
+                    <a:ea typeface="MS UI Gothic" panose="020B0600070205080204" pitchFamily="50" charset="-128"/>
+                  </a:endParaRPr>
+                </a:p>
+              </p:txBody>
+            </p:sp>
+            <p:sp>
+              <p:nvSpPr>
+                <p:cNvPr id="20" name="フローチャート : 定義済み処理 27"/>
+                <p:cNvSpPr/>
+                <p:nvPr/>
+              </p:nvSpPr>
+              <p:spPr>
+                <a:xfrm>
+                  <a:off x="8725162" y="1756486"/>
+                  <a:ext cx="1243949" cy="432339"/>
+                </a:xfrm>
+                <a:prstGeom prst="flowChartPredefinedProcess">
+                  <a:avLst/>
+                </a:prstGeom>
+                <a:solidFill>
+                  <a:sysClr val="window" lastClr="FFFFFF"/>
+                </a:solidFill>
+                <a:ln>
+                  <a:solidFill>
+                    <a:sysClr val="windowText" lastClr="000000"/>
+                  </a:solidFill>
+                </a:ln>
+              </p:spPr>
+              <p:style>
+                <a:lnRef idx="2">
+                  <a:schemeClr val="accent1">
+                    <a:shade val="50000"/>
+                  </a:schemeClr>
+                </a:lnRef>
+                <a:fillRef idx="1">
+                  <a:schemeClr val="accent1"/>
+                </a:fillRef>
+                <a:effectRef idx="0">
+                  <a:schemeClr val="accent1"/>
+                </a:effectRef>
+                <a:fontRef idx="minor">
+                  <a:schemeClr val="lt1"/>
+                </a:fontRef>
+              </p:style>
+              <p:txBody>
+                <a:bodyPr wrap="square" rtlCol="0" anchor="ctr"/>
+                <a:lstStyle>
+                  <a:lvl1pPr marL="0" indent="0">
+                    <a:defRPr sz="1100">
+                      <a:solidFill>
+                        <a:schemeClr val="lt1"/>
+                      </a:solidFill>
+                      <a:latin typeface="+mn-lt"/>
+                      <a:ea typeface="+mn-ea"/>
+                      <a:cs typeface="+mn-cs"/>
+                    </a:defRPr>
+                  </a:lvl1pPr>
+                  <a:lvl2pPr marL="457200" indent="0">
+                    <a:defRPr sz="1100">
+                      <a:solidFill>
+                        <a:schemeClr val="lt1"/>
+                      </a:solidFill>
+                      <a:latin typeface="+mn-lt"/>
+                      <a:ea typeface="+mn-ea"/>
+                      <a:cs typeface="+mn-cs"/>
+                    </a:defRPr>
+                  </a:lvl2pPr>
+                  <a:lvl3pPr marL="914400" indent="0">
+                    <a:defRPr sz="1100">
+                      <a:solidFill>
+                        <a:schemeClr val="lt1"/>
+                      </a:solidFill>
+                      <a:latin typeface="+mn-lt"/>
+                      <a:ea typeface="+mn-ea"/>
+                      <a:cs typeface="+mn-cs"/>
+                    </a:defRPr>
+                  </a:lvl3pPr>
+                  <a:lvl4pPr marL="1371600" indent="0">
+                    <a:defRPr sz="1100">
+                      <a:solidFill>
+                        <a:schemeClr val="lt1"/>
+                      </a:solidFill>
+                      <a:latin typeface="+mn-lt"/>
+                      <a:ea typeface="+mn-ea"/>
+                      <a:cs typeface="+mn-cs"/>
+                    </a:defRPr>
+                  </a:lvl4pPr>
+                  <a:lvl5pPr marL="1828800" indent="0">
+                    <a:defRPr sz="1100">
+                      <a:solidFill>
+                        <a:schemeClr val="lt1"/>
+                      </a:solidFill>
+                      <a:latin typeface="+mn-lt"/>
+                      <a:ea typeface="+mn-ea"/>
+                      <a:cs typeface="+mn-cs"/>
+                    </a:defRPr>
+                  </a:lvl5pPr>
+                  <a:lvl6pPr marL="2286000" indent="0">
+                    <a:defRPr sz="1100">
+                      <a:solidFill>
+                        <a:schemeClr val="lt1"/>
+                      </a:solidFill>
+                      <a:latin typeface="+mn-lt"/>
+                      <a:ea typeface="+mn-ea"/>
+                      <a:cs typeface="+mn-cs"/>
+                    </a:defRPr>
+                  </a:lvl6pPr>
+                  <a:lvl7pPr marL="2743200" indent="0">
+                    <a:defRPr sz="1100">
+                      <a:solidFill>
+                        <a:schemeClr val="lt1"/>
+                      </a:solidFill>
+                      <a:latin typeface="+mn-lt"/>
+                      <a:ea typeface="+mn-ea"/>
+                      <a:cs typeface="+mn-cs"/>
+                    </a:defRPr>
+                  </a:lvl7pPr>
+                  <a:lvl8pPr marL="3200400" indent="0">
+                    <a:defRPr sz="1100">
+                      <a:solidFill>
+                        <a:schemeClr val="lt1"/>
+                      </a:solidFill>
+                      <a:latin typeface="+mn-lt"/>
+                      <a:ea typeface="+mn-ea"/>
+                      <a:cs typeface="+mn-cs"/>
+                    </a:defRPr>
+                  </a:lvl8pPr>
+                  <a:lvl9pPr marL="3657600" indent="0">
+                    <a:defRPr sz="1100">
+                      <a:solidFill>
+                        <a:schemeClr val="lt1"/>
+                      </a:solidFill>
+                      <a:latin typeface="+mn-lt"/>
+                      <a:ea typeface="+mn-ea"/>
+                      <a:cs typeface="+mn-cs"/>
+                    </a:defRPr>
+                  </a:lvl9pPr>
+                </a:lstStyle>
+                <a:p>
+                  <a:pPr algn="ctr"/>
+                  <a:r>
+                    <a:rPr lang="ja-JP" altLang="en-US" sz="900">
+                      <a:solidFill>
+                        <a:sysClr val="windowText" lastClr="000000"/>
+                      </a:solidFill>
+                      <a:latin typeface="MS UI Gothic" panose="020B0600070205080204" pitchFamily="50" charset="-128"/>
+                      <a:ea typeface="MS UI Gothic" panose="020B0600070205080204" pitchFamily="50" charset="-128"/>
+                    </a:rPr>
+                    <a:t>別ウィンドウを</a:t>
+                  </a:r>
+                  <a:endParaRPr lang="en-US" altLang="ja-JP" sz="900">
+                    <a:solidFill>
+                      <a:sysClr val="windowText" lastClr="000000"/>
+                    </a:solidFill>
+                    <a:latin typeface="MS UI Gothic" panose="020B0600070205080204" pitchFamily="50" charset="-128"/>
+                    <a:ea typeface="MS UI Gothic" panose="020B0600070205080204" pitchFamily="50" charset="-128"/>
+                  </a:endParaRPr>
+                </a:p>
+                <a:p>
+                  <a:pPr algn="ctr"/>
+                  <a:r>
+                    <a:rPr lang="ja-JP" altLang="en-US" sz="900">
+                      <a:solidFill>
+                        <a:sysClr val="windowText" lastClr="000000"/>
+                      </a:solidFill>
+                      <a:latin typeface="MS UI Gothic" panose="020B0600070205080204" pitchFamily="50" charset="-128"/>
+                      <a:ea typeface="MS UI Gothic" panose="020B0600070205080204" pitchFamily="50" charset="-128"/>
+                    </a:rPr>
+                    <a:t>表示</a:t>
+                  </a:r>
+                  <a:endParaRPr kumimoji="1" lang="en-US" altLang="ja-JP" sz="900">
+                    <a:solidFill>
+                      <a:sysClr val="windowText" lastClr="000000"/>
+                    </a:solidFill>
+                    <a:latin typeface="MS UI Gothic" panose="020B0600070205080204" pitchFamily="50" charset="-128"/>
+                    <a:ea typeface="MS UI Gothic" panose="020B0600070205080204" pitchFamily="50" charset="-128"/>
+                  </a:endParaRPr>
+                </a:p>
+              </p:txBody>
+            </p:sp>
+            <p:sp>
+              <p:nvSpPr>
+                <p:cNvPr id="27" name="フローチャート : 磁気ディスク 1"/>
+                <p:cNvSpPr/>
+                <p:nvPr/>
+              </p:nvSpPr>
+              <p:spPr>
+                <a:xfrm>
+                  <a:off x="600475" y="2476136"/>
+                  <a:ext cx="1261003" cy="443139"/>
+                </a:xfrm>
+                <a:prstGeom prst="flowChartMagneticDisk">
+                  <a:avLst/>
+                </a:prstGeom>
+                <a:solidFill>
+                  <a:sysClr val="window" lastClr="FFFFFF"/>
+                </a:solidFill>
+                <a:ln>
+                  <a:solidFill>
+                    <a:sysClr val="windowText" lastClr="000000"/>
+                  </a:solidFill>
+                </a:ln>
+              </p:spPr>
+              <p:style>
+                <a:lnRef idx="2">
+                  <a:schemeClr val="accent1">
+                    <a:shade val="50000"/>
+                  </a:schemeClr>
+                </a:lnRef>
+                <a:fillRef idx="1">
+                  <a:schemeClr val="accent1"/>
+                </a:fillRef>
+                <a:effectRef idx="0">
+                  <a:schemeClr val="accent1"/>
+                </a:effectRef>
+                <a:fontRef idx="minor">
+                  <a:schemeClr val="lt1"/>
+                </a:fontRef>
+              </p:style>
+              <p:txBody>
+                <a:bodyPr wrap="square" rtlCol="0" anchor="t"/>
+                <a:lstStyle>
+                  <a:lvl1pPr marL="0" indent="0">
+                    <a:defRPr sz="1100">
+                      <a:solidFill>
+                        <a:schemeClr val="lt1"/>
+                      </a:solidFill>
+                      <a:latin typeface="+mn-lt"/>
+                      <a:ea typeface="+mn-ea"/>
+                      <a:cs typeface="+mn-cs"/>
+                    </a:defRPr>
+                  </a:lvl1pPr>
+                  <a:lvl2pPr marL="457200" indent="0">
+                    <a:defRPr sz="1100">
+                      <a:solidFill>
+                        <a:schemeClr val="lt1"/>
+                      </a:solidFill>
+                      <a:latin typeface="+mn-lt"/>
+                      <a:ea typeface="+mn-ea"/>
+                      <a:cs typeface="+mn-cs"/>
+                    </a:defRPr>
+                  </a:lvl2pPr>
+                  <a:lvl3pPr marL="914400" indent="0">
+                    <a:defRPr sz="1100">
+                      <a:solidFill>
+                        <a:schemeClr val="lt1"/>
+                      </a:solidFill>
+                      <a:latin typeface="+mn-lt"/>
+                      <a:ea typeface="+mn-ea"/>
+                      <a:cs typeface="+mn-cs"/>
+                    </a:defRPr>
+                  </a:lvl3pPr>
+                  <a:lvl4pPr marL="1371600" indent="0">
+                    <a:defRPr sz="1100">
+                      <a:solidFill>
+                        <a:schemeClr val="lt1"/>
+                      </a:solidFill>
+                      <a:latin typeface="+mn-lt"/>
+                      <a:ea typeface="+mn-ea"/>
+                      <a:cs typeface="+mn-cs"/>
+                    </a:defRPr>
+                  </a:lvl4pPr>
+                  <a:lvl5pPr marL="1828800" indent="0">
+                    <a:defRPr sz="1100">
+                      <a:solidFill>
+                        <a:schemeClr val="lt1"/>
+                      </a:solidFill>
+                      <a:latin typeface="+mn-lt"/>
+                      <a:ea typeface="+mn-ea"/>
+                      <a:cs typeface="+mn-cs"/>
+                    </a:defRPr>
+                  </a:lvl5pPr>
+                  <a:lvl6pPr marL="2286000" indent="0">
+                    <a:defRPr sz="1100">
+                      <a:solidFill>
+                        <a:schemeClr val="lt1"/>
+                      </a:solidFill>
+                      <a:latin typeface="+mn-lt"/>
+                      <a:ea typeface="+mn-ea"/>
+                      <a:cs typeface="+mn-cs"/>
+                    </a:defRPr>
+                  </a:lvl6pPr>
+                  <a:lvl7pPr marL="2743200" indent="0">
+                    <a:defRPr sz="1100">
+                      <a:solidFill>
+                        <a:schemeClr val="lt1"/>
+                      </a:solidFill>
+                      <a:latin typeface="+mn-lt"/>
+                      <a:ea typeface="+mn-ea"/>
+                      <a:cs typeface="+mn-cs"/>
+                    </a:defRPr>
+                  </a:lvl7pPr>
+                  <a:lvl8pPr marL="3200400" indent="0">
+                    <a:defRPr sz="1100">
+                      <a:solidFill>
+                        <a:schemeClr val="lt1"/>
+                      </a:solidFill>
+                      <a:latin typeface="+mn-lt"/>
+                      <a:ea typeface="+mn-ea"/>
+                      <a:cs typeface="+mn-cs"/>
+                    </a:defRPr>
+                  </a:lvl8pPr>
+                  <a:lvl9pPr marL="3657600" indent="0">
+                    <a:defRPr sz="1100">
+                      <a:solidFill>
+                        <a:schemeClr val="lt1"/>
+                      </a:solidFill>
+                      <a:latin typeface="+mn-lt"/>
+                      <a:ea typeface="+mn-ea"/>
+                      <a:cs typeface="+mn-cs"/>
+                    </a:defRPr>
+                  </a:lvl9pPr>
+                </a:lstStyle>
+                <a:p>
+                  <a:pPr algn="ctr"/>
+                  <a:r>
+                    <a:rPr lang="ja-JP" altLang="en-US" sz="900" dirty="0" smtClean="0">
+                      <a:solidFill>
+                        <a:sysClr val="windowText" lastClr="000000"/>
+                      </a:solidFill>
+                      <a:latin typeface="MS UI Gothic" panose="020B0600070205080204" pitchFamily="50" charset="-128"/>
+                      <a:ea typeface="MS UI Gothic" panose="020B0600070205080204" pitchFamily="50" charset="-128"/>
+                    </a:rPr>
+                    <a:t>店名管理</a:t>
+                  </a:r>
+                  <a:r>
+                    <a:rPr kumimoji="1" lang="ja-JP" altLang="en-US" sz="900" dirty="0">
+                      <a:solidFill>
+                        <a:sysClr val="windowText" lastClr="000000"/>
+                      </a:solidFill>
+                      <a:latin typeface="MS UI Gothic" panose="020B0600070205080204" pitchFamily="50" charset="-128"/>
+                      <a:ea typeface="MS UI Gothic" panose="020B0600070205080204" pitchFamily="50" charset="-128"/>
+                    </a:rPr>
+                    <a:t>テーブル</a:t>
+                  </a:r>
+                </a:p>
+              </p:txBody>
+            </p:sp>
+            <p:sp>
+              <p:nvSpPr>
+                <p:cNvPr id="28" name="フローチャート : 磁気ディスク 1"/>
+                <p:cNvSpPr/>
+                <p:nvPr/>
+              </p:nvSpPr>
+              <p:spPr>
+                <a:xfrm>
+                  <a:off x="5837809" y="1489921"/>
+                  <a:ext cx="1261003" cy="443139"/>
+                </a:xfrm>
+                <a:prstGeom prst="flowChartMagneticDisk">
+                  <a:avLst/>
+                </a:prstGeom>
+                <a:solidFill>
+                  <a:sysClr val="window" lastClr="FFFFFF"/>
+                </a:solidFill>
+                <a:ln>
+                  <a:solidFill>
+                    <a:sysClr val="windowText" lastClr="000000"/>
+                  </a:solidFill>
+                </a:ln>
+              </p:spPr>
+              <p:style>
+                <a:lnRef idx="2">
+                  <a:schemeClr val="accent1">
+                    <a:shade val="50000"/>
+                  </a:schemeClr>
+                </a:lnRef>
+                <a:fillRef idx="1">
+                  <a:schemeClr val="accent1"/>
+                </a:fillRef>
+                <a:effectRef idx="0">
+                  <a:schemeClr val="accent1"/>
+                </a:effectRef>
+                <a:fontRef idx="minor">
+                  <a:schemeClr val="lt1"/>
+                </a:fontRef>
+              </p:style>
+              <p:txBody>
+                <a:bodyPr wrap="square" rtlCol="0" anchor="t"/>
+                <a:lstStyle>
+                  <a:lvl1pPr marL="0" indent="0">
+                    <a:defRPr sz="1100">
+                      <a:solidFill>
+                        <a:schemeClr val="lt1"/>
+                      </a:solidFill>
+                      <a:latin typeface="+mn-lt"/>
+                      <a:ea typeface="+mn-ea"/>
+                      <a:cs typeface="+mn-cs"/>
+                    </a:defRPr>
+                  </a:lvl1pPr>
+                  <a:lvl2pPr marL="457200" indent="0">
+                    <a:defRPr sz="1100">
+                      <a:solidFill>
+                        <a:schemeClr val="lt1"/>
+                      </a:solidFill>
+                      <a:latin typeface="+mn-lt"/>
+                      <a:ea typeface="+mn-ea"/>
+                      <a:cs typeface="+mn-cs"/>
+                    </a:defRPr>
+                  </a:lvl2pPr>
+                  <a:lvl3pPr marL="914400" indent="0">
+                    <a:defRPr sz="1100">
+                      <a:solidFill>
+                        <a:schemeClr val="lt1"/>
+                      </a:solidFill>
+                      <a:latin typeface="+mn-lt"/>
+                      <a:ea typeface="+mn-ea"/>
+                      <a:cs typeface="+mn-cs"/>
+                    </a:defRPr>
+                  </a:lvl3pPr>
+                  <a:lvl4pPr marL="1371600" indent="0">
+                    <a:defRPr sz="1100">
+                      <a:solidFill>
+                        <a:schemeClr val="lt1"/>
+                      </a:solidFill>
+                      <a:latin typeface="+mn-lt"/>
+                      <a:ea typeface="+mn-ea"/>
+                      <a:cs typeface="+mn-cs"/>
+                    </a:defRPr>
+                  </a:lvl4pPr>
+                  <a:lvl5pPr marL="1828800" indent="0">
+                    <a:defRPr sz="1100">
+                      <a:solidFill>
+                        <a:schemeClr val="lt1"/>
+                      </a:solidFill>
+                      <a:latin typeface="+mn-lt"/>
+                      <a:ea typeface="+mn-ea"/>
+                      <a:cs typeface="+mn-cs"/>
+                    </a:defRPr>
+                  </a:lvl5pPr>
+                  <a:lvl6pPr marL="2286000" indent="0">
+                    <a:defRPr sz="1100">
+                      <a:solidFill>
+                        <a:schemeClr val="lt1"/>
+                      </a:solidFill>
+                      <a:latin typeface="+mn-lt"/>
+                      <a:ea typeface="+mn-ea"/>
+                      <a:cs typeface="+mn-cs"/>
+                    </a:defRPr>
+                  </a:lvl6pPr>
+                  <a:lvl7pPr marL="2743200" indent="0">
+                    <a:defRPr sz="1100">
+                      <a:solidFill>
+                        <a:schemeClr val="lt1"/>
+                      </a:solidFill>
+                      <a:latin typeface="+mn-lt"/>
+                      <a:ea typeface="+mn-ea"/>
+                      <a:cs typeface="+mn-cs"/>
+                    </a:defRPr>
+                  </a:lvl7pPr>
+                  <a:lvl8pPr marL="3200400" indent="0">
+                    <a:defRPr sz="1100">
+                      <a:solidFill>
+                        <a:schemeClr val="lt1"/>
+                      </a:solidFill>
+                      <a:latin typeface="+mn-lt"/>
+                      <a:ea typeface="+mn-ea"/>
+                      <a:cs typeface="+mn-cs"/>
+                    </a:defRPr>
+                  </a:lvl8pPr>
+                  <a:lvl9pPr marL="3657600" indent="0">
+                    <a:defRPr sz="1100">
+                      <a:solidFill>
+                        <a:schemeClr val="lt1"/>
+                      </a:solidFill>
+                      <a:latin typeface="+mn-lt"/>
+                      <a:ea typeface="+mn-ea"/>
+                      <a:cs typeface="+mn-cs"/>
+                    </a:defRPr>
+                  </a:lvl9pPr>
+                </a:lstStyle>
+                <a:p>
+                  <a:pPr algn="ctr"/>
+                  <a:r>
+                    <a:rPr lang="ja-JP" altLang="en-US" sz="900" dirty="0">
+                      <a:solidFill>
+                        <a:sysClr val="windowText" lastClr="000000"/>
+                      </a:solidFill>
+                      <a:latin typeface="MS UI Gothic" panose="020B0600070205080204" pitchFamily="50" charset="-128"/>
+                      <a:ea typeface="MS UI Gothic" panose="020B0600070205080204" pitchFamily="50" charset="-128"/>
+                    </a:rPr>
+                    <a:t>コメント</a:t>
+                  </a:r>
+                  <a:r>
+                    <a:rPr lang="ja-JP" altLang="en-US" sz="900" dirty="0" smtClean="0">
+                      <a:solidFill>
+                        <a:sysClr val="windowText" lastClr="000000"/>
+                      </a:solidFill>
+                      <a:latin typeface="MS UI Gothic" panose="020B0600070205080204" pitchFamily="50" charset="-128"/>
+                      <a:ea typeface="MS UI Gothic" panose="020B0600070205080204" pitchFamily="50" charset="-128"/>
+                    </a:rPr>
+                    <a:t>管理</a:t>
+                  </a:r>
+                  <a:r>
+                    <a:rPr kumimoji="1" lang="ja-JP" altLang="en-US" sz="900" dirty="0">
+                      <a:solidFill>
+                        <a:sysClr val="windowText" lastClr="000000"/>
+                      </a:solidFill>
+                      <a:latin typeface="MS UI Gothic" panose="020B0600070205080204" pitchFamily="50" charset="-128"/>
+                      <a:ea typeface="MS UI Gothic" panose="020B0600070205080204" pitchFamily="50" charset="-128"/>
+                    </a:rPr>
+                    <a:t>テーブル</a:t>
+                  </a:r>
+                </a:p>
+              </p:txBody>
+            </p:sp>
+            <p:cxnSp>
+              <p:nvCxnSpPr>
+                <p:cNvPr id="3" name="直線矢印コネクタ 2"/>
+                <p:cNvCxnSpPr>
+                  <a:stCxn id="4" idx="2"/>
+                  <a:endCxn id="5" idx="0"/>
+                </p:cNvCxnSpPr>
+                <p:nvPr/>
+              </p:nvCxnSpPr>
+              <p:spPr>
+                <a:xfrm>
+                  <a:off x="3030627" y="1470852"/>
+                  <a:ext cx="0" cy="285635"/>
+                </a:xfrm>
+                <a:prstGeom prst="straightConnector1">
+                  <a:avLst/>
+                </a:prstGeom>
+                <a:ln>
+                  <a:headEnd type="none"/>
+                  <a:tailEnd type="arrow"/>
+                </a:ln>
+              </p:spPr>
+              <p:style>
+                <a:lnRef idx="1">
+                  <a:schemeClr val="dk1"/>
+                </a:lnRef>
+                <a:fillRef idx="0">
+                  <a:schemeClr val="dk1"/>
+                </a:fillRef>
+                <a:effectRef idx="0">
+                  <a:schemeClr val="dk1"/>
+                </a:effectRef>
+                <a:fontRef idx="minor">
+                  <a:schemeClr val="tx1"/>
+                </a:fontRef>
+              </p:style>
+            </p:cxnSp>
+            <p:cxnSp>
+              <p:nvCxnSpPr>
+                <p:cNvPr id="32" name="直線矢印コネクタ 31"/>
+                <p:cNvCxnSpPr>
+                  <a:stCxn id="5" idx="2"/>
+                  <a:endCxn id="6" idx="0"/>
+                </p:cNvCxnSpPr>
+                <p:nvPr/>
+              </p:nvCxnSpPr>
+              <p:spPr>
+                <a:xfrm flipH="1">
+                  <a:off x="3030626" y="2188826"/>
+                  <a:ext cx="1" cy="285635"/>
+                </a:xfrm>
+                <a:prstGeom prst="straightConnector1">
+                  <a:avLst/>
+                </a:prstGeom>
+                <a:ln>
+                  <a:headEnd type="none"/>
+                  <a:tailEnd type="arrow"/>
+                </a:ln>
+              </p:spPr>
+              <p:style>
+                <a:lnRef idx="1">
+                  <a:schemeClr val="dk1"/>
+                </a:lnRef>
+                <a:fillRef idx="0">
+                  <a:schemeClr val="dk1"/>
+                </a:fillRef>
+                <a:effectRef idx="0">
+                  <a:schemeClr val="dk1"/>
+                </a:effectRef>
+                <a:fontRef idx="minor">
+                  <a:schemeClr val="tx1"/>
+                </a:fontRef>
+              </p:style>
+            </p:cxnSp>
+            <p:cxnSp>
+              <p:nvCxnSpPr>
+                <p:cNvPr id="35" name="直線矢印コネクタ 34"/>
+                <p:cNvCxnSpPr>
+                  <a:stCxn id="6" idx="2"/>
+                  <a:endCxn id="9" idx="0"/>
+                </p:cNvCxnSpPr>
+                <p:nvPr/>
+              </p:nvCxnSpPr>
+              <p:spPr>
+                <a:xfrm flipH="1">
+                  <a:off x="3030217" y="2906800"/>
+                  <a:ext cx="409" cy="328353"/>
+                </a:xfrm>
+                <a:prstGeom prst="straightConnector1">
+                  <a:avLst/>
+                </a:prstGeom>
+                <a:ln>
+                  <a:headEnd type="none"/>
+                  <a:tailEnd type="arrow"/>
+                </a:ln>
+              </p:spPr>
+              <p:style>
+                <a:lnRef idx="1">
+                  <a:schemeClr val="dk1"/>
+                </a:lnRef>
+                <a:fillRef idx="0">
+                  <a:schemeClr val="dk1"/>
+                </a:fillRef>
+                <a:effectRef idx="0">
+                  <a:schemeClr val="dk1"/>
+                </a:effectRef>
+                <a:fontRef idx="minor">
+                  <a:schemeClr val="tx1"/>
+                </a:fontRef>
+              </p:style>
+            </p:cxnSp>
+            <p:cxnSp>
+              <p:nvCxnSpPr>
+                <p:cNvPr id="38" name="直線矢印コネクタ 37"/>
+                <p:cNvCxnSpPr>
+                  <a:stCxn id="27" idx="4"/>
+                  <a:endCxn id="6" idx="1"/>
+                </p:cNvCxnSpPr>
+                <p:nvPr/>
+              </p:nvCxnSpPr>
+              <p:spPr>
+                <a:xfrm flipV="1">
+                  <a:off x="1861478" y="2690631"/>
+                  <a:ext cx="547173" cy="7075"/>
+                </a:xfrm>
+                <a:prstGeom prst="straightConnector1">
+                  <a:avLst/>
+                </a:prstGeom>
+                <a:ln>
+                  <a:headEnd type="none"/>
+                  <a:tailEnd type="arrow"/>
+                </a:ln>
+              </p:spPr>
+              <p:style>
+                <a:lnRef idx="1">
+                  <a:schemeClr val="dk1"/>
+                </a:lnRef>
+                <a:fillRef idx="0">
+                  <a:schemeClr val="dk1"/>
+                </a:fillRef>
+                <a:effectRef idx="0">
+                  <a:schemeClr val="dk1"/>
+                </a:effectRef>
+                <a:fontRef idx="minor">
+                  <a:schemeClr val="tx1"/>
+                </a:fontRef>
+              </p:style>
+            </p:cxnSp>
+            <p:cxnSp>
+              <p:nvCxnSpPr>
+                <p:cNvPr id="41" name="直線矢印コネクタ 40"/>
+                <p:cNvCxnSpPr/>
+                <p:nvPr/>
+              </p:nvCxnSpPr>
+              <p:spPr>
+                <a:xfrm flipH="1">
+                  <a:off x="1860660" y="2584606"/>
+                  <a:ext cx="547173" cy="7075"/>
+                </a:xfrm>
+                <a:prstGeom prst="straightConnector1">
+                  <a:avLst/>
+                </a:prstGeom>
+                <a:ln>
+                  <a:headEnd type="none"/>
+                  <a:tailEnd type="arrow"/>
+                </a:ln>
+              </p:spPr>
+              <p:style>
+                <a:lnRef idx="1">
+                  <a:schemeClr val="dk1"/>
+                </a:lnRef>
+                <a:fillRef idx="0">
+                  <a:schemeClr val="dk1"/>
+                </a:fillRef>
+                <a:effectRef idx="0">
+                  <a:schemeClr val="dk1"/>
+                </a:effectRef>
+                <a:fontRef idx="minor">
+                  <a:schemeClr val="tx1"/>
+                </a:fontRef>
+              </p:style>
+            </p:cxnSp>
+            <p:cxnSp>
+              <p:nvCxnSpPr>
+                <p:cNvPr id="64" name="直線矢印コネクタ 63"/>
+                <p:cNvCxnSpPr>
+                  <a:stCxn id="19" idx="2"/>
+                  <a:endCxn id="20" idx="0"/>
+                </p:cNvCxnSpPr>
+                <p:nvPr/>
+              </p:nvCxnSpPr>
+              <p:spPr>
+                <a:xfrm flipH="1">
+                  <a:off x="9347137" y="1465690"/>
+                  <a:ext cx="409" cy="290796"/>
+                </a:xfrm>
+                <a:prstGeom prst="straightConnector1">
+                  <a:avLst/>
+                </a:prstGeom>
+                <a:ln>
+                  <a:headEnd type="none"/>
+                  <a:tailEnd type="arrow"/>
+                </a:ln>
+              </p:spPr>
+              <p:style>
+                <a:lnRef idx="1">
+                  <a:schemeClr val="dk1"/>
+                </a:lnRef>
+                <a:fillRef idx="0">
+                  <a:schemeClr val="dk1"/>
+                </a:fillRef>
+                <a:effectRef idx="0">
+                  <a:schemeClr val="dk1"/>
+                </a:effectRef>
+                <a:fontRef idx="minor">
+                  <a:schemeClr val="tx1"/>
+                </a:fontRef>
+              </p:style>
+            </p:cxnSp>
+            <p:sp>
+              <p:nvSpPr>
+                <p:cNvPr id="76" name="フローチャート : 定義済み処理 27"/>
+                <p:cNvSpPr/>
+                <p:nvPr/>
+              </p:nvSpPr>
+              <p:spPr>
+                <a:xfrm>
+                  <a:off x="4501905" y="1670761"/>
+                  <a:ext cx="1243949" cy="432339"/>
+                </a:xfrm>
+                <a:prstGeom prst="flowChartPredefinedProcess">
+                  <a:avLst/>
+                </a:prstGeom>
+                <a:solidFill>
+                  <a:sysClr val="window" lastClr="FFFFFF"/>
+                </a:solidFill>
+                <a:ln>
+                  <a:solidFill>
+                    <a:sysClr val="windowText" lastClr="000000"/>
+                  </a:solidFill>
+                </a:ln>
+              </p:spPr>
+              <p:style>
+                <a:lnRef idx="2">
+                  <a:schemeClr val="accent1">
+                    <a:shade val="50000"/>
+                  </a:schemeClr>
+                </a:lnRef>
+                <a:fillRef idx="1">
+                  <a:schemeClr val="accent1"/>
+                </a:fillRef>
+                <a:effectRef idx="0">
+                  <a:schemeClr val="accent1"/>
+                </a:effectRef>
+                <a:fontRef idx="minor">
+                  <a:schemeClr val="lt1"/>
+                </a:fontRef>
+              </p:style>
+              <p:txBody>
+                <a:bodyPr wrap="square" rtlCol="0" anchor="ctr"/>
+                <a:lstStyle>
+                  <a:lvl1pPr marL="0" indent="0">
+                    <a:defRPr sz="1100">
+                      <a:solidFill>
+                        <a:schemeClr val="lt1"/>
+                      </a:solidFill>
+                      <a:latin typeface="+mn-lt"/>
+                      <a:ea typeface="+mn-ea"/>
+                      <a:cs typeface="+mn-cs"/>
+                    </a:defRPr>
+                  </a:lvl1pPr>
+                  <a:lvl2pPr marL="457200" indent="0">
+                    <a:defRPr sz="1100">
+                      <a:solidFill>
+                        <a:schemeClr val="lt1"/>
+                      </a:solidFill>
+                      <a:latin typeface="+mn-lt"/>
+                      <a:ea typeface="+mn-ea"/>
+                      <a:cs typeface="+mn-cs"/>
+                    </a:defRPr>
+                  </a:lvl2pPr>
+                  <a:lvl3pPr marL="914400" indent="0">
+                    <a:defRPr sz="1100">
+                      <a:solidFill>
+                        <a:schemeClr val="lt1"/>
+                      </a:solidFill>
+                      <a:latin typeface="+mn-lt"/>
+                      <a:ea typeface="+mn-ea"/>
+                      <a:cs typeface="+mn-cs"/>
+                    </a:defRPr>
+                  </a:lvl3pPr>
+                  <a:lvl4pPr marL="1371600" indent="0">
+                    <a:defRPr sz="1100">
+                      <a:solidFill>
+                        <a:schemeClr val="lt1"/>
+                      </a:solidFill>
+                      <a:latin typeface="+mn-lt"/>
+                      <a:ea typeface="+mn-ea"/>
+                      <a:cs typeface="+mn-cs"/>
+                    </a:defRPr>
+                  </a:lvl4pPr>
+                  <a:lvl5pPr marL="1828800" indent="0">
+                    <a:defRPr sz="1100">
+                      <a:solidFill>
+                        <a:schemeClr val="lt1"/>
+                      </a:solidFill>
+                      <a:latin typeface="+mn-lt"/>
+                      <a:ea typeface="+mn-ea"/>
+                      <a:cs typeface="+mn-cs"/>
+                    </a:defRPr>
+                  </a:lvl5pPr>
+                  <a:lvl6pPr marL="2286000" indent="0">
+                    <a:defRPr sz="1100">
+                      <a:solidFill>
+                        <a:schemeClr val="lt1"/>
+                      </a:solidFill>
+                      <a:latin typeface="+mn-lt"/>
+                      <a:ea typeface="+mn-ea"/>
+                      <a:cs typeface="+mn-cs"/>
+                    </a:defRPr>
+                  </a:lvl6pPr>
+                  <a:lvl7pPr marL="2743200" indent="0">
+                    <a:defRPr sz="1100">
+                      <a:solidFill>
+                        <a:schemeClr val="lt1"/>
+                      </a:solidFill>
+                      <a:latin typeface="+mn-lt"/>
+                      <a:ea typeface="+mn-ea"/>
+                      <a:cs typeface="+mn-cs"/>
+                    </a:defRPr>
+                  </a:lvl7pPr>
+                  <a:lvl8pPr marL="3200400" indent="0">
+                    <a:defRPr sz="1100">
+                      <a:solidFill>
+                        <a:schemeClr val="lt1"/>
+                      </a:solidFill>
+                      <a:latin typeface="+mn-lt"/>
+                      <a:ea typeface="+mn-ea"/>
+                      <a:cs typeface="+mn-cs"/>
+                    </a:defRPr>
+                  </a:lvl8pPr>
+                  <a:lvl9pPr marL="3657600" indent="0">
+                    <a:defRPr sz="1100">
+                      <a:solidFill>
+                        <a:schemeClr val="lt1"/>
+                      </a:solidFill>
+                      <a:latin typeface="+mn-lt"/>
+                      <a:ea typeface="+mn-ea"/>
+                      <a:cs typeface="+mn-cs"/>
+                    </a:defRPr>
+                  </a:lvl9pPr>
+                </a:lstStyle>
+                <a:p>
+                  <a:pPr algn="ctr"/>
+                  <a:r>
+                    <a:rPr lang="ja-JP" altLang="en-US" sz="900" dirty="0" smtClean="0">
+                      <a:solidFill>
+                        <a:sysClr val="windowText" lastClr="000000"/>
+                      </a:solidFill>
+                      <a:latin typeface="MS UI Gothic" panose="020B0600070205080204" pitchFamily="50" charset="-128"/>
+                      <a:ea typeface="MS UI Gothic" panose="020B0600070205080204" pitchFamily="50" charset="-128"/>
+                    </a:rPr>
+                    <a:t>名前，コメント欄に入力</a:t>
+                  </a:r>
+                  <a:endParaRPr kumimoji="1" lang="en-US" altLang="ja-JP" sz="900" dirty="0">
+                    <a:solidFill>
+                      <a:sysClr val="windowText" lastClr="000000"/>
+                    </a:solidFill>
+                    <a:latin typeface="MS UI Gothic" panose="020B0600070205080204" pitchFamily="50" charset="-128"/>
+                    <a:ea typeface="MS UI Gothic" panose="020B0600070205080204" pitchFamily="50" charset="-128"/>
+                  </a:endParaRPr>
+                </a:p>
+              </p:txBody>
+            </p:sp>
+            <p:sp>
+              <p:nvSpPr>
+                <p:cNvPr id="78" name="フローチャート : 手操作入力 51"/>
+                <p:cNvSpPr/>
+                <p:nvPr/>
+              </p:nvSpPr>
+              <p:spPr>
+                <a:xfrm>
+                  <a:off x="4501068" y="2388736"/>
+                  <a:ext cx="1244767" cy="427177"/>
+                </a:xfrm>
+                <a:prstGeom prst="flowChartManualInput">
+                  <a:avLst/>
+                </a:prstGeom>
+                <a:solidFill>
+                  <a:sysClr val="window" lastClr="FFFFFF"/>
+                </a:solidFill>
+                <a:ln>
+                  <a:solidFill>
+                    <a:sysClr val="windowText" lastClr="000000"/>
+                  </a:solidFill>
+                </a:ln>
+              </p:spPr>
+              <p:style>
+                <a:lnRef idx="2">
+                  <a:schemeClr val="accent1">
+                    <a:shade val="50000"/>
+                  </a:schemeClr>
+                </a:lnRef>
+                <a:fillRef idx="1">
+                  <a:schemeClr val="accent1"/>
+                </a:fillRef>
+                <a:effectRef idx="0">
+                  <a:schemeClr val="accent1"/>
+                </a:effectRef>
+                <a:fontRef idx="minor">
+                  <a:schemeClr val="lt1"/>
+                </a:fontRef>
+              </p:style>
+              <p:txBody>
+                <a:bodyPr wrap="square" rtlCol="0" anchor="ctr"/>
+                <a:lstStyle>
+                  <a:lvl1pPr marL="0" indent="0">
+                    <a:defRPr sz="1100">
+                      <a:solidFill>
+                        <a:schemeClr val="lt1"/>
+                      </a:solidFill>
+                      <a:latin typeface="+mn-lt"/>
+                      <a:ea typeface="+mn-ea"/>
+                      <a:cs typeface="+mn-cs"/>
+                    </a:defRPr>
+                  </a:lvl1pPr>
+                  <a:lvl2pPr marL="457200" indent="0">
+                    <a:defRPr sz="1100">
+                      <a:solidFill>
+                        <a:schemeClr val="lt1"/>
+                      </a:solidFill>
+                      <a:latin typeface="+mn-lt"/>
+                      <a:ea typeface="+mn-ea"/>
+                      <a:cs typeface="+mn-cs"/>
+                    </a:defRPr>
+                  </a:lvl2pPr>
+                  <a:lvl3pPr marL="914400" indent="0">
+                    <a:defRPr sz="1100">
+                      <a:solidFill>
+                        <a:schemeClr val="lt1"/>
+                      </a:solidFill>
+                      <a:latin typeface="+mn-lt"/>
+                      <a:ea typeface="+mn-ea"/>
+                      <a:cs typeface="+mn-cs"/>
+                    </a:defRPr>
+                  </a:lvl3pPr>
+                  <a:lvl4pPr marL="1371600" indent="0">
+                    <a:defRPr sz="1100">
+                      <a:solidFill>
+                        <a:schemeClr val="lt1"/>
+                      </a:solidFill>
+                      <a:latin typeface="+mn-lt"/>
+                      <a:ea typeface="+mn-ea"/>
+                      <a:cs typeface="+mn-cs"/>
+                    </a:defRPr>
+                  </a:lvl4pPr>
+                  <a:lvl5pPr marL="1828800" indent="0">
+                    <a:defRPr sz="1100">
+                      <a:solidFill>
+                        <a:schemeClr val="lt1"/>
+                      </a:solidFill>
+                      <a:latin typeface="+mn-lt"/>
+                      <a:ea typeface="+mn-ea"/>
+                      <a:cs typeface="+mn-cs"/>
+                    </a:defRPr>
+                  </a:lvl5pPr>
+                  <a:lvl6pPr marL="2286000" indent="0">
+                    <a:defRPr sz="1100">
+                      <a:solidFill>
+                        <a:schemeClr val="lt1"/>
+                      </a:solidFill>
+                      <a:latin typeface="+mn-lt"/>
+                      <a:ea typeface="+mn-ea"/>
+                      <a:cs typeface="+mn-cs"/>
+                    </a:defRPr>
+                  </a:lvl6pPr>
+                  <a:lvl7pPr marL="2743200" indent="0">
+                    <a:defRPr sz="1100">
+                      <a:solidFill>
+                        <a:schemeClr val="lt1"/>
+                      </a:solidFill>
+                      <a:latin typeface="+mn-lt"/>
+                      <a:ea typeface="+mn-ea"/>
+                      <a:cs typeface="+mn-cs"/>
+                    </a:defRPr>
+                  </a:lvl7pPr>
+                  <a:lvl8pPr marL="3200400" indent="0">
+                    <a:defRPr sz="1100">
+                      <a:solidFill>
+                        <a:schemeClr val="lt1"/>
+                      </a:solidFill>
+                      <a:latin typeface="+mn-lt"/>
+                      <a:ea typeface="+mn-ea"/>
+                      <a:cs typeface="+mn-cs"/>
+                    </a:defRPr>
+                  </a:lvl8pPr>
+                  <a:lvl9pPr marL="3657600" indent="0">
+                    <a:defRPr sz="1100">
+                      <a:solidFill>
+                        <a:schemeClr val="lt1"/>
+                      </a:solidFill>
+                      <a:latin typeface="+mn-lt"/>
+                      <a:ea typeface="+mn-ea"/>
+                      <a:cs typeface="+mn-cs"/>
+                    </a:defRPr>
+                  </a:lvl9pPr>
+                </a:lstStyle>
+                <a:p>
+                  <a:pPr algn="ctr"/>
+                  <a:r>
+                    <a:rPr lang="ja-JP" altLang="en-US" sz="900" dirty="0" smtClean="0">
+                      <a:solidFill>
+                        <a:sysClr val="windowText" lastClr="000000"/>
+                      </a:solidFill>
+                      <a:latin typeface="MS UI Gothic" panose="020B0600070205080204" pitchFamily="50" charset="-128"/>
+                      <a:ea typeface="MS UI Gothic" panose="020B0600070205080204" pitchFamily="50" charset="-128"/>
+                    </a:rPr>
+                    <a:t>「</a:t>
+                  </a:r>
+                  <a:r>
+                    <a:rPr lang="ja-JP" altLang="en-US" sz="900" dirty="0">
+                      <a:solidFill>
+                        <a:sysClr val="windowText" lastClr="000000"/>
+                      </a:solidFill>
+                      <a:latin typeface="MS UI Gothic" panose="020B0600070205080204" pitchFamily="50" charset="-128"/>
+                      <a:ea typeface="MS UI Gothic" panose="020B0600070205080204" pitchFamily="50" charset="-128"/>
+                    </a:rPr>
+                    <a:t>投稿</a:t>
+                  </a:r>
+                  <a:r>
+                    <a:rPr lang="ja-JP" altLang="en-US" sz="900" dirty="0" smtClean="0">
+                      <a:solidFill>
+                        <a:sysClr val="windowText" lastClr="000000"/>
+                      </a:solidFill>
+                      <a:latin typeface="MS UI Gothic" panose="020B0600070205080204" pitchFamily="50" charset="-128"/>
+                      <a:ea typeface="MS UI Gothic" panose="020B0600070205080204" pitchFamily="50" charset="-128"/>
+                    </a:rPr>
+                    <a:t>する」ボタンを</a:t>
+                  </a:r>
+                  <a:endParaRPr lang="en-US" altLang="ja-JP" sz="900" dirty="0" smtClean="0">
+                    <a:solidFill>
+                      <a:sysClr val="windowText" lastClr="000000"/>
+                    </a:solidFill>
+                    <a:latin typeface="MS UI Gothic" panose="020B0600070205080204" pitchFamily="50" charset="-128"/>
+                    <a:ea typeface="MS UI Gothic" panose="020B0600070205080204" pitchFamily="50" charset="-128"/>
+                  </a:endParaRPr>
+                </a:p>
+                <a:p>
+                  <a:pPr algn="ctr"/>
+                  <a:r>
+                    <a:rPr lang="ja-JP" altLang="en-US" sz="900" dirty="0" smtClean="0">
+                      <a:solidFill>
+                        <a:sysClr val="windowText" lastClr="000000"/>
+                      </a:solidFill>
+                      <a:latin typeface="MS UI Gothic" panose="020B0600070205080204" pitchFamily="50" charset="-128"/>
+                      <a:ea typeface="MS UI Gothic" panose="020B0600070205080204" pitchFamily="50" charset="-128"/>
+                    </a:rPr>
+                    <a:t>押下</a:t>
+                  </a:r>
+                  <a:endParaRPr kumimoji="1" lang="ja-JP" altLang="en-US" sz="900" dirty="0">
+                    <a:solidFill>
+                      <a:sysClr val="windowText" lastClr="000000"/>
+                    </a:solidFill>
+                    <a:latin typeface="MS UI Gothic" panose="020B0600070205080204" pitchFamily="50" charset="-128"/>
+                    <a:ea typeface="MS UI Gothic" panose="020B0600070205080204" pitchFamily="50" charset="-128"/>
+                  </a:endParaRPr>
+                </a:p>
+              </p:txBody>
+            </p:sp>
+            <p:sp>
+              <p:nvSpPr>
+                <p:cNvPr id="91" name="フローチャート : 手操作入力 51"/>
+                <p:cNvSpPr/>
+                <p:nvPr/>
+              </p:nvSpPr>
+              <p:spPr>
+                <a:xfrm>
+                  <a:off x="4487958" y="3320298"/>
+                  <a:ext cx="1244767" cy="427177"/>
+                </a:xfrm>
+                <a:prstGeom prst="flowChartManualInput">
+                  <a:avLst/>
+                </a:prstGeom>
+                <a:solidFill>
+                  <a:sysClr val="window" lastClr="FFFFFF"/>
+                </a:solidFill>
+                <a:ln>
+                  <a:solidFill>
+                    <a:sysClr val="windowText" lastClr="000000"/>
+                  </a:solidFill>
+                </a:ln>
+              </p:spPr>
+              <p:style>
+                <a:lnRef idx="2">
+                  <a:schemeClr val="accent1">
+                    <a:shade val="50000"/>
+                  </a:schemeClr>
+                </a:lnRef>
+                <a:fillRef idx="1">
+                  <a:schemeClr val="accent1"/>
+                </a:fillRef>
+                <a:effectRef idx="0">
+                  <a:schemeClr val="accent1"/>
+                </a:effectRef>
+                <a:fontRef idx="minor">
+                  <a:schemeClr val="lt1"/>
+                </a:fontRef>
+              </p:style>
+              <p:txBody>
+                <a:bodyPr wrap="square" rtlCol="0" anchor="ctr"/>
+                <a:lstStyle>
+                  <a:lvl1pPr marL="0" indent="0">
+                    <a:defRPr sz="1100">
+                      <a:solidFill>
+                        <a:schemeClr val="lt1"/>
+                      </a:solidFill>
+                      <a:latin typeface="+mn-lt"/>
+                      <a:ea typeface="+mn-ea"/>
+                      <a:cs typeface="+mn-cs"/>
+                    </a:defRPr>
+                  </a:lvl1pPr>
+                  <a:lvl2pPr marL="457200" indent="0">
+                    <a:defRPr sz="1100">
+                      <a:solidFill>
+                        <a:schemeClr val="lt1"/>
+                      </a:solidFill>
+                      <a:latin typeface="+mn-lt"/>
+                      <a:ea typeface="+mn-ea"/>
+                      <a:cs typeface="+mn-cs"/>
+                    </a:defRPr>
+                  </a:lvl2pPr>
+                  <a:lvl3pPr marL="914400" indent="0">
+                    <a:defRPr sz="1100">
+                      <a:solidFill>
+                        <a:schemeClr val="lt1"/>
+                      </a:solidFill>
+                      <a:latin typeface="+mn-lt"/>
+                      <a:ea typeface="+mn-ea"/>
+                      <a:cs typeface="+mn-cs"/>
+                    </a:defRPr>
+                  </a:lvl3pPr>
+                  <a:lvl4pPr marL="1371600" indent="0">
+                    <a:defRPr sz="1100">
+                      <a:solidFill>
+                        <a:schemeClr val="lt1"/>
+                      </a:solidFill>
+                      <a:latin typeface="+mn-lt"/>
+                      <a:ea typeface="+mn-ea"/>
+                      <a:cs typeface="+mn-cs"/>
+                    </a:defRPr>
+                  </a:lvl4pPr>
+                  <a:lvl5pPr marL="1828800" indent="0">
+                    <a:defRPr sz="1100">
+                      <a:solidFill>
+                        <a:schemeClr val="lt1"/>
+                      </a:solidFill>
+                      <a:latin typeface="+mn-lt"/>
+                      <a:ea typeface="+mn-ea"/>
+                      <a:cs typeface="+mn-cs"/>
+                    </a:defRPr>
+                  </a:lvl5pPr>
+                  <a:lvl6pPr marL="2286000" indent="0">
+                    <a:defRPr sz="1100">
+                      <a:solidFill>
+                        <a:schemeClr val="lt1"/>
+                      </a:solidFill>
+                      <a:latin typeface="+mn-lt"/>
+                      <a:ea typeface="+mn-ea"/>
+                      <a:cs typeface="+mn-cs"/>
+                    </a:defRPr>
+                  </a:lvl6pPr>
+                  <a:lvl7pPr marL="2743200" indent="0">
+                    <a:defRPr sz="1100">
+                      <a:solidFill>
+                        <a:schemeClr val="lt1"/>
+                      </a:solidFill>
+                      <a:latin typeface="+mn-lt"/>
+                      <a:ea typeface="+mn-ea"/>
+                      <a:cs typeface="+mn-cs"/>
+                    </a:defRPr>
+                  </a:lvl7pPr>
+                  <a:lvl8pPr marL="3200400" indent="0">
+                    <a:defRPr sz="1100">
+                      <a:solidFill>
+                        <a:schemeClr val="lt1"/>
+                      </a:solidFill>
+                      <a:latin typeface="+mn-lt"/>
+                      <a:ea typeface="+mn-ea"/>
+                      <a:cs typeface="+mn-cs"/>
+                    </a:defRPr>
+                  </a:lvl8pPr>
+                  <a:lvl9pPr marL="3657600" indent="0">
+                    <a:defRPr sz="1100">
+                      <a:solidFill>
+                        <a:schemeClr val="lt1"/>
+                      </a:solidFill>
+                      <a:latin typeface="+mn-lt"/>
+                      <a:ea typeface="+mn-ea"/>
+                      <a:cs typeface="+mn-cs"/>
+                    </a:defRPr>
+                  </a:lvl9pPr>
+                </a:lstStyle>
+                <a:p>
+                  <a:pPr algn="ctr"/>
+                  <a:r>
+                    <a:rPr lang="ja-JP" altLang="en-US" sz="900" dirty="0" smtClean="0">
+                      <a:solidFill>
+                        <a:sysClr val="windowText" lastClr="000000"/>
+                      </a:solidFill>
+                      <a:latin typeface="MS UI Gothic" panose="020B0600070205080204" pitchFamily="50" charset="-128"/>
+                      <a:ea typeface="MS UI Gothic" panose="020B0600070205080204" pitchFamily="50" charset="-128"/>
+                    </a:rPr>
+                    <a:t>「コメント」以外の場所を押下</a:t>
+                  </a:r>
+                  <a:endParaRPr kumimoji="1" lang="ja-JP" altLang="en-US" sz="900" dirty="0">
+                    <a:solidFill>
+                      <a:sysClr val="windowText" lastClr="000000"/>
+                    </a:solidFill>
+                    <a:latin typeface="MS UI Gothic" panose="020B0600070205080204" pitchFamily="50" charset="-128"/>
+                    <a:ea typeface="MS UI Gothic" panose="020B0600070205080204" pitchFamily="50" charset="-128"/>
+                  </a:endParaRPr>
+                </a:p>
+              </p:txBody>
+            </p:sp>
+            <p:cxnSp>
+              <p:nvCxnSpPr>
+                <p:cNvPr id="104" name="直線矢印コネクタ 103"/>
+                <p:cNvCxnSpPr>
+                  <a:stCxn id="91" idx="2"/>
+                  <a:endCxn id="11" idx="0"/>
+                </p:cNvCxnSpPr>
+                <p:nvPr/>
+              </p:nvCxnSpPr>
+              <p:spPr>
+                <a:xfrm>
+                  <a:off x="5110342" y="3747475"/>
+                  <a:ext cx="409" cy="291598"/>
+                </a:xfrm>
+                <a:prstGeom prst="straightConnector1">
+                  <a:avLst/>
+                </a:prstGeom>
+                <a:ln>
+                  <a:headEnd type="none"/>
+                  <a:tailEnd type="arrow"/>
+                </a:ln>
+              </p:spPr>
+              <p:style>
+                <a:lnRef idx="1">
+                  <a:schemeClr val="dk1"/>
+                </a:lnRef>
+                <a:fillRef idx="0">
+                  <a:schemeClr val="dk1"/>
+                </a:fillRef>
+                <a:effectRef idx="0">
+                  <a:schemeClr val="dk1"/>
+                </a:effectRef>
+                <a:fontRef idx="minor">
+                  <a:schemeClr val="tx1"/>
+                </a:fontRef>
+              </p:style>
+            </p:cxnSp>
+            <p:cxnSp>
+              <p:nvCxnSpPr>
+                <p:cNvPr id="110" name="直線矢印コネクタ 109"/>
+                <p:cNvCxnSpPr>
+                  <a:stCxn id="10" idx="2"/>
+                  <a:endCxn id="76" idx="0"/>
+                </p:cNvCxnSpPr>
+                <p:nvPr/>
+              </p:nvCxnSpPr>
+              <p:spPr>
+                <a:xfrm flipH="1">
+                  <a:off x="5123880" y="1385127"/>
+                  <a:ext cx="1" cy="285634"/>
+                </a:xfrm>
+                <a:prstGeom prst="straightConnector1">
+                  <a:avLst/>
+                </a:prstGeom>
+                <a:ln>
+                  <a:headEnd type="none"/>
+                  <a:tailEnd type="arrow"/>
+                </a:ln>
+              </p:spPr>
+              <p:style>
+                <a:lnRef idx="1">
+                  <a:schemeClr val="dk1"/>
+                </a:lnRef>
+                <a:fillRef idx="0">
+                  <a:schemeClr val="dk1"/>
+                </a:fillRef>
+                <a:effectRef idx="0">
+                  <a:schemeClr val="dk1"/>
+                </a:effectRef>
+                <a:fontRef idx="minor">
+                  <a:schemeClr val="tx1"/>
+                </a:fontRef>
+              </p:style>
+            </p:cxnSp>
+            <p:cxnSp>
+              <p:nvCxnSpPr>
+                <p:cNvPr id="113" name="直線矢印コネクタ 112"/>
+                <p:cNvCxnSpPr>
+                  <a:stCxn id="76" idx="2"/>
+                  <a:endCxn id="78" idx="0"/>
+                </p:cNvCxnSpPr>
+                <p:nvPr/>
+              </p:nvCxnSpPr>
+              <p:spPr>
+                <a:xfrm flipH="1">
+                  <a:off x="5123452" y="2103100"/>
+                  <a:ext cx="428" cy="328354"/>
+                </a:xfrm>
+                <a:prstGeom prst="straightConnector1">
+                  <a:avLst/>
+                </a:prstGeom>
+                <a:ln>
+                  <a:headEnd type="none"/>
+                  <a:tailEnd type="arrow"/>
+                </a:ln>
+              </p:spPr>
+              <p:style>
+                <a:lnRef idx="1">
+                  <a:schemeClr val="dk1"/>
+                </a:lnRef>
+                <a:fillRef idx="0">
+                  <a:schemeClr val="dk1"/>
+                </a:fillRef>
+                <a:effectRef idx="0">
+                  <a:schemeClr val="dk1"/>
+                </a:effectRef>
+                <a:fontRef idx="minor">
+                  <a:schemeClr val="tx1"/>
+                </a:fontRef>
+              </p:style>
+            </p:cxnSp>
+            <p:cxnSp>
+              <p:nvCxnSpPr>
+                <p:cNvPr id="122" name="カギ線コネクタ 121"/>
+                <p:cNvCxnSpPr>
+                  <a:endCxn id="91" idx="1"/>
+                </p:cNvCxnSpPr>
+                <p:nvPr/>
+              </p:nvCxnSpPr>
+              <p:spPr>
+                <a:xfrm rot="5400000">
+                  <a:off x="3801443" y="2211878"/>
+                  <a:ext cx="2008525" cy="635493"/>
+                </a:xfrm>
+                <a:prstGeom prst="bentConnector4">
+                  <a:avLst>
+                    <a:gd name="adj1" fmla="val -369"/>
+                    <a:gd name="adj2" fmla="val 150960"/>
+                  </a:avLst>
+                </a:prstGeom>
+                <a:ln>
+                  <a:tailEnd type="arrow"/>
+                </a:ln>
+              </p:spPr>
+              <p:style>
+                <a:lnRef idx="1">
+                  <a:schemeClr val="dk1"/>
+                </a:lnRef>
+                <a:fillRef idx="0">
+                  <a:schemeClr val="dk1"/>
+                </a:fillRef>
+                <a:effectRef idx="0">
+                  <a:schemeClr val="dk1"/>
+                </a:effectRef>
+                <a:fontRef idx="minor">
+                  <a:schemeClr val="tx1"/>
+                </a:fontRef>
+              </p:style>
+            </p:cxnSp>
+            <p:cxnSp>
+              <p:nvCxnSpPr>
+                <p:cNvPr id="126" name="カギ線コネクタ 125"/>
+                <p:cNvCxnSpPr>
+                  <a:stCxn id="9" idx="3"/>
+                  <a:endCxn id="10" idx="1"/>
+                </p:cNvCxnSpPr>
+                <p:nvPr/>
+              </p:nvCxnSpPr>
+              <p:spPr>
+                <a:xfrm flipV="1">
+                  <a:off x="3652600" y="1168958"/>
+                  <a:ext cx="849306" cy="2237066"/>
+                </a:xfrm>
+                <a:prstGeom prst="bentConnector3">
+                  <a:avLst>
+                    <a:gd name="adj1" fmla="val 50000"/>
+                  </a:avLst>
+                </a:prstGeom>
+                <a:ln>
+                  <a:tailEnd type="arrow"/>
+                </a:ln>
+              </p:spPr>
+              <p:style>
+                <a:lnRef idx="1">
+                  <a:schemeClr val="dk1"/>
+                </a:lnRef>
+                <a:fillRef idx="0">
+                  <a:schemeClr val="dk1"/>
+                </a:fillRef>
+                <a:effectRef idx="0">
+                  <a:schemeClr val="dk1"/>
+                </a:effectRef>
+                <a:fontRef idx="minor">
+                  <a:schemeClr val="tx1"/>
+                </a:fontRef>
+              </p:style>
+            </p:cxnSp>
+            <p:cxnSp>
+              <p:nvCxnSpPr>
+                <p:cNvPr id="142" name="カギ線コネクタ 141"/>
+                <p:cNvCxnSpPr>
+                  <a:stCxn id="10" idx="0"/>
+                  <a:endCxn id="19" idx="0"/>
+                </p:cNvCxnSpPr>
+                <p:nvPr/>
+              </p:nvCxnSpPr>
+              <p:spPr>
+                <a:xfrm rot="16200000" flipH="1">
+                  <a:off x="7171491" y="-1094823"/>
+                  <a:ext cx="128443" cy="4223665"/>
+                </a:xfrm>
+                <a:prstGeom prst="bentConnector3">
+                  <a:avLst>
+                    <a:gd name="adj1" fmla="val -177978"/>
+                  </a:avLst>
+                </a:prstGeom>
+                <a:ln>
+                  <a:tailEnd type="arrow"/>
+                </a:ln>
+              </p:spPr>
+              <p:style>
+                <a:lnRef idx="1">
+                  <a:schemeClr val="dk1"/>
+                </a:lnRef>
+                <a:fillRef idx="0">
+                  <a:schemeClr val="dk1"/>
+                </a:fillRef>
+                <a:effectRef idx="0">
+                  <a:schemeClr val="dk1"/>
+                </a:effectRef>
+                <a:fontRef idx="minor">
+                  <a:schemeClr val="tx1"/>
+                </a:fontRef>
+              </p:style>
+            </p:cxnSp>
+            <p:cxnSp>
+              <p:nvCxnSpPr>
+                <p:cNvPr id="144" name="直線矢印コネクタ 143"/>
+                <p:cNvCxnSpPr>
+                  <a:stCxn id="10" idx="3"/>
+                  <a:endCxn id="28" idx="1"/>
+                </p:cNvCxnSpPr>
+                <p:nvPr/>
+              </p:nvCxnSpPr>
+              <p:spPr>
+                <a:xfrm>
+                  <a:off x="5745855" y="1168958"/>
+                  <a:ext cx="722456" cy="320963"/>
+                </a:xfrm>
+                <a:prstGeom prst="bentConnector2">
+                  <a:avLst/>
+                </a:prstGeom>
+                <a:ln>
+                  <a:tailEnd type="arrow"/>
+                </a:ln>
+              </p:spPr>
+              <p:style>
+                <a:lnRef idx="1">
+                  <a:schemeClr val="dk1"/>
+                </a:lnRef>
+                <a:fillRef idx="0">
+                  <a:schemeClr val="dk1"/>
+                </a:fillRef>
+                <a:effectRef idx="0">
+                  <a:schemeClr val="dk1"/>
+                </a:effectRef>
+                <a:fontRef idx="minor">
+                  <a:schemeClr val="tx1"/>
+                </a:fontRef>
+              </p:style>
+            </p:cxnSp>
+            <p:cxnSp>
+              <p:nvCxnSpPr>
+                <p:cNvPr id="145" name="直線矢印コネクタ 144"/>
+                <p:cNvCxnSpPr/>
+                <p:nvPr/>
+              </p:nvCxnSpPr>
+              <p:spPr>
+                <a:xfrm rot="10800000">
+                  <a:off x="5732725" y="1292060"/>
+                  <a:ext cx="506150" cy="178792"/>
+                </a:xfrm>
+                <a:prstGeom prst="bentConnector3">
+                  <a:avLst>
+                    <a:gd name="adj1" fmla="val -810"/>
+                  </a:avLst>
+                </a:prstGeom>
+                <a:ln>
+                  <a:headEnd type="none"/>
+                  <a:tailEnd type="arrow"/>
+                </a:ln>
+              </p:spPr>
+              <p:style>
+                <a:lnRef idx="1">
+                  <a:schemeClr val="dk1"/>
+                </a:lnRef>
+                <a:fillRef idx="0">
+                  <a:schemeClr val="dk1"/>
+                </a:fillRef>
+                <a:effectRef idx="0">
+                  <a:schemeClr val="dk1"/>
+                </a:effectRef>
+                <a:fontRef idx="minor">
+                  <a:schemeClr val="tx1"/>
+                </a:fontRef>
+              </p:style>
+            </p:cxnSp>
+            <p:cxnSp>
+              <p:nvCxnSpPr>
+                <p:cNvPr id="149" name="カギ線コネクタ 148"/>
+                <p:cNvCxnSpPr>
+                  <a:stCxn id="78" idx="3"/>
+                  <a:endCxn id="28" idx="3"/>
+                </p:cNvCxnSpPr>
+                <p:nvPr/>
+              </p:nvCxnSpPr>
+              <p:spPr>
+                <a:xfrm flipV="1">
+                  <a:off x="5745835" y="1933060"/>
+                  <a:ext cx="722476" cy="669265"/>
+                </a:xfrm>
+                <a:prstGeom prst="bentConnector2">
+                  <a:avLst/>
+                </a:prstGeom>
+                <a:ln>
+                  <a:tailEnd type="arrow"/>
+                </a:ln>
+              </p:spPr>
+              <p:style>
+                <a:lnRef idx="1">
+                  <a:schemeClr val="dk1"/>
+                </a:lnRef>
+                <a:fillRef idx="0">
+                  <a:schemeClr val="dk1"/>
+                </a:fillRef>
+                <a:effectRef idx="0">
+                  <a:schemeClr val="dk1"/>
+                </a:effectRef>
+                <a:fontRef idx="minor">
+                  <a:schemeClr val="tx1"/>
+                </a:fontRef>
+              </p:style>
+            </p:cxnSp>
+          </p:grpSp>
           <p:sp>
             <p:nvSpPr>
-              <p:cNvPr id="4" name="フローチャート : 定義済み処理 27"/>
+              <p:cNvPr id="36" name="フローチャート : 定義済み処理 27"/>
               <p:cNvSpPr/>
               <p:nvPr/>
             </p:nvSpPr>
             <p:spPr>
               <a:xfrm>
-                <a:off x="2408652" y="1038513"/>
+                <a:off x="5837809" y="2848363"/>
                 <a:ext cx="1243949" cy="432339"/>
               </a:xfrm>
               <a:prstGeom prst="flowChartPredefinedProcess">
-                <a:avLst/>
-              </a:prstGeom>
-              <a:solidFill>
-                <a:sysClr val="window" lastClr="FFFFFF"/>
-              </a:solidFill>
-              <a:ln>
-                <a:solidFill>
-                  <a:sysClr val="windowText" lastClr="000000"/>
-                </a:solidFill>
-              </a:ln>
-            </p:spPr>
-            <p:style>
-              <a:lnRef idx="2">
-                <a:schemeClr val="accent1">
-                  <a:shade val="50000"/>
-                </a:schemeClr>
-              </a:lnRef>
-              <a:fillRef idx="1">
-                <a:schemeClr val="accent1"/>
-              </a:fillRef>
-              <a:effectRef idx="0">
-                <a:schemeClr val="accent1"/>
-              </a:effectRef>
-              <a:fontRef idx="minor">
-                <a:schemeClr val="lt1"/>
-              </a:fontRef>
-            </p:style>
-            <p:txBody>
-              <a:bodyPr wrap="square" rtlCol="0" anchor="ctr"/>
-              <a:lstStyle>
-                <a:lvl1pPr marL="0" indent="0">
-                  <a:defRPr sz="1100">
-                    <a:solidFill>
-                      <a:schemeClr val="lt1"/>
-                    </a:solidFill>
-                    <a:latin typeface="+mn-lt"/>
-                    <a:ea typeface="+mn-ea"/>
-                    <a:cs typeface="+mn-cs"/>
-                  </a:defRPr>
-                </a:lvl1pPr>
-                <a:lvl2pPr marL="457200" indent="0">
-                  <a:defRPr sz="1100">
-                    <a:solidFill>
-                      <a:schemeClr val="lt1"/>
-                    </a:solidFill>
-                    <a:latin typeface="+mn-lt"/>
-                    <a:ea typeface="+mn-ea"/>
-                    <a:cs typeface="+mn-cs"/>
-                  </a:defRPr>
-                </a:lvl2pPr>
-                <a:lvl3pPr marL="914400" indent="0">
-                  <a:defRPr sz="1100">
-                    <a:solidFill>
-                      <a:schemeClr val="lt1"/>
-                    </a:solidFill>
-                    <a:latin typeface="+mn-lt"/>
-                    <a:ea typeface="+mn-ea"/>
-                    <a:cs typeface="+mn-cs"/>
-                  </a:defRPr>
-                </a:lvl3pPr>
-                <a:lvl4pPr marL="1371600" indent="0">
-                  <a:defRPr sz="1100">
-                    <a:solidFill>
-                      <a:schemeClr val="lt1"/>
-                    </a:solidFill>
-                    <a:latin typeface="+mn-lt"/>
-                    <a:ea typeface="+mn-ea"/>
-                    <a:cs typeface="+mn-cs"/>
-                  </a:defRPr>
-                </a:lvl4pPr>
-                <a:lvl5pPr marL="1828800" indent="0">
-                  <a:defRPr sz="1100">
-                    <a:solidFill>
-                      <a:schemeClr val="lt1"/>
-                    </a:solidFill>
-                    <a:latin typeface="+mn-lt"/>
-                    <a:ea typeface="+mn-ea"/>
-                    <a:cs typeface="+mn-cs"/>
-                  </a:defRPr>
-                </a:lvl5pPr>
-                <a:lvl6pPr marL="2286000" indent="0">
-                  <a:defRPr sz="1100">
-                    <a:solidFill>
-                      <a:schemeClr val="lt1"/>
-                    </a:solidFill>
-                    <a:latin typeface="+mn-lt"/>
-                    <a:ea typeface="+mn-ea"/>
-                    <a:cs typeface="+mn-cs"/>
-                  </a:defRPr>
-                </a:lvl6pPr>
-                <a:lvl7pPr marL="2743200" indent="0">
-                  <a:defRPr sz="1100">
-                    <a:solidFill>
-                      <a:schemeClr val="lt1"/>
-                    </a:solidFill>
-                    <a:latin typeface="+mn-lt"/>
-                    <a:ea typeface="+mn-ea"/>
-                    <a:cs typeface="+mn-cs"/>
-                  </a:defRPr>
-                </a:lvl7pPr>
-                <a:lvl8pPr marL="3200400" indent="0">
-                  <a:defRPr sz="1100">
-                    <a:solidFill>
-                      <a:schemeClr val="lt1"/>
-                    </a:solidFill>
-                    <a:latin typeface="+mn-lt"/>
-                    <a:ea typeface="+mn-ea"/>
-                    <a:cs typeface="+mn-cs"/>
-                  </a:defRPr>
-                </a:lvl8pPr>
-                <a:lvl9pPr marL="3657600" indent="0">
-                  <a:defRPr sz="1100">
-                    <a:solidFill>
-                      <a:schemeClr val="lt1"/>
-                    </a:solidFill>
-                    <a:latin typeface="+mn-lt"/>
-                    <a:ea typeface="+mn-ea"/>
-                    <a:cs typeface="+mn-cs"/>
-                  </a:defRPr>
-                </a:lvl9pPr>
-              </a:lstStyle>
-              <a:p>
-                <a:pPr algn="ctr"/>
-                <a:r>
-                  <a:rPr lang="ja-JP" altLang="en-US" sz="900">
-                    <a:solidFill>
-                      <a:sysClr val="windowText" lastClr="000000"/>
-                    </a:solidFill>
-                    <a:latin typeface="MS UI Gothic" panose="020B0600070205080204" pitchFamily="50" charset="-128"/>
-                    <a:ea typeface="MS UI Gothic" panose="020B0600070205080204" pitchFamily="50" charset="-128"/>
-                  </a:rPr>
-                  <a:t>システムへ</a:t>
-                </a:r>
-                <a:endParaRPr lang="en-US" altLang="ja-JP" sz="900">
-                  <a:solidFill>
-                    <a:sysClr val="windowText" lastClr="000000"/>
-                  </a:solidFill>
-                  <a:latin typeface="MS UI Gothic" panose="020B0600070205080204" pitchFamily="50" charset="-128"/>
-                  <a:ea typeface="MS UI Gothic" panose="020B0600070205080204" pitchFamily="50" charset="-128"/>
-                </a:endParaRPr>
-              </a:p>
-              <a:p>
-                <a:pPr algn="ctr"/>
-                <a:r>
-                  <a:rPr lang="ja-JP" altLang="en-US" sz="900">
-                    <a:solidFill>
-                      <a:sysClr val="windowText" lastClr="000000"/>
-                    </a:solidFill>
-                    <a:latin typeface="MS UI Gothic" panose="020B0600070205080204" pitchFamily="50" charset="-128"/>
-                    <a:ea typeface="MS UI Gothic" panose="020B0600070205080204" pitchFamily="50" charset="-128"/>
-                  </a:rPr>
-                  <a:t>アクセス</a:t>
-                </a:r>
-                <a:endParaRPr lang="en-US" altLang="ja-JP" sz="900">
-                  <a:solidFill>
-                    <a:sysClr val="windowText" lastClr="000000"/>
-                  </a:solidFill>
-                  <a:latin typeface="MS UI Gothic" panose="020B0600070205080204" pitchFamily="50" charset="-128"/>
-                  <a:ea typeface="MS UI Gothic" panose="020B0600070205080204" pitchFamily="50" charset="-128"/>
-                </a:endParaRPr>
-              </a:p>
-            </p:txBody>
-          </p:sp>
-          <p:sp>
-            <p:nvSpPr>
-              <p:cNvPr id="5" name="フローチャート : 定義済み処理 27"/>
-              <p:cNvSpPr/>
-              <p:nvPr/>
-            </p:nvSpPr>
-            <p:spPr>
-              <a:xfrm>
-                <a:off x="2408652" y="1756487"/>
-                <a:ext cx="1243949" cy="432339"/>
-              </a:xfrm>
-              <a:prstGeom prst="flowChartPredefinedProcess">
-                <a:avLst/>
-              </a:prstGeom>
-              <a:solidFill>
-                <a:sysClr val="window" lastClr="FFFFFF"/>
-              </a:solidFill>
-              <a:ln>
-                <a:solidFill>
-                  <a:sysClr val="windowText" lastClr="000000"/>
-                </a:solidFill>
-              </a:ln>
-            </p:spPr>
-            <p:style>
-              <a:lnRef idx="2">
-                <a:schemeClr val="accent1">
-                  <a:shade val="50000"/>
-                </a:schemeClr>
-              </a:lnRef>
-              <a:fillRef idx="1">
-                <a:schemeClr val="accent1"/>
-              </a:fillRef>
-              <a:effectRef idx="0">
-                <a:schemeClr val="accent1"/>
-              </a:effectRef>
-              <a:fontRef idx="minor">
-                <a:schemeClr val="lt1"/>
-              </a:fontRef>
-            </p:style>
-            <p:txBody>
-              <a:bodyPr wrap="square" rtlCol="0" anchor="ctr"/>
-              <a:lstStyle>
-                <a:lvl1pPr marL="0" indent="0">
-                  <a:defRPr sz="1100">
-                    <a:solidFill>
-                      <a:schemeClr val="lt1"/>
-                    </a:solidFill>
-                    <a:latin typeface="+mn-lt"/>
-                    <a:ea typeface="+mn-ea"/>
-                    <a:cs typeface="+mn-cs"/>
-                  </a:defRPr>
-                </a:lvl1pPr>
-                <a:lvl2pPr marL="457200" indent="0">
-                  <a:defRPr sz="1100">
-                    <a:solidFill>
-                      <a:schemeClr val="lt1"/>
-                    </a:solidFill>
-                    <a:latin typeface="+mn-lt"/>
-                    <a:ea typeface="+mn-ea"/>
-                    <a:cs typeface="+mn-cs"/>
-                  </a:defRPr>
-                </a:lvl2pPr>
-                <a:lvl3pPr marL="914400" indent="0">
-                  <a:defRPr sz="1100">
-                    <a:solidFill>
-                      <a:schemeClr val="lt1"/>
-                    </a:solidFill>
-                    <a:latin typeface="+mn-lt"/>
-                    <a:ea typeface="+mn-ea"/>
-                    <a:cs typeface="+mn-cs"/>
-                  </a:defRPr>
-                </a:lvl3pPr>
-                <a:lvl4pPr marL="1371600" indent="0">
-                  <a:defRPr sz="1100">
-                    <a:solidFill>
-                      <a:schemeClr val="lt1"/>
-                    </a:solidFill>
-                    <a:latin typeface="+mn-lt"/>
-                    <a:ea typeface="+mn-ea"/>
-                    <a:cs typeface="+mn-cs"/>
-                  </a:defRPr>
-                </a:lvl4pPr>
-                <a:lvl5pPr marL="1828800" indent="0">
-                  <a:defRPr sz="1100">
-                    <a:solidFill>
-                      <a:schemeClr val="lt1"/>
-                    </a:solidFill>
-                    <a:latin typeface="+mn-lt"/>
-                    <a:ea typeface="+mn-ea"/>
-                    <a:cs typeface="+mn-cs"/>
-                  </a:defRPr>
-                </a:lvl5pPr>
-                <a:lvl6pPr marL="2286000" indent="0">
-                  <a:defRPr sz="1100">
-                    <a:solidFill>
-                      <a:schemeClr val="lt1"/>
-                    </a:solidFill>
-                    <a:latin typeface="+mn-lt"/>
-                    <a:ea typeface="+mn-ea"/>
-                    <a:cs typeface="+mn-cs"/>
-                  </a:defRPr>
-                </a:lvl6pPr>
-                <a:lvl7pPr marL="2743200" indent="0">
-                  <a:defRPr sz="1100">
-                    <a:solidFill>
-                      <a:schemeClr val="lt1"/>
-                    </a:solidFill>
-                    <a:latin typeface="+mn-lt"/>
-                    <a:ea typeface="+mn-ea"/>
-                    <a:cs typeface="+mn-cs"/>
-                  </a:defRPr>
-                </a:lvl7pPr>
-                <a:lvl8pPr marL="3200400" indent="0">
-                  <a:defRPr sz="1100">
-                    <a:solidFill>
-                      <a:schemeClr val="lt1"/>
-                    </a:solidFill>
-                    <a:latin typeface="+mn-lt"/>
-                    <a:ea typeface="+mn-ea"/>
-                    <a:cs typeface="+mn-cs"/>
-                  </a:defRPr>
-                </a:lvl8pPr>
-                <a:lvl9pPr marL="3657600" indent="0">
-                  <a:defRPr sz="1100">
-                    <a:solidFill>
-                      <a:schemeClr val="lt1"/>
-                    </a:solidFill>
-                    <a:latin typeface="+mn-lt"/>
-                    <a:ea typeface="+mn-ea"/>
-                    <a:cs typeface="+mn-cs"/>
-                  </a:defRPr>
-                </a:lvl9pPr>
-              </a:lstStyle>
-              <a:p>
-                <a:pPr algn="ctr"/>
-                <a:r>
-                  <a:rPr lang="ja-JP" altLang="en-US" sz="900">
-                    <a:solidFill>
-                      <a:sysClr val="windowText" lastClr="000000"/>
-                    </a:solidFill>
-                    <a:latin typeface="MS UI Gothic" panose="020B0600070205080204" pitchFamily="50" charset="-128"/>
-                    <a:ea typeface="MS UI Gothic" panose="020B0600070205080204" pitchFamily="50" charset="-128"/>
-                  </a:rPr>
-                  <a:t>グーグルマップを使用</a:t>
-                </a:r>
-                <a:endParaRPr kumimoji="1" lang="ja-JP" altLang="en-US" sz="900">
-                  <a:solidFill>
-                    <a:sysClr val="windowText" lastClr="000000"/>
-                  </a:solidFill>
-                  <a:latin typeface="MS UI Gothic" panose="020B0600070205080204" pitchFamily="50" charset="-128"/>
-                  <a:ea typeface="MS UI Gothic" panose="020B0600070205080204" pitchFamily="50" charset="-128"/>
-                </a:endParaRPr>
-              </a:p>
-            </p:txBody>
-          </p:sp>
-          <p:sp>
-            <p:nvSpPr>
-              <p:cNvPr id="6" name="フローチャート : 定義済み処理 27"/>
-              <p:cNvSpPr/>
-              <p:nvPr/>
-            </p:nvSpPr>
-            <p:spPr>
-              <a:xfrm>
-                <a:off x="2408651" y="2474461"/>
-                <a:ext cx="1243949" cy="432339"/>
-              </a:xfrm>
-              <a:prstGeom prst="flowChartPredefinedProcess">
-                <a:avLst/>
-              </a:prstGeom>
-              <a:solidFill>
-                <a:sysClr val="window" lastClr="FFFFFF"/>
-              </a:solidFill>
-              <a:ln>
-                <a:solidFill>
-                  <a:sysClr val="windowText" lastClr="000000"/>
-                </a:solidFill>
-              </a:ln>
-            </p:spPr>
-            <p:style>
-              <a:lnRef idx="2">
-                <a:schemeClr val="accent1">
-                  <a:shade val="50000"/>
-                </a:schemeClr>
-              </a:lnRef>
-              <a:fillRef idx="1">
-                <a:schemeClr val="accent1"/>
-              </a:fillRef>
-              <a:effectRef idx="0">
-                <a:schemeClr val="accent1"/>
-              </a:effectRef>
-              <a:fontRef idx="minor">
-                <a:schemeClr val="lt1"/>
-              </a:fontRef>
-            </p:style>
-            <p:txBody>
-              <a:bodyPr wrap="square" rtlCol="0" anchor="ctr"/>
-              <a:lstStyle>
-                <a:lvl1pPr marL="0" indent="0">
-                  <a:defRPr sz="1100">
-                    <a:solidFill>
-                      <a:schemeClr val="lt1"/>
-                    </a:solidFill>
-                    <a:latin typeface="+mn-lt"/>
-                    <a:ea typeface="+mn-ea"/>
-                    <a:cs typeface="+mn-cs"/>
-                  </a:defRPr>
-                </a:lvl1pPr>
-                <a:lvl2pPr marL="457200" indent="0">
-                  <a:defRPr sz="1100">
-                    <a:solidFill>
-                      <a:schemeClr val="lt1"/>
-                    </a:solidFill>
-                    <a:latin typeface="+mn-lt"/>
-                    <a:ea typeface="+mn-ea"/>
-                    <a:cs typeface="+mn-cs"/>
-                  </a:defRPr>
-                </a:lvl2pPr>
-                <a:lvl3pPr marL="914400" indent="0">
-                  <a:defRPr sz="1100">
-                    <a:solidFill>
-                      <a:schemeClr val="lt1"/>
-                    </a:solidFill>
-                    <a:latin typeface="+mn-lt"/>
-                    <a:ea typeface="+mn-ea"/>
-                    <a:cs typeface="+mn-cs"/>
-                  </a:defRPr>
-                </a:lvl3pPr>
-                <a:lvl4pPr marL="1371600" indent="0">
-                  <a:defRPr sz="1100">
-                    <a:solidFill>
-                      <a:schemeClr val="lt1"/>
-                    </a:solidFill>
-                    <a:latin typeface="+mn-lt"/>
-                    <a:ea typeface="+mn-ea"/>
-                    <a:cs typeface="+mn-cs"/>
-                  </a:defRPr>
-                </a:lvl4pPr>
-                <a:lvl5pPr marL="1828800" indent="0">
-                  <a:defRPr sz="1100">
-                    <a:solidFill>
-                      <a:schemeClr val="lt1"/>
-                    </a:solidFill>
-                    <a:latin typeface="+mn-lt"/>
-                    <a:ea typeface="+mn-ea"/>
-                    <a:cs typeface="+mn-cs"/>
-                  </a:defRPr>
-                </a:lvl5pPr>
-                <a:lvl6pPr marL="2286000" indent="0">
-                  <a:defRPr sz="1100">
-                    <a:solidFill>
-                      <a:schemeClr val="lt1"/>
-                    </a:solidFill>
-                    <a:latin typeface="+mn-lt"/>
-                    <a:ea typeface="+mn-ea"/>
-                    <a:cs typeface="+mn-cs"/>
-                  </a:defRPr>
-                </a:lvl6pPr>
-                <a:lvl7pPr marL="2743200" indent="0">
-                  <a:defRPr sz="1100">
-                    <a:solidFill>
-                      <a:schemeClr val="lt1"/>
-                    </a:solidFill>
-                    <a:latin typeface="+mn-lt"/>
-                    <a:ea typeface="+mn-ea"/>
-                    <a:cs typeface="+mn-cs"/>
-                  </a:defRPr>
-                </a:lvl7pPr>
-                <a:lvl8pPr marL="3200400" indent="0">
-                  <a:defRPr sz="1100">
-                    <a:solidFill>
-                      <a:schemeClr val="lt1"/>
-                    </a:solidFill>
-                    <a:latin typeface="+mn-lt"/>
-                    <a:ea typeface="+mn-ea"/>
-                    <a:cs typeface="+mn-cs"/>
-                  </a:defRPr>
-                </a:lvl8pPr>
-                <a:lvl9pPr marL="3657600" indent="0">
-                  <a:defRPr sz="1100">
-                    <a:solidFill>
-                      <a:schemeClr val="lt1"/>
-                    </a:solidFill>
-                    <a:latin typeface="+mn-lt"/>
-                    <a:ea typeface="+mn-ea"/>
-                    <a:cs typeface="+mn-cs"/>
-                  </a:defRPr>
-                </a:lvl9pPr>
-              </a:lstStyle>
-              <a:p>
-                <a:pPr algn="ctr"/>
-                <a:r>
-                  <a:rPr kumimoji="1" lang="ja-JP" altLang="en-US" sz="900">
-                    <a:solidFill>
-                      <a:sysClr val="windowText" lastClr="000000"/>
-                    </a:solidFill>
-                    <a:latin typeface="MS UI Gothic" panose="020B0600070205080204" pitchFamily="50" charset="-128"/>
-                    <a:ea typeface="MS UI Gothic" panose="020B0600070205080204" pitchFamily="50" charset="-128"/>
-                  </a:rPr>
-                  <a:t>ラーメン屋の店名とピンを表示</a:t>
-                </a:r>
-              </a:p>
-            </p:txBody>
-          </p:sp>
-          <p:sp>
-            <p:nvSpPr>
-              <p:cNvPr id="9" name="フローチャート : 手操作入力 51"/>
-              <p:cNvSpPr/>
-              <p:nvPr/>
-            </p:nvSpPr>
-            <p:spPr>
-              <a:xfrm>
-                <a:off x="2407833" y="3192435"/>
-                <a:ext cx="1244767" cy="427177"/>
-              </a:xfrm>
-              <a:prstGeom prst="flowChartManualInput">
-                <a:avLst/>
-              </a:prstGeom>
-              <a:solidFill>
-                <a:sysClr val="window" lastClr="FFFFFF"/>
-              </a:solidFill>
-              <a:ln>
-                <a:solidFill>
-                  <a:sysClr val="windowText" lastClr="000000"/>
-                </a:solidFill>
-              </a:ln>
-            </p:spPr>
-            <p:style>
-              <a:lnRef idx="2">
-                <a:schemeClr val="accent1">
-                  <a:shade val="50000"/>
-                </a:schemeClr>
-              </a:lnRef>
-              <a:fillRef idx="1">
-                <a:schemeClr val="accent1"/>
-              </a:fillRef>
-              <a:effectRef idx="0">
-                <a:schemeClr val="accent1"/>
-              </a:effectRef>
-              <a:fontRef idx="minor">
-                <a:schemeClr val="lt1"/>
-              </a:fontRef>
-            </p:style>
-            <p:txBody>
-              <a:bodyPr wrap="square" rtlCol="0" anchor="ctr"/>
-              <a:lstStyle>
-                <a:lvl1pPr marL="0" indent="0">
-                  <a:defRPr sz="1100">
-                    <a:solidFill>
-                      <a:schemeClr val="lt1"/>
-                    </a:solidFill>
-                    <a:latin typeface="+mn-lt"/>
-                    <a:ea typeface="+mn-ea"/>
-                    <a:cs typeface="+mn-cs"/>
-                  </a:defRPr>
-                </a:lvl1pPr>
-                <a:lvl2pPr marL="457200" indent="0">
-                  <a:defRPr sz="1100">
-                    <a:solidFill>
-                      <a:schemeClr val="lt1"/>
-                    </a:solidFill>
-                    <a:latin typeface="+mn-lt"/>
-                    <a:ea typeface="+mn-ea"/>
-                    <a:cs typeface="+mn-cs"/>
-                  </a:defRPr>
-                </a:lvl2pPr>
-                <a:lvl3pPr marL="914400" indent="0">
-                  <a:defRPr sz="1100">
-                    <a:solidFill>
-                      <a:schemeClr val="lt1"/>
-                    </a:solidFill>
-                    <a:latin typeface="+mn-lt"/>
-                    <a:ea typeface="+mn-ea"/>
-                    <a:cs typeface="+mn-cs"/>
-                  </a:defRPr>
-                </a:lvl3pPr>
-                <a:lvl4pPr marL="1371600" indent="0">
-                  <a:defRPr sz="1100">
-                    <a:solidFill>
-                      <a:schemeClr val="lt1"/>
-                    </a:solidFill>
-                    <a:latin typeface="+mn-lt"/>
-                    <a:ea typeface="+mn-ea"/>
-                    <a:cs typeface="+mn-cs"/>
-                  </a:defRPr>
-                </a:lvl4pPr>
-                <a:lvl5pPr marL="1828800" indent="0">
-                  <a:defRPr sz="1100">
-                    <a:solidFill>
-                      <a:schemeClr val="lt1"/>
-                    </a:solidFill>
-                    <a:latin typeface="+mn-lt"/>
-                    <a:ea typeface="+mn-ea"/>
-                    <a:cs typeface="+mn-cs"/>
-                  </a:defRPr>
-                </a:lvl5pPr>
-                <a:lvl6pPr marL="2286000" indent="0">
-                  <a:defRPr sz="1100">
-                    <a:solidFill>
-                      <a:schemeClr val="lt1"/>
-                    </a:solidFill>
-                    <a:latin typeface="+mn-lt"/>
-                    <a:ea typeface="+mn-ea"/>
-                    <a:cs typeface="+mn-cs"/>
-                  </a:defRPr>
-                </a:lvl6pPr>
-                <a:lvl7pPr marL="2743200" indent="0">
-                  <a:defRPr sz="1100">
-                    <a:solidFill>
-                      <a:schemeClr val="lt1"/>
-                    </a:solidFill>
-                    <a:latin typeface="+mn-lt"/>
-                    <a:ea typeface="+mn-ea"/>
-                    <a:cs typeface="+mn-cs"/>
-                  </a:defRPr>
-                </a:lvl7pPr>
-                <a:lvl8pPr marL="3200400" indent="0">
-                  <a:defRPr sz="1100">
-                    <a:solidFill>
-                      <a:schemeClr val="lt1"/>
-                    </a:solidFill>
-                    <a:latin typeface="+mn-lt"/>
-                    <a:ea typeface="+mn-ea"/>
-                    <a:cs typeface="+mn-cs"/>
-                  </a:defRPr>
-                </a:lvl8pPr>
-                <a:lvl9pPr marL="3657600" indent="0">
-                  <a:defRPr sz="1100">
-                    <a:solidFill>
-                      <a:schemeClr val="lt1"/>
-                    </a:solidFill>
-                    <a:latin typeface="+mn-lt"/>
-                    <a:ea typeface="+mn-ea"/>
-                    <a:cs typeface="+mn-cs"/>
-                  </a:defRPr>
-                </a:lvl9pPr>
-              </a:lstStyle>
-              <a:p>
-                <a:pPr algn="ctr"/>
-                <a:r>
-                  <a:rPr lang="ja-JP" altLang="en-US" sz="900">
-                    <a:solidFill>
-                      <a:sysClr val="windowText" lastClr="000000"/>
-                    </a:solidFill>
-                    <a:latin typeface="MS UI Gothic" panose="020B0600070205080204" pitchFamily="50" charset="-128"/>
-                    <a:ea typeface="MS UI Gothic" panose="020B0600070205080204" pitchFamily="50" charset="-128"/>
-                  </a:rPr>
-                  <a:t>店名アイコン選択</a:t>
-                </a:r>
-                <a:endParaRPr kumimoji="1" lang="ja-JP" altLang="en-US" sz="900">
-                  <a:solidFill>
-                    <a:sysClr val="windowText" lastClr="000000"/>
-                  </a:solidFill>
-                  <a:latin typeface="MS UI Gothic" panose="020B0600070205080204" pitchFamily="50" charset="-128"/>
-                  <a:ea typeface="MS UI Gothic" panose="020B0600070205080204" pitchFamily="50" charset="-128"/>
-                </a:endParaRPr>
-              </a:p>
-            </p:txBody>
-          </p:sp>
-          <p:sp>
-            <p:nvSpPr>
-              <p:cNvPr id="10" name="フローチャート : 定義済み処理 27"/>
-              <p:cNvSpPr/>
-              <p:nvPr/>
-            </p:nvSpPr>
-            <p:spPr>
-              <a:xfrm>
-                <a:off x="4501906" y="952788"/>
-                <a:ext cx="1243949" cy="432339"/>
-              </a:xfrm>
-              <a:prstGeom prst="flowChartPredefinedProcess">
-                <a:avLst/>
-              </a:prstGeom>
-              <a:solidFill>
-                <a:sysClr val="window" lastClr="FFFFFF"/>
-              </a:solidFill>
-              <a:ln>
-                <a:solidFill>
-                  <a:sysClr val="windowText" lastClr="000000"/>
-                </a:solidFill>
-              </a:ln>
-            </p:spPr>
-            <p:style>
-              <a:lnRef idx="2">
-                <a:schemeClr val="accent1">
-                  <a:shade val="50000"/>
-                </a:schemeClr>
-              </a:lnRef>
-              <a:fillRef idx="1">
-                <a:schemeClr val="accent1"/>
-              </a:fillRef>
-              <a:effectRef idx="0">
-                <a:schemeClr val="accent1"/>
-              </a:effectRef>
-              <a:fontRef idx="minor">
-                <a:schemeClr val="lt1"/>
-              </a:fontRef>
-            </p:style>
-            <p:txBody>
-              <a:bodyPr wrap="square" rtlCol="0" anchor="ctr"/>
-              <a:lstStyle>
-                <a:lvl1pPr marL="0" indent="0">
-                  <a:defRPr sz="1100">
-                    <a:solidFill>
-                      <a:schemeClr val="lt1"/>
-                    </a:solidFill>
-                    <a:latin typeface="+mn-lt"/>
-                    <a:ea typeface="+mn-ea"/>
-                    <a:cs typeface="+mn-cs"/>
-                  </a:defRPr>
-                </a:lvl1pPr>
-                <a:lvl2pPr marL="457200" indent="0">
-                  <a:defRPr sz="1100">
-                    <a:solidFill>
-                      <a:schemeClr val="lt1"/>
-                    </a:solidFill>
-                    <a:latin typeface="+mn-lt"/>
-                    <a:ea typeface="+mn-ea"/>
-                    <a:cs typeface="+mn-cs"/>
-                  </a:defRPr>
-                </a:lvl2pPr>
-                <a:lvl3pPr marL="914400" indent="0">
-                  <a:defRPr sz="1100">
-                    <a:solidFill>
-                      <a:schemeClr val="lt1"/>
-                    </a:solidFill>
-                    <a:latin typeface="+mn-lt"/>
-                    <a:ea typeface="+mn-ea"/>
-                    <a:cs typeface="+mn-cs"/>
-                  </a:defRPr>
-                </a:lvl3pPr>
-                <a:lvl4pPr marL="1371600" indent="0">
-                  <a:defRPr sz="1100">
-                    <a:solidFill>
-                      <a:schemeClr val="lt1"/>
-                    </a:solidFill>
-                    <a:latin typeface="+mn-lt"/>
-                    <a:ea typeface="+mn-ea"/>
-                    <a:cs typeface="+mn-cs"/>
-                  </a:defRPr>
-                </a:lvl4pPr>
-                <a:lvl5pPr marL="1828800" indent="0">
-                  <a:defRPr sz="1100">
-                    <a:solidFill>
-                      <a:schemeClr val="lt1"/>
-                    </a:solidFill>
-                    <a:latin typeface="+mn-lt"/>
-                    <a:ea typeface="+mn-ea"/>
-                    <a:cs typeface="+mn-cs"/>
-                  </a:defRPr>
-                </a:lvl5pPr>
-                <a:lvl6pPr marL="2286000" indent="0">
-                  <a:defRPr sz="1100">
-                    <a:solidFill>
-                      <a:schemeClr val="lt1"/>
-                    </a:solidFill>
-                    <a:latin typeface="+mn-lt"/>
-                    <a:ea typeface="+mn-ea"/>
-                    <a:cs typeface="+mn-cs"/>
-                  </a:defRPr>
-                </a:lvl6pPr>
-                <a:lvl7pPr marL="2743200" indent="0">
-                  <a:defRPr sz="1100">
-                    <a:solidFill>
-                      <a:schemeClr val="lt1"/>
-                    </a:solidFill>
-                    <a:latin typeface="+mn-lt"/>
-                    <a:ea typeface="+mn-ea"/>
-                    <a:cs typeface="+mn-cs"/>
-                  </a:defRPr>
-                </a:lvl7pPr>
-                <a:lvl8pPr marL="3200400" indent="0">
-                  <a:defRPr sz="1100">
-                    <a:solidFill>
-                      <a:schemeClr val="lt1"/>
-                    </a:solidFill>
-                    <a:latin typeface="+mn-lt"/>
-                    <a:ea typeface="+mn-ea"/>
-                    <a:cs typeface="+mn-cs"/>
-                  </a:defRPr>
-                </a:lvl8pPr>
-                <a:lvl9pPr marL="3657600" indent="0">
-                  <a:defRPr sz="1100">
-                    <a:solidFill>
-                      <a:schemeClr val="lt1"/>
-                    </a:solidFill>
-                    <a:latin typeface="+mn-lt"/>
-                    <a:ea typeface="+mn-ea"/>
-                    <a:cs typeface="+mn-cs"/>
-                  </a:defRPr>
-                </a:lvl9pPr>
-              </a:lstStyle>
-              <a:p>
-                <a:pPr algn="ctr"/>
-                <a:r>
-                  <a:rPr lang="ja-JP" altLang="en-US" sz="900" dirty="0" smtClean="0">
-                    <a:solidFill>
-                      <a:sysClr val="windowText" lastClr="000000"/>
-                    </a:solidFill>
-                    <a:latin typeface="MS UI Gothic" panose="020B0600070205080204" pitchFamily="50" charset="-128"/>
-                    <a:ea typeface="MS UI Gothic" panose="020B0600070205080204" pitchFamily="50" charset="-128"/>
-                  </a:rPr>
-                  <a:t>「コメント」を</a:t>
-                </a:r>
-                <a:endParaRPr lang="en-US" altLang="ja-JP" sz="900" dirty="0" smtClean="0">
-                  <a:solidFill>
-                    <a:sysClr val="windowText" lastClr="000000"/>
-                  </a:solidFill>
-                  <a:latin typeface="MS UI Gothic" panose="020B0600070205080204" pitchFamily="50" charset="-128"/>
-                  <a:ea typeface="MS UI Gothic" panose="020B0600070205080204" pitchFamily="50" charset="-128"/>
-                </a:endParaRPr>
-              </a:p>
-              <a:p>
-                <a:pPr algn="ctr"/>
-                <a:r>
-                  <a:rPr lang="ja-JP" altLang="en-US" sz="900" dirty="0" smtClean="0">
-                    <a:solidFill>
-                      <a:sysClr val="windowText" lastClr="000000"/>
-                    </a:solidFill>
-                    <a:latin typeface="MS UI Gothic" panose="020B0600070205080204" pitchFamily="50" charset="-128"/>
-                    <a:ea typeface="MS UI Gothic" panose="020B0600070205080204" pitchFamily="50" charset="-128"/>
-                  </a:rPr>
-                  <a:t>表示</a:t>
-                </a:r>
-                <a:endParaRPr kumimoji="1" lang="en-US" altLang="ja-JP" sz="900" dirty="0">
-                  <a:solidFill>
-                    <a:sysClr val="windowText" lastClr="000000"/>
-                  </a:solidFill>
-                  <a:latin typeface="MS UI Gothic" panose="020B0600070205080204" pitchFamily="50" charset="-128"/>
-                  <a:ea typeface="MS UI Gothic" panose="020B0600070205080204" pitchFamily="50" charset="-128"/>
-                </a:endParaRPr>
-              </a:p>
-            </p:txBody>
-          </p:sp>
-          <p:sp>
-            <p:nvSpPr>
-              <p:cNvPr id="11" name="フローチャート : 定義済み処理 27"/>
-              <p:cNvSpPr/>
-              <p:nvPr/>
-            </p:nvSpPr>
-            <p:spPr>
-              <a:xfrm>
-                <a:off x="4488776" y="4039073"/>
-                <a:ext cx="1243949" cy="432339"/>
-              </a:xfrm>
-              <a:prstGeom prst="flowChartPredefinedProcess">
-                <a:avLst/>
-              </a:prstGeom>
-              <a:solidFill>
-                <a:sysClr val="window" lastClr="FFFFFF"/>
-              </a:solidFill>
-              <a:ln>
-                <a:solidFill>
-                  <a:sysClr val="windowText" lastClr="000000"/>
-                </a:solidFill>
-              </a:ln>
-            </p:spPr>
-            <p:style>
-              <a:lnRef idx="2">
-                <a:schemeClr val="accent1">
-                  <a:shade val="50000"/>
-                </a:schemeClr>
-              </a:lnRef>
-              <a:fillRef idx="1">
-                <a:schemeClr val="accent1"/>
-              </a:fillRef>
-              <a:effectRef idx="0">
-                <a:schemeClr val="accent1"/>
-              </a:effectRef>
-              <a:fontRef idx="minor">
-                <a:schemeClr val="lt1"/>
-              </a:fontRef>
-            </p:style>
-            <p:txBody>
-              <a:bodyPr wrap="square" rtlCol="0" anchor="ctr"/>
-              <a:lstStyle>
-                <a:lvl1pPr marL="0" indent="0">
-                  <a:defRPr sz="1100">
-                    <a:solidFill>
-                      <a:schemeClr val="lt1"/>
-                    </a:solidFill>
-                    <a:latin typeface="+mn-lt"/>
-                    <a:ea typeface="+mn-ea"/>
-                    <a:cs typeface="+mn-cs"/>
-                  </a:defRPr>
-                </a:lvl1pPr>
-                <a:lvl2pPr marL="457200" indent="0">
-                  <a:defRPr sz="1100">
-                    <a:solidFill>
-                      <a:schemeClr val="lt1"/>
-                    </a:solidFill>
-                    <a:latin typeface="+mn-lt"/>
-                    <a:ea typeface="+mn-ea"/>
-                    <a:cs typeface="+mn-cs"/>
-                  </a:defRPr>
-                </a:lvl2pPr>
-                <a:lvl3pPr marL="914400" indent="0">
-                  <a:defRPr sz="1100">
-                    <a:solidFill>
-                      <a:schemeClr val="lt1"/>
-                    </a:solidFill>
-                    <a:latin typeface="+mn-lt"/>
-                    <a:ea typeface="+mn-ea"/>
-                    <a:cs typeface="+mn-cs"/>
-                  </a:defRPr>
-                </a:lvl3pPr>
-                <a:lvl4pPr marL="1371600" indent="0">
-                  <a:defRPr sz="1100">
-                    <a:solidFill>
-                      <a:schemeClr val="lt1"/>
-                    </a:solidFill>
-                    <a:latin typeface="+mn-lt"/>
-                    <a:ea typeface="+mn-ea"/>
-                    <a:cs typeface="+mn-cs"/>
-                  </a:defRPr>
-                </a:lvl4pPr>
-                <a:lvl5pPr marL="1828800" indent="0">
-                  <a:defRPr sz="1100">
-                    <a:solidFill>
-                      <a:schemeClr val="lt1"/>
-                    </a:solidFill>
-                    <a:latin typeface="+mn-lt"/>
-                    <a:ea typeface="+mn-ea"/>
-                    <a:cs typeface="+mn-cs"/>
-                  </a:defRPr>
-                </a:lvl5pPr>
-                <a:lvl6pPr marL="2286000" indent="0">
-                  <a:defRPr sz="1100">
-                    <a:solidFill>
-                      <a:schemeClr val="lt1"/>
-                    </a:solidFill>
-                    <a:latin typeface="+mn-lt"/>
-                    <a:ea typeface="+mn-ea"/>
-                    <a:cs typeface="+mn-cs"/>
-                  </a:defRPr>
-                </a:lvl6pPr>
-                <a:lvl7pPr marL="2743200" indent="0">
-                  <a:defRPr sz="1100">
-                    <a:solidFill>
-                      <a:schemeClr val="lt1"/>
-                    </a:solidFill>
-                    <a:latin typeface="+mn-lt"/>
-                    <a:ea typeface="+mn-ea"/>
-                    <a:cs typeface="+mn-cs"/>
-                  </a:defRPr>
-                </a:lvl7pPr>
-                <a:lvl8pPr marL="3200400" indent="0">
-                  <a:defRPr sz="1100">
-                    <a:solidFill>
-                      <a:schemeClr val="lt1"/>
-                    </a:solidFill>
-                    <a:latin typeface="+mn-lt"/>
-                    <a:ea typeface="+mn-ea"/>
-                    <a:cs typeface="+mn-cs"/>
-                  </a:defRPr>
-                </a:lvl8pPr>
-                <a:lvl9pPr marL="3657600" indent="0">
-                  <a:defRPr sz="1100">
-                    <a:solidFill>
-                      <a:schemeClr val="lt1"/>
-                    </a:solidFill>
-                    <a:latin typeface="+mn-lt"/>
-                    <a:ea typeface="+mn-ea"/>
-                    <a:cs typeface="+mn-cs"/>
-                  </a:defRPr>
-                </a:lvl9pPr>
-              </a:lstStyle>
-              <a:p>
-                <a:pPr algn="ctr"/>
-                <a:r>
-                  <a:rPr kumimoji="1" lang="ja-JP" altLang="en-US" sz="900">
-                    <a:solidFill>
-                      <a:sysClr val="windowText" lastClr="000000"/>
-                    </a:solidFill>
-                    <a:latin typeface="MS UI Gothic" panose="020B0600070205080204" pitchFamily="50" charset="-128"/>
-                    <a:ea typeface="MS UI Gothic" panose="020B0600070205080204" pitchFamily="50" charset="-128"/>
-                  </a:rPr>
-                  <a:t>マップに戻る</a:t>
-                </a:r>
-              </a:p>
-            </p:txBody>
-          </p:sp>
-          <p:sp>
-            <p:nvSpPr>
-              <p:cNvPr id="19" name="フローチャート : 手操作入力 51"/>
-              <p:cNvSpPr/>
-              <p:nvPr/>
-            </p:nvSpPr>
-            <p:spPr>
-              <a:xfrm>
-                <a:off x="8725162" y="1038513"/>
-                <a:ext cx="1244767" cy="427177"/>
-              </a:xfrm>
-              <a:prstGeom prst="flowChartManualInput">
-                <a:avLst/>
-              </a:prstGeom>
-              <a:solidFill>
-                <a:sysClr val="window" lastClr="FFFFFF"/>
-              </a:solidFill>
-              <a:ln>
-                <a:solidFill>
-                  <a:sysClr val="windowText" lastClr="000000"/>
-                </a:solidFill>
-              </a:ln>
-            </p:spPr>
-            <p:style>
-              <a:lnRef idx="2">
-                <a:schemeClr val="accent1">
-                  <a:shade val="50000"/>
-                </a:schemeClr>
-              </a:lnRef>
-              <a:fillRef idx="1">
-                <a:schemeClr val="accent1"/>
-              </a:fillRef>
-              <a:effectRef idx="0">
-                <a:schemeClr val="accent1"/>
-              </a:effectRef>
-              <a:fontRef idx="minor">
-                <a:schemeClr val="lt1"/>
-              </a:fontRef>
-            </p:style>
-            <p:txBody>
-              <a:bodyPr wrap="square" rtlCol="0" anchor="ctr"/>
-              <a:lstStyle>
-                <a:lvl1pPr marL="0" indent="0">
-                  <a:defRPr sz="1100">
-                    <a:solidFill>
-                      <a:schemeClr val="lt1"/>
-                    </a:solidFill>
-                    <a:latin typeface="+mn-lt"/>
-                    <a:ea typeface="+mn-ea"/>
-                    <a:cs typeface="+mn-cs"/>
-                  </a:defRPr>
-                </a:lvl1pPr>
-                <a:lvl2pPr marL="457200" indent="0">
-                  <a:defRPr sz="1100">
-                    <a:solidFill>
-                      <a:schemeClr val="lt1"/>
-                    </a:solidFill>
-                    <a:latin typeface="+mn-lt"/>
-                    <a:ea typeface="+mn-ea"/>
-                    <a:cs typeface="+mn-cs"/>
-                  </a:defRPr>
-                </a:lvl2pPr>
-                <a:lvl3pPr marL="914400" indent="0">
-                  <a:defRPr sz="1100">
-                    <a:solidFill>
-                      <a:schemeClr val="lt1"/>
-                    </a:solidFill>
-                    <a:latin typeface="+mn-lt"/>
-                    <a:ea typeface="+mn-ea"/>
-                    <a:cs typeface="+mn-cs"/>
-                  </a:defRPr>
-                </a:lvl3pPr>
-                <a:lvl4pPr marL="1371600" indent="0">
-                  <a:defRPr sz="1100">
-                    <a:solidFill>
-                      <a:schemeClr val="lt1"/>
-                    </a:solidFill>
-                    <a:latin typeface="+mn-lt"/>
-                    <a:ea typeface="+mn-ea"/>
-                    <a:cs typeface="+mn-cs"/>
-                  </a:defRPr>
-                </a:lvl4pPr>
-                <a:lvl5pPr marL="1828800" indent="0">
-                  <a:defRPr sz="1100">
-                    <a:solidFill>
-                      <a:schemeClr val="lt1"/>
-                    </a:solidFill>
-                    <a:latin typeface="+mn-lt"/>
-                    <a:ea typeface="+mn-ea"/>
-                    <a:cs typeface="+mn-cs"/>
-                  </a:defRPr>
-                </a:lvl5pPr>
-                <a:lvl6pPr marL="2286000" indent="0">
-                  <a:defRPr sz="1100">
-                    <a:solidFill>
-                      <a:schemeClr val="lt1"/>
-                    </a:solidFill>
-                    <a:latin typeface="+mn-lt"/>
-                    <a:ea typeface="+mn-ea"/>
-                    <a:cs typeface="+mn-cs"/>
-                  </a:defRPr>
-                </a:lvl6pPr>
-                <a:lvl7pPr marL="2743200" indent="0">
-                  <a:defRPr sz="1100">
-                    <a:solidFill>
-                      <a:schemeClr val="lt1"/>
-                    </a:solidFill>
-                    <a:latin typeface="+mn-lt"/>
-                    <a:ea typeface="+mn-ea"/>
-                    <a:cs typeface="+mn-cs"/>
-                  </a:defRPr>
-                </a:lvl7pPr>
-                <a:lvl8pPr marL="3200400" indent="0">
-                  <a:defRPr sz="1100">
-                    <a:solidFill>
-                      <a:schemeClr val="lt1"/>
-                    </a:solidFill>
-                    <a:latin typeface="+mn-lt"/>
-                    <a:ea typeface="+mn-ea"/>
-                    <a:cs typeface="+mn-cs"/>
-                  </a:defRPr>
-                </a:lvl8pPr>
-                <a:lvl9pPr marL="3657600" indent="0">
-                  <a:defRPr sz="1100">
-                    <a:solidFill>
-                      <a:schemeClr val="lt1"/>
-                    </a:solidFill>
-                    <a:latin typeface="+mn-lt"/>
-                    <a:ea typeface="+mn-ea"/>
-                    <a:cs typeface="+mn-cs"/>
-                  </a:defRPr>
-                </a:lvl9pPr>
-              </a:lstStyle>
-              <a:p>
-                <a:pPr algn="ctr"/>
-                <a:r>
-                  <a:rPr lang="ja-JP" altLang="en-US" sz="900">
-                    <a:solidFill>
-                      <a:sysClr val="windowText" lastClr="000000"/>
-                    </a:solidFill>
-                    <a:latin typeface="MS UI Gothic" panose="020B0600070205080204" pitchFamily="50" charset="-128"/>
-                    <a:ea typeface="MS UI Gothic" panose="020B0600070205080204" pitchFamily="50" charset="-128"/>
-                  </a:rPr>
-                  <a:t>リンクを押下</a:t>
-                </a:r>
-                <a:endParaRPr kumimoji="1" lang="ja-JP" altLang="en-US" sz="900">
-                  <a:solidFill>
-                    <a:sysClr val="windowText" lastClr="000000"/>
-                  </a:solidFill>
-                  <a:latin typeface="MS UI Gothic" panose="020B0600070205080204" pitchFamily="50" charset="-128"/>
-                  <a:ea typeface="MS UI Gothic" panose="020B0600070205080204" pitchFamily="50" charset="-128"/>
-                </a:endParaRPr>
-              </a:p>
-            </p:txBody>
-          </p:sp>
-          <p:sp>
-            <p:nvSpPr>
-              <p:cNvPr id="20" name="フローチャート : 定義済み処理 27"/>
-              <p:cNvSpPr/>
-              <p:nvPr/>
-            </p:nvSpPr>
-            <p:spPr>
-              <a:xfrm>
-                <a:off x="8725162" y="1756486"/>
-                <a:ext cx="1243949" cy="432339"/>
-              </a:xfrm>
-              <a:prstGeom prst="flowChartPredefinedProcess">
-                <a:avLst/>
-              </a:prstGeom>
-              <a:solidFill>
-                <a:sysClr val="window" lastClr="FFFFFF"/>
-              </a:solidFill>
-              <a:ln>
-                <a:solidFill>
-                  <a:sysClr val="windowText" lastClr="000000"/>
-                </a:solidFill>
-              </a:ln>
-            </p:spPr>
-            <p:style>
-              <a:lnRef idx="2">
-                <a:schemeClr val="accent1">
-                  <a:shade val="50000"/>
-                </a:schemeClr>
-              </a:lnRef>
-              <a:fillRef idx="1">
-                <a:schemeClr val="accent1"/>
-              </a:fillRef>
-              <a:effectRef idx="0">
-                <a:schemeClr val="accent1"/>
-              </a:effectRef>
-              <a:fontRef idx="minor">
-                <a:schemeClr val="lt1"/>
-              </a:fontRef>
-            </p:style>
-            <p:txBody>
-              <a:bodyPr wrap="square" rtlCol="0" anchor="ctr"/>
-              <a:lstStyle>
-                <a:lvl1pPr marL="0" indent="0">
-                  <a:defRPr sz="1100">
-                    <a:solidFill>
-                      <a:schemeClr val="lt1"/>
-                    </a:solidFill>
-                    <a:latin typeface="+mn-lt"/>
-                    <a:ea typeface="+mn-ea"/>
-                    <a:cs typeface="+mn-cs"/>
-                  </a:defRPr>
-                </a:lvl1pPr>
-                <a:lvl2pPr marL="457200" indent="0">
-                  <a:defRPr sz="1100">
-                    <a:solidFill>
-                      <a:schemeClr val="lt1"/>
-                    </a:solidFill>
-                    <a:latin typeface="+mn-lt"/>
-                    <a:ea typeface="+mn-ea"/>
-                    <a:cs typeface="+mn-cs"/>
-                  </a:defRPr>
-                </a:lvl2pPr>
-                <a:lvl3pPr marL="914400" indent="0">
-                  <a:defRPr sz="1100">
-                    <a:solidFill>
-                      <a:schemeClr val="lt1"/>
-                    </a:solidFill>
-                    <a:latin typeface="+mn-lt"/>
-                    <a:ea typeface="+mn-ea"/>
-                    <a:cs typeface="+mn-cs"/>
-                  </a:defRPr>
-                </a:lvl3pPr>
-                <a:lvl4pPr marL="1371600" indent="0">
-                  <a:defRPr sz="1100">
-                    <a:solidFill>
-                      <a:schemeClr val="lt1"/>
-                    </a:solidFill>
-                    <a:latin typeface="+mn-lt"/>
-                    <a:ea typeface="+mn-ea"/>
-                    <a:cs typeface="+mn-cs"/>
-                  </a:defRPr>
-                </a:lvl4pPr>
-                <a:lvl5pPr marL="1828800" indent="0">
-                  <a:defRPr sz="1100">
-                    <a:solidFill>
-                      <a:schemeClr val="lt1"/>
-                    </a:solidFill>
-                    <a:latin typeface="+mn-lt"/>
-                    <a:ea typeface="+mn-ea"/>
-                    <a:cs typeface="+mn-cs"/>
-                  </a:defRPr>
-                </a:lvl5pPr>
-                <a:lvl6pPr marL="2286000" indent="0">
-                  <a:defRPr sz="1100">
-                    <a:solidFill>
-                      <a:schemeClr val="lt1"/>
-                    </a:solidFill>
-                    <a:latin typeface="+mn-lt"/>
-                    <a:ea typeface="+mn-ea"/>
-                    <a:cs typeface="+mn-cs"/>
-                  </a:defRPr>
-                </a:lvl6pPr>
-                <a:lvl7pPr marL="2743200" indent="0">
-                  <a:defRPr sz="1100">
-                    <a:solidFill>
-                      <a:schemeClr val="lt1"/>
-                    </a:solidFill>
-                    <a:latin typeface="+mn-lt"/>
-                    <a:ea typeface="+mn-ea"/>
-                    <a:cs typeface="+mn-cs"/>
-                  </a:defRPr>
-                </a:lvl7pPr>
-                <a:lvl8pPr marL="3200400" indent="0">
-                  <a:defRPr sz="1100">
-                    <a:solidFill>
-                      <a:schemeClr val="lt1"/>
-                    </a:solidFill>
-                    <a:latin typeface="+mn-lt"/>
-                    <a:ea typeface="+mn-ea"/>
-                    <a:cs typeface="+mn-cs"/>
-                  </a:defRPr>
-                </a:lvl8pPr>
-                <a:lvl9pPr marL="3657600" indent="0">
-                  <a:defRPr sz="1100">
-                    <a:solidFill>
-                      <a:schemeClr val="lt1"/>
-                    </a:solidFill>
-                    <a:latin typeface="+mn-lt"/>
-                    <a:ea typeface="+mn-ea"/>
-                    <a:cs typeface="+mn-cs"/>
-                  </a:defRPr>
-                </a:lvl9pPr>
-              </a:lstStyle>
-              <a:p>
-                <a:pPr algn="ctr"/>
-                <a:r>
-                  <a:rPr lang="ja-JP" altLang="en-US" sz="900">
-                    <a:solidFill>
-                      <a:sysClr val="windowText" lastClr="000000"/>
-                    </a:solidFill>
-                    <a:latin typeface="MS UI Gothic" panose="020B0600070205080204" pitchFamily="50" charset="-128"/>
-                    <a:ea typeface="MS UI Gothic" panose="020B0600070205080204" pitchFamily="50" charset="-128"/>
-                  </a:rPr>
-                  <a:t>別ウィンドウを</a:t>
-                </a:r>
-                <a:endParaRPr lang="en-US" altLang="ja-JP" sz="900">
-                  <a:solidFill>
-                    <a:sysClr val="windowText" lastClr="000000"/>
-                  </a:solidFill>
-                  <a:latin typeface="MS UI Gothic" panose="020B0600070205080204" pitchFamily="50" charset="-128"/>
-                  <a:ea typeface="MS UI Gothic" panose="020B0600070205080204" pitchFamily="50" charset="-128"/>
-                </a:endParaRPr>
-              </a:p>
-              <a:p>
-                <a:pPr algn="ctr"/>
-                <a:r>
-                  <a:rPr lang="ja-JP" altLang="en-US" sz="900">
-                    <a:solidFill>
-                      <a:sysClr val="windowText" lastClr="000000"/>
-                    </a:solidFill>
-                    <a:latin typeface="MS UI Gothic" panose="020B0600070205080204" pitchFamily="50" charset="-128"/>
-                    <a:ea typeface="MS UI Gothic" panose="020B0600070205080204" pitchFamily="50" charset="-128"/>
-                  </a:rPr>
-                  <a:t>表示</a:t>
-                </a:r>
-                <a:endParaRPr kumimoji="1" lang="en-US" altLang="ja-JP" sz="900">
-                  <a:solidFill>
-                    <a:sysClr val="windowText" lastClr="000000"/>
-                  </a:solidFill>
-                  <a:latin typeface="MS UI Gothic" panose="020B0600070205080204" pitchFamily="50" charset="-128"/>
-                  <a:ea typeface="MS UI Gothic" panose="020B0600070205080204" pitchFamily="50" charset="-128"/>
-                </a:endParaRPr>
-              </a:p>
-            </p:txBody>
-          </p:sp>
-          <p:sp>
-            <p:nvSpPr>
-              <p:cNvPr id="27" name="フローチャート : 磁気ディスク 1"/>
-              <p:cNvSpPr/>
-              <p:nvPr/>
-            </p:nvSpPr>
-            <p:spPr>
-              <a:xfrm>
-                <a:off x="600475" y="2476136"/>
-                <a:ext cx="1261003" cy="443139"/>
-              </a:xfrm>
-              <a:prstGeom prst="flowChartMagneticDisk">
-                <a:avLst/>
-              </a:prstGeom>
-              <a:solidFill>
-                <a:sysClr val="window" lastClr="FFFFFF"/>
-              </a:solidFill>
-              <a:ln>
-                <a:solidFill>
-                  <a:sysClr val="windowText" lastClr="000000"/>
-                </a:solidFill>
-              </a:ln>
-            </p:spPr>
-            <p:style>
-              <a:lnRef idx="2">
-                <a:schemeClr val="accent1">
-                  <a:shade val="50000"/>
-                </a:schemeClr>
-              </a:lnRef>
-              <a:fillRef idx="1">
-                <a:schemeClr val="accent1"/>
-              </a:fillRef>
-              <a:effectRef idx="0">
-                <a:schemeClr val="accent1"/>
-              </a:effectRef>
-              <a:fontRef idx="minor">
-                <a:schemeClr val="lt1"/>
-              </a:fontRef>
-            </p:style>
-            <p:txBody>
-              <a:bodyPr wrap="square" rtlCol="0" anchor="t"/>
-              <a:lstStyle>
-                <a:lvl1pPr marL="0" indent="0">
-                  <a:defRPr sz="1100">
-                    <a:solidFill>
-                      <a:schemeClr val="lt1"/>
-                    </a:solidFill>
-                    <a:latin typeface="+mn-lt"/>
-                    <a:ea typeface="+mn-ea"/>
-                    <a:cs typeface="+mn-cs"/>
-                  </a:defRPr>
-                </a:lvl1pPr>
-                <a:lvl2pPr marL="457200" indent="0">
-                  <a:defRPr sz="1100">
-                    <a:solidFill>
-                      <a:schemeClr val="lt1"/>
-                    </a:solidFill>
-                    <a:latin typeface="+mn-lt"/>
-                    <a:ea typeface="+mn-ea"/>
-                    <a:cs typeface="+mn-cs"/>
-                  </a:defRPr>
-                </a:lvl2pPr>
-                <a:lvl3pPr marL="914400" indent="0">
-                  <a:defRPr sz="1100">
-                    <a:solidFill>
-                      <a:schemeClr val="lt1"/>
-                    </a:solidFill>
-                    <a:latin typeface="+mn-lt"/>
-                    <a:ea typeface="+mn-ea"/>
-                    <a:cs typeface="+mn-cs"/>
-                  </a:defRPr>
-                </a:lvl3pPr>
-                <a:lvl4pPr marL="1371600" indent="0">
-                  <a:defRPr sz="1100">
-                    <a:solidFill>
-                      <a:schemeClr val="lt1"/>
-                    </a:solidFill>
-                    <a:latin typeface="+mn-lt"/>
-                    <a:ea typeface="+mn-ea"/>
-                    <a:cs typeface="+mn-cs"/>
-                  </a:defRPr>
-                </a:lvl4pPr>
-                <a:lvl5pPr marL="1828800" indent="0">
-                  <a:defRPr sz="1100">
-                    <a:solidFill>
-                      <a:schemeClr val="lt1"/>
-                    </a:solidFill>
-                    <a:latin typeface="+mn-lt"/>
-                    <a:ea typeface="+mn-ea"/>
-                    <a:cs typeface="+mn-cs"/>
-                  </a:defRPr>
-                </a:lvl5pPr>
-                <a:lvl6pPr marL="2286000" indent="0">
-                  <a:defRPr sz="1100">
-                    <a:solidFill>
-                      <a:schemeClr val="lt1"/>
-                    </a:solidFill>
-                    <a:latin typeface="+mn-lt"/>
-                    <a:ea typeface="+mn-ea"/>
-                    <a:cs typeface="+mn-cs"/>
-                  </a:defRPr>
-                </a:lvl6pPr>
-                <a:lvl7pPr marL="2743200" indent="0">
-                  <a:defRPr sz="1100">
-                    <a:solidFill>
-                      <a:schemeClr val="lt1"/>
-                    </a:solidFill>
-                    <a:latin typeface="+mn-lt"/>
-                    <a:ea typeface="+mn-ea"/>
-                    <a:cs typeface="+mn-cs"/>
-                  </a:defRPr>
-                </a:lvl7pPr>
-                <a:lvl8pPr marL="3200400" indent="0">
-                  <a:defRPr sz="1100">
-                    <a:solidFill>
-                      <a:schemeClr val="lt1"/>
-                    </a:solidFill>
-                    <a:latin typeface="+mn-lt"/>
-                    <a:ea typeface="+mn-ea"/>
-                    <a:cs typeface="+mn-cs"/>
-                  </a:defRPr>
-                </a:lvl8pPr>
-                <a:lvl9pPr marL="3657600" indent="0">
-                  <a:defRPr sz="1100">
-                    <a:solidFill>
-                      <a:schemeClr val="lt1"/>
-                    </a:solidFill>
-                    <a:latin typeface="+mn-lt"/>
-                    <a:ea typeface="+mn-ea"/>
-                    <a:cs typeface="+mn-cs"/>
-                  </a:defRPr>
-                </a:lvl9pPr>
-              </a:lstStyle>
-              <a:p>
-                <a:pPr algn="ctr"/>
-                <a:r>
-                  <a:rPr lang="ja-JP" altLang="en-US" sz="900" dirty="0" smtClean="0">
-                    <a:solidFill>
-                      <a:sysClr val="windowText" lastClr="000000"/>
-                    </a:solidFill>
-                    <a:latin typeface="MS UI Gothic" panose="020B0600070205080204" pitchFamily="50" charset="-128"/>
-                    <a:ea typeface="MS UI Gothic" panose="020B0600070205080204" pitchFamily="50" charset="-128"/>
-                  </a:rPr>
-                  <a:t>店名管理</a:t>
-                </a:r>
-                <a:r>
-                  <a:rPr kumimoji="1" lang="ja-JP" altLang="en-US" sz="900" dirty="0">
-                    <a:solidFill>
-                      <a:sysClr val="windowText" lastClr="000000"/>
-                    </a:solidFill>
-                    <a:latin typeface="MS UI Gothic" panose="020B0600070205080204" pitchFamily="50" charset="-128"/>
-                    <a:ea typeface="MS UI Gothic" panose="020B0600070205080204" pitchFamily="50" charset="-128"/>
-                  </a:rPr>
-                  <a:t>テーブル</a:t>
-                </a:r>
-              </a:p>
-            </p:txBody>
-          </p:sp>
-          <p:sp>
-            <p:nvSpPr>
-              <p:cNvPr id="28" name="フローチャート : 磁気ディスク 1"/>
-              <p:cNvSpPr/>
-              <p:nvPr/>
-            </p:nvSpPr>
-            <p:spPr>
-              <a:xfrm>
-                <a:off x="5837809" y="1489921"/>
-                <a:ext cx="1261003" cy="443139"/>
-              </a:xfrm>
-              <a:prstGeom prst="flowChartMagneticDisk">
-                <a:avLst/>
-              </a:prstGeom>
-              <a:solidFill>
-                <a:sysClr val="window" lastClr="FFFFFF"/>
-              </a:solidFill>
-              <a:ln>
-                <a:solidFill>
-                  <a:sysClr val="windowText" lastClr="000000"/>
-                </a:solidFill>
-              </a:ln>
-            </p:spPr>
-            <p:style>
-              <a:lnRef idx="2">
-                <a:schemeClr val="accent1">
-                  <a:shade val="50000"/>
-                </a:schemeClr>
-              </a:lnRef>
-              <a:fillRef idx="1">
-                <a:schemeClr val="accent1"/>
-              </a:fillRef>
-              <a:effectRef idx="0">
-                <a:schemeClr val="accent1"/>
-              </a:effectRef>
-              <a:fontRef idx="minor">
-                <a:schemeClr val="lt1"/>
-              </a:fontRef>
-            </p:style>
-            <p:txBody>
-              <a:bodyPr wrap="square" rtlCol="0" anchor="t"/>
-              <a:lstStyle>
-                <a:lvl1pPr marL="0" indent="0">
-                  <a:defRPr sz="1100">
-                    <a:solidFill>
-                      <a:schemeClr val="lt1"/>
-                    </a:solidFill>
-                    <a:latin typeface="+mn-lt"/>
-                    <a:ea typeface="+mn-ea"/>
-                    <a:cs typeface="+mn-cs"/>
-                  </a:defRPr>
-                </a:lvl1pPr>
-                <a:lvl2pPr marL="457200" indent="0">
-                  <a:defRPr sz="1100">
-                    <a:solidFill>
-                      <a:schemeClr val="lt1"/>
-                    </a:solidFill>
-                    <a:latin typeface="+mn-lt"/>
-                    <a:ea typeface="+mn-ea"/>
-                    <a:cs typeface="+mn-cs"/>
-                  </a:defRPr>
-                </a:lvl2pPr>
-                <a:lvl3pPr marL="914400" indent="0">
-                  <a:defRPr sz="1100">
-                    <a:solidFill>
-                      <a:schemeClr val="lt1"/>
-                    </a:solidFill>
-                    <a:latin typeface="+mn-lt"/>
-                    <a:ea typeface="+mn-ea"/>
-                    <a:cs typeface="+mn-cs"/>
-                  </a:defRPr>
-                </a:lvl3pPr>
-                <a:lvl4pPr marL="1371600" indent="0">
-                  <a:defRPr sz="1100">
-                    <a:solidFill>
-                      <a:schemeClr val="lt1"/>
-                    </a:solidFill>
-                    <a:latin typeface="+mn-lt"/>
-                    <a:ea typeface="+mn-ea"/>
-                    <a:cs typeface="+mn-cs"/>
-                  </a:defRPr>
-                </a:lvl4pPr>
-                <a:lvl5pPr marL="1828800" indent="0">
-                  <a:defRPr sz="1100">
-                    <a:solidFill>
-                      <a:schemeClr val="lt1"/>
-                    </a:solidFill>
-                    <a:latin typeface="+mn-lt"/>
-                    <a:ea typeface="+mn-ea"/>
-                    <a:cs typeface="+mn-cs"/>
-                  </a:defRPr>
-                </a:lvl5pPr>
-                <a:lvl6pPr marL="2286000" indent="0">
-                  <a:defRPr sz="1100">
-                    <a:solidFill>
-                      <a:schemeClr val="lt1"/>
-                    </a:solidFill>
-                    <a:latin typeface="+mn-lt"/>
-                    <a:ea typeface="+mn-ea"/>
-                    <a:cs typeface="+mn-cs"/>
-                  </a:defRPr>
-                </a:lvl6pPr>
-                <a:lvl7pPr marL="2743200" indent="0">
-                  <a:defRPr sz="1100">
-                    <a:solidFill>
-                      <a:schemeClr val="lt1"/>
-                    </a:solidFill>
-                    <a:latin typeface="+mn-lt"/>
-                    <a:ea typeface="+mn-ea"/>
-                    <a:cs typeface="+mn-cs"/>
-                  </a:defRPr>
-                </a:lvl7pPr>
-                <a:lvl8pPr marL="3200400" indent="0">
-                  <a:defRPr sz="1100">
-                    <a:solidFill>
-                      <a:schemeClr val="lt1"/>
-                    </a:solidFill>
-                    <a:latin typeface="+mn-lt"/>
-                    <a:ea typeface="+mn-ea"/>
-                    <a:cs typeface="+mn-cs"/>
-                  </a:defRPr>
-                </a:lvl8pPr>
-                <a:lvl9pPr marL="3657600" indent="0">
-                  <a:defRPr sz="1100">
-                    <a:solidFill>
-                      <a:schemeClr val="lt1"/>
-                    </a:solidFill>
-                    <a:latin typeface="+mn-lt"/>
-                    <a:ea typeface="+mn-ea"/>
-                    <a:cs typeface="+mn-cs"/>
-                  </a:defRPr>
-                </a:lvl9pPr>
-              </a:lstStyle>
-              <a:p>
-                <a:pPr algn="ctr"/>
-                <a:r>
-                  <a:rPr lang="ja-JP" altLang="en-US" sz="900" dirty="0">
-                    <a:solidFill>
-                      <a:sysClr val="windowText" lastClr="000000"/>
-                    </a:solidFill>
-                    <a:latin typeface="MS UI Gothic" panose="020B0600070205080204" pitchFamily="50" charset="-128"/>
-                    <a:ea typeface="MS UI Gothic" panose="020B0600070205080204" pitchFamily="50" charset="-128"/>
-                  </a:rPr>
-                  <a:t>コメント</a:t>
-                </a:r>
-                <a:r>
-                  <a:rPr lang="ja-JP" altLang="en-US" sz="900" dirty="0" smtClean="0">
-                    <a:solidFill>
-                      <a:sysClr val="windowText" lastClr="000000"/>
-                    </a:solidFill>
-                    <a:latin typeface="MS UI Gothic" panose="020B0600070205080204" pitchFamily="50" charset="-128"/>
-                    <a:ea typeface="MS UI Gothic" panose="020B0600070205080204" pitchFamily="50" charset="-128"/>
-                  </a:rPr>
-                  <a:t>管理</a:t>
-                </a:r>
-                <a:r>
-                  <a:rPr kumimoji="1" lang="ja-JP" altLang="en-US" sz="900" dirty="0">
-                    <a:solidFill>
-                      <a:sysClr val="windowText" lastClr="000000"/>
-                    </a:solidFill>
-                    <a:latin typeface="MS UI Gothic" panose="020B0600070205080204" pitchFamily="50" charset="-128"/>
-                    <a:ea typeface="MS UI Gothic" panose="020B0600070205080204" pitchFamily="50" charset="-128"/>
-                  </a:rPr>
-                  <a:t>テーブル</a:t>
-                </a:r>
-              </a:p>
-            </p:txBody>
-          </p:sp>
-          <p:cxnSp>
-            <p:nvCxnSpPr>
-              <p:cNvPr id="3" name="直線矢印コネクタ 2"/>
-              <p:cNvCxnSpPr>
-                <a:stCxn id="4" idx="2"/>
-                <a:endCxn id="5" idx="0"/>
-              </p:cNvCxnSpPr>
-              <p:nvPr/>
-            </p:nvCxnSpPr>
-            <p:spPr>
-              <a:xfrm>
-                <a:off x="3030627" y="1470852"/>
-                <a:ext cx="0" cy="285635"/>
-              </a:xfrm>
-              <a:prstGeom prst="straightConnector1">
-                <a:avLst/>
-              </a:prstGeom>
-              <a:ln>
-                <a:headEnd type="none"/>
-                <a:tailEnd type="arrow"/>
-              </a:ln>
-            </p:spPr>
-            <p:style>
-              <a:lnRef idx="1">
-                <a:schemeClr val="dk1"/>
-              </a:lnRef>
-              <a:fillRef idx="0">
-                <a:schemeClr val="dk1"/>
-              </a:fillRef>
-              <a:effectRef idx="0">
-                <a:schemeClr val="dk1"/>
-              </a:effectRef>
-              <a:fontRef idx="minor">
-                <a:schemeClr val="tx1"/>
-              </a:fontRef>
-            </p:style>
-          </p:cxnSp>
-          <p:cxnSp>
-            <p:nvCxnSpPr>
-              <p:cNvPr id="32" name="直線矢印コネクタ 31"/>
-              <p:cNvCxnSpPr>
-                <a:stCxn id="5" idx="2"/>
-                <a:endCxn id="6" idx="0"/>
-              </p:cNvCxnSpPr>
-              <p:nvPr/>
-            </p:nvCxnSpPr>
-            <p:spPr>
-              <a:xfrm flipH="1">
-                <a:off x="3030626" y="2188826"/>
-                <a:ext cx="1" cy="285635"/>
-              </a:xfrm>
-              <a:prstGeom prst="straightConnector1">
-                <a:avLst/>
-              </a:prstGeom>
-              <a:ln>
-                <a:headEnd type="none"/>
-                <a:tailEnd type="arrow"/>
-              </a:ln>
-            </p:spPr>
-            <p:style>
-              <a:lnRef idx="1">
-                <a:schemeClr val="dk1"/>
-              </a:lnRef>
-              <a:fillRef idx="0">
-                <a:schemeClr val="dk1"/>
-              </a:fillRef>
-              <a:effectRef idx="0">
-                <a:schemeClr val="dk1"/>
-              </a:effectRef>
-              <a:fontRef idx="minor">
-                <a:schemeClr val="tx1"/>
-              </a:fontRef>
-            </p:style>
-          </p:cxnSp>
-          <p:cxnSp>
-            <p:nvCxnSpPr>
-              <p:cNvPr id="35" name="直線矢印コネクタ 34"/>
-              <p:cNvCxnSpPr>
-                <a:stCxn id="6" idx="2"/>
-                <a:endCxn id="9" idx="0"/>
-              </p:cNvCxnSpPr>
-              <p:nvPr/>
-            </p:nvCxnSpPr>
-            <p:spPr>
-              <a:xfrm flipH="1">
-                <a:off x="3030217" y="2906800"/>
-                <a:ext cx="409" cy="328353"/>
-              </a:xfrm>
-              <a:prstGeom prst="straightConnector1">
-                <a:avLst/>
-              </a:prstGeom>
-              <a:ln>
-                <a:headEnd type="none"/>
-                <a:tailEnd type="arrow"/>
-              </a:ln>
-            </p:spPr>
-            <p:style>
-              <a:lnRef idx="1">
-                <a:schemeClr val="dk1"/>
-              </a:lnRef>
-              <a:fillRef idx="0">
-                <a:schemeClr val="dk1"/>
-              </a:fillRef>
-              <a:effectRef idx="0">
-                <a:schemeClr val="dk1"/>
-              </a:effectRef>
-              <a:fontRef idx="minor">
-                <a:schemeClr val="tx1"/>
-              </a:fontRef>
-            </p:style>
-          </p:cxnSp>
-          <p:cxnSp>
-            <p:nvCxnSpPr>
-              <p:cNvPr id="38" name="直線矢印コネクタ 37"/>
-              <p:cNvCxnSpPr/>
-              <p:nvPr/>
-            </p:nvCxnSpPr>
-            <p:spPr>
-              <a:xfrm flipV="1">
-                <a:off x="1872047" y="2799100"/>
-                <a:ext cx="547173" cy="7075"/>
-              </a:xfrm>
-              <a:prstGeom prst="straightConnector1">
-                <a:avLst/>
-              </a:prstGeom>
-              <a:ln>
-                <a:headEnd type="none"/>
-                <a:tailEnd type="arrow"/>
-              </a:ln>
-            </p:spPr>
-            <p:style>
-              <a:lnRef idx="1">
-                <a:schemeClr val="dk1"/>
-              </a:lnRef>
-              <a:fillRef idx="0">
-                <a:schemeClr val="dk1"/>
-              </a:fillRef>
-              <a:effectRef idx="0">
-                <a:schemeClr val="dk1"/>
-              </a:effectRef>
-              <a:fontRef idx="minor">
-                <a:schemeClr val="tx1"/>
-              </a:fontRef>
-            </p:style>
-          </p:cxnSp>
-          <p:cxnSp>
-            <p:nvCxnSpPr>
-              <p:cNvPr id="41" name="直線矢印コネクタ 40"/>
-              <p:cNvCxnSpPr/>
-              <p:nvPr/>
-            </p:nvCxnSpPr>
-            <p:spPr>
-              <a:xfrm flipH="1">
-                <a:off x="1860660" y="2584606"/>
-                <a:ext cx="547173" cy="7075"/>
-              </a:xfrm>
-              <a:prstGeom prst="straightConnector1">
-                <a:avLst/>
-              </a:prstGeom>
-              <a:ln>
-                <a:headEnd type="none"/>
-                <a:tailEnd type="arrow"/>
-              </a:ln>
-            </p:spPr>
-            <p:style>
-              <a:lnRef idx="1">
-                <a:schemeClr val="dk1"/>
-              </a:lnRef>
-              <a:fillRef idx="0">
-                <a:schemeClr val="dk1"/>
-              </a:fillRef>
-              <a:effectRef idx="0">
-                <a:schemeClr val="dk1"/>
-              </a:effectRef>
-              <a:fontRef idx="minor">
-                <a:schemeClr val="tx1"/>
-              </a:fontRef>
-            </p:style>
-          </p:cxnSp>
-          <p:cxnSp>
-            <p:nvCxnSpPr>
-              <p:cNvPr id="64" name="直線矢印コネクタ 63"/>
-              <p:cNvCxnSpPr>
-                <a:stCxn id="19" idx="2"/>
-                <a:endCxn id="20" idx="0"/>
-              </p:cNvCxnSpPr>
-              <p:nvPr/>
-            </p:nvCxnSpPr>
-            <p:spPr>
-              <a:xfrm flipH="1">
-                <a:off x="9347137" y="1465690"/>
-                <a:ext cx="409" cy="290796"/>
-              </a:xfrm>
-              <a:prstGeom prst="straightConnector1">
-                <a:avLst/>
-              </a:prstGeom>
-              <a:ln>
-                <a:headEnd type="none"/>
-                <a:tailEnd type="arrow"/>
-              </a:ln>
-            </p:spPr>
-            <p:style>
-              <a:lnRef idx="1">
-                <a:schemeClr val="dk1"/>
-              </a:lnRef>
-              <a:fillRef idx="0">
-                <a:schemeClr val="dk1"/>
-              </a:fillRef>
-              <a:effectRef idx="0">
-                <a:schemeClr val="dk1"/>
-              </a:effectRef>
-              <a:fontRef idx="minor">
-                <a:schemeClr val="tx1"/>
-              </a:fontRef>
-            </p:style>
-          </p:cxnSp>
-          <p:sp>
-            <p:nvSpPr>
-              <p:cNvPr id="76" name="フローチャート : 定義済み処理 27"/>
-              <p:cNvSpPr/>
-              <p:nvPr/>
-            </p:nvSpPr>
-            <p:spPr>
-              <a:xfrm>
-                <a:off x="4501905" y="1670761"/>
-                <a:ext cx="1243949" cy="432339"/>
-              </a:xfrm>
-              <a:prstGeom prst="flowChartPredefinedProcess">
-                <a:avLst/>
-              </a:prstGeom>
-              <a:solidFill>
-                <a:sysClr val="window" lastClr="FFFFFF"/>
-              </a:solidFill>
-              <a:ln>
-                <a:solidFill>
-                  <a:sysClr val="windowText" lastClr="000000"/>
-                </a:solidFill>
-              </a:ln>
-            </p:spPr>
-            <p:style>
-              <a:lnRef idx="2">
-                <a:schemeClr val="accent1">
-                  <a:shade val="50000"/>
-                </a:schemeClr>
-              </a:lnRef>
-              <a:fillRef idx="1">
-                <a:schemeClr val="accent1"/>
-              </a:fillRef>
-              <a:effectRef idx="0">
-                <a:schemeClr val="accent1"/>
-              </a:effectRef>
-              <a:fontRef idx="minor">
-                <a:schemeClr val="lt1"/>
-              </a:fontRef>
-            </p:style>
-            <p:txBody>
-              <a:bodyPr wrap="square" rtlCol="0" anchor="ctr"/>
-              <a:lstStyle>
-                <a:lvl1pPr marL="0" indent="0">
-                  <a:defRPr sz="1100">
-                    <a:solidFill>
-                      <a:schemeClr val="lt1"/>
-                    </a:solidFill>
-                    <a:latin typeface="+mn-lt"/>
-                    <a:ea typeface="+mn-ea"/>
-                    <a:cs typeface="+mn-cs"/>
-                  </a:defRPr>
-                </a:lvl1pPr>
-                <a:lvl2pPr marL="457200" indent="0">
-                  <a:defRPr sz="1100">
-                    <a:solidFill>
-                      <a:schemeClr val="lt1"/>
-                    </a:solidFill>
-                    <a:latin typeface="+mn-lt"/>
-                    <a:ea typeface="+mn-ea"/>
-                    <a:cs typeface="+mn-cs"/>
-                  </a:defRPr>
-                </a:lvl2pPr>
-                <a:lvl3pPr marL="914400" indent="0">
-                  <a:defRPr sz="1100">
-                    <a:solidFill>
-                      <a:schemeClr val="lt1"/>
-                    </a:solidFill>
-                    <a:latin typeface="+mn-lt"/>
-                    <a:ea typeface="+mn-ea"/>
-                    <a:cs typeface="+mn-cs"/>
-                  </a:defRPr>
-                </a:lvl3pPr>
-                <a:lvl4pPr marL="1371600" indent="0">
-                  <a:defRPr sz="1100">
-                    <a:solidFill>
-                      <a:schemeClr val="lt1"/>
-                    </a:solidFill>
-                    <a:latin typeface="+mn-lt"/>
-                    <a:ea typeface="+mn-ea"/>
-                    <a:cs typeface="+mn-cs"/>
-                  </a:defRPr>
-                </a:lvl4pPr>
-                <a:lvl5pPr marL="1828800" indent="0">
-                  <a:defRPr sz="1100">
-                    <a:solidFill>
-                      <a:schemeClr val="lt1"/>
-                    </a:solidFill>
-                    <a:latin typeface="+mn-lt"/>
-                    <a:ea typeface="+mn-ea"/>
-                    <a:cs typeface="+mn-cs"/>
-                  </a:defRPr>
-                </a:lvl5pPr>
-                <a:lvl6pPr marL="2286000" indent="0">
-                  <a:defRPr sz="1100">
-                    <a:solidFill>
-                      <a:schemeClr val="lt1"/>
-                    </a:solidFill>
-                    <a:latin typeface="+mn-lt"/>
-                    <a:ea typeface="+mn-ea"/>
-                    <a:cs typeface="+mn-cs"/>
-                  </a:defRPr>
-                </a:lvl6pPr>
-                <a:lvl7pPr marL="2743200" indent="0">
-                  <a:defRPr sz="1100">
-                    <a:solidFill>
-                      <a:schemeClr val="lt1"/>
-                    </a:solidFill>
-                    <a:latin typeface="+mn-lt"/>
-                    <a:ea typeface="+mn-ea"/>
-                    <a:cs typeface="+mn-cs"/>
-                  </a:defRPr>
-                </a:lvl7pPr>
-                <a:lvl8pPr marL="3200400" indent="0">
-                  <a:defRPr sz="1100">
-                    <a:solidFill>
-                      <a:schemeClr val="lt1"/>
-                    </a:solidFill>
-                    <a:latin typeface="+mn-lt"/>
-                    <a:ea typeface="+mn-ea"/>
-                    <a:cs typeface="+mn-cs"/>
-                  </a:defRPr>
-                </a:lvl8pPr>
-                <a:lvl9pPr marL="3657600" indent="0">
-                  <a:defRPr sz="1100">
-                    <a:solidFill>
-                      <a:schemeClr val="lt1"/>
-                    </a:solidFill>
-                    <a:latin typeface="+mn-lt"/>
-                    <a:ea typeface="+mn-ea"/>
-                    <a:cs typeface="+mn-cs"/>
-                  </a:defRPr>
-                </a:lvl9pPr>
-              </a:lstStyle>
-              <a:p>
-                <a:pPr algn="ctr"/>
-                <a:r>
-                  <a:rPr lang="ja-JP" altLang="en-US" sz="900" dirty="0" smtClean="0">
-                    <a:solidFill>
-                      <a:sysClr val="windowText" lastClr="000000"/>
-                    </a:solidFill>
-                    <a:latin typeface="MS UI Gothic" panose="020B0600070205080204" pitchFamily="50" charset="-128"/>
-                    <a:ea typeface="MS UI Gothic" panose="020B0600070205080204" pitchFamily="50" charset="-128"/>
-                  </a:rPr>
-                  <a:t>名前，コメント欄に入力</a:t>
-                </a:r>
-                <a:endParaRPr kumimoji="1" lang="en-US" altLang="ja-JP" sz="900" dirty="0">
-                  <a:solidFill>
-                    <a:sysClr val="windowText" lastClr="000000"/>
-                  </a:solidFill>
-                  <a:latin typeface="MS UI Gothic" panose="020B0600070205080204" pitchFamily="50" charset="-128"/>
-                  <a:ea typeface="MS UI Gothic" panose="020B0600070205080204" pitchFamily="50" charset="-128"/>
-                </a:endParaRPr>
-              </a:p>
-            </p:txBody>
-          </p:sp>
-          <p:sp>
-            <p:nvSpPr>
-              <p:cNvPr id="78" name="フローチャート : 手操作入力 51"/>
-              <p:cNvSpPr/>
-              <p:nvPr/>
-            </p:nvSpPr>
-            <p:spPr>
-              <a:xfrm>
-                <a:off x="4501068" y="2388736"/>
-                <a:ext cx="1244767" cy="427177"/>
-              </a:xfrm>
-              <a:prstGeom prst="flowChartManualInput">
                 <a:avLst/>
               </a:prstGeom>
               <a:solidFill>
@@ -8678,7 +9386,7 @@
                     <a:latin typeface="MS UI Gothic" panose="020B0600070205080204" pitchFamily="50" charset="-128"/>
                     <a:ea typeface="MS UI Gothic" panose="020B0600070205080204" pitchFamily="50" charset="-128"/>
                   </a:rPr>
-                  <a:t>投稿</a:t>
+                  <a:t>コメント</a:t>
                 </a:r>
                 <a:r>
                   <a:rPr lang="ja-JP" altLang="en-US" sz="900" dirty="0" smtClean="0">
@@ -8688,7 +9396,7 @@
                     <a:latin typeface="MS UI Gothic" panose="020B0600070205080204" pitchFamily="50" charset="-128"/>
                     <a:ea typeface="MS UI Gothic" panose="020B0600070205080204" pitchFamily="50" charset="-128"/>
                   </a:rPr>
-                  <a:t>する」ボタンを</a:t>
+                  <a:t>」を</a:t>
                 </a:r>
                 <a:endParaRPr lang="en-US" altLang="ja-JP" sz="900" dirty="0" smtClean="0">
                   <a:solidFill>
@@ -8708,162 +9416,7 @@
                     <a:latin typeface="MS UI Gothic" panose="020B0600070205080204" pitchFamily="50" charset="-128"/>
                     <a:ea typeface="MS UI Gothic" panose="020B0600070205080204" pitchFamily="50" charset="-128"/>
                   </a:rPr>
-                  <a:t>押下</a:t>
-                </a:r>
-                <a:endParaRPr kumimoji="1" lang="ja-JP" altLang="en-US" sz="900" dirty="0">
-                  <a:solidFill>
-                    <a:sysClr val="windowText" lastClr="000000"/>
-                  </a:solidFill>
-                  <a:latin typeface="MS UI Gothic" panose="020B0600070205080204" pitchFamily="50" charset="-128"/>
-                  <a:ea typeface="MS UI Gothic" panose="020B0600070205080204" pitchFamily="50" charset="-128"/>
-                </a:endParaRPr>
-              </a:p>
-            </p:txBody>
-          </p:sp>
-          <p:sp>
-            <p:nvSpPr>
-              <p:cNvPr id="91" name="フローチャート : 手操作入力 51"/>
-              <p:cNvSpPr/>
-              <p:nvPr/>
-            </p:nvSpPr>
-            <p:spPr>
-              <a:xfrm>
-                <a:off x="4487958" y="3320298"/>
-                <a:ext cx="1244767" cy="427177"/>
-              </a:xfrm>
-              <a:prstGeom prst="flowChartManualInput">
-                <a:avLst/>
-              </a:prstGeom>
-              <a:solidFill>
-                <a:sysClr val="window" lastClr="FFFFFF"/>
-              </a:solidFill>
-              <a:ln>
-                <a:solidFill>
-                  <a:sysClr val="windowText" lastClr="000000"/>
-                </a:solidFill>
-              </a:ln>
-            </p:spPr>
-            <p:style>
-              <a:lnRef idx="2">
-                <a:schemeClr val="accent1">
-                  <a:shade val="50000"/>
-                </a:schemeClr>
-              </a:lnRef>
-              <a:fillRef idx="1">
-                <a:schemeClr val="accent1"/>
-              </a:fillRef>
-              <a:effectRef idx="0">
-                <a:schemeClr val="accent1"/>
-              </a:effectRef>
-              <a:fontRef idx="minor">
-                <a:schemeClr val="lt1"/>
-              </a:fontRef>
-            </p:style>
-            <p:txBody>
-              <a:bodyPr wrap="square" rtlCol="0" anchor="ctr"/>
-              <a:lstStyle>
-                <a:lvl1pPr marL="0" indent="0">
-                  <a:defRPr sz="1100">
-                    <a:solidFill>
-                      <a:schemeClr val="lt1"/>
-                    </a:solidFill>
-                    <a:latin typeface="+mn-lt"/>
-                    <a:ea typeface="+mn-ea"/>
-                    <a:cs typeface="+mn-cs"/>
-                  </a:defRPr>
-                </a:lvl1pPr>
-                <a:lvl2pPr marL="457200" indent="0">
-                  <a:defRPr sz="1100">
-                    <a:solidFill>
-                      <a:schemeClr val="lt1"/>
-                    </a:solidFill>
-                    <a:latin typeface="+mn-lt"/>
-                    <a:ea typeface="+mn-ea"/>
-                    <a:cs typeface="+mn-cs"/>
-                  </a:defRPr>
-                </a:lvl2pPr>
-                <a:lvl3pPr marL="914400" indent="0">
-                  <a:defRPr sz="1100">
-                    <a:solidFill>
-                      <a:schemeClr val="lt1"/>
-                    </a:solidFill>
-                    <a:latin typeface="+mn-lt"/>
-                    <a:ea typeface="+mn-ea"/>
-                    <a:cs typeface="+mn-cs"/>
-                  </a:defRPr>
-                </a:lvl3pPr>
-                <a:lvl4pPr marL="1371600" indent="0">
-                  <a:defRPr sz="1100">
-                    <a:solidFill>
-                      <a:schemeClr val="lt1"/>
-                    </a:solidFill>
-                    <a:latin typeface="+mn-lt"/>
-                    <a:ea typeface="+mn-ea"/>
-                    <a:cs typeface="+mn-cs"/>
-                  </a:defRPr>
-                </a:lvl4pPr>
-                <a:lvl5pPr marL="1828800" indent="0">
-                  <a:defRPr sz="1100">
-                    <a:solidFill>
-                      <a:schemeClr val="lt1"/>
-                    </a:solidFill>
-                    <a:latin typeface="+mn-lt"/>
-                    <a:ea typeface="+mn-ea"/>
-                    <a:cs typeface="+mn-cs"/>
-                  </a:defRPr>
-                </a:lvl5pPr>
-                <a:lvl6pPr marL="2286000" indent="0">
-                  <a:defRPr sz="1100">
-                    <a:solidFill>
-                      <a:schemeClr val="lt1"/>
-                    </a:solidFill>
-                    <a:latin typeface="+mn-lt"/>
-                    <a:ea typeface="+mn-ea"/>
-                    <a:cs typeface="+mn-cs"/>
-                  </a:defRPr>
-                </a:lvl6pPr>
-                <a:lvl7pPr marL="2743200" indent="0">
-                  <a:defRPr sz="1100">
-                    <a:solidFill>
-                      <a:schemeClr val="lt1"/>
-                    </a:solidFill>
-                    <a:latin typeface="+mn-lt"/>
-                    <a:ea typeface="+mn-ea"/>
-                    <a:cs typeface="+mn-cs"/>
-                  </a:defRPr>
-                </a:lvl7pPr>
-                <a:lvl8pPr marL="3200400" indent="0">
-                  <a:defRPr sz="1100">
-                    <a:solidFill>
-                      <a:schemeClr val="lt1"/>
-                    </a:solidFill>
-                    <a:latin typeface="+mn-lt"/>
-                    <a:ea typeface="+mn-ea"/>
-                    <a:cs typeface="+mn-cs"/>
-                  </a:defRPr>
-                </a:lvl8pPr>
-                <a:lvl9pPr marL="3657600" indent="0">
-                  <a:defRPr sz="1100">
-                    <a:solidFill>
-                      <a:schemeClr val="lt1"/>
-                    </a:solidFill>
-                    <a:latin typeface="+mn-lt"/>
-                    <a:ea typeface="+mn-ea"/>
-                    <a:cs typeface="+mn-cs"/>
-                  </a:defRPr>
-                </a:lvl9pPr>
-              </a:lstStyle>
-              <a:p>
-                <a:pPr algn="ctr"/>
-                <a:r>
-                  <a:rPr lang="ja-JP" altLang="en-US" sz="900" dirty="0" smtClean="0">
-                    <a:solidFill>
-                      <a:sysClr val="windowText" lastClr="000000"/>
-                    </a:solidFill>
-                    <a:latin typeface="MS UI Gothic" panose="020B0600070205080204" pitchFamily="50" charset="-128"/>
-                    <a:ea typeface="MS UI Gothic" panose="020B0600070205080204" pitchFamily="50" charset="-128"/>
-                  </a:rPr>
-                  <a:t>「コメント」以外の場所を押下</a:t>
+                  <a:t>更新し表示</a:t>
                 </a:r>
                 <a:endParaRPr kumimoji="1" lang="ja-JP" altLang="en-US" sz="900" dirty="0">
                   <a:solidFill>
@@ -8877,313 +9430,17 @@
           </p:sp>
           <p:cxnSp>
             <p:nvCxnSpPr>
-              <p:cNvPr id="104" name="直線矢印コネクタ 103"/>
+              <p:cNvPr id="13" name="カギ線コネクタ 12"/>
               <p:cNvCxnSpPr>
-                <a:stCxn id="91" idx="2"/>
-                <a:endCxn id="11" idx="0"/>
-              </p:cNvCxnSpPr>
-              <p:nvPr/>
-            </p:nvCxnSpPr>
-            <p:spPr>
-              <a:xfrm>
-                <a:off x="5110342" y="3747475"/>
-                <a:ext cx="409" cy="291598"/>
-              </a:xfrm>
-              <a:prstGeom prst="straightConnector1">
-                <a:avLst/>
-              </a:prstGeom>
-              <a:ln>
-                <a:headEnd type="none"/>
-                <a:tailEnd type="arrow"/>
-              </a:ln>
-            </p:spPr>
-            <p:style>
-              <a:lnRef idx="1">
-                <a:schemeClr val="dk1"/>
-              </a:lnRef>
-              <a:fillRef idx="0">
-                <a:schemeClr val="dk1"/>
-              </a:fillRef>
-              <a:effectRef idx="0">
-                <a:schemeClr val="dk1"/>
-              </a:effectRef>
-              <a:fontRef idx="minor">
-                <a:schemeClr val="tx1"/>
-              </a:fontRef>
-            </p:style>
-          </p:cxnSp>
-          <p:cxnSp>
-            <p:nvCxnSpPr>
-              <p:cNvPr id="110" name="直線矢印コネクタ 109"/>
-              <p:cNvCxnSpPr>
-                <a:stCxn id="10" idx="2"/>
-                <a:endCxn id="76" idx="0"/>
-              </p:cNvCxnSpPr>
-              <p:nvPr/>
-            </p:nvCxnSpPr>
-            <p:spPr>
-              <a:xfrm flipH="1">
-                <a:off x="5123880" y="1385127"/>
-                <a:ext cx="1" cy="285634"/>
-              </a:xfrm>
-              <a:prstGeom prst="straightConnector1">
-                <a:avLst/>
-              </a:prstGeom>
-              <a:ln>
-                <a:headEnd type="none"/>
-                <a:tailEnd type="arrow"/>
-              </a:ln>
-            </p:spPr>
-            <p:style>
-              <a:lnRef idx="1">
-                <a:schemeClr val="dk1"/>
-              </a:lnRef>
-              <a:fillRef idx="0">
-                <a:schemeClr val="dk1"/>
-              </a:fillRef>
-              <a:effectRef idx="0">
-                <a:schemeClr val="dk1"/>
-              </a:effectRef>
-              <a:fontRef idx="minor">
-                <a:schemeClr val="tx1"/>
-              </a:fontRef>
-            </p:style>
-          </p:cxnSp>
-          <p:cxnSp>
-            <p:nvCxnSpPr>
-              <p:cNvPr id="113" name="直線矢印コネクタ 112"/>
-              <p:cNvCxnSpPr>
-                <a:stCxn id="76" idx="2"/>
-                <a:endCxn id="78" idx="0"/>
-              </p:cNvCxnSpPr>
-              <p:nvPr/>
-            </p:nvCxnSpPr>
-            <p:spPr>
-              <a:xfrm flipH="1">
-                <a:off x="5123452" y="2103100"/>
-                <a:ext cx="428" cy="328354"/>
-              </a:xfrm>
-              <a:prstGeom prst="straightConnector1">
-                <a:avLst/>
-              </a:prstGeom>
-              <a:ln>
-                <a:headEnd type="none"/>
-                <a:tailEnd type="arrow"/>
-              </a:ln>
-            </p:spPr>
-            <p:style>
-              <a:lnRef idx="1">
-                <a:schemeClr val="dk1"/>
-              </a:lnRef>
-              <a:fillRef idx="0">
-                <a:schemeClr val="dk1"/>
-              </a:fillRef>
-              <a:effectRef idx="0">
-                <a:schemeClr val="dk1"/>
-              </a:effectRef>
-              <a:fontRef idx="minor">
-                <a:schemeClr val="tx1"/>
-              </a:fontRef>
-            </p:style>
-          </p:cxnSp>
-          <p:cxnSp>
-            <p:nvCxnSpPr>
-              <p:cNvPr id="122" name="カギ線コネクタ 121"/>
-              <p:cNvCxnSpPr>
-                <a:endCxn id="91" idx="1"/>
-              </p:cNvCxnSpPr>
-              <p:nvPr/>
-            </p:nvCxnSpPr>
-            <p:spPr>
-              <a:xfrm rot="5400000">
-                <a:off x="3801443" y="2211878"/>
-                <a:ext cx="2008525" cy="635493"/>
-              </a:xfrm>
-              <a:prstGeom prst="bentConnector4">
-                <a:avLst>
-                  <a:gd name="adj1" fmla="val -369"/>
-                  <a:gd name="adj2" fmla="val 150960"/>
-                </a:avLst>
-              </a:prstGeom>
-              <a:ln>
-                <a:tailEnd type="arrow"/>
-              </a:ln>
-            </p:spPr>
-            <p:style>
-              <a:lnRef idx="1">
-                <a:schemeClr val="dk1"/>
-              </a:lnRef>
-              <a:fillRef idx="0">
-                <a:schemeClr val="dk1"/>
-              </a:fillRef>
-              <a:effectRef idx="0">
-                <a:schemeClr val="dk1"/>
-              </a:effectRef>
-              <a:fontRef idx="minor">
-                <a:schemeClr val="tx1"/>
-              </a:fontRef>
-            </p:style>
-          </p:cxnSp>
-          <p:cxnSp>
-            <p:nvCxnSpPr>
-              <p:cNvPr id="126" name="カギ線コネクタ 125"/>
-              <p:cNvCxnSpPr>
-                <a:stCxn id="9" idx="3"/>
-                <a:endCxn id="10" idx="1"/>
-              </p:cNvCxnSpPr>
-              <p:nvPr/>
-            </p:nvCxnSpPr>
-            <p:spPr>
-              <a:xfrm flipV="1">
-                <a:off x="3652600" y="1168958"/>
-                <a:ext cx="849306" cy="2237066"/>
-              </a:xfrm>
-              <a:prstGeom prst="bentConnector3">
-                <a:avLst>
-                  <a:gd name="adj1" fmla="val 50000"/>
-                </a:avLst>
-              </a:prstGeom>
-              <a:ln>
-                <a:tailEnd type="arrow"/>
-              </a:ln>
-            </p:spPr>
-            <p:style>
-              <a:lnRef idx="1">
-                <a:schemeClr val="dk1"/>
-              </a:lnRef>
-              <a:fillRef idx="0">
-                <a:schemeClr val="dk1"/>
-              </a:fillRef>
-              <a:effectRef idx="0">
-                <a:schemeClr val="dk1"/>
-              </a:effectRef>
-              <a:fontRef idx="minor">
-                <a:schemeClr val="tx1"/>
-              </a:fontRef>
-            </p:style>
-          </p:cxnSp>
-          <p:cxnSp>
-            <p:nvCxnSpPr>
-              <p:cNvPr id="142" name="カギ線コネクタ 141"/>
-              <p:cNvCxnSpPr>
-                <a:stCxn id="10" idx="0"/>
-                <a:endCxn id="19" idx="0"/>
+                <a:stCxn id="78" idx="2"/>
+                <a:endCxn id="36" idx="1"/>
               </p:cNvCxnSpPr>
               <p:nvPr/>
             </p:nvCxnSpPr>
             <p:spPr>
               <a:xfrm rot="16200000" flipH="1">
-                <a:off x="7171491" y="-1094823"/>
-                <a:ext cx="128443" cy="4223665"/>
-              </a:xfrm>
-              <a:prstGeom prst="bentConnector3">
-                <a:avLst>
-                  <a:gd name="adj1" fmla="val -177978"/>
-                </a:avLst>
-              </a:prstGeom>
-              <a:ln>
-                <a:tailEnd type="arrow"/>
-              </a:ln>
-            </p:spPr>
-            <p:style>
-              <a:lnRef idx="1">
-                <a:schemeClr val="dk1"/>
-              </a:lnRef>
-              <a:fillRef idx="0">
-                <a:schemeClr val="dk1"/>
-              </a:fillRef>
-              <a:effectRef idx="0">
-                <a:schemeClr val="dk1"/>
-              </a:effectRef>
-              <a:fontRef idx="minor">
-                <a:schemeClr val="tx1"/>
-              </a:fontRef>
-            </p:style>
-          </p:cxnSp>
-          <p:cxnSp>
-            <p:nvCxnSpPr>
-              <p:cNvPr id="144" name="直線矢印コネクタ 143"/>
-              <p:cNvCxnSpPr>
-                <a:endCxn id="28" idx="1"/>
-              </p:cNvCxnSpPr>
-              <p:nvPr/>
-            </p:nvCxnSpPr>
-            <p:spPr>
-              <a:xfrm>
-                <a:off x="5745855" y="1066860"/>
-                <a:ext cx="722456" cy="423061"/>
-              </a:xfrm>
-              <a:prstGeom prst="bentConnector2">
-                <a:avLst/>
-              </a:prstGeom>
-              <a:ln>
-                <a:tailEnd type="arrow"/>
-              </a:ln>
-            </p:spPr>
-            <p:style>
-              <a:lnRef idx="1">
-                <a:schemeClr val="dk1"/>
-              </a:lnRef>
-              <a:fillRef idx="0">
-                <a:schemeClr val="dk1"/>
-              </a:fillRef>
-              <a:effectRef idx="0">
-                <a:schemeClr val="dk1"/>
-              </a:effectRef>
-              <a:fontRef idx="minor">
-                <a:schemeClr val="tx1"/>
-              </a:fontRef>
-            </p:style>
-          </p:cxnSp>
-          <p:cxnSp>
-            <p:nvCxnSpPr>
-              <p:cNvPr id="145" name="直線矢印コネクタ 144"/>
-              <p:cNvCxnSpPr/>
-              <p:nvPr/>
-            </p:nvCxnSpPr>
-            <p:spPr>
-              <a:xfrm rot="10800000">
-                <a:off x="5732725" y="1292060"/>
-                <a:ext cx="506150" cy="178792"/>
-              </a:xfrm>
-              <a:prstGeom prst="bentConnector3">
-                <a:avLst>
-                  <a:gd name="adj1" fmla="val -810"/>
-                </a:avLst>
-              </a:prstGeom>
-              <a:ln>
-                <a:headEnd type="none"/>
-                <a:tailEnd type="arrow"/>
-              </a:ln>
-            </p:spPr>
-            <p:style>
-              <a:lnRef idx="1">
-                <a:schemeClr val="dk1"/>
-              </a:lnRef>
-              <a:fillRef idx="0">
-                <a:schemeClr val="dk1"/>
-              </a:fillRef>
-              <a:effectRef idx="0">
-                <a:schemeClr val="dk1"/>
-              </a:effectRef>
-              <a:fontRef idx="minor">
-                <a:schemeClr val="tx1"/>
-              </a:fontRef>
-            </p:style>
-          </p:cxnSp>
-          <p:cxnSp>
-            <p:nvCxnSpPr>
-              <p:cNvPr id="149" name="カギ線コネクタ 148"/>
-              <p:cNvCxnSpPr>
-                <a:stCxn id="78" idx="3"/>
-                <a:endCxn id="28" idx="3"/>
-              </p:cNvCxnSpPr>
-              <p:nvPr/>
-            </p:nvCxnSpPr>
-            <p:spPr>
-              <a:xfrm flipV="1">
-                <a:off x="5745835" y="1933060"/>
-                <a:ext cx="722476" cy="669265"/>
+                <a:off x="5356320" y="2583044"/>
+                <a:ext cx="248620" cy="714357"/>
               </a:xfrm>
               <a:prstGeom prst="bentConnector2">
                 <a:avLst/>
@@ -9208,217 +9465,24 @@
             </p:style>
           </p:cxnSp>
         </p:grpSp>
-        <p:sp>
-          <p:nvSpPr>
-            <p:cNvPr id="36" name="フローチャート : 定義済み処理 27"/>
-            <p:cNvSpPr/>
-            <p:nvPr/>
-          </p:nvSpPr>
-          <p:spPr>
-            <a:xfrm>
-              <a:off x="5837809" y="2848363"/>
-              <a:ext cx="1243949" cy="432339"/>
-            </a:xfrm>
-            <a:prstGeom prst="flowChartPredefinedProcess">
-              <a:avLst/>
-            </a:prstGeom>
-            <a:solidFill>
-              <a:sysClr val="window" lastClr="FFFFFF"/>
-            </a:solidFill>
-            <a:ln>
-              <a:solidFill>
-                <a:sysClr val="windowText" lastClr="000000"/>
-              </a:solidFill>
-            </a:ln>
-          </p:spPr>
-          <p:style>
-            <a:lnRef idx="2">
-              <a:schemeClr val="accent1">
-                <a:shade val="50000"/>
-              </a:schemeClr>
-            </a:lnRef>
-            <a:fillRef idx="1">
-              <a:schemeClr val="accent1"/>
-            </a:fillRef>
-            <a:effectRef idx="0">
-              <a:schemeClr val="accent1"/>
-            </a:effectRef>
-            <a:fontRef idx="minor">
-              <a:schemeClr val="lt1"/>
-            </a:fontRef>
-          </p:style>
-          <p:txBody>
-            <a:bodyPr wrap="square" rtlCol="0" anchor="ctr"/>
-            <a:lstStyle>
-              <a:lvl1pPr marL="0" indent="0">
-                <a:defRPr sz="1100">
-                  <a:solidFill>
-                    <a:schemeClr val="lt1"/>
-                  </a:solidFill>
-                  <a:latin typeface="+mn-lt"/>
-                  <a:ea typeface="+mn-ea"/>
-                  <a:cs typeface="+mn-cs"/>
-                </a:defRPr>
-              </a:lvl1pPr>
-              <a:lvl2pPr marL="457200" indent="0">
-                <a:defRPr sz="1100">
-                  <a:solidFill>
-                    <a:schemeClr val="lt1"/>
-                  </a:solidFill>
-                  <a:latin typeface="+mn-lt"/>
-                  <a:ea typeface="+mn-ea"/>
-                  <a:cs typeface="+mn-cs"/>
-                </a:defRPr>
-              </a:lvl2pPr>
-              <a:lvl3pPr marL="914400" indent="0">
-                <a:defRPr sz="1100">
-                  <a:solidFill>
-                    <a:schemeClr val="lt1"/>
-                  </a:solidFill>
-                  <a:latin typeface="+mn-lt"/>
-                  <a:ea typeface="+mn-ea"/>
-                  <a:cs typeface="+mn-cs"/>
-                </a:defRPr>
-              </a:lvl3pPr>
-              <a:lvl4pPr marL="1371600" indent="0">
-                <a:defRPr sz="1100">
-                  <a:solidFill>
-                    <a:schemeClr val="lt1"/>
-                  </a:solidFill>
-                  <a:latin typeface="+mn-lt"/>
-                  <a:ea typeface="+mn-ea"/>
-                  <a:cs typeface="+mn-cs"/>
-                </a:defRPr>
-              </a:lvl4pPr>
-              <a:lvl5pPr marL="1828800" indent="0">
-                <a:defRPr sz="1100">
-                  <a:solidFill>
-                    <a:schemeClr val="lt1"/>
-                  </a:solidFill>
-                  <a:latin typeface="+mn-lt"/>
-                  <a:ea typeface="+mn-ea"/>
-                  <a:cs typeface="+mn-cs"/>
-                </a:defRPr>
-              </a:lvl5pPr>
-              <a:lvl6pPr marL="2286000" indent="0">
-                <a:defRPr sz="1100">
-                  <a:solidFill>
-                    <a:schemeClr val="lt1"/>
-                  </a:solidFill>
-                  <a:latin typeface="+mn-lt"/>
-                  <a:ea typeface="+mn-ea"/>
-                  <a:cs typeface="+mn-cs"/>
-                </a:defRPr>
-              </a:lvl6pPr>
-              <a:lvl7pPr marL="2743200" indent="0">
-                <a:defRPr sz="1100">
-                  <a:solidFill>
-                    <a:schemeClr val="lt1"/>
-                  </a:solidFill>
-                  <a:latin typeface="+mn-lt"/>
-                  <a:ea typeface="+mn-ea"/>
-                  <a:cs typeface="+mn-cs"/>
-                </a:defRPr>
-              </a:lvl7pPr>
-              <a:lvl8pPr marL="3200400" indent="0">
-                <a:defRPr sz="1100">
-                  <a:solidFill>
-                    <a:schemeClr val="lt1"/>
-                  </a:solidFill>
-                  <a:latin typeface="+mn-lt"/>
-                  <a:ea typeface="+mn-ea"/>
-                  <a:cs typeface="+mn-cs"/>
-                </a:defRPr>
-              </a:lvl8pPr>
-              <a:lvl9pPr marL="3657600" indent="0">
-                <a:defRPr sz="1100">
-                  <a:solidFill>
-                    <a:schemeClr val="lt1"/>
-                  </a:solidFill>
-                  <a:latin typeface="+mn-lt"/>
-                  <a:ea typeface="+mn-ea"/>
-                  <a:cs typeface="+mn-cs"/>
-                </a:defRPr>
-              </a:lvl9pPr>
-            </a:lstStyle>
-            <a:p>
-              <a:pPr algn="ctr"/>
-              <a:r>
-                <a:rPr lang="ja-JP" altLang="en-US" sz="900" dirty="0" smtClean="0">
-                  <a:solidFill>
-                    <a:sysClr val="windowText" lastClr="000000"/>
-                  </a:solidFill>
-                  <a:latin typeface="MS UI Gothic" panose="020B0600070205080204" pitchFamily="50" charset="-128"/>
-                  <a:ea typeface="MS UI Gothic" panose="020B0600070205080204" pitchFamily="50" charset="-128"/>
-                </a:rPr>
-                <a:t>「</a:t>
-              </a:r>
-              <a:r>
-                <a:rPr lang="ja-JP" altLang="en-US" sz="900" dirty="0">
-                  <a:solidFill>
-                    <a:sysClr val="windowText" lastClr="000000"/>
-                  </a:solidFill>
-                  <a:latin typeface="MS UI Gothic" panose="020B0600070205080204" pitchFamily="50" charset="-128"/>
-                  <a:ea typeface="MS UI Gothic" panose="020B0600070205080204" pitchFamily="50" charset="-128"/>
-                </a:rPr>
-                <a:t>コメント</a:t>
-              </a:r>
-              <a:r>
-                <a:rPr lang="ja-JP" altLang="en-US" sz="900" dirty="0" smtClean="0">
-                  <a:solidFill>
-                    <a:sysClr val="windowText" lastClr="000000"/>
-                  </a:solidFill>
-                  <a:latin typeface="MS UI Gothic" panose="020B0600070205080204" pitchFamily="50" charset="-128"/>
-                  <a:ea typeface="MS UI Gothic" panose="020B0600070205080204" pitchFamily="50" charset="-128"/>
-                </a:rPr>
-                <a:t>」を</a:t>
-              </a:r>
-              <a:endParaRPr lang="en-US" altLang="ja-JP" sz="900" dirty="0" smtClean="0">
-                <a:solidFill>
-                  <a:sysClr val="windowText" lastClr="000000"/>
-                </a:solidFill>
-                <a:latin typeface="MS UI Gothic" panose="020B0600070205080204" pitchFamily="50" charset="-128"/>
-                <a:ea typeface="MS UI Gothic" panose="020B0600070205080204" pitchFamily="50" charset="-128"/>
-              </a:endParaRPr>
-            </a:p>
-            <a:p>
-              <a:pPr algn="ctr"/>
-              <a:r>
-                <a:rPr lang="ja-JP" altLang="en-US" sz="900" dirty="0" smtClean="0">
-                  <a:solidFill>
-                    <a:sysClr val="windowText" lastClr="000000"/>
-                  </a:solidFill>
-                  <a:latin typeface="MS UI Gothic" panose="020B0600070205080204" pitchFamily="50" charset="-128"/>
-                  <a:ea typeface="MS UI Gothic" panose="020B0600070205080204" pitchFamily="50" charset="-128"/>
-                </a:rPr>
-                <a:t>更新し表示</a:t>
-              </a:r>
-              <a:endParaRPr kumimoji="1" lang="ja-JP" altLang="en-US" sz="900" dirty="0">
-                <a:solidFill>
-                  <a:sysClr val="windowText" lastClr="000000"/>
-                </a:solidFill>
-                <a:latin typeface="MS UI Gothic" panose="020B0600070205080204" pitchFamily="50" charset="-128"/>
-                <a:ea typeface="MS UI Gothic" panose="020B0600070205080204" pitchFamily="50" charset="-128"/>
-              </a:endParaRPr>
-            </a:p>
-          </p:txBody>
-        </p:sp>
         <p:cxnSp>
           <p:nvCxnSpPr>
-            <p:cNvPr id="13" name="カギ線コネクタ 12"/>
+            <p:cNvPr id="7" name="カギ線コネクタ 6"/>
             <p:cNvCxnSpPr>
-              <a:stCxn id="78" idx="2"/>
-              <a:endCxn id="36" idx="1"/>
+              <a:stCxn id="36" idx="3"/>
             </p:cNvCxnSpPr>
             <p:nvPr/>
           </p:nvCxnSpPr>
           <p:spPr>
-            <a:xfrm rot="16200000" flipH="1">
-              <a:off x="5356320" y="2583044"/>
-              <a:ext cx="248620" cy="714357"/>
+            <a:xfrm flipH="1" flipV="1">
+              <a:off x="6060160" y="962313"/>
+              <a:ext cx="1335923" cy="2026020"/>
             </a:xfrm>
-            <a:prstGeom prst="bentConnector2">
-              <a:avLst/>
+            <a:prstGeom prst="bentConnector4">
+              <a:avLst>
+                <a:gd name="adj1" fmla="val -17112"/>
+                <a:gd name="adj2" fmla="val 100061"/>
+              </a:avLst>
             </a:prstGeom>
             <a:ln>
               <a:tailEnd type="arrow"/>
@@ -9439,6 +9503,46 @@
             </a:fontRef>
           </p:style>
         </p:cxnSp>
+        <p:cxnSp>
+          <p:nvCxnSpPr>
+            <p:cNvPr id="23" name="カギ線コネクタ 22"/>
+            <p:cNvCxnSpPr>
+              <a:stCxn id="11" idx="1"/>
+            </p:cNvCxnSpPr>
+            <p:nvPr/>
+          </p:nvCxnSpPr>
+          <p:spPr>
+            <a:xfrm rot="10800000">
+              <a:off x="2736107" y="2739713"/>
+              <a:ext cx="2066995" cy="1439331"/>
+            </a:xfrm>
+            <a:prstGeom prst="bentConnector3">
+              <a:avLst>
+                <a:gd name="adj1" fmla="val 109906"/>
+              </a:avLst>
+            </a:prstGeom>
+            <a:ln>
+              <a:solidFill>
+                <a:schemeClr val="tx1"/>
+              </a:solidFill>
+              <a:tailEnd type="arrow"/>
+            </a:ln>
+          </p:spPr>
+          <p:style>
+            <a:lnRef idx="1">
+              <a:schemeClr val="accent1"/>
+            </a:lnRef>
+            <a:fillRef idx="0">
+              <a:schemeClr val="accent1"/>
+            </a:fillRef>
+            <a:effectRef idx="0">
+              <a:schemeClr val="accent1"/>
+            </a:effectRef>
+            <a:fontRef idx="minor">
+              <a:schemeClr val="tx1"/>
+            </a:fontRef>
+          </p:style>
+        </p:cxnSp>
       </p:grpSp>
     </p:spTree>
     <p:extLst>
@@ -9450,6 +9554,13 @@
   <p:clrMapOvr>
     <a:masterClrMapping/>
   </p:clrMapOvr>
+  <p:timing>
+    <p:tnLst>
+      <p:par>
+        <p:cTn id="1" dur="indefinite" restart="never" nodeType="tmRoot"/>
+      </p:par>
+    </p:tnLst>
+  </p:timing>
 </p:sld>
 </file>
 

--- a/yabuki-a/PM演習矢吹a/C藩の内部設計書/内部設計書資料C藩の.pptx
+++ b/yabuki-a/PM演習矢吹a/C藩の内部設計書/内部設計書資料C藩の.pptx
@@ -7,7 +7,8 @@
   <p:sldIdLst>
     <p:sldId id="256" r:id="rId2"/>
     <p:sldId id="257" r:id="rId3"/>
-    <p:sldId id="258" r:id="rId4"/>
+    <p:sldId id="259" r:id="rId4"/>
+    <p:sldId id="258" r:id="rId5"/>
   </p:sldIdLst>
   <p:sldSz cx="12192000" cy="6858000"/>
   <p:notesSz cx="6858000" cy="9144000"/>
@@ -245,7 +246,7 @@
           <a:p>
             <a:fld id="{C5A10E30-AF47-4A7E-9739-503BC68BBCD8}" type="datetimeFigureOut">
               <a:rPr kumimoji="1" lang="ja-JP" altLang="en-US" smtClean="0"/>
-              <a:t>2014/6/23</a:t>
+              <a:t>2014/7/11</a:t>
             </a:fld>
             <a:endParaRPr kumimoji="1" lang="ja-JP" altLang="en-US"/>
           </a:p>
@@ -447,7 +448,7 @@
           <a:p>
             <a:fld id="{C5A10E30-AF47-4A7E-9739-503BC68BBCD8}" type="datetimeFigureOut">
               <a:rPr kumimoji="1" lang="ja-JP" altLang="en-US" smtClean="0"/>
-              <a:t>2014/6/23</a:t>
+              <a:t>2014/7/11</a:t>
             </a:fld>
             <a:endParaRPr kumimoji="1" lang="ja-JP" altLang="en-US"/>
           </a:p>
@@ -659,7 +660,7 @@
           <a:p>
             <a:fld id="{C5A10E30-AF47-4A7E-9739-503BC68BBCD8}" type="datetimeFigureOut">
               <a:rPr kumimoji="1" lang="ja-JP" altLang="en-US" smtClean="0"/>
-              <a:t>2014/6/23</a:t>
+              <a:t>2014/7/11</a:t>
             </a:fld>
             <a:endParaRPr kumimoji="1" lang="ja-JP" altLang="en-US"/>
           </a:p>
@@ -861,7 +862,7 @@
           <a:p>
             <a:fld id="{C5A10E30-AF47-4A7E-9739-503BC68BBCD8}" type="datetimeFigureOut">
               <a:rPr kumimoji="1" lang="ja-JP" altLang="en-US" smtClean="0"/>
-              <a:t>2014/6/23</a:t>
+              <a:t>2014/7/11</a:t>
             </a:fld>
             <a:endParaRPr kumimoji="1" lang="ja-JP" altLang="en-US"/>
           </a:p>
@@ -1107,7 +1108,7 @@
           <a:p>
             <a:fld id="{C5A10E30-AF47-4A7E-9739-503BC68BBCD8}" type="datetimeFigureOut">
               <a:rPr kumimoji="1" lang="ja-JP" altLang="en-US" smtClean="0"/>
-              <a:t>2014/6/23</a:t>
+              <a:t>2014/7/11</a:t>
             </a:fld>
             <a:endParaRPr kumimoji="1" lang="ja-JP" altLang="en-US"/>
           </a:p>
@@ -1403,7 +1404,7 @@
           <a:p>
             <a:fld id="{C5A10E30-AF47-4A7E-9739-503BC68BBCD8}" type="datetimeFigureOut">
               <a:rPr kumimoji="1" lang="ja-JP" altLang="en-US" smtClean="0"/>
-              <a:t>2014/6/23</a:t>
+              <a:t>2014/7/11</a:t>
             </a:fld>
             <a:endParaRPr kumimoji="1" lang="ja-JP" altLang="en-US"/>
           </a:p>
@@ -1834,7 +1835,7 @@
           <a:p>
             <a:fld id="{C5A10E30-AF47-4A7E-9739-503BC68BBCD8}" type="datetimeFigureOut">
               <a:rPr kumimoji="1" lang="ja-JP" altLang="en-US" smtClean="0"/>
-              <a:t>2014/6/23</a:t>
+              <a:t>2014/7/11</a:t>
             </a:fld>
             <a:endParaRPr kumimoji="1" lang="ja-JP" altLang="en-US"/>
           </a:p>
@@ -1952,7 +1953,7 @@
           <a:p>
             <a:fld id="{C5A10E30-AF47-4A7E-9739-503BC68BBCD8}" type="datetimeFigureOut">
               <a:rPr kumimoji="1" lang="ja-JP" altLang="en-US" smtClean="0"/>
-              <a:t>2014/6/23</a:t>
+              <a:t>2014/7/11</a:t>
             </a:fld>
             <a:endParaRPr kumimoji="1" lang="ja-JP" altLang="en-US"/>
           </a:p>
@@ -2047,7 +2048,7 @@
           <a:p>
             <a:fld id="{C5A10E30-AF47-4A7E-9739-503BC68BBCD8}" type="datetimeFigureOut">
               <a:rPr kumimoji="1" lang="ja-JP" altLang="en-US" smtClean="0"/>
-              <a:t>2014/6/23</a:t>
+              <a:t>2014/7/11</a:t>
             </a:fld>
             <a:endParaRPr kumimoji="1" lang="ja-JP" altLang="en-US"/>
           </a:p>
@@ -2356,7 +2357,7 @@
           <a:p>
             <a:fld id="{C5A10E30-AF47-4A7E-9739-503BC68BBCD8}" type="datetimeFigureOut">
               <a:rPr kumimoji="1" lang="ja-JP" altLang="en-US" smtClean="0"/>
-              <a:t>2014/6/23</a:t>
+              <a:t>2014/7/11</a:t>
             </a:fld>
             <a:endParaRPr kumimoji="1" lang="ja-JP" altLang="en-US"/>
           </a:p>
@@ -2609,7 +2610,7 @@
           <a:p>
             <a:fld id="{C5A10E30-AF47-4A7E-9739-503BC68BBCD8}" type="datetimeFigureOut">
               <a:rPr kumimoji="1" lang="ja-JP" altLang="en-US" smtClean="0"/>
-              <a:t>2014/6/23</a:t>
+              <a:t>2014/7/11</a:t>
             </a:fld>
             <a:endParaRPr kumimoji="1" lang="ja-JP" altLang="en-US"/>
           </a:p>
@@ -2854,7 +2855,7 @@
           <a:p>
             <a:fld id="{C5A10E30-AF47-4A7E-9739-503BC68BBCD8}" type="datetimeFigureOut">
               <a:rPr kumimoji="1" lang="ja-JP" altLang="en-US" smtClean="0"/>
-              <a:t>2014/6/23</a:t>
+              <a:t>2014/7/11</a:t>
             </a:fld>
             <a:endParaRPr kumimoji="1" lang="ja-JP" altLang="en-US"/>
           </a:p>
@@ -6521,57 +6522,3251 @@
           <a:chExt cx="0" cy="0"/>
         </a:xfrm>
       </p:grpSpPr>
+      <p:sp>
+        <p:nvSpPr>
+          <p:cNvPr id="94" name="フローチャート : 定義済み処理 27"/>
+          <p:cNvSpPr/>
+          <p:nvPr/>
+        </p:nvSpPr>
+        <p:spPr>
+          <a:xfrm>
+            <a:off x="10417630" y="5244805"/>
+            <a:ext cx="1243949" cy="432339"/>
+          </a:xfrm>
+          <a:prstGeom prst="flowChartPredefinedProcess">
+            <a:avLst/>
+          </a:prstGeom>
+          <a:solidFill>
+            <a:sysClr val="window" lastClr="FFFFFF"/>
+          </a:solidFill>
+          <a:ln>
+            <a:solidFill>
+              <a:sysClr val="windowText" lastClr="000000"/>
+            </a:solidFill>
+          </a:ln>
+        </p:spPr>
+        <p:style>
+          <a:lnRef idx="2">
+            <a:schemeClr val="accent1">
+              <a:shade val="50000"/>
+            </a:schemeClr>
+          </a:lnRef>
+          <a:fillRef idx="1">
+            <a:schemeClr val="accent1"/>
+          </a:fillRef>
+          <a:effectRef idx="0">
+            <a:schemeClr val="accent1"/>
+          </a:effectRef>
+          <a:fontRef idx="minor">
+            <a:schemeClr val="lt1"/>
+          </a:fontRef>
+        </p:style>
+        <p:txBody>
+          <a:bodyPr wrap="square" rtlCol="0" anchor="ctr"/>
+          <a:lstStyle>
+            <a:lvl1pPr marL="0" indent="0">
+              <a:defRPr sz="1100">
+                <a:solidFill>
+                  <a:schemeClr val="lt1"/>
+                </a:solidFill>
+                <a:latin typeface="+mn-lt"/>
+                <a:ea typeface="+mn-ea"/>
+                <a:cs typeface="+mn-cs"/>
+              </a:defRPr>
+            </a:lvl1pPr>
+            <a:lvl2pPr marL="457200" indent="0">
+              <a:defRPr sz="1100">
+                <a:solidFill>
+                  <a:schemeClr val="lt1"/>
+                </a:solidFill>
+                <a:latin typeface="+mn-lt"/>
+                <a:ea typeface="+mn-ea"/>
+                <a:cs typeface="+mn-cs"/>
+              </a:defRPr>
+            </a:lvl2pPr>
+            <a:lvl3pPr marL="914400" indent="0">
+              <a:defRPr sz="1100">
+                <a:solidFill>
+                  <a:schemeClr val="lt1"/>
+                </a:solidFill>
+                <a:latin typeface="+mn-lt"/>
+                <a:ea typeface="+mn-ea"/>
+                <a:cs typeface="+mn-cs"/>
+              </a:defRPr>
+            </a:lvl3pPr>
+            <a:lvl4pPr marL="1371600" indent="0">
+              <a:defRPr sz="1100">
+                <a:solidFill>
+                  <a:schemeClr val="lt1"/>
+                </a:solidFill>
+                <a:latin typeface="+mn-lt"/>
+                <a:ea typeface="+mn-ea"/>
+                <a:cs typeface="+mn-cs"/>
+              </a:defRPr>
+            </a:lvl4pPr>
+            <a:lvl5pPr marL="1828800" indent="0">
+              <a:defRPr sz="1100">
+                <a:solidFill>
+                  <a:schemeClr val="lt1"/>
+                </a:solidFill>
+                <a:latin typeface="+mn-lt"/>
+                <a:ea typeface="+mn-ea"/>
+                <a:cs typeface="+mn-cs"/>
+              </a:defRPr>
+            </a:lvl5pPr>
+            <a:lvl6pPr marL="2286000" indent="0">
+              <a:defRPr sz="1100">
+                <a:solidFill>
+                  <a:schemeClr val="lt1"/>
+                </a:solidFill>
+                <a:latin typeface="+mn-lt"/>
+                <a:ea typeface="+mn-ea"/>
+                <a:cs typeface="+mn-cs"/>
+              </a:defRPr>
+            </a:lvl6pPr>
+            <a:lvl7pPr marL="2743200" indent="0">
+              <a:defRPr sz="1100">
+                <a:solidFill>
+                  <a:schemeClr val="lt1"/>
+                </a:solidFill>
+                <a:latin typeface="+mn-lt"/>
+                <a:ea typeface="+mn-ea"/>
+                <a:cs typeface="+mn-cs"/>
+              </a:defRPr>
+            </a:lvl7pPr>
+            <a:lvl8pPr marL="3200400" indent="0">
+              <a:defRPr sz="1100">
+                <a:solidFill>
+                  <a:schemeClr val="lt1"/>
+                </a:solidFill>
+                <a:latin typeface="+mn-lt"/>
+                <a:ea typeface="+mn-ea"/>
+                <a:cs typeface="+mn-cs"/>
+              </a:defRPr>
+            </a:lvl8pPr>
+            <a:lvl9pPr marL="3657600" indent="0">
+              <a:defRPr sz="1100">
+                <a:solidFill>
+                  <a:schemeClr val="lt1"/>
+                </a:solidFill>
+                <a:latin typeface="+mn-lt"/>
+                <a:ea typeface="+mn-ea"/>
+                <a:cs typeface="+mn-cs"/>
+              </a:defRPr>
+            </a:lvl9pPr>
+          </a:lstStyle>
+          <a:p>
+            <a:pPr algn="ctr"/>
+            <a:r>
+              <a:rPr lang="ja-JP" altLang="en-US" sz="900" dirty="0" smtClean="0">
+                <a:solidFill>
+                  <a:sysClr val="windowText" lastClr="000000"/>
+                </a:solidFill>
+                <a:latin typeface="MS UI Gothic" panose="020B0600070205080204" pitchFamily="50" charset="-128"/>
+                <a:ea typeface="MS UI Gothic" panose="020B0600070205080204" pitchFamily="50" charset="-128"/>
+              </a:rPr>
+              <a:t>店名，食べログのリンク</a:t>
+            </a:r>
+            <a:r>
+              <a:rPr kumimoji="1" lang="ja-JP" altLang="en-US" sz="900" dirty="0" smtClean="0">
+                <a:solidFill>
+                  <a:sysClr val="windowText" lastClr="000000"/>
+                </a:solidFill>
+                <a:latin typeface="MS UI Gothic" panose="020B0600070205080204" pitchFamily="50" charset="-128"/>
+                <a:ea typeface="MS UI Gothic" panose="020B0600070205080204" pitchFamily="50" charset="-128"/>
+              </a:rPr>
+              <a:t>を表示</a:t>
+            </a:r>
+            <a:endParaRPr kumimoji="1" lang="en-US" altLang="ja-JP" sz="900" dirty="0">
+              <a:solidFill>
+                <a:sysClr val="windowText" lastClr="000000"/>
+              </a:solidFill>
+              <a:latin typeface="MS UI Gothic" panose="020B0600070205080204" pitchFamily="50" charset="-128"/>
+              <a:ea typeface="MS UI Gothic" panose="020B0600070205080204" pitchFamily="50" charset="-128"/>
+            </a:endParaRPr>
+          </a:p>
+        </p:txBody>
+      </p:sp>
+      <p:sp>
+        <p:nvSpPr>
+          <p:cNvPr id="95" name="フローチャート : 定義済み処理 27"/>
+          <p:cNvSpPr/>
+          <p:nvPr/>
+        </p:nvSpPr>
+        <p:spPr>
+          <a:xfrm>
+            <a:off x="10417631" y="6036793"/>
+            <a:ext cx="1243949" cy="432339"/>
+          </a:xfrm>
+          <a:prstGeom prst="flowChartPredefinedProcess">
+            <a:avLst/>
+          </a:prstGeom>
+          <a:solidFill>
+            <a:sysClr val="window" lastClr="FFFFFF"/>
+          </a:solidFill>
+          <a:ln>
+            <a:solidFill>
+              <a:sysClr val="windowText" lastClr="000000"/>
+            </a:solidFill>
+          </a:ln>
+        </p:spPr>
+        <p:style>
+          <a:lnRef idx="2">
+            <a:schemeClr val="accent1">
+              <a:shade val="50000"/>
+            </a:schemeClr>
+          </a:lnRef>
+          <a:fillRef idx="1">
+            <a:schemeClr val="accent1"/>
+          </a:fillRef>
+          <a:effectRef idx="0">
+            <a:schemeClr val="accent1"/>
+          </a:effectRef>
+          <a:fontRef idx="minor">
+            <a:schemeClr val="lt1"/>
+          </a:fontRef>
+        </p:style>
+        <p:txBody>
+          <a:bodyPr wrap="square" rtlCol="0" anchor="ctr"/>
+          <a:lstStyle>
+            <a:lvl1pPr marL="0" indent="0">
+              <a:defRPr sz="1100">
+                <a:solidFill>
+                  <a:schemeClr val="lt1"/>
+                </a:solidFill>
+                <a:latin typeface="+mn-lt"/>
+                <a:ea typeface="+mn-ea"/>
+                <a:cs typeface="+mn-cs"/>
+              </a:defRPr>
+            </a:lvl1pPr>
+            <a:lvl2pPr marL="457200" indent="0">
+              <a:defRPr sz="1100">
+                <a:solidFill>
+                  <a:schemeClr val="lt1"/>
+                </a:solidFill>
+                <a:latin typeface="+mn-lt"/>
+                <a:ea typeface="+mn-ea"/>
+                <a:cs typeface="+mn-cs"/>
+              </a:defRPr>
+            </a:lvl2pPr>
+            <a:lvl3pPr marL="914400" indent="0">
+              <a:defRPr sz="1100">
+                <a:solidFill>
+                  <a:schemeClr val="lt1"/>
+                </a:solidFill>
+                <a:latin typeface="+mn-lt"/>
+                <a:ea typeface="+mn-ea"/>
+                <a:cs typeface="+mn-cs"/>
+              </a:defRPr>
+            </a:lvl3pPr>
+            <a:lvl4pPr marL="1371600" indent="0">
+              <a:defRPr sz="1100">
+                <a:solidFill>
+                  <a:schemeClr val="lt1"/>
+                </a:solidFill>
+                <a:latin typeface="+mn-lt"/>
+                <a:ea typeface="+mn-ea"/>
+                <a:cs typeface="+mn-cs"/>
+              </a:defRPr>
+            </a:lvl4pPr>
+            <a:lvl5pPr marL="1828800" indent="0">
+              <a:defRPr sz="1100">
+                <a:solidFill>
+                  <a:schemeClr val="lt1"/>
+                </a:solidFill>
+                <a:latin typeface="+mn-lt"/>
+                <a:ea typeface="+mn-ea"/>
+                <a:cs typeface="+mn-cs"/>
+              </a:defRPr>
+            </a:lvl5pPr>
+            <a:lvl6pPr marL="2286000" indent="0">
+              <a:defRPr sz="1100">
+                <a:solidFill>
+                  <a:schemeClr val="lt1"/>
+                </a:solidFill>
+                <a:latin typeface="+mn-lt"/>
+                <a:ea typeface="+mn-ea"/>
+                <a:cs typeface="+mn-cs"/>
+              </a:defRPr>
+            </a:lvl6pPr>
+            <a:lvl7pPr marL="2743200" indent="0">
+              <a:defRPr sz="1100">
+                <a:solidFill>
+                  <a:schemeClr val="lt1"/>
+                </a:solidFill>
+                <a:latin typeface="+mn-lt"/>
+                <a:ea typeface="+mn-ea"/>
+                <a:cs typeface="+mn-cs"/>
+              </a:defRPr>
+            </a:lvl7pPr>
+            <a:lvl8pPr marL="3200400" indent="0">
+              <a:defRPr sz="1100">
+                <a:solidFill>
+                  <a:schemeClr val="lt1"/>
+                </a:solidFill>
+                <a:latin typeface="+mn-lt"/>
+                <a:ea typeface="+mn-ea"/>
+                <a:cs typeface="+mn-cs"/>
+              </a:defRPr>
+            </a:lvl8pPr>
+            <a:lvl9pPr marL="3657600" indent="0">
+              <a:defRPr sz="1100">
+                <a:solidFill>
+                  <a:schemeClr val="lt1"/>
+                </a:solidFill>
+                <a:latin typeface="+mn-lt"/>
+                <a:ea typeface="+mn-ea"/>
+                <a:cs typeface="+mn-cs"/>
+              </a:defRPr>
+            </a:lvl9pPr>
+          </a:lstStyle>
+          <a:p>
+            <a:pPr algn="ctr"/>
+            <a:r>
+              <a:rPr lang="ja-JP" altLang="en-US" sz="900" dirty="0">
+                <a:solidFill>
+                  <a:sysClr val="windowText" lastClr="000000"/>
+                </a:solidFill>
+                <a:latin typeface="MS UI Gothic" panose="020B0600070205080204" pitchFamily="50" charset="-128"/>
+                <a:ea typeface="MS UI Gothic" panose="020B0600070205080204" pitchFamily="50" charset="-128"/>
+              </a:rPr>
+              <a:t>投稿欄</a:t>
+            </a:r>
+            <a:r>
+              <a:rPr kumimoji="1" lang="ja-JP" altLang="en-US" sz="900" dirty="0" smtClean="0">
+                <a:solidFill>
+                  <a:sysClr val="windowText" lastClr="000000"/>
+                </a:solidFill>
+                <a:latin typeface="MS UI Gothic" panose="020B0600070205080204" pitchFamily="50" charset="-128"/>
+                <a:ea typeface="MS UI Gothic" panose="020B0600070205080204" pitchFamily="50" charset="-128"/>
+              </a:rPr>
+              <a:t>を表示</a:t>
+            </a:r>
+            <a:endParaRPr kumimoji="1" lang="en-US" altLang="ja-JP" sz="900" dirty="0">
+              <a:solidFill>
+                <a:sysClr val="windowText" lastClr="000000"/>
+              </a:solidFill>
+              <a:latin typeface="MS UI Gothic" panose="020B0600070205080204" pitchFamily="50" charset="-128"/>
+              <a:ea typeface="MS UI Gothic" panose="020B0600070205080204" pitchFamily="50" charset="-128"/>
+            </a:endParaRPr>
+          </a:p>
+        </p:txBody>
+      </p:sp>
       <p:grpSp>
         <p:nvGrpSpPr>
-          <p:cNvPr id="33" name="グループ化 32"/>
+          <p:cNvPr id="181" name="グループ化 180"/>
           <p:cNvGrpSpPr/>
           <p:nvPr/>
         </p:nvGrpSpPr>
         <p:grpSpPr>
           <a:xfrm>
-            <a:off x="914800" y="876588"/>
+            <a:off x="1354677" y="1327614"/>
+            <a:ext cx="8026587" cy="3304474"/>
+            <a:chOff x="1354677" y="1327614"/>
+            <a:chExt cx="8026587" cy="3304474"/>
+          </a:xfrm>
+        </p:grpSpPr>
+        <p:sp>
+          <p:nvSpPr>
+            <p:cNvPr id="4" name="フローチャート : 定義済み処理 27"/>
+            <p:cNvSpPr/>
+            <p:nvPr/>
+          </p:nvSpPr>
+          <p:spPr>
+            <a:xfrm>
+              <a:off x="1355496" y="1333015"/>
+              <a:ext cx="1243949" cy="432339"/>
+            </a:xfrm>
+            <a:prstGeom prst="flowChartPredefinedProcess">
+              <a:avLst/>
+            </a:prstGeom>
+            <a:solidFill>
+              <a:sysClr val="window" lastClr="FFFFFF"/>
+            </a:solidFill>
+            <a:ln>
+              <a:solidFill>
+                <a:sysClr val="windowText" lastClr="000000"/>
+              </a:solidFill>
+            </a:ln>
+          </p:spPr>
+          <p:style>
+            <a:lnRef idx="2">
+              <a:schemeClr val="accent1">
+                <a:shade val="50000"/>
+              </a:schemeClr>
+            </a:lnRef>
+            <a:fillRef idx="1">
+              <a:schemeClr val="accent1"/>
+            </a:fillRef>
+            <a:effectRef idx="0">
+              <a:schemeClr val="accent1"/>
+            </a:effectRef>
+            <a:fontRef idx="minor">
+              <a:schemeClr val="lt1"/>
+            </a:fontRef>
+          </p:style>
+          <p:txBody>
+            <a:bodyPr wrap="square" rtlCol="0" anchor="ctr"/>
+            <a:lstStyle>
+              <a:lvl1pPr marL="0" indent="0">
+                <a:defRPr sz="1100">
+                  <a:solidFill>
+                    <a:schemeClr val="lt1"/>
+                  </a:solidFill>
+                  <a:latin typeface="+mn-lt"/>
+                  <a:ea typeface="+mn-ea"/>
+                  <a:cs typeface="+mn-cs"/>
+                </a:defRPr>
+              </a:lvl1pPr>
+              <a:lvl2pPr marL="457200" indent="0">
+                <a:defRPr sz="1100">
+                  <a:solidFill>
+                    <a:schemeClr val="lt1"/>
+                  </a:solidFill>
+                  <a:latin typeface="+mn-lt"/>
+                  <a:ea typeface="+mn-ea"/>
+                  <a:cs typeface="+mn-cs"/>
+                </a:defRPr>
+              </a:lvl2pPr>
+              <a:lvl3pPr marL="914400" indent="0">
+                <a:defRPr sz="1100">
+                  <a:solidFill>
+                    <a:schemeClr val="lt1"/>
+                  </a:solidFill>
+                  <a:latin typeface="+mn-lt"/>
+                  <a:ea typeface="+mn-ea"/>
+                  <a:cs typeface="+mn-cs"/>
+                </a:defRPr>
+              </a:lvl3pPr>
+              <a:lvl4pPr marL="1371600" indent="0">
+                <a:defRPr sz="1100">
+                  <a:solidFill>
+                    <a:schemeClr val="lt1"/>
+                  </a:solidFill>
+                  <a:latin typeface="+mn-lt"/>
+                  <a:ea typeface="+mn-ea"/>
+                  <a:cs typeface="+mn-cs"/>
+                </a:defRPr>
+              </a:lvl4pPr>
+              <a:lvl5pPr marL="1828800" indent="0">
+                <a:defRPr sz="1100">
+                  <a:solidFill>
+                    <a:schemeClr val="lt1"/>
+                  </a:solidFill>
+                  <a:latin typeface="+mn-lt"/>
+                  <a:ea typeface="+mn-ea"/>
+                  <a:cs typeface="+mn-cs"/>
+                </a:defRPr>
+              </a:lvl5pPr>
+              <a:lvl6pPr marL="2286000" indent="0">
+                <a:defRPr sz="1100">
+                  <a:solidFill>
+                    <a:schemeClr val="lt1"/>
+                  </a:solidFill>
+                  <a:latin typeface="+mn-lt"/>
+                  <a:ea typeface="+mn-ea"/>
+                  <a:cs typeface="+mn-cs"/>
+                </a:defRPr>
+              </a:lvl6pPr>
+              <a:lvl7pPr marL="2743200" indent="0">
+                <a:defRPr sz="1100">
+                  <a:solidFill>
+                    <a:schemeClr val="lt1"/>
+                  </a:solidFill>
+                  <a:latin typeface="+mn-lt"/>
+                  <a:ea typeface="+mn-ea"/>
+                  <a:cs typeface="+mn-cs"/>
+                </a:defRPr>
+              </a:lvl7pPr>
+              <a:lvl8pPr marL="3200400" indent="0">
+                <a:defRPr sz="1100">
+                  <a:solidFill>
+                    <a:schemeClr val="lt1"/>
+                  </a:solidFill>
+                  <a:latin typeface="+mn-lt"/>
+                  <a:ea typeface="+mn-ea"/>
+                  <a:cs typeface="+mn-cs"/>
+                </a:defRPr>
+              </a:lvl8pPr>
+              <a:lvl9pPr marL="3657600" indent="0">
+                <a:defRPr sz="1100">
+                  <a:solidFill>
+                    <a:schemeClr val="lt1"/>
+                  </a:solidFill>
+                  <a:latin typeface="+mn-lt"/>
+                  <a:ea typeface="+mn-ea"/>
+                  <a:cs typeface="+mn-cs"/>
+                </a:defRPr>
+              </a:lvl9pPr>
+            </a:lstStyle>
+            <a:p>
+              <a:pPr algn="ctr"/>
+              <a:r>
+                <a:rPr lang="ja-JP" altLang="en-US" sz="900">
+                  <a:solidFill>
+                    <a:sysClr val="windowText" lastClr="000000"/>
+                  </a:solidFill>
+                  <a:latin typeface="MS UI Gothic" panose="020B0600070205080204" pitchFamily="50" charset="-128"/>
+                  <a:ea typeface="MS UI Gothic" panose="020B0600070205080204" pitchFamily="50" charset="-128"/>
+                </a:rPr>
+                <a:t>システムへ</a:t>
+              </a:r>
+              <a:endParaRPr lang="en-US" altLang="ja-JP" sz="900">
+                <a:solidFill>
+                  <a:sysClr val="windowText" lastClr="000000"/>
+                </a:solidFill>
+                <a:latin typeface="MS UI Gothic" panose="020B0600070205080204" pitchFamily="50" charset="-128"/>
+                <a:ea typeface="MS UI Gothic" panose="020B0600070205080204" pitchFamily="50" charset="-128"/>
+              </a:endParaRPr>
+            </a:p>
+            <a:p>
+              <a:pPr algn="ctr"/>
+              <a:r>
+                <a:rPr lang="ja-JP" altLang="en-US" sz="900">
+                  <a:solidFill>
+                    <a:sysClr val="windowText" lastClr="000000"/>
+                  </a:solidFill>
+                  <a:latin typeface="MS UI Gothic" panose="020B0600070205080204" pitchFamily="50" charset="-128"/>
+                  <a:ea typeface="MS UI Gothic" panose="020B0600070205080204" pitchFamily="50" charset="-128"/>
+                </a:rPr>
+                <a:t>アクセス</a:t>
+              </a:r>
+              <a:endParaRPr lang="en-US" altLang="ja-JP" sz="900">
+                <a:solidFill>
+                  <a:sysClr val="windowText" lastClr="000000"/>
+                </a:solidFill>
+                <a:latin typeface="MS UI Gothic" panose="020B0600070205080204" pitchFamily="50" charset="-128"/>
+                <a:ea typeface="MS UI Gothic" panose="020B0600070205080204" pitchFamily="50" charset="-128"/>
+              </a:endParaRPr>
+            </a:p>
+          </p:txBody>
+        </p:sp>
+        <p:sp>
+          <p:nvSpPr>
+            <p:cNvPr id="5" name="フローチャート : 定義済み処理 27"/>
+            <p:cNvSpPr/>
+            <p:nvPr/>
+          </p:nvSpPr>
+          <p:spPr>
+            <a:xfrm>
+              <a:off x="1355496" y="2050989"/>
+              <a:ext cx="1243949" cy="432339"/>
+            </a:xfrm>
+            <a:prstGeom prst="flowChartPredefinedProcess">
+              <a:avLst/>
+            </a:prstGeom>
+            <a:solidFill>
+              <a:sysClr val="window" lastClr="FFFFFF"/>
+            </a:solidFill>
+            <a:ln>
+              <a:solidFill>
+                <a:sysClr val="windowText" lastClr="000000"/>
+              </a:solidFill>
+            </a:ln>
+          </p:spPr>
+          <p:style>
+            <a:lnRef idx="2">
+              <a:schemeClr val="accent1">
+                <a:shade val="50000"/>
+              </a:schemeClr>
+            </a:lnRef>
+            <a:fillRef idx="1">
+              <a:schemeClr val="accent1"/>
+            </a:fillRef>
+            <a:effectRef idx="0">
+              <a:schemeClr val="accent1"/>
+            </a:effectRef>
+            <a:fontRef idx="minor">
+              <a:schemeClr val="lt1"/>
+            </a:fontRef>
+          </p:style>
+          <p:txBody>
+            <a:bodyPr wrap="square" rtlCol="0" anchor="ctr"/>
+            <a:lstStyle>
+              <a:lvl1pPr marL="0" indent="0">
+                <a:defRPr sz="1100">
+                  <a:solidFill>
+                    <a:schemeClr val="lt1"/>
+                  </a:solidFill>
+                  <a:latin typeface="+mn-lt"/>
+                  <a:ea typeface="+mn-ea"/>
+                  <a:cs typeface="+mn-cs"/>
+                </a:defRPr>
+              </a:lvl1pPr>
+              <a:lvl2pPr marL="457200" indent="0">
+                <a:defRPr sz="1100">
+                  <a:solidFill>
+                    <a:schemeClr val="lt1"/>
+                  </a:solidFill>
+                  <a:latin typeface="+mn-lt"/>
+                  <a:ea typeface="+mn-ea"/>
+                  <a:cs typeface="+mn-cs"/>
+                </a:defRPr>
+              </a:lvl2pPr>
+              <a:lvl3pPr marL="914400" indent="0">
+                <a:defRPr sz="1100">
+                  <a:solidFill>
+                    <a:schemeClr val="lt1"/>
+                  </a:solidFill>
+                  <a:latin typeface="+mn-lt"/>
+                  <a:ea typeface="+mn-ea"/>
+                  <a:cs typeface="+mn-cs"/>
+                </a:defRPr>
+              </a:lvl3pPr>
+              <a:lvl4pPr marL="1371600" indent="0">
+                <a:defRPr sz="1100">
+                  <a:solidFill>
+                    <a:schemeClr val="lt1"/>
+                  </a:solidFill>
+                  <a:latin typeface="+mn-lt"/>
+                  <a:ea typeface="+mn-ea"/>
+                  <a:cs typeface="+mn-cs"/>
+                </a:defRPr>
+              </a:lvl4pPr>
+              <a:lvl5pPr marL="1828800" indent="0">
+                <a:defRPr sz="1100">
+                  <a:solidFill>
+                    <a:schemeClr val="lt1"/>
+                  </a:solidFill>
+                  <a:latin typeface="+mn-lt"/>
+                  <a:ea typeface="+mn-ea"/>
+                  <a:cs typeface="+mn-cs"/>
+                </a:defRPr>
+              </a:lvl5pPr>
+              <a:lvl6pPr marL="2286000" indent="0">
+                <a:defRPr sz="1100">
+                  <a:solidFill>
+                    <a:schemeClr val="lt1"/>
+                  </a:solidFill>
+                  <a:latin typeface="+mn-lt"/>
+                  <a:ea typeface="+mn-ea"/>
+                  <a:cs typeface="+mn-cs"/>
+                </a:defRPr>
+              </a:lvl6pPr>
+              <a:lvl7pPr marL="2743200" indent="0">
+                <a:defRPr sz="1100">
+                  <a:solidFill>
+                    <a:schemeClr val="lt1"/>
+                  </a:solidFill>
+                  <a:latin typeface="+mn-lt"/>
+                  <a:ea typeface="+mn-ea"/>
+                  <a:cs typeface="+mn-cs"/>
+                </a:defRPr>
+              </a:lvl7pPr>
+              <a:lvl8pPr marL="3200400" indent="0">
+                <a:defRPr sz="1100">
+                  <a:solidFill>
+                    <a:schemeClr val="lt1"/>
+                  </a:solidFill>
+                  <a:latin typeface="+mn-lt"/>
+                  <a:ea typeface="+mn-ea"/>
+                  <a:cs typeface="+mn-cs"/>
+                </a:defRPr>
+              </a:lvl8pPr>
+              <a:lvl9pPr marL="3657600" indent="0">
+                <a:defRPr sz="1100">
+                  <a:solidFill>
+                    <a:schemeClr val="lt1"/>
+                  </a:solidFill>
+                  <a:latin typeface="+mn-lt"/>
+                  <a:ea typeface="+mn-ea"/>
+                  <a:cs typeface="+mn-cs"/>
+                </a:defRPr>
+              </a:lvl9pPr>
+            </a:lstStyle>
+            <a:p>
+              <a:pPr algn="ctr"/>
+              <a:r>
+                <a:rPr lang="ja-JP" altLang="en-US" sz="900">
+                  <a:solidFill>
+                    <a:sysClr val="windowText" lastClr="000000"/>
+                  </a:solidFill>
+                  <a:latin typeface="MS UI Gothic" panose="020B0600070205080204" pitchFamily="50" charset="-128"/>
+                  <a:ea typeface="MS UI Gothic" panose="020B0600070205080204" pitchFamily="50" charset="-128"/>
+                </a:rPr>
+                <a:t>グーグルマップを使用</a:t>
+              </a:r>
+              <a:endParaRPr kumimoji="1" lang="ja-JP" altLang="en-US" sz="900">
+                <a:solidFill>
+                  <a:sysClr val="windowText" lastClr="000000"/>
+                </a:solidFill>
+                <a:latin typeface="MS UI Gothic" panose="020B0600070205080204" pitchFamily="50" charset="-128"/>
+                <a:ea typeface="MS UI Gothic" panose="020B0600070205080204" pitchFamily="50" charset="-128"/>
+              </a:endParaRPr>
+            </a:p>
+          </p:txBody>
+        </p:sp>
+        <p:sp>
+          <p:nvSpPr>
+            <p:cNvPr id="6" name="フローチャート : 定義済み処理 27"/>
+            <p:cNvSpPr/>
+            <p:nvPr/>
+          </p:nvSpPr>
+          <p:spPr>
+            <a:xfrm>
+              <a:off x="1355495" y="2768963"/>
+              <a:ext cx="1243949" cy="432339"/>
+            </a:xfrm>
+            <a:prstGeom prst="flowChartPredefinedProcess">
+              <a:avLst/>
+            </a:prstGeom>
+            <a:solidFill>
+              <a:sysClr val="window" lastClr="FFFFFF"/>
+            </a:solidFill>
+            <a:ln>
+              <a:solidFill>
+                <a:sysClr val="windowText" lastClr="000000"/>
+              </a:solidFill>
+            </a:ln>
+          </p:spPr>
+          <p:style>
+            <a:lnRef idx="2">
+              <a:schemeClr val="accent1">
+                <a:shade val="50000"/>
+              </a:schemeClr>
+            </a:lnRef>
+            <a:fillRef idx="1">
+              <a:schemeClr val="accent1"/>
+            </a:fillRef>
+            <a:effectRef idx="0">
+              <a:schemeClr val="accent1"/>
+            </a:effectRef>
+            <a:fontRef idx="minor">
+              <a:schemeClr val="lt1"/>
+            </a:fontRef>
+          </p:style>
+          <p:txBody>
+            <a:bodyPr wrap="square" rtlCol="0" anchor="ctr"/>
+            <a:lstStyle>
+              <a:lvl1pPr marL="0" indent="0">
+                <a:defRPr sz="1100">
+                  <a:solidFill>
+                    <a:schemeClr val="lt1"/>
+                  </a:solidFill>
+                  <a:latin typeface="+mn-lt"/>
+                  <a:ea typeface="+mn-ea"/>
+                  <a:cs typeface="+mn-cs"/>
+                </a:defRPr>
+              </a:lvl1pPr>
+              <a:lvl2pPr marL="457200" indent="0">
+                <a:defRPr sz="1100">
+                  <a:solidFill>
+                    <a:schemeClr val="lt1"/>
+                  </a:solidFill>
+                  <a:latin typeface="+mn-lt"/>
+                  <a:ea typeface="+mn-ea"/>
+                  <a:cs typeface="+mn-cs"/>
+                </a:defRPr>
+              </a:lvl2pPr>
+              <a:lvl3pPr marL="914400" indent="0">
+                <a:defRPr sz="1100">
+                  <a:solidFill>
+                    <a:schemeClr val="lt1"/>
+                  </a:solidFill>
+                  <a:latin typeface="+mn-lt"/>
+                  <a:ea typeface="+mn-ea"/>
+                  <a:cs typeface="+mn-cs"/>
+                </a:defRPr>
+              </a:lvl3pPr>
+              <a:lvl4pPr marL="1371600" indent="0">
+                <a:defRPr sz="1100">
+                  <a:solidFill>
+                    <a:schemeClr val="lt1"/>
+                  </a:solidFill>
+                  <a:latin typeface="+mn-lt"/>
+                  <a:ea typeface="+mn-ea"/>
+                  <a:cs typeface="+mn-cs"/>
+                </a:defRPr>
+              </a:lvl4pPr>
+              <a:lvl5pPr marL="1828800" indent="0">
+                <a:defRPr sz="1100">
+                  <a:solidFill>
+                    <a:schemeClr val="lt1"/>
+                  </a:solidFill>
+                  <a:latin typeface="+mn-lt"/>
+                  <a:ea typeface="+mn-ea"/>
+                  <a:cs typeface="+mn-cs"/>
+                </a:defRPr>
+              </a:lvl5pPr>
+              <a:lvl6pPr marL="2286000" indent="0">
+                <a:defRPr sz="1100">
+                  <a:solidFill>
+                    <a:schemeClr val="lt1"/>
+                  </a:solidFill>
+                  <a:latin typeface="+mn-lt"/>
+                  <a:ea typeface="+mn-ea"/>
+                  <a:cs typeface="+mn-cs"/>
+                </a:defRPr>
+              </a:lvl6pPr>
+              <a:lvl7pPr marL="2743200" indent="0">
+                <a:defRPr sz="1100">
+                  <a:solidFill>
+                    <a:schemeClr val="lt1"/>
+                  </a:solidFill>
+                  <a:latin typeface="+mn-lt"/>
+                  <a:ea typeface="+mn-ea"/>
+                  <a:cs typeface="+mn-cs"/>
+                </a:defRPr>
+              </a:lvl7pPr>
+              <a:lvl8pPr marL="3200400" indent="0">
+                <a:defRPr sz="1100">
+                  <a:solidFill>
+                    <a:schemeClr val="lt1"/>
+                  </a:solidFill>
+                  <a:latin typeface="+mn-lt"/>
+                  <a:ea typeface="+mn-ea"/>
+                  <a:cs typeface="+mn-cs"/>
+                </a:defRPr>
+              </a:lvl8pPr>
+              <a:lvl9pPr marL="3657600" indent="0">
+                <a:defRPr sz="1100">
+                  <a:solidFill>
+                    <a:schemeClr val="lt1"/>
+                  </a:solidFill>
+                  <a:latin typeface="+mn-lt"/>
+                  <a:ea typeface="+mn-ea"/>
+                  <a:cs typeface="+mn-cs"/>
+                </a:defRPr>
+              </a:lvl9pPr>
+            </a:lstStyle>
+            <a:p>
+              <a:pPr algn="ctr"/>
+              <a:r>
+                <a:rPr kumimoji="1" lang="ja-JP" altLang="en-US" sz="900" dirty="0" smtClean="0">
+                  <a:solidFill>
+                    <a:sysClr val="windowText" lastClr="000000"/>
+                  </a:solidFill>
+                  <a:latin typeface="MS UI Gothic" panose="020B0600070205080204" pitchFamily="50" charset="-128"/>
+                  <a:ea typeface="MS UI Gothic" panose="020B0600070205080204" pitchFamily="50" charset="-128"/>
+                </a:rPr>
+                <a:t>マップ上にピン</a:t>
+              </a:r>
+              <a:r>
+                <a:rPr kumimoji="1" lang="ja-JP" altLang="en-US" sz="900" dirty="0">
+                  <a:solidFill>
+                    <a:sysClr val="windowText" lastClr="000000"/>
+                  </a:solidFill>
+                  <a:latin typeface="MS UI Gothic" panose="020B0600070205080204" pitchFamily="50" charset="-128"/>
+                  <a:ea typeface="MS UI Gothic" panose="020B0600070205080204" pitchFamily="50" charset="-128"/>
+                </a:rPr>
+                <a:t>を表示</a:t>
+              </a:r>
+            </a:p>
+          </p:txBody>
+        </p:sp>
+        <p:sp>
+          <p:nvSpPr>
+            <p:cNvPr id="9" name="フローチャート : 手操作入力 51"/>
+            <p:cNvSpPr/>
+            <p:nvPr/>
+          </p:nvSpPr>
+          <p:spPr>
+            <a:xfrm>
+              <a:off x="1354677" y="3486937"/>
+              <a:ext cx="1244767" cy="427177"/>
+            </a:xfrm>
+            <a:prstGeom prst="flowChartManualInput">
+              <a:avLst/>
+            </a:prstGeom>
+            <a:solidFill>
+              <a:sysClr val="window" lastClr="FFFFFF"/>
+            </a:solidFill>
+            <a:ln>
+              <a:solidFill>
+                <a:sysClr val="windowText" lastClr="000000"/>
+              </a:solidFill>
+            </a:ln>
+          </p:spPr>
+          <p:style>
+            <a:lnRef idx="2">
+              <a:schemeClr val="accent1">
+                <a:shade val="50000"/>
+              </a:schemeClr>
+            </a:lnRef>
+            <a:fillRef idx="1">
+              <a:schemeClr val="accent1"/>
+            </a:fillRef>
+            <a:effectRef idx="0">
+              <a:schemeClr val="accent1"/>
+            </a:effectRef>
+            <a:fontRef idx="minor">
+              <a:schemeClr val="lt1"/>
+            </a:fontRef>
+          </p:style>
+          <p:txBody>
+            <a:bodyPr wrap="square" rtlCol="0" anchor="ctr"/>
+            <a:lstStyle>
+              <a:lvl1pPr marL="0" indent="0">
+                <a:defRPr sz="1100">
+                  <a:solidFill>
+                    <a:schemeClr val="lt1"/>
+                  </a:solidFill>
+                  <a:latin typeface="+mn-lt"/>
+                  <a:ea typeface="+mn-ea"/>
+                  <a:cs typeface="+mn-cs"/>
+                </a:defRPr>
+              </a:lvl1pPr>
+              <a:lvl2pPr marL="457200" indent="0">
+                <a:defRPr sz="1100">
+                  <a:solidFill>
+                    <a:schemeClr val="lt1"/>
+                  </a:solidFill>
+                  <a:latin typeface="+mn-lt"/>
+                  <a:ea typeface="+mn-ea"/>
+                  <a:cs typeface="+mn-cs"/>
+                </a:defRPr>
+              </a:lvl2pPr>
+              <a:lvl3pPr marL="914400" indent="0">
+                <a:defRPr sz="1100">
+                  <a:solidFill>
+                    <a:schemeClr val="lt1"/>
+                  </a:solidFill>
+                  <a:latin typeface="+mn-lt"/>
+                  <a:ea typeface="+mn-ea"/>
+                  <a:cs typeface="+mn-cs"/>
+                </a:defRPr>
+              </a:lvl3pPr>
+              <a:lvl4pPr marL="1371600" indent="0">
+                <a:defRPr sz="1100">
+                  <a:solidFill>
+                    <a:schemeClr val="lt1"/>
+                  </a:solidFill>
+                  <a:latin typeface="+mn-lt"/>
+                  <a:ea typeface="+mn-ea"/>
+                  <a:cs typeface="+mn-cs"/>
+                </a:defRPr>
+              </a:lvl4pPr>
+              <a:lvl5pPr marL="1828800" indent="0">
+                <a:defRPr sz="1100">
+                  <a:solidFill>
+                    <a:schemeClr val="lt1"/>
+                  </a:solidFill>
+                  <a:latin typeface="+mn-lt"/>
+                  <a:ea typeface="+mn-ea"/>
+                  <a:cs typeface="+mn-cs"/>
+                </a:defRPr>
+              </a:lvl5pPr>
+              <a:lvl6pPr marL="2286000" indent="0">
+                <a:defRPr sz="1100">
+                  <a:solidFill>
+                    <a:schemeClr val="lt1"/>
+                  </a:solidFill>
+                  <a:latin typeface="+mn-lt"/>
+                  <a:ea typeface="+mn-ea"/>
+                  <a:cs typeface="+mn-cs"/>
+                </a:defRPr>
+              </a:lvl6pPr>
+              <a:lvl7pPr marL="2743200" indent="0">
+                <a:defRPr sz="1100">
+                  <a:solidFill>
+                    <a:schemeClr val="lt1"/>
+                  </a:solidFill>
+                  <a:latin typeface="+mn-lt"/>
+                  <a:ea typeface="+mn-ea"/>
+                  <a:cs typeface="+mn-cs"/>
+                </a:defRPr>
+              </a:lvl7pPr>
+              <a:lvl8pPr marL="3200400" indent="0">
+                <a:defRPr sz="1100">
+                  <a:solidFill>
+                    <a:schemeClr val="lt1"/>
+                  </a:solidFill>
+                  <a:latin typeface="+mn-lt"/>
+                  <a:ea typeface="+mn-ea"/>
+                  <a:cs typeface="+mn-cs"/>
+                </a:defRPr>
+              </a:lvl8pPr>
+              <a:lvl9pPr marL="3657600" indent="0">
+                <a:defRPr sz="1100">
+                  <a:solidFill>
+                    <a:schemeClr val="lt1"/>
+                  </a:solidFill>
+                  <a:latin typeface="+mn-lt"/>
+                  <a:ea typeface="+mn-ea"/>
+                  <a:cs typeface="+mn-cs"/>
+                </a:defRPr>
+              </a:lvl9pPr>
+            </a:lstStyle>
+            <a:p>
+              <a:pPr algn="ctr"/>
+              <a:r>
+                <a:rPr lang="ja-JP" altLang="en-US" sz="900" dirty="0" smtClean="0">
+                  <a:solidFill>
+                    <a:sysClr val="windowText" lastClr="000000"/>
+                  </a:solidFill>
+                  <a:latin typeface="MS UI Gothic" panose="020B0600070205080204" pitchFamily="50" charset="-128"/>
+                  <a:ea typeface="MS UI Gothic" panose="020B0600070205080204" pitchFamily="50" charset="-128"/>
+                </a:rPr>
+                <a:t>ピンを</a:t>
+              </a:r>
+              <a:r>
+                <a:rPr lang="ja-JP" altLang="en-US" sz="900" dirty="0" smtClean="0">
+                  <a:solidFill>
+                    <a:sysClr val="windowText" lastClr="000000"/>
+                  </a:solidFill>
+                  <a:latin typeface="MS UI Gothic" panose="020B0600070205080204" pitchFamily="50" charset="-128"/>
+                  <a:ea typeface="MS UI Gothic" panose="020B0600070205080204" pitchFamily="50" charset="-128"/>
+                </a:rPr>
+                <a:t>選択</a:t>
+              </a:r>
+              <a:endParaRPr kumimoji="1" lang="ja-JP" altLang="en-US" sz="900" dirty="0">
+                <a:solidFill>
+                  <a:sysClr val="windowText" lastClr="000000"/>
+                </a:solidFill>
+                <a:latin typeface="MS UI Gothic" panose="020B0600070205080204" pitchFamily="50" charset="-128"/>
+                <a:ea typeface="MS UI Gothic" panose="020B0600070205080204" pitchFamily="50" charset="-128"/>
+              </a:endParaRPr>
+            </a:p>
+          </p:txBody>
+        </p:sp>
+        <p:sp>
+          <p:nvSpPr>
+            <p:cNvPr id="10" name="フローチャート : 定義済み処理 27"/>
+            <p:cNvSpPr/>
+            <p:nvPr/>
+          </p:nvSpPr>
+          <p:spPr>
+            <a:xfrm>
+              <a:off x="3926545" y="1333015"/>
+              <a:ext cx="1243949" cy="432339"/>
+            </a:xfrm>
+            <a:prstGeom prst="flowChartPredefinedProcess">
+              <a:avLst/>
+            </a:prstGeom>
+            <a:solidFill>
+              <a:sysClr val="window" lastClr="FFFFFF"/>
+            </a:solidFill>
+            <a:ln>
+              <a:solidFill>
+                <a:sysClr val="windowText" lastClr="000000"/>
+              </a:solidFill>
+            </a:ln>
+          </p:spPr>
+          <p:style>
+            <a:lnRef idx="2">
+              <a:schemeClr val="accent1">
+                <a:shade val="50000"/>
+              </a:schemeClr>
+            </a:lnRef>
+            <a:fillRef idx="1">
+              <a:schemeClr val="accent1"/>
+            </a:fillRef>
+            <a:effectRef idx="0">
+              <a:schemeClr val="accent1"/>
+            </a:effectRef>
+            <a:fontRef idx="minor">
+              <a:schemeClr val="lt1"/>
+            </a:fontRef>
+          </p:style>
+          <p:txBody>
+            <a:bodyPr wrap="square" rtlCol="0" anchor="ctr"/>
+            <a:lstStyle>
+              <a:lvl1pPr marL="0" indent="0">
+                <a:defRPr sz="1100">
+                  <a:solidFill>
+                    <a:schemeClr val="lt1"/>
+                  </a:solidFill>
+                  <a:latin typeface="+mn-lt"/>
+                  <a:ea typeface="+mn-ea"/>
+                  <a:cs typeface="+mn-cs"/>
+                </a:defRPr>
+              </a:lvl1pPr>
+              <a:lvl2pPr marL="457200" indent="0">
+                <a:defRPr sz="1100">
+                  <a:solidFill>
+                    <a:schemeClr val="lt1"/>
+                  </a:solidFill>
+                  <a:latin typeface="+mn-lt"/>
+                  <a:ea typeface="+mn-ea"/>
+                  <a:cs typeface="+mn-cs"/>
+                </a:defRPr>
+              </a:lvl2pPr>
+              <a:lvl3pPr marL="914400" indent="0">
+                <a:defRPr sz="1100">
+                  <a:solidFill>
+                    <a:schemeClr val="lt1"/>
+                  </a:solidFill>
+                  <a:latin typeface="+mn-lt"/>
+                  <a:ea typeface="+mn-ea"/>
+                  <a:cs typeface="+mn-cs"/>
+                </a:defRPr>
+              </a:lvl3pPr>
+              <a:lvl4pPr marL="1371600" indent="0">
+                <a:defRPr sz="1100">
+                  <a:solidFill>
+                    <a:schemeClr val="lt1"/>
+                  </a:solidFill>
+                  <a:latin typeface="+mn-lt"/>
+                  <a:ea typeface="+mn-ea"/>
+                  <a:cs typeface="+mn-cs"/>
+                </a:defRPr>
+              </a:lvl4pPr>
+              <a:lvl5pPr marL="1828800" indent="0">
+                <a:defRPr sz="1100">
+                  <a:solidFill>
+                    <a:schemeClr val="lt1"/>
+                  </a:solidFill>
+                  <a:latin typeface="+mn-lt"/>
+                  <a:ea typeface="+mn-ea"/>
+                  <a:cs typeface="+mn-cs"/>
+                </a:defRPr>
+              </a:lvl5pPr>
+              <a:lvl6pPr marL="2286000" indent="0">
+                <a:defRPr sz="1100">
+                  <a:solidFill>
+                    <a:schemeClr val="lt1"/>
+                  </a:solidFill>
+                  <a:latin typeface="+mn-lt"/>
+                  <a:ea typeface="+mn-ea"/>
+                  <a:cs typeface="+mn-cs"/>
+                </a:defRPr>
+              </a:lvl6pPr>
+              <a:lvl7pPr marL="2743200" indent="0">
+                <a:defRPr sz="1100">
+                  <a:solidFill>
+                    <a:schemeClr val="lt1"/>
+                  </a:solidFill>
+                  <a:latin typeface="+mn-lt"/>
+                  <a:ea typeface="+mn-ea"/>
+                  <a:cs typeface="+mn-cs"/>
+                </a:defRPr>
+              </a:lvl7pPr>
+              <a:lvl8pPr marL="3200400" indent="0">
+                <a:defRPr sz="1100">
+                  <a:solidFill>
+                    <a:schemeClr val="lt1"/>
+                  </a:solidFill>
+                  <a:latin typeface="+mn-lt"/>
+                  <a:ea typeface="+mn-ea"/>
+                  <a:cs typeface="+mn-cs"/>
+                </a:defRPr>
+              </a:lvl8pPr>
+              <a:lvl9pPr marL="3657600" indent="0">
+                <a:defRPr sz="1100">
+                  <a:solidFill>
+                    <a:schemeClr val="lt1"/>
+                  </a:solidFill>
+                  <a:latin typeface="+mn-lt"/>
+                  <a:ea typeface="+mn-ea"/>
+                  <a:cs typeface="+mn-cs"/>
+                </a:defRPr>
+              </a:lvl9pPr>
+            </a:lstStyle>
+            <a:p>
+              <a:pPr algn="ctr"/>
+              <a:r>
+                <a:rPr lang="ja-JP" altLang="en-US" sz="900" dirty="0" smtClean="0">
+                  <a:solidFill>
+                    <a:sysClr val="windowText" lastClr="000000"/>
+                  </a:solidFill>
+                  <a:latin typeface="MS UI Gothic" panose="020B0600070205080204" pitchFamily="50" charset="-128"/>
+                  <a:ea typeface="MS UI Gothic" panose="020B0600070205080204" pitchFamily="50" charset="-128"/>
+                </a:rPr>
+                <a:t>コメント</a:t>
+              </a:r>
+              <a:r>
+                <a:rPr lang="ja-JP" altLang="en-US" sz="900" dirty="0">
+                  <a:solidFill>
+                    <a:sysClr val="windowText" lastClr="000000"/>
+                  </a:solidFill>
+                  <a:latin typeface="MS UI Gothic" panose="020B0600070205080204" pitchFamily="50" charset="-128"/>
+                  <a:ea typeface="MS UI Gothic" panose="020B0600070205080204" pitchFamily="50" charset="-128"/>
+                </a:rPr>
+                <a:t>フォーム</a:t>
+              </a:r>
+              <a:r>
+                <a:rPr lang="ja-JP" altLang="en-US" sz="900" dirty="0" smtClean="0">
+                  <a:solidFill>
+                    <a:sysClr val="windowText" lastClr="000000"/>
+                  </a:solidFill>
+                  <a:latin typeface="MS UI Gothic" panose="020B0600070205080204" pitchFamily="50" charset="-128"/>
+                  <a:ea typeface="MS UI Gothic" panose="020B0600070205080204" pitchFamily="50" charset="-128"/>
+                </a:rPr>
+                <a:t>を表示</a:t>
+              </a:r>
+              <a:endParaRPr kumimoji="1" lang="en-US" altLang="ja-JP" sz="900" dirty="0">
+                <a:solidFill>
+                  <a:sysClr val="windowText" lastClr="000000"/>
+                </a:solidFill>
+                <a:latin typeface="MS UI Gothic" panose="020B0600070205080204" pitchFamily="50" charset="-128"/>
+                <a:ea typeface="MS UI Gothic" panose="020B0600070205080204" pitchFamily="50" charset="-128"/>
+              </a:endParaRPr>
+            </a:p>
+          </p:txBody>
+        </p:sp>
+        <p:sp>
+          <p:nvSpPr>
+            <p:cNvPr id="19" name="フローチャート : 手操作入力 51"/>
+            <p:cNvSpPr/>
+            <p:nvPr/>
+          </p:nvSpPr>
+          <p:spPr>
+            <a:xfrm>
+              <a:off x="8136497" y="1327614"/>
+              <a:ext cx="1244767" cy="427177"/>
+            </a:xfrm>
+            <a:prstGeom prst="flowChartManualInput">
+              <a:avLst/>
+            </a:prstGeom>
+            <a:solidFill>
+              <a:sysClr val="window" lastClr="FFFFFF"/>
+            </a:solidFill>
+            <a:ln>
+              <a:solidFill>
+                <a:sysClr val="windowText" lastClr="000000"/>
+              </a:solidFill>
+            </a:ln>
+          </p:spPr>
+          <p:style>
+            <a:lnRef idx="2">
+              <a:schemeClr val="accent1">
+                <a:shade val="50000"/>
+              </a:schemeClr>
+            </a:lnRef>
+            <a:fillRef idx="1">
+              <a:schemeClr val="accent1"/>
+            </a:fillRef>
+            <a:effectRef idx="0">
+              <a:schemeClr val="accent1"/>
+            </a:effectRef>
+            <a:fontRef idx="minor">
+              <a:schemeClr val="lt1"/>
+            </a:fontRef>
+          </p:style>
+          <p:txBody>
+            <a:bodyPr wrap="square" rtlCol="0" anchor="ctr"/>
+            <a:lstStyle>
+              <a:lvl1pPr marL="0" indent="0">
+                <a:defRPr sz="1100">
+                  <a:solidFill>
+                    <a:schemeClr val="lt1"/>
+                  </a:solidFill>
+                  <a:latin typeface="+mn-lt"/>
+                  <a:ea typeface="+mn-ea"/>
+                  <a:cs typeface="+mn-cs"/>
+                </a:defRPr>
+              </a:lvl1pPr>
+              <a:lvl2pPr marL="457200" indent="0">
+                <a:defRPr sz="1100">
+                  <a:solidFill>
+                    <a:schemeClr val="lt1"/>
+                  </a:solidFill>
+                  <a:latin typeface="+mn-lt"/>
+                  <a:ea typeface="+mn-ea"/>
+                  <a:cs typeface="+mn-cs"/>
+                </a:defRPr>
+              </a:lvl2pPr>
+              <a:lvl3pPr marL="914400" indent="0">
+                <a:defRPr sz="1100">
+                  <a:solidFill>
+                    <a:schemeClr val="lt1"/>
+                  </a:solidFill>
+                  <a:latin typeface="+mn-lt"/>
+                  <a:ea typeface="+mn-ea"/>
+                  <a:cs typeface="+mn-cs"/>
+                </a:defRPr>
+              </a:lvl3pPr>
+              <a:lvl4pPr marL="1371600" indent="0">
+                <a:defRPr sz="1100">
+                  <a:solidFill>
+                    <a:schemeClr val="lt1"/>
+                  </a:solidFill>
+                  <a:latin typeface="+mn-lt"/>
+                  <a:ea typeface="+mn-ea"/>
+                  <a:cs typeface="+mn-cs"/>
+                </a:defRPr>
+              </a:lvl4pPr>
+              <a:lvl5pPr marL="1828800" indent="0">
+                <a:defRPr sz="1100">
+                  <a:solidFill>
+                    <a:schemeClr val="lt1"/>
+                  </a:solidFill>
+                  <a:latin typeface="+mn-lt"/>
+                  <a:ea typeface="+mn-ea"/>
+                  <a:cs typeface="+mn-cs"/>
+                </a:defRPr>
+              </a:lvl5pPr>
+              <a:lvl6pPr marL="2286000" indent="0">
+                <a:defRPr sz="1100">
+                  <a:solidFill>
+                    <a:schemeClr val="lt1"/>
+                  </a:solidFill>
+                  <a:latin typeface="+mn-lt"/>
+                  <a:ea typeface="+mn-ea"/>
+                  <a:cs typeface="+mn-cs"/>
+                </a:defRPr>
+              </a:lvl6pPr>
+              <a:lvl7pPr marL="2743200" indent="0">
+                <a:defRPr sz="1100">
+                  <a:solidFill>
+                    <a:schemeClr val="lt1"/>
+                  </a:solidFill>
+                  <a:latin typeface="+mn-lt"/>
+                  <a:ea typeface="+mn-ea"/>
+                  <a:cs typeface="+mn-cs"/>
+                </a:defRPr>
+              </a:lvl7pPr>
+              <a:lvl8pPr marL="3200400" indent="0">
+                <a:defRPr sz="1100">
+                  <a:solidFill>
+                    <a:schemeClr val="lt1"/>
+                  </a:solidFill>
+                  <a:latin typeface="+mn-lt"/>
+                  <a:ea typeface="+mn-ea"/>
+                  <a:cs typeface="+mn-cs"/>
+                </a:defRPr>
+              </a:lvl8pPr>
+              <a:lvl9pPr marL="3657600" indent="0">
+                <a:defRPr sz="1100">
+                  <a:solidFill>
+                    <a:schemeClr val="lt1"/>
+                  </a:solidFill>
+                  <a:latin typeface="+mn-lt"/>
+                  <a:ea typeface="+mn-ea"/>
+                  <a:cs typeface="+mn-cs"/>
+                </a:defRPr>
+              </a:lvl9pPr>
+            </a:lstStyle>
+            <a:p>
+              <a:pPr algn="ctr"/>
+              <a:r>
+                <a:rPr lang="ja-JP" altLang="en-US" sz="900" dirty="0" smtClean="0">
+                  <a:solidFill>
+                    <a:sysClr val="windowText" lastClr="000000"/>
+                  </a:solidFill>
+                  <a:latin typeface="MS UI Gothic" panose="020B0600070205080204" pitchFamily="50" charset="-128"/>
+                  <a:ea typeface="MS UI Gothic" panose="020B0600070205080204" pitchFamily="50" charset="-128"/>
+                </a:rPr>
+                <a:t>食べログリンク</a:t>
+              </a:r>
+              <a:r>
+                <a:rPr lang="ja-JP" altLang="en-US" sz="900" dirty="0">
+                  <a:solidFill>
+                    <a:sysClr val="windowText" lastClr="000000"/>
+                  </a:solidFill>
+                  <a:latin typeface="MS UI Gothic" panose="020B0600070205080204" pitchFamily="50" charset="-128"/>
+                  <a:ea typeface="MS UI Gothic" panose="020B0600070205080204" pitchFamily="50" charset="-128"/>
+                </a:rPr>
+                <a:t>を押下</a:t>
+              </a:r>
+              <a:endParaRPr kumimoji="1" lang="ja-JP" altLang="en-US" sz="900" dirty="0">
+                <a:solidFill>
+                  <a:sysClr val="windowText" lastClr="000000"/>
+                </a:solidFill>
+                <a:latin typeface="MS UI Gothic" panose="020B0600070205080204" pitchFamily="50" charset="-128"/>
+                <a:ea typeface="MS UI Gothic" panose="020B0600070205080204" pitchFamily="50" charset="-128"/>
+              </a:endParaRPr>
+            </a:p>
+          </p:txBody>
+        </p:sp>
+        <p:sp>
+          <p:nvSpPr>
+            <p:cNvPr id="20" name="フローチャート : 定義済み処理 27"/>
+            <p:cNvSpPr/>
+            <p:nvPr/>
+          </p:nvSpPr>
+          <p:spPr>
+            <a:xfrm>
+              <a:off x="8136497" y="2045587"/>
+              <a:ext cx="1243949" cy="432339"/>
+            </a:xfrm>
+            <a:prstGeom prst="flowChartPredefinedProcess">
+              <a:avLst/>
+            </a:prstGeom>
+            <a:solidFill>
+              <a:sysClr val="window" lastClr="FFFFFF"/>
+            </a:solidFill>
+            <a:ln>
+              <a:solidFill>
+                <a:sysClr val="windowText" lastClr="000000"/>
+              </a:solidFill>
+            </a:ln>
+          </p:spPr>
+          <p:style>
+            <a:lnRef idx="2">
+              <a:schemeClr val="accent1">
+                <a:shade val="50000"/>
+              </a:schemeClr>
+            </a:lnRef>
+            <a:fillRef idx="1">
+              <a:schemeClr val="accent1"/>
+            </a:fillRef>
+            <a:effectRef idx="0">
+              <a:schemeClr val="accent1"/>
+            </a:effectRef>
+            <a:fontRef idx="minor">
+              <a:schemeClr val="lt1"/>
+            </a:fontRef>
+          </p:style>
+          <p:txBody>
+            <a:bodyPr wrap="square" rtlCol="0" anchor="ctr"/>
+            <a:lstStyle>
+              <a:lvl1pPr marL="0" indent="0">
+                <a:defRPr sz="1100">
+                  <a:solidFill>
+                    <a:schemeClr val="lt1"/>
+                  </a:solidFill>
+                  <a:latin typeface="+mn-lt"/>
+                  <a:ea typeface="+mn-ea"/>
+                  <a:cs typeface="+mn-cs"/>
+                </a:defRPr>
+              </a:lvl1pPr>
+              <a:lvl2pPr marL="457200" indent="0">
+                <a:defRPr sz="1100">
+                  <a:solidFill>
+                    <a:schemeClr val="lt1"/>
+                  </a:solidFill>
+                  <a:latin typeface="+mn-lt"/>
+                  <a:ea typeface="+mn-ea"/>
+                  <a:cs typeface="+mn-cs"/>
+                </a:defRPr>
+              </a:lvl2pPr>
+              <a:lvl3pPr marL="914400" indent="0">
+                <a:defRPr sz="1100">
+                  <a:solidFill>
+                    <a:schemeClr val="lt1"/>
+                  </a:solidFill>
+                  <a:latin typeface="+mn-lt"/>
+                  <a:ea typeface="+mn-ea"/>
+                  <a:cs typeface="+mn-cs"/>
+                </a:defRPr>
+              </a:lvl3pPr>
+              <a:lvl4pPr marL="1371600" indent="0">
+                <a:defRPr sz="1100">
+                  <a:solidFill>
+                    <a:schemeClr val="lt1"/>
+                  </a:solidFill>
+                  <a:latin typeface="+mn-lt"/>
+                  <a:ea typeface="+mn-ea"/>
+                  <a:cs typeface="+mn-cs"/>
+                </a:defRPr>
+              </a:lvl4pPr>
+              <a:lvl5pPr marL="1828800" indent="0">
+                <a:defRPr sz="1100">
+                  <a:solidFill>
+                    <a:schemeClr val="lt1"/>
+                  </a:solidFill>
+                  <a:latin typeface="+mn-lt"/>
+                  <a:ea typeface="+mn-ea"/>
+                  <a:cs typeface="+mn-cs"/>
+                </a:defRPr>
+              </a:lvl5pPr>
+              <a:lvl6pPr marL="2286000" indent="0">
+                <a:defRPr sz="1100">
+                  <a:solidFill>
+                    <a:schemeClr val="lt1"/>
+                  </a:solidFill>
+                  <a:latin typeface="+mn-lt"/>
+                  <a:ea typeface="+mn-ea"/>
+                  <a:cs typeface="+mn-cs"/>
+                </a:defRPr>
+              </a:lvl6pPr>
+              <a:lvl7pPr marL="2743200" indent="0">
+                <a:defRPr sz="1100">
+                  <a:solidFill>
+                    <a:schemeClr val="lt1"/>
+                  </a:solidFill>
+                  <a:latin typeface="+mn-lt"/>
+                  <a:ea typeface="+mn-ea"/>
+                  <a:cs typeface="+mn-cs"/>
+                </a:defRPr>
+              </a:lvl7pPr>
+              <a:lvl8pPr marL="3200400" indent="0">
+                <a:defRPr sz="1100">
+                  <a:solidFill>
+                    <a:schemeClr val="lt1"/>
+                  </a:solidFill>
+                  <a:latin typeface="+mn-lt"/>
+                  <a:ea typeface="+mn-ea"/>
+                  <a:cs typeface="+mn-cs"/>
+                </a:defRPr>
+              </a:lvl8pPr>
+              <a:lvl9pPr marL="3657600" indent="0">
+                <a:defRPr sz="1100">
+                  <a:solidFill>
+                    <a:schemeClr val="lt1"/>
+                  </a:solidFill>
+                  <a:latin typeface="+mn-lt"/>
+                  <a:ea typeface="+mn-ea"/>
+                  <a:cs typeface="+mn-cs"/>
+                </a:defRPr>
+              </a:lvl9pPr>
+            </a:lstStyle>
+            <a:p>
+              <a:pPr algn="ctr"/>
+              <a:r>
+                <a:rPr lang="ja-JP" altLang="en-US" sz="900">
+                  <a:solidFill>
+                    <a:sysClr val="windowText" lastClr="000000"/>
+                  </a:solidFill>
+                  <a:latin typeface="MS UI Gothic" panose="020B0600070205080204" pitchFamily="50" charset="-128"/>
+                  <a:ea typeface="MS UI Gothic" panose="020B0600070205080204" pitchFamily="50" charset="-128"/>
+                </a:rPr>
+                <a:t>別ウィンドウを</a:t>
+              </a:r>
+              <a:endParaRPr lang="en-US" altLang="ja-JP" sz="900">
+                <a:solidFill>
+                  <a:sysClr val="windowText" lastClr="000000"/>
+                </a:solidFill>
+                <a:latin typeface="MS UI Gothic" panose="020B0600070205080204" pitchFamily="50" charset="-128"/>
+                <a:ea typeface="MS UI Gothic" panose="020B0600070205080204" pitchFamily="50" charset="-128"/>
+              </a:endParaRPr>
+            </a:p>
+            <a:p>
+              <a:pPr algn="ctr"/>
+              <a:r>
+                <a:rPr lang="ja-JP" altLang="en-US" sz="900">
+                  <a:solidFill>
+                    <a:sysClr val="windowText" lastClr="000000"/>
+                  </a:solidFill>
+                  <a:latin typeface="MS UI Gothic" panose="020B0600070205080204" pitchFamily="50" charset="-128"/>
+                  <a:ea typeface="MS UI Gothic" panose="020B0600070205080204" pitchFamily="50" charset="-128"/>
+                </a:rPr>
+                <a:t>表示</a:t>
+              </a:r>
+              <a:endParaRPr kumimoji="1" lang="en-US" altLang="ja-JP" sz="900">
+                <a:solidFill>
+                  <a:sysClr val="windowText" lastClr="000000"/>
+                </a:solidFill>
+                <a:latin typeface="MS UI Gothic" panose="020B0600070205080204" pitchFamily="50" charset="-128"/>
+                <a:ea typeface="MS UI Gothic" panose="020B0600070205080204" pitchFamily="50" charset="-128"/>
+              </a:endParaRPr>
+            </a:p>
+          </p:txBody>
+        </p:sp>
+        <p:sp>
+          <p:nvSpPr>
+            <p:cNvPr id="27" name="フローチャート : 磁気ディスク 1"/>
+            <p:cNvSpPr/>
+            <p:nvPr/>
+          </p:nvSpPr>
+          <p:spPr>
+            <a:xfrm>
+              <a:off x="6187423" y="1327614"/>
+              <a:ext cx="1261003" cy="443139"/>
+            </a:xfrm>
+            <a:prstGeom prst="flowChartMagneticDisk">
+              <a:avLst/>
+            </a:prstGeom>
+            <a:solidFill>
+              <a:sysClr val="window" lastClr="FFFFFF"/>
+            </a:solidFill>
+            <a:ln>
+              <a:solidFill>
+                <a:sysClr val="windowText" lastClr="000000"/>
+              </a:solidFill>
+            </a:ln>
+          </p:spPr>
+          <p:style>
+            <a:lnRef idx="2">
+              <a:schemeClr val="accent1">
+                <a:shade val="50000"/>
+              </a:schemeClr>
+            </a:lnRef>
+            <a:fillRef idx="1">
+              <a:schemeClr val="accent1"/>
+            </a:fillRef>
+            <a:effectRef idx="0">
+              <a:schemeClr val="accent1"/>
+            </a:effectRef>
+            <a:fontRef idx="minor">
+              <a:schemeClr val="lt1"/>
+            </a:fontRef>
+          </p:style>
+          <p:txBody>
+            <a:bodyPr wrap="square" rtlCol="0" anchor="t"/>
+            <a:lstStyle>
+              <a:lvl1pPr marL="0" indent="0">
+                <a:defRPr sz="1100">
+                  <a:solidFill>
+                    <a:schemeClr val="lt1"/>
+                  </a:solidFill>
+                  <a:latin typeface="+mn-lt"/>
+                  <a:ea typeface="+mn-ea"/>
+                  <a:cs typeface="+mn-cs"/>
+                </a:defRPr>
+              </a:lvl1pPr>
+              <a:lvl2pPr marL="457200" indent="0">
+                <a:defRPr sz="1100">
+                  <a:solidFill>
+                    <a:schemeClr val="lt1"/>
+                  </a:solidFill>
+                  <a:latin typeface="+mn-lt"/>
+                  <a:ea typeface="+mn-ea"/>
+                  <a:cs typeface="+mn-cs"/>
+                </a:defRPr>
+              </a:lvl2pPr>
+              <a:lvl3pPr marL="914400" indent="0">
+                <a:defRPr sz="1100">
+                  <a:solidFill>
+                    <a:schemeClr val="lt1"/>
+                  </a:solidFill>
+                  <a:latin typeface="+mn-lt"/>
+                  <a:ea typeface="+mn-ea"/>
+                  <a:cs typeface="+mn-cs"/>
+                </a:defRPr>
+              </a:lvl3pPr>
+              <a:lvl4pPr marL="1371600" indent="0">
+                <a:defRPr sz="1100">
+                  <a:solidFill>
+                    <a:schemeClr val="lt1"/>
+                  </a:solidFill>
+                  <a:latin typeface="+mn-lt"/>
+                  <a:ea typeface="+mn-ea"/>
+                  <a:cs typeface="+mn-cs"/>
+                </a:defRPr>
+              </a:lvl4pPr>
+              <a:lvl5pPr marL="1828800" indent="0">
+                <a:defRPr sz="1100">
+                  <a:solidFill>
+                    <a:schemeClr val="lt1"/>
+                  </a:solidFill>
+                  <a:latin typeface="+mn-lt"/>
+                  <a:ea typeface="+mn-ea"/>
+                  <a:cs typeface="+mn-cs"/>
+                </a:defRPr>
+              </a:lvl5pPr>
+              <a:lvl6pPr marL="2286000" indent="0">
+                <a:defRPr sz="1100">
+                  <a:solidFill>
+                    <a:schemeClr val="lt1"/>
+                  </a:solidFill>
+                  <a:latin typeface="+mn-lt"/>
+                  <a:ea typeface="+mn-ea"/>
+                  <a:cs typeface="+mn-cs"/>
+                </a:defRPr>
+              </a:lvl6pPr>
+              <a:lvl7pPr marL="2743200" indent="0">
+                <a:defRPr sz="1100">
+                  <a:solidFill>
+                    <a:schemeClr val="lt1"/>
+                  </a:solidFill>
+                  <a:latin typeface="+mn-lt"/>
+                  <a:ea typeface="+mn-ea"/>
+                  <a:cs typeface="+mn-cs"/>
+                </a:defRPr>
+              </a:lvl7pPr>
+              <a:lvl8pPr marL="3200400" indent="0">
+                <a:defRPr sz="1100">
+                  <a:solidFill>
+                    <a:schemeClr val="lt1"/>
+                  </a:solidFill>
+                  <a:latin typeface="+mn-lt"/>
+                  <a:ea typeface="+mn-ea"/>
+                  <a:cs typeface="+mn-cs"/>
+                </a:defRPr>
+              </a:lvl8pPr>
+              <a:lvl9pPr marL="3657600" indent="0">
+                <a:defRPr sz="1100">
+                  <a:solidFill>
+                    <a:schemeClr val="lt1"/>
+                  </a:solidFill>
+                  <a:latin typeface="+mn-lt"/>
+                  <a:ea typeface="+mn-ea"/>
+                  <a:cs typeface="+mn-cs"/>
+                </a:defRPr>
+              </a:lvl9pPr>
+            </a:lstStyle>
+            <a:p>
+              <a:pPr algn="ctr"/>
+              <a:r>
+                <a:rPr lang="ja-JP" altLang="en-US" sz="900" dirty="0" smtClean="0">
+                  <a:solidFill>
+                    <a:sysClr val="windowText" lastClr="000000"/>
+                  </a:solidFill>
+                  <a:latin typeface="MS UI Gothic" panose="020B0600070205080204" pitchFamily="50" charset="-128"/>
+                  <a:ea typeface="MS UI Gothic" panose="020B0600070205080204" pitchFamily="50" charset="-128"/>
+                </a:rPr>
+                <a:t>店名管理</a:t>
+              </a:r>
+              <a:r>
+                <a:rPr kumimoji="1" lang="ja-JP" altLang="en-US" sz="900" dirty="0">
+                  <a:solidFill>
+                    <a:sysClr val="windowText" lastClr="000000"/>
+                  </a:solidFill>
+                  <a:latin typeface="MS UI Gothic" panose="020B0600070205080204" pitchFamily="50" charset="-128"/>
+                  <a:ea typeface="MS UI Gothic" panose="020B0600070205080204" pitchFamily="50" charset="-128"/>
+                </a:rPr>
+                <a:t>テーブル</a:t>
+              </a:r>
+            </a:p>
+          </p:txBody>
+        </p:sp>
+        <p:sp>
+          <p:nvSpPr>
+            <p:cNvPr id="28" name="フローチャート : 磁気ディスク 1"/>
+            <p:cNvSpPr/>
+            <p:nvPr/>
+          </p:nvSpPr>
+          <p:spPr>
+            <a:xfrm>
+              <a:off x="5380023" y="2813748"/>
+              <a:ext cx="1261003" cy="443139"/>
+            </a:xfrm>
+            <a:prstGeom prst="flowChartMagneticDisk">
+              <a:avLst/>
+            </a:prstGeom>
+            <a:solidFill>
+              <a:sysClr val="window" lastClr="FFFFFF"/>
+            </a:solidFill>
+            <a:ln>
+              <a:solidFill>
+                <a:sysClr val="windowText" lastClr="000000"/>
+              </a:solidFill>
+            </a:ln>
+          </p:spPr>
+          <p:style>
+            <a:lnRef idx="2">
+              <a:schemeClr val="accent1">
+                <a:shade val="50000"/>
+              </a:schemeClr>
+            </a:lnRef>
+            <a:fillRef idx="1">
+              <a:schemeClr val="accent1"/>
+            </a:fillRef>
+            <a:effectRef idx="0">
+              <a:schemeClr val="accent1"/>
+            </a:effectRef>
+            <a:fontRef idx="minor">
+              <a:schemeClr val="lt1"/>
+            </a:fontRef>
+          </p:style>
+          <p:txBody>
+            <a:bodyPr wrap="square" rtlCol="0" anchor="t"/>
+            <a:lstStyle>
+              <a:lvl1pPr marL="0" indent="0">
+                <a:defRPr sz="1100">
+                  <a:solidFill>
+                    <a:schemeClr val="lt1"/>
+                  </a:solidFill>
+                  <a:latin typeface="+mn-lt"/>
+                  <a:ea typeface="+mn-ea"/>
+                  <a:cs typeface="+mn-cs"/>
+                </a:defRPr>
+              </a:lvl1pPr>
+              <a:lvl2pPr marL="457200" indent="0">
+                <a:defRPr sz="1100">
+                  <a:solidFill>
+                    <a:schemeClr val="lt1"/>
+                  </a:solidFill>
+                  <a:latin typeface="+mn-lt"/>
+                  <a:ea typeface="+mn-ea"/>
+                  <a:cs typeface="+mn-cs"/>
+                </a:defRPr>
+              </a:lvl2pPr>
+              <a:lvl3pPr marL="914400" indent="0">
+                <a:defRPr sz="1100">
+                  <a:solidFill>
+                    <a:schemeClr val="lt1"/>
+                  </a:solidFill>
+                  <a:latin typeface="+mn-lt"/>
+                  <a:ea typeface="+mn-ea"/>
+                  <a:cs typeface="+mn-cs"/>
+                </a:defRPr>
+              </a:lvl3pPr>
+              <a:lvl4pPr marL="1371600" indent="0">
+                <a:defRPr sz="1100">
+                  <a:solidFill>
+                    <a:schemeClr val="lt1"/>
+                  </a:solidFill>
+                  <a:latin typeface="+mn-lt"/>
+                  <a:ea typeface="+mn-ea"/>
+                  <a:cs typeface="+mn-cs"/>
+                </a:defRPr>
+              </a:lvl4pPr>
+              <a:lvl5pPr marL="1828800" indent="0">
+                <a:defRPr sz="1100">
+                  <a:solidFill>
+                    <a:schemeClr val="lt1"/>
+                  </a:solidFill>
+                  <a:latin typeface="+mn-lt"/>
+                  <a:ea typeface="+mn-ea"/>
+                  <a:cs typeface="+mn-cs"/>
+                </a:defRPr>
+              </a:lvl5pPr>
+              <a:lvl6pPr marL="2286000" indent="0">
+                <a:defRPr sz="1100">
+                  <a:solidFill>
+                    <a:schemeClr val="lt1"/>
+                  </a:solidFill>
+                  <a:latin typeface="+mn-lt"/>
+                  <a:ea typeface="+mn-ea"/>
+                  <a:cs typeface="+mn-cs"/>
+                </a:defRPr>
+              </a:lvl6pPr>
+              <a:lvl7pPr marL="2743200" indent="0">
+                <a:defRPr sz="1100">
+                  <a:solidFill>
+                    <a:schemeClr val="lt1"/>
+                  </a:solidFill>
+                  <a:latin typeface="+mn-lt"/>
+                  <a:ea typeface="+mn-ea"/>
+                  <a:cs typeface="+mn-cs"/>
+                </a:defRPr>
+              </a:lvl7pPr>
+              <a:lvl8pPr marL="3200400" indent="0">
+                <a:defRPr sz="1100">
+                  <a:solidFill>
+                    <a:schemeClr val="lt1"/>
+                  </a:solidFill>
+                  <a:latin typeface="+mn-lt"/>
+                  <a:ea typeface="+mn-ea"/>
+                  <a:cs typeface="+mn-cs"/>
+                </a:defRPr>
+              </a:lvl8pPr>
+              <a:lvl9pPr marL="3657600" indent="0">
+                <a:defRPr sz="1100">
+                  <a:solidFill>
+                    <a:schemeClr val="lt1"/>
+                  </a:solidFill>
+                  <a:latin typeface="+mn-lt"/>
+                  <a:ea typeface="+mn-ea"/>
+                  <a:cs typeface="+mn-cs"/>
+                </a:defRPr>
+              </a:lvl9pPr>
+            </a:lstStyle>
+            <a:p>
+              <a:pPr algn="ctr"/>
+              <a:r>
+                <a:rPr lang="ja-JP" altLang="en-US" sz="900" dirty="0">
+                  <a:solidFill>
+                    <a:sysClr val="windowText" lastClr="000000"/>
+                  </a:solidFill>
+                  <a:latin typeface="MS UI Gothic" panose="020B0600070205080204" pitchFamily="50" charset="-128"/>
+                  <a:ea typeface="MS UI Gothic" panose="020B0600070205080204" pitchFamily="50" charset="-128"/>
+                </a:rPr>
+                <a:t>コメント</a:t>
+              </a:r>
+              <a:r>
+                <a:rPr lang="ja-JP" altLang="en-US" sz="900" dirty="0" smtClean="0">
+                  <a:solidFill>
+                    <a:sysClr val="windowText" lastClr="000000"/>
+                  </a:solidFill>
+                  <a:latin typeface="MS UI Gothic" panose="020B0600070205080204" pitchFamily="50" charset="-128"/>
+                  <a:ea typeface="MS UI Gothic" panose="020B0600070205080204" pitchFamily="50" charset="-128"/>
+                </a:rPr>
+                <a:t>管理</a:t>
+              </a:r>
+              <a:r>
+                <a:rPr kumimoji="1" lang="ja-JP" altLang="en-US" sz="900" dirty="0">
+                  <a:solidFill>
+                    <a:sysClr val="windowText" lastClr="000000"/>
+                  </a:solidFill>
+                  <a:latin typeface="MS UI Gothic" panose="020B0600070205080204" pitchFamily="50" charset="-128"/>
+                  <a:ea typeface="MS UI Gothic" panose="020B0600070205080204" pitchFamily="50" charset="-128"/>
+                </a:rPr>
+                <a:t>テーブル</a:t>
+              </a:r>
+            </a:p>
+          </p:txBody>
+        </p:sp>
+        <p:cxnSp>
+          <p:nvCxnSpPr>
+            <p:cNvPr id="3" name="直線矢印コネクタ 2"/>
+            <p:cNvCxnSpPr>
+              <a:stCxn id="4" idx="2"/>
+              <a:endCxn id="5" idx="0"/>
+            </p:cNvCxnSpPr>
+            <p:nvPr/>
+          </p:nvCxnSpPr>
+          <p:spPr>
+            <a:xfrm>
+              <a:off x="1977471" y="1765354"/>
+              <a:ext cx="0" cy="285635"/>
+            </a:xfrm>
+            <a:prstGeom prst="straightConnector1">
+              <a:avLst/>
+            </a:prstGeom>
+            <a:ln>
+              <a:headEnd type="none"/>
+              <a:tailEnd type="arrow"/>
+            </a:ln>
+          </p:spPr>
+          <p:style>
+            <a:lnRef idx="1">
+              <a:schemeClr val="dk1"/>
+            </a:lnRef>
+            <a:fillRef idx="0">
+              <a:schemeClr val="dk1"/>
+            </a:fillRef>
+            <a:effectRef idx="0">
+              <a:schemeClr val="dk1"/>
+            </a:effectRef>
+            <a:fontRef idx="minor">
+              <a:schemeClr val="tx1"/>
+            </a:fontRef>
+          </p:style>
+        </p:cxnSp>
+        <p:cxnSp>
+          <p:nvCxnSpPr>
+            <p:cNvPr id="32" name="直線矢印コネクタ 31"/>
+            <p:cNvCxnSpPr>
+              <a:stCxn id="5" idx="2"/>
+              <a:endCxn id="6" idx="0"/>
+            </p:cNvCxnSpPr>
+            <p:nvPr/>
+          </p:nvCxnSpPr>
+          <p:spPr>
+            <a:xfrm flipH="1">
+              <a:off x="1977470" y="2483328"/>
+              <a:ext cx="1" cy="285635"/>
+            </a:xfrm>
+            <a:prstGeom prst="straightConnector1">
+              <a:avLst/>
+            </a:prstGeom>
+            <a:ln>
+              <a:headEnd type="none"/>
+              <a:tailEnd type="arrow"/>
+            </a:ln>
+          </p:spPr>
+          <p:style>
+            <a:lnRef idx="1">
+              <a:schemeClr val="dk1"/>
+            </a:lnRef>
+            <a:fillRef idx="0">
+              <a:schemeClr val="dk1"/>
+            </a:fillRef>
+            <a:effectRef idx="0">
+              <a:schemeClr val="dk1"/>
+            </a:effectRef>
+            <a:fontRef idx="minor">
+              <a:schemeClr val="tx1"/>
+            </a:fontRef>
+          </p:style>
+        </p:cxnSp>
+        <p:cxnSp>
+          <p:nvCxnSpPr>
+            <p:cNvPr id="35" name="直線矢印コネクタ 34"/>
+            <p:cNvCxnSpPr>
+              <a:stCxn id="6" idx="2"/>
+              <a:endCxn id="9" idx="0"/>
+            </p:cNvCxnSpPr>
+            <p:nvPr/>
+          </p:nvCxnSpPr>
+          <p:spPr>
+            <a:xfrm flipH="1">
+              <a:off x="1977061" y="3201302"/>
+              <a:ext cx="409" cy="328353"/>
+            </a:xfrm>
+            <a:prstGeom prst="straightConnector1">
+              <a:avLst/>
+            </a:prstGeom>
+            <a:ln>
+              <a:headEnd type="none"/>
+              <a:tailEnd type="arrow"/>
+            </a:ln>
+          </p:spPr>
+          <p:style>
+            <a:lnRef idx="1">
+              <a:schemeClr val="dk1"/>
+            </a:lnRef>
+            <a:fillRef idx="0">
+              <a:schemeClr val="dk1"/>
+            </a:fillRef>
+            <a:effectRef idx="0">
+              <a:schemeClr val="dk1"/>
+            </a:effectRef>
+            <a:fontRef idx="minor">
+              <a:schemeClr val="tx1"/>
+            </a:fontRef>
+          </p:style>
+        </p:cxnSp>
+        <p:cxnSp>
+          <p:nvCxnSpPr>
+            <p:cNvPr id="38" name="直線矢印コネクタ 37"/>
+            <p:cNvCxnSpPr/>
+            <p:nvPr/>
+          </p:nvCxnSpPr>
+          <p:spPr>
+            <a:xfrm flipV="1">
+              <a:off x="5170491" y="1421468"/>
+              <a:ext cx="1016929" cy="1"/>
+            </a:xfrm>
+            <a:prstGeom prst="straightConnector1">
+              <a:avLst/>
+            </a:prstGeom>
+            <a:ln>
+              <a:headEnd type="none"/>
+              <a:tailEnd type="arrow"/>
+            </a:ln>
+          </p:spPr>
+          <p:style>
+            <a:lnRef idx="1">
+              <a:schemeClr val="dk1"/>
+            </a:lnRef>
+            <a:fillRef idx="0">
+              <a:schemeClr val="dk1"/>
+            </a:fillRef>
+            <a:effectRef idx="0">
+              <a:schemeClr val="dk1"/>
+            </a:effectRef>
+            <a:fontRef idx="minor">
+              <a:schemeClr val="tx1"/>
+            </a:fontRef>
+          </p:style>
+        </p:cxnSp>
+        <p:cxnSp>
+          <p:nvCxnSpPr>
+            <p:cNvPr id="41" name="直線矢印コネクタ 40"/>
+            <p:cNvCxnSpPr>
+              <a:stCxn id="27" idx="2"/>
+              <a:endCxn id="10" idx="3"/>
+            </p:cNvCxnSpPr>
+            <p:nvPr/>
+          </p:nvCxnSpPr>
+          <p:spPr>
+            <a:xfrm flipH="1">
+              <a:off x="5170494" y="1549184"/>
+              <a:ext cx="1016929" cy="1"/>
+            </a:xfrm>
+            <a:prstGeom prst="straightConnector1">
+              <a:avLst/>
+            </a:prstGeom>
+            <a:ln>
+              <a:headEnd type="none"/>
+              <a:tailEnd type="arrow"/>
+            </a:ln>
+          </p:spPr>
+          <p:style>
+            <a:lnRef idx="1">
+              <a:schemeClr val="dk1"/>
+            </a:lnRef>
+            <a:fillRef idx="0">
+              <a:schemeClr val="dk1"/>
+            </a:fillRef>
+            <a:effectRef idx="0">
+              <a:schemeClr val="dk1"/>
+            </a:effectRef>
+            <a:fontRef idx="minor">
+              <a:schemeClr val="tx1"/>
+            </a:fontRef>
+          </p:style>
+        </p:cxnSp>
+        <p:cxnSp>
+          <p:nvCxnSpPr>
+            <p:cNvPr id="64" name="直線矢印コネクタ 63"/>
+            <p:cNvCxnSpPr>
+              <a:stCxn id="19" idx="2"/>
+              <a:endCxn id="20" idx="0"/>
+            </p:cNvCxnSpPr>
+            <p:nvPr/>
+          </p:nvCxnSpPr>
+          <p:spPr>
+            <a:xfrm flipH="1">
+              <a:off x="8758472" y="1754791"/>
+              <a:ext cx="409" cy="290796"/>
+            </a:xfrm>
+            <a:prstGeom prst="straightConnector1">
+              <a:avLst/>
+            </a:prstGeom>
+            <a:ln>
+              <a:headEnd type="none"/>
+              <a:tailEnd type="arrow"/>
+            </a:ln>
+          </p:spPr>
+          <p:style>
+            <a:lnRef idx="1">
+              <a:schemeClr val="dk1"/>
+            </a:lnRef>
+            <a:fillRef idx="0">
+              <a:schemeClr val="dk1"/>
+            </a:fillRef>
+            <a:effectRef idx="0">
+              <a:schemeClr val="dk1"/>
+            </a:effectRef>
+            <a:fontRef idx="minor">
+              <a:schemeClr val="tx1"/>
+            </a:fontRef>
+          </p:style>
+        </p:cxnSp>
+        <p:sp>
+          <p:nvSpPr>
+            <p:cNvPr id="76" name="フローチャート : 定義済み処理 27"/>
+            <p:cNvSpPr/>
+            <p:nvPr/>
+          </p:nvSpPr>
+          <p:spPr>
+            <a:xfrm>
+              <a:off x="1355495" y="4199749"/>
+              <a:ext cx="1243949" cy="432339"/>
+            </a:xfrm>
+            <a:prstGeom prst="flowChartPredefinedProcess">
+              <a:avLst/>
+            </a:prstGeom>
+            <a:solidFill>
+              <a:sysClr val="window" lastClr="FFFFFF"/>
+            </a:solidFill>
+            <a:ln>
+              <a:solidFill>
+                <a:sysClr val="windowText" lastClr="000000"/>
+              </a:solidFill>
+            </a:ln>
+          </p:spPr>
+          <p:style>
+            <a:lnRef idx="2">
+              <a:schemeClr val="accent1">
+                <a:shade val="50000"/>
+              </a:schemeClr>
+            </a:lnRef>
+            <a:fillRef idx="1">
+              <a:schemeClr val="accent1"/>
+            </a:fillRef>
+            <a:effectRef idx="0">
+              <a:schemeClr val="accent1"/>
+            </a:effectRef>
+            <a:fontRef idx="minor">
+              <a:schemeClr val="lt1"/>
+            </a:fontRef>
+          </p:style>
+          <p:txBody>
+            <a:bodyPr wrap="square" rtlCol="0" anchor="ctr"/>
+            <a:lstStyle>
+              <a:lvl1pPr marL="0" indent="0">
+                <a:defRPr sz="1100">
+                  <a:solidFill>
+                    <a:schemeClr val="lt1"/>
+                  </a:solidFill>
+                  <a:latin typeface="+mn-lt"/>
+                  <a:ea typeface="+mn-ea"/>
+                  <a:cs typeface="+mn-cs"/>
+                </a:defRPr>
+              </a:lvl1pPr>
+              <a:lvl2pPr marL="457200" indent="0">
+                <a:defRPr sz="1100">
+                  <a:solidFill>
+                    <a:schemeClr val="lt1"/>
+                  </a:solidFill>
+                  <a:latin typeface="+mn-lt"/>
+                  <a:ea typeface="+mn-ea"/>
+                  <a:cs typeface="+mn-cs"/>
+                </a:defRPr>
+              </a:lvl2pPr>
+              <a:lvl3pPr marL="914400" indent="0">
+                <a:defRPr sz="1100">
+                  <a:solidFill>
+                    <a:schemeClr val="lt1"/>
+                  </a:solidFill>
+                  <a:latin typeface="+mn-lt"/>
+                  <a:ea typeface="+mn-ea"/>
+                  <a:cs typeface="+mn-cs"/>
+                </a:defRPr>
+              </a:lvl3pPr>
+              <a:lvl4pPr marL="1371600" indent="0">
+                <a:defRPr sz="1100">
+                  <a:solidFill>
+                    <a:schemeClr val="lt1"/>
+                  </a:solidFill>
+                  <a:latin typeface="+mn-lt"/>
+                  <a:ea typeface="+mn-ea"/>
+                  <a:cs typeface="+mn-cs"/>
+                </a:defRPr>
+              </a:lvl4pPr>
+              <a:lvl5pPr marL="1828800" indent="0">
+                <a:defRPr sz="1100">
+                  <a:solidFill>
+                    <a:schemeClr val="lt1"/>
+                  </a:solidFill>
+                  <a:latin typeface="+mn-lt"/>
+                  <a:ea typeface="+mn-ea"/>
+                  <a:cs typeface="+mn-cs"/>
+                </a:defRPr>
+              </a:lvl5pPr>
+              <a:lvl6pPr marL="2286000" indent="0">
+                <a:defRPr sz="1100">
+                  <a:solidFill>
+                    <a:schemeClr val="lt1"/>
+                  </a:solidFill>
+                  <a:latin typeface="+mn-lt"/>
+                  <a:ea typeface="+mn-ea"/>
+                  <a:cs typeface="+mn-cs"/>
+                </a:defRPr>
+              </a:lvl6pPr>
+              <a:lvl7pPr marL="2743200" indent="0">
+                <a:defRPr sz="1100">
+                  <a:solidFill>
+                    <a:schemeClr val="lt1"/>
+                  </a:solidFill>
+                  <a:latin typeface="+mn-lt"/>
+                  <a:ea typeface="+mn-ea"/>
+                  <a:cs typeface="+mn-cs"/>
+                </a:defRPr>
+              </a:lvl7pPr>
+              <a:lvl8pPr marL="3200400" indent="0">
+                <a:defRPr sz="1100">
+                  <a:solidFill>
+                    <a:schemeClr val="lt1"/>
+                  </a:solidFill>
+                  <a:latin typeface="+mn-lt"/>
+                  <a:ea typeface="+mn-ea"/>
+                  <a:cs typeface="+mn-cs"/>
+                </a:defRPr>
+              </a:lvl8pPr>
+              <a:lvl9pPr marL="3657600" indent="0">
+                <a:defRPr sz="1100">
+                  <a:solidFill>
+                    <a:schemeClr val="lt1"/>
+                  </a:solidFill>
+                  <a:latin typeface="+mn-lt"/>
+                  <a:ea typeface="+mn-ea"/>
+                  <a:cs typeface="+mn-cs"/>
+                </a:defRPr>
+              </a:lvl9pPr>
+            </a:lstStyle>
+            <a:p>
+              <a:pPr algn="ctr"/>
+              <a:r>
+                <a:rPr kumimoji="1" lang="ja-JP" altLang="en-US" sz="900" dirty="0" smtClean="0">
+                  <a:solidFill>
+                    <a:sysClr val="windowText" lastClr="000000"/>
+                  </a:solidFill>
+                  <a:latin typeface="MS UI Gothic" panose="020B0600070205080204" pitchFamily="50" charset="-128"/>
+                  <a:ea typeface="MS UI Gothic" panose="020B0600070205080204" pitchFamily="50" charset="-128"/>
+                </a:rPr>
+                <a:t>別ウィンドウを</a:t>
+              </a:r>
+              <a:endParaRPr lang="en-US" altLang="ja-JP" sz="900" dirty="0">
+                <a:solidFill>
+                  <a:sysClr val="windowText" lastClr="000000"/>
+                </a:solidFill>
+                <a:latin typeface="MS UI Gothic" panose="020B0600070205080204" pitchFamily="50" charset="-128"/>
+                <a:ea typeface="MS UI Gothic" panose="020B0600070205080204" pitchFamily="50" charset="-128"/>
+              </a:endParaRPr>
+            </a:p>
+            <a:p>
+              <a:pPr algn="ctr"/>
+              <a:r>
+                <a:rPr kumimoji="1" lang="ja-JP" altLang="en-US" sz="900" dirty="0" smtClean="0">
+                  <a:solidFill>
+                    <a:sysClr val="windowText" lastClr="000000"/>
+                  </a:solidFill>
+                  <a:latin typeface="MS UI Gothic" panose="020B0600070205080204" pitchFamily="50" charset="-128"/>
+                  <a:ea typeface="MS UI Gothic" panose="020B0600070205080204" pitchFamily="50" charset="-128"/>
+                </a:rPr>
+                <a:t>表示</a:t>
+              </a:r>
+              <a:endParaRPr kumimoji="1" lang="en-US" altLang="ja-JP" sz="900" dirty="0">
+                <a:solidFill>
+                  <a:sysClr val="windowText" lastClr="000000"/>
+                </a:solidFill>
+                <a:latin typeface="MS UI Gothic" panose="020B0600070205080204" pitchFamily="50" charset="-128"/>
+                <a:ea typeface="MS UI Gothic" panose="020B0600070205080204" pitchFamily="50" charset="-128"/>
+              </a:endParaRPr>
+            </a:p>
+          </p:txBody>
+        </p:sp>
+        <p:sp>
+          <p:nvSpPr>
+            <p:cNvPr id="78" name="フローチャート : 手操作入力 51"/>
+            <p:cNvSpPr/>
+            <p:nvPr/>
+          </p:nvSpPr>
+          <p:spPr>
+            <a:xfrm>
+              <a:off x="3926135" y="3316066"/>
+              <a:ext cx="1244767" cy="427177"/>
+            </a:xfrm>
+            <a:prstGeom prst="flowChartManualInput">
+              <a:avLst/>
+            </a:prstGeom>
+            <a:solidFill>
+              <a:sysClr val="window" lastClr="FFFFFF"/>
+            </a:solidFill>
+            <a:ln>
+              <a:solidFill>
+                <a:sysClr val="windowText" lastClr="000000"/>
+              </a:solidFill>
+            </a:ln>
+          </p:spPr>
+          <p:style>
+            <a:lnRef idx="2">
+              <a:schemeClr val="accent1">
+                <a:shade val="50000"/>
+              </a:schemeClr>
+            </a:lnRef>
+            <a:fillRef idx="1">
+              <a:schemeClr val="accent1"/>
+            </a:fillRef>
+            <a:effectRef idx="0">
+              <a:schemeClr val="accent1"/>
+            </a:effectRef>
+            <a:fontRef idx="minor">
+              <a:schemeClr val="lt1"/>
+            </a:fontRef>
+          </p:style>
+          <p:txBody>
+            <a:bodyPr wrap="square" rtlCol="0" anchor="ctr"/>
+            <a:lstStyle>
+              <a:lvl1pPr marL="0" indent="0">
+                <a:defRPr sz="1100">
+                  <a:solidFill>
+                    <a:schemeClr val="lt1"/>
+                  </a:solidFill>
+                  <a:latin typeface="+mn-lt"/>
+                  <a:ea typeface="+mn-ea"/>
+                  <a:cs typeface="+mn-cs"/>
+                </a:defRPr>
+              </a:lvl1pPr>
+              <a:lvl2pPr marL="457200" indent="0">
+                <a:defRPr sz="1100">
+                  <a:solidFill>
+                    <a:schemeClr val="lt1"/>
+                  </a:solidFill>
+                  <a:latin typeface="+mn-lt"/>
+                  <a:ea typeface="+mn-ea"/>
+                  <a:cs typeface="+mn-cs"/>
+                </a:defRPr>
+              </a:lvl2pPr>
+              <a:lvl3pPr marL="914400" indent="0">
+                <a:defRPr sz="1100">
+                  <a:solidFill>
+                    <a:schemeClr val="lt1"/>
+                  </a:solidFill>
+                  <a:latin typeface="+mn-lt"/>
+                  <a:ea typeface="+mn-ea"/>
+                  <a:cs typeface="+mn-cs"/>
+                </a:defRPr>
+              </a:lvl3pPr>
+              <a:lvl4pPr marL="1371600" indent="0">
+                <a:defRPr sz="1100">
+                  <a:solidFill>
+                    <a:schemeClr val="lt1"/>
+                  </a:solidFill>
+                  <a:latin typeface="+mn-lt"/>
+                  <a:ea typeface="+mn-ea"/>
+                  <a:cs typeface="+mn-cs"/>
+                </a:defRPr>
+              </a:lvl4pPr>
+              <a:lvl5pPr marL="1828800" indent="0">
+                <a:defRPr sz="1100">
+                  <a:solidFill>
+                    <a:schemeClr val="lt1"/>
+                  </a:solidFill>
+                  <a:latin typeface="+mn-lt"/>
+                  <a:ea typeface="+mn-ea"/>
+                  <a:cs typeface="+mn-cs"/>
+                </a:defRPr>
+              </a:lvl5pPr>
+              <a:lvl6pPr marL="2286000" indent="0">
+                <a:defRPr sz="1100">
+                  <a:solidFill>
+                    <a:schemeClr val="lt1"/>
+                  </a:solidFill>
+                  <a:latin typeface="+mn-lt"/>
+                  <a:ea typeface="+mn-ea"/>
+                  <a:cs typeface="+mn-cs"/>
+                </a:defRPr>
+              </a:lvl6pPr>
+              <a:lvl7pPr marL="2743200" indent="0">
+                <a:defRPr sz="1100">
+                  <a:solidFill>
+                    <a:schemeClr val="lt1"/>
+                  </a:solidFill>
+                  <a:latin typeface="+mn-lt"/>
+                  <a:ea typeface="+mn-ea"/>
+                  <a:cs typeface="+mn-cs"/>
+                </a:defRPr>
+              </a:lvl7pPr>
+              <a:lvl8pPr marL="3200400" indent="0">
+                <a:defRPr sz="1100">
+                  <a:solidFill>
+                    <a:schemeClr val="lt1"/>
+                  </a:solidFill>
+                  <a:latin typeface="+mn-lt"/>
+                  <a:ea typeface="+mn-ea"/>
+                  <a:cs typeface="+mn-cs"/>
+                </a:defRPr>
+              </a:lvl8pPr>
+              <a:lvl9pPr marL="3657600" indent="0">
+                <a:defRPr sz="1100">
+                  <a:solidFill>
+                    <a:schemeClr val="lt1"/>
+                  </a:solidFill>
+                  <a:latin typeface="+mn-lt"/>
+                  <a:ea typeface="+mn-ea"/>
+                  <a:cs typeface="+mn-cs"/>
+                </a:defRPr>
+              </a:lvl9pPr>
+            </a:lstStyle>
+            <a:p>
+              <a:pPr algn="ctr"/>
+              <a:r>
+                <a:rPr lang="ja-JP" altLang="en-US" sz="900" dirty="0" smtClean="0">
+                  <a:solidFill>
+                    <a:sysClr val="windowText" lastClr="000000"/>
+                  </a:solidFill>
+                  <a:latin typeface="MS UI Gothic" panose="020B0600070205080204" pitchFamily="50" charset="-128"/>
+                  <a:ea typeface="MS UI Gothic" panose="020B0600070205080204" pitchFamily="50" charset="-128"/>
+                </a:rPr>
+                <a:t>「</a:t>
+              </a:r>
+              <a:r>
+                <a:rPr lang="ja-JP" altLang="en-US" sz="900" dirty="0">
+                  <a:solidFill>
+                    <a:sysClr val="windowText" lastClr="000000"/>
+                  </a:solidFill>
+                  <a:latin typeface="MS UI Gothic" panose="020B0600070205080204" pitchFamily="50" charset="-128"/>
+                  <a:ea typeface="MS UI Gothic" panose="020B0600070205080204" pitchFamily="50" charset="-128"/>
+                </a:rPr>
+                <a:t>投稿</a:t>
+              </a:r>
+              <a:r>
+                <a:rPr lang="ja-JP" altLang="en-US" sz="900" dirty="0" smtClean="0">
+                  <a:solidFill>
+                    <a:sysClr val="windowText" lastClr="000000"/>
+                  </a:solidFill>
+                  <a:latin typeface="MS UI Gothic" panose="020B0600070205080204" pitchFamily="50" charset="-128"/>
+                  <a:ea typeface="MS UI Gothic" panose="020B0600070205080204" pitchFamily="50" charset="-128"/>
+                </a:rPr>
+                <a:t>する」ボタンを</a:t>
+              </a:r>
+              <a:endParaRPr lang="en-US" altLang="ja-JP" sz="900" dirty="0" smtClean="0">
+                <a:solidFill>
+                  <a:sysClr val="windowText" lastClr="000000"/>
+                </a:solidFill>
+                <a:latin typeface="MS UI Gothic" panose="020B0600070205080204" pitchFamily="50" charset="-128"/>
+                <a:ea typeface="MS UI Gothic" panose="020B0600070205080204" pitchFamily="50" charset="-128"/>
+              </a:endParaRPr>
+            </a:p>
+            <a:p>
+              <a:pPr algn="ctr"/>
+              <a:r>
+                <a:rPr lang="ja-JP" altLang="en-US" sz="900" dirty="0" smtClean="0">
+                  <a:solidFill>
+                    <a:sysClr val="windowText" lastClr="000000"/>
+                  </a:solidFill>
+                  <a:latin typeface="MS UI Gothic" panose="020B0600070205080204" pitchFamily="50" charset="-128"/>
+                  <a:ea typeface="MS UI Gothic" panose="020B0600070205080204" pitchFamily="50" charset="-128"/>
+                </a:rPr>
+                <a:t>押下</a:t>
+              </a:r>
+              <a:endParaRPr kumimoji="1" lang="ja-JP" altLang="en-US" sz="900" dirty="0">
+                <a:solidFill>
+                  <a:sysClr val="windowText" lastClr="000000"/>
+                </a:solidFill>
+                <a:latin typeface="MS UI Gothic" panose="020B0600070205080204" pitchFamily="50" charset="-128"/>
+                <a:ea typeface="MS UI Gothic" panose="020B0600070205080204" pitchFamily="50" charset="-128"/>
+              </a:endParaRPr>
+            </a:p>
+          </p:txBody>
+        </p:sp>
+        <p:cxnSp>
+          <p:nvCxnSpPr>
+            <p:cNvPr id="126" name="カギ線コネクタ 125"/>
+            <p:cNvCxnSpPr>
+              <a:stCxn id="76" idx="3"/>
+              <a:endCxn id="10" idx="1"/>
+            </p:cNvCxnSpPr>
+            <p:nvPr/>
+          </p:nvCxnSpPr>
+          <p:spPr>
+            <a:xfrm flipV="1">
+              <a:off x="2599444" y="1549185"/>
+              <a:ext cx="1327101" cy="2866734"/>
+            </a:xfrm>
+            <a:prstGeom prst="bentConnector3">
+              <a:avLst>
+                <a:gd name="adj1" fmla="val 50000"/>
+              </a:avLst>
+            </a:prstGeom>
+            <a:ln>
+              <a:tailEnd type="arrow"/>
+            </a:ln>
+          </p:spPr>
+          <p:style>
+            <a:lnRef idx="1">
+              <a:schemeClr val="dk1"/>
+            </a:lnRef>
+            <a:fillRef idx="0">
+              <a:schemeClr val="dk1"/>
+            </a:fillRef>
+            <a:effectRef idx="0">
+              <a:schemeClr val="dk1"/>
+            </a:effectRef>
+            <a:fontRef idx="minor">
+              <a:schemeClr val="tx1"/>
+            </a:fontRef>
+          </p:style>
+        </p:cxnSp>
+        <p:cxnSp>
+          <p:nvCxnSpPr>
+            <p:cNvPr id="142" name="カギ線コネクタ 141"/>
+            <p:cNvCxnSpPr>
+              <a:stCxn id="10" idx="0"/>
+              <a:endCxn id="19" idx="0"/>
+            </p:cNvCxnSpPr>
+            <p:nvPr/>
+          </p:nvCxnSpPr>
+          <p:spPr>
+            <a:xfrm rot="16200000" flipH="1">
+              <a:off x="6635041" y="-753507"/>
+              <a:ext cx="37317" cy="4210361"/>
+            </a:xfrm>
+            <a:prstGeom prst="bentConnector3">
+              <a:avLst>
+                <a:gd name="adj1" fmla="val -627063"/>
+              </a:avLst>
+            </a:prstGeom>
+            <a:ln>
+              <a:tailEnd type="arrow"/>
+            </a:ln>
+          </p:spPr>
+          <p:style>
+            <a:lnRef idx="1">
+              <a:schemeClr val="dk1"/>
+            </a:lnRef>
+            <a:fillRef idx="0">
+              <a:schemeClr val="dk1"/>
+            </a:fillRef>
+            <a:effectRef idx="0">
+              <a:schemeClr val="dk1"/>
+            </a:effectRef>
+            <a:fontRef idx="minor">
+              <a:schemeClr val="tx1"/>
+            </a:fontRef>
+          </p:style>
+        </p:cxnSp>
+        <p:cxnSp>
+          <p:nvCxnSpPr>
+            <p:cNvPr id="144" name="直線矢印コネクタ 143"/>
+            <p:cNvCxnSpPr/>
+            <p:nvPr/>
+          </p:nvCxnSpPr>
+          <p:spPr>
+            <a:xfrm rot="16200000" flipH="1">
+              <a:off x="4889985" y="1971749"/>
+              <a:ext cx="1141772" cy="542223"/>
+            </a:xfrm>
+            <a:prstGeom prst="bentConnector3">
+              <a:avLst>
+                <a:gd name="adj1" fmla="val 217"/>
+              </a:avLst>
+            </a:prstGeom>
+            <a:ln>
+              <a:tailEnd type="arrow"/>
+            </a:ln>
+          </p:spPr>
+          <p:style>
+            <a:lnRef idx="1">
+              <a:schemeClr val="dk1"/>
+            </a:lnRef>
+            <a:fillRef idx="0">
+              <a:schemeClr val="dk1"/>
+            </a:fillRef>
+            <a:effectRef idx="0">
+              <a:schemeClr val="dk1"/>
+            </a:effectRef>
+            <a:fontRef idx="minor">
+              <a:schemeClr val="tx1"/>
+            </a:fontRef>
+          </p:style>
+        </p:cxnSp>
+        <p:cxnSp>
+          <p:nvCxnSpPr>
+            <p:cNvPr id="145" name="直線矢印コネクタ 144"/>
+            <p:cNvCxnSpPr>
+              <a:endCxn id="10" idx="3"/>
+            </p:cNvCxnSpPr>
+            <p:nvPr/>
+          </p:nvCxnSpPr>
+          <p:spPr>
+            <a:xfrm rot="16200000" flipV="1">
+              <a:off x="4958933" y="1760746"/>
+              <a:ext cx="1265032" cy="841909"/>
+            </a:xfrm>
+            <a:prstGeom prst="bentConnector2">
+              <a:avLst/>
+            </a:prstGeom>
+            <a:ln>
+              <a:headEnd type="none"/>
+              <a:tailEnd type="arrow"/>
+            </a:ln>
+          </p:spPr>
+          <p:style>
+            <a:lnRef idx="1">
+              <a:schemeClr val="dk1"/>
+            </a:lnRef>
+            <a:fillRef idx="0">
+              <a:schemeClr val="dk1"/>
+            </a:fillRef>
+            <a:effectRef idx="0">
+              <a:schemeClr val="dk1"/>
+            </a:effectRef>
+            <a:fontRef idx="minor">
+              <a:schemeClr val="tx1"/>
+            </a:fontRef>
+          </p:style>
+        </p:cxnSp>
+        <p:cxnSp>
+          <p:nvCxnSpPr>
+            <p:cNvPr id="149" name="カギ線コネクタ 148"/>
+            <p:cNvCxnSpPr>
+              <a:stCxn id="78" idx="3"/>
+              <a:endCxn id="28" idx="3"/>
+            </p:cNvCxnSpPr>
+            <p:nvPr/>
+          </p:nvCxnSpPr>
+          <p:spPr>
+            <a:xfrm flipV="1">
+              <a:off x="5170902" y="3256887"/>
+              <a:ext cx="839623" cy="272768"/>
+            </a:xfrm>
+            <a:prstGeom prst="bentConnector2">
+              <a:avLst/>
+            </a:prstGeom>
+            <a:ln>
+              <a:tailEnd type="arrow"/>
+            </a:ln>
+          </p:spPr>
+          <p:style>
+            <a:lnRef idx="1">
+              <a:schemeClr val="dk1"/>
+            </a:lnRef>
+            <a:fillRef idx="0">
+              <a:schemeClr val="dk1"/>
+            </a:fillRef>
+            <a:effectRef idx="0">
+              <a:schemeClr val="dk1"/>
+            </a:effectRef>
+            <a:fontRef idx="minor">
+              <a:schemeClr val="tx1"/>
+            </a:fontRef>
+          </p:style>
+        </p:cxnSp>
+        <p:sp>
+          <p:nvSpPr>
+            <p:cNvPr id="36" name="フローチャート : 定義済み処理 27"/>
+            <p:cNvSpPr/>
+            <p:nvPr/>
+          </p:nvSpPr>
+          <p:spPr>
+            <a:xfrm>
+              <a:off x="3926542" y="4015720"/>
+              <a:ext cx="1243949" cy="432339"/>
+            </a:xfrm>
+            <a:prstGeom prst="flowChartPredefinedProcess">
+              <a:avLst/>
+            </a:prstGeom>
+            <a:solidFill>
+              <a:sysClr val="window" lastClr="FFFFFF"/>
+            </a:solidFill>
+            <a:ln>
+              <a:solidFill>
+                <a:sysClr val="windowText" lastClr="000000"/>
+              </a:solidFill>
+            </a:ln>
+          </p:spPr>
+          <p:style>
+            <a:lnRef idx="2">
+              <a:schemeClr val="accent1">
+                <a:shade val="50000"/>
+              </a:schemeClr>
+            </a:lnRef>
+            <a:fillRef idx="1">
+              <a:schemeClr val="accent1"/>
+            </a:fillRef>
+            <a:effectRef idx="0">
+              <a:schemeClr val="accent1"/>
+            </a:effectRef>
+            <a:fontRef idx="minor">
+              <a:schemeClr val="lt1"/>
+            </a:fontRef>
+          </p:style>
+          <p:txBody>
+            <a:bodyPr wrap="square" rtlCol="0" anchor="ctr"/>
+            <a:lstStyle>
+              <a:lvl1pPr marL="0" indent="0">
+                <a:defRPr sz="1100">
+                  <a:solidFill>
+                    <a:schemeClr val="lt1"/>
+                  </a:solidFill>
+                  <a:latin typeface="+mn-lt"/>
+                  <a:ea typeface="+mn-ea"/>
+                  <a:cs typeface="+mn-cs"/>
+                </a:defRPr>
+              </a:lvl1pPr>
+              <a:lvl2pPr marL="457200" indent="0">
+                <a:defRPr sz="1100">
+                  <a:solidFill>
+                    <a:schemeClr val="lt1"/>
+                  </a:solidFill>
+                  <a:latin typeface="+mn-lt"/>
+                  <a:ea typeface="+mn-ea"/>
+                  <a:cs typeface="+mn-cs"/>
+                </a:defRPr>
+              </a:lvl2pPr>
+              <a:lvl3pPr marL="914400" indent="0">
+                <a:defRPr sz="1100">
+                  <a:solidFill>
+                    <a:schemeClr val="lt1"/>
+                  </a:solidFill>
+                  <a:latin typeface="+mn-lt"/>
+                  <a:ea typeface="+mn-ea"/>
+                  <a:cs typeface="+mn-cs"/>
+                </a:defRPr>
+              </a:lvl3pPr>
+              <a:lvl4pPr marL="1371600" indent="0">
+                <a:defRPr sz="1100">
+                  <a:solidFill>
+                    <a:schemeClr val="lt1"/>
+                  </a:solidFill>
+                  <a:latin typeface="+mn-lt"/>
+                  <a:ea typeface="+mn-ea"/>
+                  <a:cs typeface="+mn-cs"/>
+                </a:defRPr>
+              </a:lvl4pPr>
+              <a:lvl5pPr marL="1828800" indent="0">
+                <a:defRPr sz="1100">
+                  <a:solidFill>
+                    <a:schemeClr val="lt1"/>
+                  </a:solidFill>
+                  <a:latin typeface="+mn-lt"/>
+                  <a:ea typeface="+mn-ea"/>
+                  <a:cs typeface="+mn-cs"/>
+                </a:defRPr>
+              </a:lvl5pPr>
+              <a:lvl6pPr marL="2286000" indent="0">
+                <a:defRPr sz="1100">
+                  <a:solidFill>
+                    <a:schemeClr val="lt1"/>
+                  </a:solidFill>
+                  <a:latin typeface="+mn-lt"/>
+                  <a:ea typeface="+mn-ea"/>
+                  <a:cs typeface="+mn-cs"/>
+                </a:defRPr>
+              </a:lvl6pPr>
+              <a:lvl7pPr marL="2743200" indent="0">
+                <a:defRPr sz="1100">
+                  <a:solidFill>
+                    <a:schemeClr val="lt1"/>
+                  </a:solidFill>
+                  <a:latin typeface="+mn-lt"/>
+                  <a:ea typeface="+mn-ea"/>
+                  <a:cs typeface="+mn-cs"/>
+                </a:defRPr>
+              </a:lvl7pPr>
+              <a:lvl8pPr marL="3200400" indent="0">
+                <a:defRPr sz="1100">
+                  <a:solidFill>
+                    <a:schemeClr val="lt1"/>
+                  </a:solidFill>
+                  <a:latin typeface="+mn-lt"/>
+                  <a:ea typeface="+mn-ea"/>
+                  <a:cs typeface="+mn-cs"/>
+                </a:defRPr>
+              </a:lvl8pPr>
+              <a:lvl9pPr marL="3657600" indent="0">
+                <a:defRPr sz="1100">
+                  <a:solidFill>
+                    <a:schemeClr val="lt1"/>
+                  </a:solidFill>
+                  <a:latin typeface="+mn-lt"/>
+                  <a:ea typeface="+mn-ea"/>
+                  <a:cs typeface="+mn-cs"/>
+                </a:defRPr>
+              </a:lvl9pPr>
+            </a:lstStyle>
+            <a:p>
+              <a:pPr algn="ctr"/>
+              <a:r>
+                <a:rPr lang="ja-JP" altLang="en-US" sz="900" dirty="0" smtClean="0">
+                  <a:solidFill>
+                    <a:sysClr val="windowText" lastClr="000000"/>
+                  </a:solidFill>
+                  <a:latin typeface="MS UI Gothic" panose="020B0600070205080204" pitchFamily="50" charset="-128"/>
+                  <a:ea typeface="MS UI Gothic" panose="020B0600070205080204" pitchFamily="50" charset="-128"/>
+                </a:rPr>
+                <a:t>コメント</a:t>
+              </a:r>
+              <a:r>
+                <a:rPr lang="ja-JP" altLang="en-US" sz="900" dirty="0">
+                  <a:solidFill>
+                    <a:sysClr val="windowText" lastClr="000000"/>
+                  </a:solidFill>
+                  <a:latin typeface="MS UI Gothic" panose="020B0600070205080204" pitchFamily="50" charset="-128"/>
+                  <a:ea typeface="MS UI Gothic" panose="020B0600070205080204" pitchFamily="50" charset="-128"/>
+                </a:rPr>
+                <a:t>欄</a:t>
+              </a:r>
+              <a:r>
+                <a:rPr lang="ja-JP" altLang="en-US" sz="900" dirty="0" smtClean="0">
+                  <a:solidFill>
+                    <a:sysClr val="windowText" lastClr="000000"/>
+                  </a:solidFill>
+                  <a:latin typeface="MS UI Gothic" panose="020B0600070205080204" pitchFamily="50" charset="-128"/>
+                  <a:ea typeface="MS UI Gothic" panose="020B0600070205080204" pitchFamily="50" charset="-128"/>
+                </a:rPr>
+                <a:t>を</a:t>
+              </a:r>
+              <a:endParaRPr lang="en-US" altLang="ja-JP" sz="900" dirty="0" smtClean="0">
+                <a:solidFill>
+                  <a:sysClr val="windowText" lastClr="000000"/>
+                </a:solidFill>
+                <a:latin typeface="MS UI Gothic" panose="020B0600070205080204" pitchFamily="50" charset="-128"/>
+                <a:ea typeface="MS UI Gothic" panose="020B0600070205080204" pitchFamily="50" charset="-128"/>
+              </a:endParaRPr>
+            </a:p>
+            <a:p>
+              <a:pPr algn="ctr"/>
+              <a:r>
+                <a:rPr lang="ja-JP" altLang="en-US" sz="900" dirty="0" smtClean="0">
+                  <a:solidFill>
+                    <a:sysClr val="windowText" lastClr="000000"/>
+                  </a:solidFill>
+                  <a:latin typeface="MS UI Gothic" panose="020B0600070205080204" pitchFamily="50" charset="-128"/>
+                  <a:ea typeface="MS UI Gothic" panose="020B0600070205080204" pitchFamily="50" charset="-128"/>
+                </a:rPr>
+                <a:t>更新し再表示</a:t>
+              </a:r>
+              <a:endParaRPr lang="en-US" altLang="ja-JP" sz="900" dirty="0" smtClean="0">
+                <a:solidFill>
+                  <a:sysClr val="windowText" lastClr="000000"/>
+                </a:solidFill>
+                <a:latin typeface="MS UI Gothic" panose="020B0600070205080204" pitchFamily="50" charset="-128"/>
+                <a:ea typeface="MS UI Gothic" panose="020B0600070205080204" pitchFamily="50" charset="-128"/>
+              </a:endParaRPr>
+            </a:p>
+          </p:txBody>
+        </p:sp>
+        <p:cxnSp>
+          <p:nvCxnSpPr>
+            <p:cNvPr id="7" name="カギ線コネクタ 6"/>
+            <p:cNvCxnSpPr>
+              <a:stCxn id="36" idx="1"/>
+              <a:endCxn id="10" idx="1"/>
+            </p:cNvCxnSpPr>
+            <p:nvPr/>
+          </p:nvCxnSpPr>
+          <p:spPr>
+            <a:xfrm rot="10800000" flipH="1">
+              <a:off x="3926541" y="1549186"/>
+              <a:ext cx="3" cy="2682705"/>
+            </a:xfrm>
+            <a:prstGeom prst="bentConnector3">
+              <a:avLst>
+                <a:gd name="adj1" fmla="val -7620000000"/>
+              </a:avLst>
+            </a:prstGeom>
+            <a:ln>
+              <a:tailEnd type="arrow"/>
+            </a:ln>
+          </p:spPr>
+          <p:style>
+            <a:lnRef idx="1">
+              <a:schemeClr val="dk1"/>
+            </a:lnRef>
+            <a:fillRef idx="0">
+              <a:schemeClr val="dk1"/>
+            </a:fillRef>
+            <a:effectRef idx="0">
+              <a:schemeClr val="dk1"/>
+            </a:effectRef>
+            <a:fontRef idx="minor">
+              <a:schemeClr val="tx1"/>
+            </a:fontRef>
+          </p:style>
+        </p:cxnSp>
+        <p:sp>
+          <p:nvSpPr>
+            <p:cNvPr id="51" name="フローチャート : 定義済み処理 27"/>
+            <p:cNvSpPr/>
+            <p:nvPr/>
+          </p:nvSpPr>
+          <p:spPr>
+            <a:xfrm>
+              <a:off x="3926542" y="2025744"/>
+              <a:ext cx="1243949" cy="432339"/>
+            </a:xfrm>
+            <a:prstGeom prst="flowChartPredefinedProcess">
+              <a:avLst/>
+            </a:prstGeom>
+            <a:solidFill>
+              <a:sysClr val="window" lastClr="FFFFFF"/>
+            </a:solidFill>
+            <a:ln>
+              <a:solidFill>
+                <a:sysClr val="windowText" lastClr="000000"/>
+              </a:solidFill>
+            </a:ln>
+          </p:spPr>
+          <p:style>
+            <a:lnRef idx="2">
+              <a:schemeClr val="accent1">
+                <a:shade val="50000"/>
+              </a:schemeClr>
+            </a:lnRef>
+            <a:fillRef idx="1">
+              <a:schemeClr val="accent1"/>
+            </a:fillRef>
+            <a:effectRef idx="0">
+              <a:schemeClr val="accent1"/>
+            </a:effectRef>
+            <a:fontRef idx="minor">
+              <a:schemeClr val="lt1"/>
+            </a:fontRef>
+          </p:style>
+          <p:txBody>
+            <a:bodyPr wrap="square" rtlCol="0" anchor="ctr"/>
+            <a:lstStyle>
+              <a:lvl1pPr marL="0" indent="0">
+                <a:defRPr sz="1100">
+                  <a:solidFill>
+                    <a:schemeClr val="lt1"/>
+                  </a:solidFill>
+                  <a:latin typeface="+mn-lt"/>
+                  <a:ea typeface="+mn-ea"/>
+                  <a:cs typeface="+mn-cs"/>
+                </a:defRPr>
+              </a:lvl1pPr>
+              <a:lvl2pPr marL="457200" indent="0">
+                <a:defRPr sz="1100">
+                  <a:solidFill>
+                    <a:schemeClr val="lt1"/>
+                  </a:solidFill>
+                  <a:latin typeface="+mn-lt"/>
+                  <a:ea typeface="+mn-ea"/>
+                  <a:cs typeface="+mn-cs"/>
+                </a:defRPr>
+              </a:lvl2pPr>
+              <a:lvl3pPr marL="914400" indent="0">
+                <a:defRPr sz="1100">
+                  <a:solidFill>
+                    <a:schemeClr val="lt1"/>
+                  </a:solidFill>
+                  <a:latin typeface="+mn-lt"/>
+                  <a:ea typeface="+mn-ea"/>
+                  <a:cs typeface="+mn-cs"/>
+                </a:defRPr>
+              </a:lvl3pPr>
+              <a:lvl4pPr marL="1371600" indent="0">
+                <a:defRPr sz="1100">
+                  <a:solidFill>
+                    <a:schemeClr val="lt1"/>
+                  </a:solidFill>
+                  <a:latin typeface="+mn-lt"/>
+                  <a:ea typeface="+mn-ea"/>
+                  <a:cs typeface="+mn-cs"/>
+                </a:defRPr>
+              </a:lvl4pPr>
+              <a:lvl5pPr marL="1828800" indent="0">
+                <a:defRPr sz="1100">
+                  <a:solidFill>
+                    <a:schemeClr val="lt1"/>
+                  </a:solidFill>
+                  <a:latin typeface="+mn-lt"/>
+                  <a:ea typeface="+mn-ea"/>
+                  <a:cs typeface="+mn-cs"/>
+                </a:defRPr>
+              </a:lvl5pPr>
+              <a:lvl6pPr marL="2286000" indent="0">
+                <a:defRPr sz="1100">
+                  <a:solidFill>
+                    <a:schemeClr val="lt1"/>
+                  </a:solidFill>
+                  <a:latin typeface="+mn-lt"/>
+                  <a:ea typeface="+mn-ea"/>
+                  <a:cs typeface="+mn-cs"/>
+                </a:defRPr>
+              </a:lvl6pPr>
+              <a:lvl7pPr marL="2743200" indent="0">
+                <a:defRPr sz="1100">
+                  <a:solidFill>
+                    <a:schemeClr val="lt1"/>
+                  </a:solidFill>
+                  <a:latin typeface="+mn-lt"/>
+                  <a:ea typeface="+mn-ea"/>
+                  <a:cs typeface="+mn-cs"/>
+                </a:defRPr>
+              </a:lvl7pPr>
+              <a:lvl8pPr marL="3200400" indent="0">
+                <a:defRPr sz="1100">
+                  <a:solidFill>
+                    <a:schemeClr val="lt1"/>
+                  </a:solidFill>
+                  <a:latin typeface="+mn-lt"/>
+                  <a:ea typeface="+mn-ea"/>
+                  <a:cs typeface="+mn-cs"/>
+                </a:defRPr>
+              </a:lvl8pPr>
+              <a:lvl9pPr marL="3657600" indent="0">
+                <a:defRPr sz="1100">
+                  <a:solidFill>
+                    <a:schemeClr val="lt1"/>
+                  </a:solidFill>
+                  <a:latin typeface="+mn-lt"/>
+                  <a:ea typeface="+mn-ea"/>
+                  <a:cs typeface="+mn-cs"/>
+                </a:defRPr>
+              </a:lvl9pPr>
+            </a:lstStyle>
+            <a:p>
+              <a:pPr algn="ctr"/>
+              <a:r>
+                <a:rPr lang="ja-JP" altLang="en-US" sz="900" dirty="0">
+                  <a:solidFill>
+                    <a:sysClr val="windowText" lastClr="000000"/>
+                  </a:solidFill>
+                  <a:latin typeface="MS UI Gothic" panose="020B0600070205080204" pitchFamily="50" charset="-128"/>
+                  <a:ea typeface="MS UI Gothic" panose="020B0600070205080204" pitchFamily="50" charset="-128"/>
+                </a:rPr>
+                <a:t>投稿欄</a:t>
+              </a:r>
+              <a:r>
+                <a:rPr lang="ja-JP" altLang="en-US" sz="900" dirty="0" smtClean="0">
+                  <a:solidFill>
+                    <a:sysClr val="windowText" lastClr="000000"/>
+                  </a:solidFill>
+                  <a:latin typeface="MS UI Gothic" panose="020B0600070205080204" pitchFamily="50" charset="-128"/>
+                  <a:ea typeface="MS UI Gothic" panose="020B0600070205080204" pitchFamily="50" charset="-128"/>
+                </a:rPr>
+                <a:t>に名前とコメントを入力</a:t>
+              </a:r>
+              <a:endParaRPr lang="en-US" altLang="ja-JP" sz="900" dirty="0">
+                <a:solidFill>
+                  <a:sysClr val="windowText" lastClr="000000"/>
+                </a:solidFill>
+                <a:latin typeface="MS UI Gothic" panose="020B0600070205080204" pitchFamily="50" charset="-128"/>
+                <a:ea typeface="MS UI Gothic" panose="020B0600070205080204" pitchFamily="50" charset="-128"/>
+              </a:endParaRPr>
+            </a:p>
+          </p:txBody>
+        </p:sp>
+        <p:cxnSp>
+          <p:nvCxnSpPr>
+            <p:cNvPr id="53" name="直線矢印コネクタ 52"/>
+            <p:cNvCxnSpPr>
+              <a:stCxn id="51" idx="2"/>
+              <a:endCxn id="78" idx="0"/>
+            </p:cNvCxnSpPr>
+            <p:nvPr/>
+          </p:nvCxnSpPr>
+          <p:spPr>
+            <a:xfrm>
+              <a:off x="4548517" y="2458083"/>
+              <a:ext cx="2" cy="900701"/>
+            </a:xfrm>
+            <a:prstGeom prst="straightConnector1">
+              <a:avLst/>
+            </a:prstGeom>
+            <a:ln>
+              <a:headEnd type="none"/>
+              <a:tailEnd type="arrow"/>
+            </a:ln>
+          </p:spPr>
+          <p:style>
+            <a:lnRef idx="1">
+              <a:schemeClr val="dk1"/>
+            </a:lnRef>
+            <a:fillRef idx="0">
+              <a:schemeClr val="dk1"/>
+            </a:fillRef>
+            <a:effectRef idx="0">
+              <a:schemeClr val="dk1"/>
+            </a:effectRef>
+            <a:fontRef idx="minor">
+              <a:schemeClr val="tx1"/>
+            </a:fontRef>
+          </p:style>
+        </p:cxnSp>
+        <p:cxnSp>
+          <p:nvCxnSpPr>
+            <p:cNvPr id="67" name="直線矢印コネクタ 66"/>
+            <p:cNvCxnSpPr>
+              <a:stCxn id="9" idx="2"/>
+              <a:endCxn id="76" idx="0"/>
+            </p:cNvCxnSpPr>
+            <p:nvPr/>
+          </p:nvCxnSpPr>
+          <p:spPr>
+            <a:xfrm>
+              <a:off x="1977061" y="3914114"/>
+              <a:ext cx="409" cy="285635"/>
+            </a:xfrm>
+            <a:prstGeom prst="straightConnector1">
+              <a:avLst/>
+            </a:prstGeom>
+            <a:ln>
+              <a:headEnd type="none"/>
+              <a:tailEnd type="arrow"/>
+            </a:ln>
+          </p:spPr>
+          <p:style>
+            <a:lnRef idx="1">
+              <a:schemeClr val="dk1"/>
+            </a:lnRef>
+            <a:fillRef idx="0">
+              <a:schemeClr val="dk1"/>
+            </a:fillRef>
+            <a:effectRef idx="0">
+              <a:schemeClr val="dk1"/>
+            </a:effectRef>
+            <a:fontRef idx="minor">
+              <a:schemeClr val="tx1"/>
+            </a:fontRef>
+          </p:style>
+        </p:cxnSp>
+        <p:cxnSp>
+          <p:nvCxnSpPr>
+            <p:cNvPr id="72" name="直線矢印コネクタ 71"/>
+            <p:cNvCxnSpPr>
+              <a:stCxn id="78" idx="2"/>
+              <a:endCxn id="36" idx="0"/>
+            </p:cNvCxnSpPr>
+            <p:nvPr/>
+          </p:nvCxnSpPr>
+          <p:spPr>
+            <a:xfrm flipH="1">
+              <a:off x="4548517" y="3743243"/>
+              <a:ext cx="2" cy="272477"/>
+            </a:xfrm>
+            <a:prstGeom prst="straightConnector1">
+              <a:avLst/>
+            </a:prstGeom>
+            <a:ln>
+              <a:headEnd type="none"/>
+              <a:tailEnd type="arrow"/>
+            </a:ln>
+          </p:spPr>
+          <p:style>
+            <a:lnRef idx="1">
+              <a:schemeClr val="dk1"/>
+            </a:lnRef>
+            <a:fillRef idx="0">
+              <a:schemeClr val="dk1"/>
+            </a:fillRef>
+            <a:effectRef idx="0">
+              <a:schemeClr val="dk1"/>
+            </a:effectRef>
+            <a:fontRef idx="minor">
+              <a:schemeClr val="tx1"/>
+            </a:fontRef>
+          </p:style>
+        </p:cxnSp>
+        <p:cxnSp>
+          <p:nvCxnSpPr>
+            <p:cNvPr id="114" name="直線矢印コネクタ 113"/>
+            <p:cNvCxnSpPr>
+              <a:stCxn id="10" idx="2"/>
+              <a:endCxn id="51" idx="0"/>
+            </p:cNvCxnSpPr>
+            <p:nvPr/>
+          </p:nvCxnSpPr>
+          <p:spPr>
+            <a:xfrm flipH="1">
+              <a:off x="4548517" y="1765354"/>
+              <a:ext cx="3" cy="260390"/>
+            </a:xfrm>
+            <a:prstGeom prst="straightConnector1">
+              <a:avLst/>
+            </a:prstGeom>
+            <a:ln>
+              <a:headEnd type="none"/>
+              <a:tailEnd type="arrow"/>
+            </a:ln>
+          </p:spPr>
+          <p:style>
+            <a:lnRef idx="1">
+              <a:schemeClr val="dk1"/>
+            </a:lnRef>
+            <a:fillRef idx="0">
+              <a:schemeClr val="dk1"/>
+            </a:fillRef>
+            <a:effectRef idx="0">
+              <a:schemeClr val="dk1"/>
+            </a:effectRef>
+            <a:fontRef idx="minor">
+              <a:schemeClr val="tx1"/>
+            </a:fontRef>
+          </p:style>
+        </p:cxnSp>
+      </p:grpSp>
+    </p:spTree>
+    <p:extLst>
+      <p:ext uri="{BB962C8B-B14F-4D97-AF65-F5344CB8AC3E}">
+        <p14:creationId xmlns:p14="http://schemas.microsoft.com/office/powerpoint/2010/main" val="3829639849"/>
+      </p:ext>
+    </p:extLst>
+  </p:cSld>
+  <p:clrMapOvr>
+    <a:masterClrMapping/>
+  </p:clrMapOvr>
+  <p:timing>
+    <p:tnLst>
+      <p:par>
+        <p:cTn id="1" dur="indefinite" restart="never" nodeType="tmRoot"/>
+      </p:par>
+    </p:tnLst>
+  </p:timing>
+</p:sld>
+</file>
+
+<file path=ppt/slides/slide3.xml><?xml version="1.0" encoding="utf-8"?>
+<p:sld xmlns:a="http://schemas.openxmlformats.org/drawingml/2006/main" xmlns:r="http://schemas.openxmlformats.org/officeDocument/2006/relationships" xmlns:p="http://schemas.openxmlformats.org/presentationml/2006/main">
+  <p:cSld>
+    <p:spTree>
+      <p:nvGrpSpPr>
+        <p:cNvPr id="1" name=""/>
+        <p:cNvGrpSpPr/>
+        <p:nvPr/>
+      </p:nvGrpSpPr>
+      <p:grpSpPr>
+        <a:xfrm>
+          <a:off x="0" y="0"/>
+          <a:ext cx="0" cy="0"/>
+          <a:chOff x="0" y="0"/>
+          <a:chExt cx="0" cy="0"/>
+        </a:xfrm>
+      </p:grpSpPr>
+      <p:grpSp>
+        <p:nvGrpSpPr>
+          <p:cNvPr id="4" name="グループ化 3"/>
+          <p:cNvGrpSpPr/>
+          <p:nvPr/>
+        </p:nvGrpSpPr>
+        <p:grpSpPr>
+          <a:xfrm>
+            <a:off x="1337132" y="1587309"/>
             <a:ext cx="9369454" cy="3518624"/>
-            <a:chOff x="914800" y="876588"/>
+            <a:chOff x="0" y="0"/>
             <a:chExt cx="9369454" cy="3518624"/>
           </a:xfrm>
         </p:grpSpPr>
         <p:grpSp>
           <p:nvGrpSpPr>
-            <p:cNvPr id="14" name="グループ化 13"/>
+            <p:cNvPr id="5" name="グループ化 4"/>
             <p:cNvGrpSpPr/>
             <p:nvPr/>
           </p:nvGrpSpPr>
           <p:grpSpPr>
             <a:xfrm>
-              <a:off x="914800" y="876588"/>
+              <a:off x="0" y="0"/>
               <a:ext cx="9369454" cy="3518624"/>
-              <a:chOff x="600475" y="952788"/>
+              <a:chOff x="0" y="0"/>
               <a:chExt cx="9369454" cy="3518624"/>
             </a:xfrm>
           </p:grpSpPr>
           <p:grpSp>
             <p:nvGrpSpPr>
-              <p:cNvPr id="160" name="グループ化 159"/>
+              <p:cNvPr id="8" name="グループ化 7"/>
               <p:cNvGrpSpPr/>
               <p:nvPr/>
             </p:nvGrpSpPr>
             <p:grpSpPr>
               <a:xfrm>
-                <a:off x="600475" y="952788"/>
+                <a:off x="0" y="0"/>
                 <a:ext cx="9369454" cy="3518624"/>
-                <a:chOff x="600475" y="952788"/>
+                <a:chOff x="0" y="0"/>
                 <a:chExt cx="9369454" cy="3518624"/>
               </a:xfrm>
             </p:grpSpPr>
             <p:sp>
               <p:nvSpPr>
-                <p:cNvPr id="4" name="フローチャート : 定義済み処理 27"/>
+                <p:cNvPr id="11" name="フローチャート : 定義済み処理 27"/>
                 <p:cNvSpPr/>
                 <p:nvPr/>
               </p:nvSpPr>
               <p:spPr>
                 <a:xfrm>
-                  <a:off x="2408652" y="1038513"/>
+                  <a:off x="1808177" y="85725"/>
                   <a:ext cx="1243949" cy="432339"/>
                 </a:xfrm>
                 <a:prstGeom prst="flowChartPredefinedProcess">
@@ -6740,13 +9935,13 @@
             </p:sp>
             <p:sp>
               <p:nvSpPr>
-                <p:cNvPr id="5" name="フローチャート : 定義済み処理 27"/>
+                <p:cNvPr id="12" name="フローチャート : 定義済み処理 27"/>
                 <p:cNvSpPr/>
                 <p:nvPr/>
               </p:nvSpPr>
               <p:spPr>
                 <a:xfrm>
-                  <a:off x="2408652" y="1756487"/>
+                  <a:off x="1808177" y="803699"/>
                   <a:ext cx="1243949" cy="432339"/>
                 </a:xfrm>
                 <a:prstGeom prst="flowChartPredefinedProcess">
@@ -6895,13 +10090,13 @@
             </p:sp>
             <p:sp>
               <p:nvSpPr>
-                <p:cNvPr id="6" name="フローチャート : 定義済み処理 27"/>
+                <p:cNvPr id="13" name="フローチャート : 定義済み処理 27"/>
                 <p:cNvSpPr/>
                 <p:nvPr/>
               </p:nvSpPr>
               <p:spPr>
                 <a:xfrm>
-                  <a:off x="2408651" y="2474461"/>
+                  <a:off x="1808176" y="1521673"/>
                   <a:ext cx="1243949" cy="432339"/>
                 </a:xfrm>
                 <a:prstGeom prst="flowChartPredefinedProcess">
@@ -7043,13 +10238,13 @@
             </p:sp>
             <p:sp>
               <p:nvSpPr>
-                <p:cNvPr id="9" name="フローチャート : 手操作入力 51"/>
+                <p:cNvPr id="14" name="フローチャート : 手操作入力 51"/>
                 <p:cNvSpPr/>
                 <p:nvPr/>
               </p:nvSpPr>
               <p:spPr>
                 <a:xfrm>
-                  <a:off x="2407833" y="3192435"/>
+                  <a:off x="1807358" y="2239647"/>
                   <a:ext cx="1244767" cy="427177"/>
                 </a:xfrm>
                 <a:prstGeom prst="flowChartManualInput">
@@ -7184,7 +10379,7 @@
                       <a:latin typeface="MS UI Gothic" panose="020B0600070205080204" pitchFamily="50" charset="-128"/>
                       <a:ea typeface="MS UI Gothic" panose="020B0600070205080204" pitchFamily="50" charset="-128"/>
                     </a:rPr>
-                    <a:t>店名アイコン選択</a:t>
+                    <a:t>店名アイコン押下</a:t>
                   </a:r>
                   <a:endParaRPr kumimoji="1" lang="ja-JP" altLang="en-US" sz="900">
                     <a:solidFill>
@@ -7198,13 +10393,13 @@
             </p:sp>
             <p:sp>
               <p:nvSpPr>
-                <p:cNvPr id="10" name="フローチャート : 定義済み処理 27"/>
+                <p:cNvPr id="15" name="フローチャート : 定義済み処理 27"/>
                 <p:cNvSpPr/>
                 <p:nvPr/>
               </p:nvSpPr>
               <p:spPr>
                 <a:xfrm>
-                  <a:off x="4501906" y="952788"/>
+                  <a:off x="3901431" y="0"/>
                   <a:ext cx="1243949" cy="432339"/>
                 </a:xfrm>
                 <a:prstGeom prst="flowChartPredefinedProcess">
@@ -7332,7 +10527,7 @@
                 <a:p>
                   <a:pPr algn="ctr"/>
                   <a:r>
-                    <a:rPr lang="ja-JP" altLang="en-US" sz="900" dirty="0" smtClean="0">
+                    <a:rPr lang="ja-JP" altLang="en-US" sz="900">
                       <a:solidFill>
                         <a:sysClr val="windowText" lastClr="000000"/>
                       </a:solidFill>
@@ -7341,7 +10536,7 @@
                     </a:rPr>
                     <a:t>「コメント」を</a:t>
                   </a:r>
-                  <a:endParaRPr lang="en-US" altLang="ja-JP" sz="900" dirty="0" smtClean="0">
+                  <a:endParaRPr lang="en-US" altLang="ja-JP" sz="900">
                     <a:solidFill>
                       <a:sysClr val="windowText" lastClr="000000"/>
                     </a:solidFill>
@@ -7352,7 +10547,7 @@
                 <a:p>
                   <a:pPr algn="ctr"/>
                   <a:r>
-                    <a:rPr lang="ja-JP" altLang="en-US" sz="900" dirty="0" smtClean="0">
+                    <a:rPr lang="ja-JP" altLang="en-US" sz="900">
                       <a:solidFill>
                         <a:sysClr val="windowText" lastClr="000000"/>
                       </a:solidFill>
@@ -7361,7 +10556,7 @@
                     </a:rPr>
                     <a:t>表示</a:t>
                   </a:r>
-                  <a:endParaRPr kumimoji="1" lang="en-US" altLang="ja-JP" sz="900" dirty="0">
+                  <a:endParaRPr kumimoji="1" lang="en-US" altLang="ja-JP" sz="900">
                     <a:solidFill>
                       <a:sysClr val="windowText" lastClr="000000"/>
                     </a:solidFill>
@@ -7373,13 +10568,13 @@
             </p:sp>
             <p:sp>
               <p:nvSpPr>
-                <p:cNvPr id="11" name="フローチャート : 定義済み処理 27"/>
+                <p:cNvPr id="16" name="フローチャート : 定義済み処理 27"/>
                 <p:cNvSpPr/>
                 <p:nvPr/>
               </p:nvSpPr>
               <p:spPr>
                 <a:xfrm>
-                  <a:off x="4488776" y="4039073"/>
+                  <a:off x="3888301" y="3086285"/>
                   <a:ext cx="1243949" cy="432339"/>
                 </a:xfrm>
                 <a:prstGeom prst="flowChartPredefinedProcess">
@@ -7521,13 +10716,13 @@
             </p:sp>
             <p:sp>
               <p:nvSpPr>
-                <p:cNvPr id="19" name="フローチャート : 手操作入力 51"/>
+                <p:cNvPr id="17" name="フローチャート : 手操作入力 51"/>
                 <p:cNvSpPr/>
                 <p:nvPr/>
               </p:nvSpPr>
               <p:spPr>
                 <a:xfrm>
-                  <a:off x="8725162" y="1038513"/>
+                  <a:off x="8124687" y="85725"/>
                   <a:ext cx="1244767" cy="427177"/>
                 </a:xfrm>
                 <a:prstGeom prst="flowChartManualInput">
@@ -7676,13 +10871,13 @@
             </p:sp>
             <p:sp>
               <p:nvSpPr>
-                <p:cNvPr id="20" name="フローチャート : 定義済み処理 27"/>
+                <p:cNvPr id="18" name="フローチャート : 定義済み処理 27"/>
                 <p:cNvSpPr/>
                 <p:nvPr/>
               </p:nvSpPr>
               <p:spPr>
                 <a:xfrm>
-                  <a:off x="8725162" y="1756486"/>
+                  <a:off x="8124687" y="803698"/>
                   <a:ext cx="1243949" cy="432339"/>
                 </a:xfrm>
                 <a:prstGeom prst="flowChartPredefinedProcess">
@@ -7851,13 +11046,13 @@
             </p:sp>
             <p:sp>
               <p:nvSpPr>
-                <p:cNvPr id="27" name="フローチャート : 磁気ディスク 1"/>
+                <p:cNvPr id="19" name="フローチャート : 磁気ディスク 1"/>
                 <p:cNvSpPr/>
                 <p:nvPr/>
               </p:nvSpPr>
               <p:spPr>
                 <a:xfrm>
-                  <a:off x="600475" y="2476136"/>
+                  <a:off x="0" y="1523348"/>
                   <a:ext cx="1261003" cy="443139"/>
                 </a:xfrm>
                 <a:prstGeom prst="flowChartMagneticDisk">
@@ -7985,7 +11180,7 @@
                 <a:p>
                   <a:pPr algn="ctr"/>
                   <a:r>
-                    <a:rPr lang="ja-JP" altLang="en-US" sz="900" dirty="0" smtClean="0">
+                    <a:rPr lang="ja-JP" altLang="en-US" sz="900">
                       <a:solidFill>
                         <a:sysClr val="windowText" lastClr="000000"/>
                       </a:solidFill>
@@ -7995,7 +11190,7 @@
                     <a:t>店名管理</a:t>
                   </a:r>
                   <a:r>
-                    <a:rPr kumimoji="1" lang="ja-JP" altLang="en-US" sz="900" dirty="0">
+                    <a:rPr kumimoji="1" lang="ja-JP" altLang="en-US" sz="900">
                       <a:solidFill>
                         <a:sysClr val="windowText" lastClr="000000"/>
                       </a:solidFill>
@@ -8009,13 +11204,13 @@
             </p:sp>
             <p:sp>
               <p:nvSpPr>
-                <p:cNvPr id="28" name="フローチャート : 磁気ディスク 1"/>
+                <p:cNvPr id="20" name="フローチャート : 磁気ディスク 1"/>
                 <p:cNvSpPr/>
                 <p:nvPr/>
               </p:nvSpPr>
               <p:spPr>
                 <a:xfrm>
-                  <a:off x="5837809" y="1489921"/>
+                  <a:off x="5237334" y="537133"/>
                   <a:ext cx="1261003" cy="443139"/>
                 </a:xfrm>
                 <a:prstGeom prst="flowChartMagneticDisk">
@@ -8143,27 +11338,17 @@
                 <a:p>
                   <a:pPr algn="ctr"/>
                   <a:r>
-                    <a:rPr lang="ja-JP" altLang="en-US" sz="900" dirty="0">
+                    <a:rPr lang="ja-JP" altLang="en-US" sz="900">
                       <a:solidFill>
                         <a:sysClr val="windowText" lastClr="000000"/>
                       </a:solidFill>
                       <a:latin typeface="MS UI Gothic" panose="020B0600070205080204" pitchFamily="50" charset="-128"/>
                       <a:ea typeface="MS UI Gothic" panose="020B0600070205080204" pitchFamily="50" charset="-128"/>
                     </a:rPr>
-                    <a:t>コメント</a:t>
+                    <a:t>コメント管理</a:t>
                   </a:r>
                   <a:r>
-                    <a:rPr lang="ja-JP" altLang="en-US" sz="900" dirty="0" smtClean="0">
-                      <a:solidFill>
-                        <a:sysClr val="windowText" lastClr="000000"/>
-                      </a:solidFill>
-                      <a:latin typeface="MS UI Gothic" panose="020B0600070205080204" pitchFamily="50" charset="-128"/>
-                      <a:ea typeface="MS UI Gothic" panose="020B0600070205080204" pitchFamily="50" charset="-128"/>
-                    </a:rPr>
-                    <a:t>管理</a:t>
-                  </a:r>
-                  <a:r>
-                    <a:rPr kumimoji="1" lang="ja-JP" altLang="en-US" sz="900" dirty="0">
+                    <a:rPr kumimoji="1" lang="ja-JP" altLang="en-US" sz="900">
                       <a:solidFill>
                         <a:sysClr val="windowText" lastClr="000000"/>
                       </a:solidFill>
@@ -8177,17 +11362,758 @@
             </p:sp>
             <p:cxnSp>
               <p:nvCxnSpPr>
-                <p:cNvPr id="3" name="直線矢印コネクタ 2"/>
+                <p:cNvPr id="21" name="直線矢印コネクタ 20"/>
                 <p:cNvCxnSpPr>
-                  <a:stCxn id="4" idx="2"/>
-                  <a:endCxn id="5" idx="0"/>
+                  <a:stCxn id="11" idx="2"/>
+                  <a:endCxn id="12" idx="0"/>
                 </p:cNvCxnSpPr>
                 <p:nvPr/>
               </p:nvCxnSpPr>
               <p:spPr>
                 <a:xfrm>
-                  <a:off x="3030627" y="1470852"/>
+                  <a:off x="2430152" y="518064"/>
                   <a:ext cx="0" cy="285635"/>
+                </a:xfrm>
+                <a:prstGeom prst="straightConnector1">
+                  <a:avLst/>
+                </a:prstGeom>
+                <a:ln>
+                  <a:headEnd type="none"/>
+                  <a:tailEnd type="arrow"/>
+                </a:ln>
+              </p:spPr>
+              <p:style>
+                <a:lnRef idx="1">
+                  <a:schemeClr val="dk1"/>
+                </a:lnRef>
+                <a:fillRef idx="0">
+                  <a:schemeClr val="dk1"/>
+                </a:fillRef>
+                <a:effectRef idx="0">
+                  <a:schemeClr val="dk1"/>
+                </a:effectRef>
+                <a:fontRef idx="minor">
+                  <a:schemeClr val="tx1"/>
+                </a:fontRef>
+              </p:style>
+            </p:cxnSp>
+            <p:cxnSp>
+              <p:nvCxnSpPr>
+                <p:cNvPr id="22" name="直線矢印コネクタ 21"/>
+                <p:cNvCxnSpPr>
+                  <a:stCxn id="12" idx="2"/>
+                  <a:endCxn id="13" idx="0"/>
+                </p:cNvCxnSpPr>
+                <p:nvPr/>
+              </p:nvCxnSpPr>
+              <p:spPr>
+                <a:xfrm flipH="1">
+                  <a:off x="2430151" y="1236038"/>
+                  <a:ext cx="1" cy="285635"/>
+                </a:xfrm>
+                <a:prstGeom prst="straightConnector1">
+                  <a:avLst/>
+                </a:prstGeom>
+                <a:ln>
+                  <a:headEnd type="none"/>
+                  <a:tailEnd type="arrow"/>
+                </a:ln>
+              </p:spPr>
+              <p:style>
+                <a:lnRef idx="1">
+                  <a:schemeClr val="dk1"/>
+                </a:lnRef>
+                <a:fillRef idx="0">
+                  <a:schemeClr val="dk1"/>
+                </a:fillRef>
+                <a:effectRef idx="0">
+                  <a:schemeClr val="dk1"/>
+                </a:effectRef>
+                <a:fontRef idx="minor">
+                  <a:schemeClr val="tx1"/>
+                </a:fontRef>
+              </p:style>
+            </p:cxnSp>
+            <p:cxnSp>
+              <p:nvCxnSpPr>
+                <p:cNvPr id="23" name="直線矢印コネクタ 22"/>
+                <p:cNvCxnSpPr>
+                  <a:stCxn id="13" idx="2"/>
+                  <a:endCxn id="14" idx="0"/>
+                </p:cNvCxnSpPr>
+                <p:nvPr/>
+              </p:nvCxnSpPr>
+              <p:spPr>
+                <a:xfrm flipH="1">
+                  <a:off x="2429742" y="1954012"/>
+                  <a:ext cx="409" cy="328353"/>
+                </a:xfrm>
+                <a:prstGeom prst="straightConnector1">
+                  <a:avLst/>
+                </a:prstGeom>
+                <a:ln>
+                  <a:headEnd type="none"/>
+                  <a:tailEnd type="arrow"/>
+                </a:ln>
+              </p:spPr>
+              <p:style>
+                <a:lnRef idx="1">
+                  <a:schemeClr val="dk1"/>
+                </a:lnRef>
+                <a:fillRef idx="0">
+                  <a:schemeClr val="dk1"/>
+                </a:fillRef>
+                <a:effectRef idx="0">
+                  <a:schemeClr val="dk1"/>
+                </a:effectRef>
+                <a:fontRef idx="minor">
+                  <a:schemeClr val="tx1"/>
+                </a:fontRef>
+              </p:style>
+            </p:cxnSp>
+            <p:cxnSp>
+              <p:nvCxnSpPr>
+                <p:cNvPr id="24" name="直線矢印コネクタ 23"/>
+                <p:cNvCxnSpPr>
+                  <a:stCxn id="19" idx="4"/>
+                  <a:endCxn id="13" idx="1"/>
+                </p:cNvCxnSpPr>
+                <p:nvPr/>
+              </p:nvCxnSpPr>
+              <p:spPr>
+                <a:xfrm flipV="1">
+                  <a:off x="1261003" y="1737843"/>
+                  <a:ext cx="547173" cy="7075"/>
+                </a:xfrm>
+                <a:prstGeom prst="straightConnector1">
+                  <a:avLst/>
+                </a:prstGeom>
+                <a:ln>
+                  <a:headEnd type="none"/>
+                  <a:tailEnd type="arrow"/>
+                </a:ln>
+              </p:spPr>
+              <p:style>
+                <a:lnRef idx="1">
+                  <a:schemeClr val="dk1"/>
+                </a:lnRef>
+                <a:fillRef idx="0">
+                  <a:schemeClr val="dk1"/>
+                </a:fillRef>
+                <a:effectRef idx="0">
+                  <a:schemeClr val="dk1"/>
+                </a:effectRef>
+                <a:fontRef idx="minor">
+                  <a:schemeClr val="tx1"/>
+                </a:fontRef>
+              </p:style>
+            </p:cxnSp>
+            <p:cxnSp>
+              <p:nvCxnSpPr>
+                <p:cNvPr id="25" name="直線矢印コネクタ 24"/>
+                <p:cNvCxnSpPr/>
+                <p:nvPr/>
+              </p:nvCxnSpPr>
+              <p:spPr>
+                <a:xfrm flipH="1">
+                  <a:off x="1260186" y="1631818"/>
+                  <a:ext cx="547173" cy="7075"/>
+                </a:xfrm>
+                <a:prstGeom prst="straightConnector1">
+                  <a:avLst/>
+                </a:prstGeom>
+                <a:ln>
+                  <a:headEnd type="none"/>
+                  <a:tailEnd type="arrow"/>
+                </a:ln>
+              </p:spPr>
+              <p:style>
+                <a:lnRef idx="1">
+                  <a:schemeClr val="dk1"/>
+                </a:lnRef>
+                <a:fillRef idx="0">
+                  <a:schemeClr val="dk1"/>
+                </a:fillRef>
+                <a:effectRef idx="0">
+                  <a:schemeClr val="dk1"/>
+                </a:effectRef>
+                <a:fontRef idx="minor">
+                  <a:schemeClr val="tx1"/>
+                </a:fontRef>
+              </p:style>
+            </p:cxnSp>
+            <p:cxnSp>
+              <p:nvCxnSpPr>
+                <p:cNvPr id="26" name="直線矢印コネクタ 25"/>
+                <p:cNvCxnSpPr>
+                  <a:stCxn id="17" idx="2"/>
+                  <a:endCxn id="18" idx="0"/>
+                </p:cNvCxnSpPr>
+                <p:nvPr/>
+              </p:nvCxnSpPr>
+              <p:spPr>
+                <a:xfrm flipH="1">
+                  <a:off x="8746662" y="512902"/>
+                  <a:ext cx="409" cy="290796"/>
+                </a:xfrm>
+                <a:prstGeom prst="straightConnector1">
+                  <a:avLst/>
+                </a:prstGeom>
+                <a:ln>
+                  <a:headEnd type="none"/>
+                  <a:tailEnd type="arrow"/>
+                </a:ln>
+              </p:spPr>
+              <p:style>
+                <a:lnRef idx="1">
+                  <a:schemeClr val="dk1"/>
+                </a:lnRef>
+                <a:fillRef idx="0">
+                  <a:schemeClr val="dk1"/>
+                </a:fillRef>
+                <a:effectRef idx="0">
+                  <a:schemeClr val="dk1"/>
+                </a:effectRef>
+                <a:fontRef idx="minor">
+                  <a:schemeClr val="tx1"/>
+                </a:fontRef>
+              </p:style>
+            </p:cxnSp>
+            <p:sp>
+              <p:nvSpPr>
+                <p:cNvPr id="27" name="フローチャート : 定義済み処理 27"/>
+                <p:cNvSpPr/>
+                <p:nvPr/>
+              </p:nvSpPr>
+              <p:spPr>
+                <a:xfrm>
+                  <a:off x="3901430" y="717973"/>
+                  <a:ext cx="1243949" cy="432339"/>
+                </a:xfrm>
+                <a:prstGeom prst="flowChartPredefinedProcess">
+                  <a:avLst/>
+                </a:prstGeom>
+                <a:solidFill>
+                  <a:sysClr val="window" lastClr="FFFFFF"/>
+                </a:solidFill>
+                <a:ln>
+                  <a:solidFill>
+                    <a:sysClr val="windowText" lastClr="000000"/>
+                  </a:solidFill>
+                </a:ln>
+              </p:spPr>
+              <p:style>
+                <a:lnRef idx="2">
+                  <a:schemeClr val="accent1">
+                    <a:shade val="50000"/>
+                  </a:schemeClr>
+                </a:lnRef>
+                <a:fillRef idx="1">
+                  <a:schemeClr val="accent1"/>
+                </a:fillRef>
+                <a:effectRef idx="0">
+                  <a:schemeClr val="accent1"/>
+                </a:effectRef>
+                <a:fontRef idx="minor">
+                  <a:schemeClr val="lt1"/>
+                </a:fontRef>
+              </p:style>
+              <p:txBody>
+                <a:bodyPr wrap="square" rtlCol="0" anchor="ctr"/>
+                <a:lstStyle>
+                  <a:lvl1pPr marL="0" indent="0">
+                    <a:defRPr sz="1100">
+                      <a:solidFill>
+                        <a:schemeClr val="lt1"/>
+                      </a:solidFill>
+                      <a:latin typeface="+mn-lt"/>
+                      <a:ea typeface="+mn-ea"/>
+                      <a:cs typeface="+mn-cs"/>
+                    </a:defRPr>
+                  </a:lvl1pPr>
+                  <a:lvl2pPr marL="457200" indent="0">
+                    <a:defRPr sz="1100">
+                      <a:solidFill>
+                        <a:schemeClr val="lt1"/>
+                      </a:solidFill>
+                      <a:latin typeface="+mn-lt"/>
+                      <a:ea typeface="+mn-ea"/>
+                      <a:cs typeface="+mn-cs"/>
+                    </a:defRPr>
+                  </a:lvl2pPr>
+                  <a:lvl3pPr marL="914400" indent="0">
+                    <a:defRPr sz="1100">
+                      <a:solidFill>
+                        <a:schemeClr val="lt1"/>
+                      </a:solidFill>
+                      <a:latin typeface="+mn-lt"/>
+                      <a:ea typeface="+mn-ea"/>
+                      <a:cs typeface="+mn-cs"/>
+                    </a:defRPr>
+                  </a:lvl3pPr>
+                  <a:lvl4pPr marL="1371600" indent="0">
+                    <a:defRPr sz="1100">
+                      <a:solidFill>
+                        <a:schemeClr val="lt1"/>
+                      </a:solidFill>
+                      <a:latin typeface="+mn-lt"/>
+                      <a:ea typeface="+mn-ea"/>
+                      <a:cs typeface="+mn-cs"/>
+                    </a:defRPr>
+                  </a:lvl4pPr>
+                  <a:lvl5pPr marL="1828800" indent="0">
+                    <a:defRPr sz="1100">
+                      <a:solidFill>
+                        <a:schemeClr val="lt1"/>
+                      </a:solidFill>
+                      <a:latin typeface="+mn-lt"/>
+                      <a:ea typeface="+mn-ea"/>
+                      <a:cs typeface="+mn-cs"/>
+                    </a:defRPr>
+                  </a:lvl5pPr>
+                  <a:lvl6pPr marL="2286000" indent="0">
+                    <a:defRPr sz="1100">
+                      <a:solidFill>
+                        <a:schemeClr val="lt1"/>
+                      </a:solidFill>
+                      <a:latin typeface="+mn-lt"/>
+                      <a:ea typeface="+mn-ea"/>
+                      <a:cs typeface="+mn-cs"/>
+                    </a:defRPr>
+                  </a:lvl6pPr>
+                  <a:lvl7pPr marL="2743200" indent="0">
+                    <a:defRPr sz="1100">
+                      <a:solidFill>
+                        <a:schemeClr val="lt1"/>
+                      </a:solidFill>
+                      <a:latin typeface="+mn-lt"/>
+                      <a:ea typeface="+mn-ea"/>
+                      <a:cs typeface="+mn-cs"/>
+                    </a:defRPr>
+                  </a:lvl7pPr>
+                  <a:lvl8pPr marL="3200400" indent="0">
+                    <a:defRPr sz="1100">
+                      <a:solidFill>
+                        <a:schemeClr val="lt1"/>
+                      </a:solidFill>
+                      <a:latin typeface="+mn-lt"/>
+                      <a:ea typeface="+mn-ea"/>
+                      <a:cs typeface="+mn-cs"/>
+                    </a:defRPr>
+                  </a:lvl8pPr>
+                  <a:lvl9pPr marL="3657600" indent="0">
+                    <a:defRPr sz="1100">
+                      <a:solidFill>
+                        <a:schemeClr val="lt1"/>
+                      </a:solidFill>
+                      <a:latin typeface="+mn-lt"/>
+                      <a:ea typeface="+mn-ea"/>
+                      <a:cs typeface="+mn-cs"/>
+                    </a:defRPr>
+                  </a:lvl9pPr>
+                </a:lstStyle>
+                <a:p>
+                  <a:pPr algn="ctr"/>
+                  <a:r>
+                    <a:rPr lang="ja-JP" altLang="en-US" sz="900">
+                      <a:solidFill>
+                        <a:sysClr val="windowText" lastClr="000000"/>
+                      </a:solidFill>
+                      <a:latin typeface="MS UI Gothic" panose="020B0600070205080204" pitchFamily="50" charset="-128"/>
+                      <a:ea typeface="MS UI Gothic" panose="020B0600070205080204" pitchFamily="50" charset="-128"/>
+                    </a:rPr>
+                    <a:t>名前，コメント欄に入力</a:t>
+                  </a:r>
+                  <a:endParaRPr kumimoji="1" lang="en-US" altLang="ja-JP" sz="900">
+                    <a:solidFill>
+                      <a:sysClr val="windowText" lastClr="000000"/>
+                    </a:solidFill>
+                    <a:latin typeface="MS UI Gothic" panose="020B0600070205080204" pitchFamily="50" charset="-128"/>
+                    <a:ea typeface="MS UI Gothic" panose="020B0600070205080204" pitchFamily="50" charset="-128"/>
+                  </a:endParaRPr>
+                </a:p>
+              </p:txBody>
+            </p:sp>
+            <p:sp>
+              <p:nvSpPr>
+                <p:cNvPr id="28" name="フローチャート : 手操作入力 51"/>
+                <p:cNvSpPr/>
+                <p:nvPr/>
+              </p:nvSpPr>
+              <p:spPr>
+                <a:xfrm>
+                  <a:off x="3900593" y="1435948"/>
+                  <a:ext cx="1244767" cy="427177"/>
+                </a:xfrm>
+                <a:prstGeom prst="flowChartManualInput">
+                  <a:avLst/>
+                </a:prstGeom>
+                <a:solidFill>
+                  <a:sysClr val="window" lastClr="FFFFFF"/>
+                </a:solidFill>
+                <a:ln>
+                  <a:solidFill>
+                    <a:sysClr val="windowText" lastClr="000000"/>
+                  </a:solidFill>
+                </a:ln>
+              </p:spPr>
+              <p:style>
+                <a:lnRef idx="2">
+                  <a:schemeClr val="accent1">
+                    <a:shade val="50000"/>
+                  </a:schemeClr>
+                </a:lnRef>
+                <a:fillRef idx="1">
+                  <a:schemeClr val="accent1"/>
+                </a:fillRef>
+                <a:effectRef idx="0">
+                  <a:schemeClr val="accent1"/>
+                </a:effectRef>
+                <a:fontRef idx="minor">
+                  <a:schemeClr val="lt1"/>
+                </a:fontRef>
+              </p:style>
+              <p:txBody>
+                <a:bodyPr wrap="square" rtlCol="0" anchor="ctr"/>
+                <a:lstStyle>
+                  <a:lvl1pPr marL="0" indent="0">
+                    <a:defRPr sz="1100">
+                      <a:solidFill>
+                        <a:schemeClr val="lt1"/>
+                      </a:solidFill>
+                      <a:latin typeface="+mn-lt"/>
+                      <a:ea typeface="+mn-ea"/>
+                      <a:cs typeface="+mn-cs"/>
+                    </a:defRPr>
+                  </a:lvl1pPr>
+                  <a:lvl2pPr marL="457200" indent="0">
+                    <a:defRPr sz="1100">
+                      <a:solidFill>
+                        <a:schemeClr val="lt1"/>
+                      </a:solidFill>
+                      <a:latin typeface="+mn-lt"/>
+                      <a:ea typeface="+mn-ea"/>
+                      <a:cs typeface="+mn-cs"/>
+                    </a:defRPr>
+                  </a:lvl2pPr>
+                  <a:lvl3pPr marL="914400" indent="0">
+                    <a:defRPr sz="1100">
+                      <a:solidFill>
+                        <a:schemeClr val="lt1"/>
+                      </a:solidFill>
+                      <a:latin typeface="+mn-lt"/>
+                      <a:ea typeface="+mn-ea"/>
+                      <a:cs typeface="+mn-cs"/>
+                    </a:defRPr>
+                  </a:lvl3pPr>
+                  <a:lvl4pPr marL="1371600" indent="0">
+                    <a:defRPr sz="1100">
+                      <a:solidFill>
+                        <a:schemeClr val="lt1"/>
+                      </a:solidFill>
+                      <a:latin typeface="+mn-lt"/>
+                      <a:ea typeface="+mn-ea"/>
+                      <a:cs typeface="+mn-cs"/>
+                    </a:defRPr>
+                  </a:lvl4pPr>
+                  <a:lvl5pPr marL="1828800" indent="0">
+                    <a:defRPr sz="1100">
+                      <a:solidFill>
+                        <a:schemeClr val="lt1"/>
+                      </a:solidFill>
+                      <a:latin typeface="+mn-lt"/>
+                      <a:ea typeface="+mn-ea"/>
+                      <a:cs typeface="+mn-cs"/>
+                    </a:defRPr>
+                  </a:lvl5pPr>
+                  <a:lvl6pPr marL="2286000" indent="0">
+                    <a:defRPr sz="1100">
+                      <a:solidFill>
+                        <a:schemeClr val="lt1"/>
+                      </a:solidFill>
+                      <a:latin typeface="+mn-lt"/>
+                      <a:ea typeface="+mn-ea"/>
+                      <a:cs typeface="+mn-cs"/>
+                    </a:defRPr>
+                  </a:lvl6pPr>
+                  <a:lvl7pPr marL="2743200" indent="0">
+                    <a:defRPr sz="1100">
+                      <a:solidFill>
+                        <a:schemeClr val="lt1"/>
+                      </a:solidFill>
+                      <a:latin typeface="+mn-lt"/>
+                      <a:ea typeface="+mn-ea"/>
+                      <a:cs typeface="+mn-cs"/>
+                    </a:defRPr>
+                  </a:lvl7pPr>
+                  <a:lvl8pPr marL="3200400" indent="0">
+                    <a:defRPr sz="1100">
+                      <a:solidFill>
+                        <a:schemeClr val="lt1"/>
+                      </a:solidFill>
+                      <a:latin typeface="+mn-lt"/>
+                      <a:ea typeface="+mn-ea"/>
+                      <a:cs typeface="+mn-cs"/>
+                    </a:defRPr>
+                  </a:lvl8pPr>
+                  <a:lvl9pPr marL="3657600" indent="0">
+                    <a:defRPr sz="1100">
+                      <a:solidFill>
+                        <a:schemeClr val="lt1"/>
+                      </a:solidFill>
+                      <a:latin typeface="+mn-lt"/>
+                      <a:ea typeface="+mn-ea"/>
+                      <a:cs typeface="+mn-cs"/>
+                    </a:defRPr>
+                  </a:lvl9pPr>
+                </a:lstStyle>
+                <a:p>
+                  <a:pPr algn="ctr"/>
+                  <a:r>
+                    <a:rPr lang="ja-JP" altLang="en-US" sz="900">
+                      <a:solidFill>
+                        <a:sysClr val="windowText" lastClr="000000"/>
+                      </a:solidFill>
+                      <a:latin typeface="MS UI Gothic" panose="020B0600070205080204" pitchFamily="50" charset="-128"/>
+                      <a:ea typeface="MS UI Gothic" panose="020B0600070205080204" pitchFamily="50" charset="-128"/>
+                    </a:rPr>
+                    <a:t>「投稿する」ボタンを</a:t>
+                  </a:r>
+                  <a:endParaRPr lang="en-US" altLang="ja-JP" sz="900">
+                    <a:solidFill>
+                      <a:sysClr val="windowText" lastClr="000000"/>
+                    </a:solidFill>
+                    <a:latin typeface="MS UI Gothic" panose="020B0600070205080204" pitchFamily="50" charset="-128"/>
+                    <a:ea typeface="MS UI Gothic" panose="020B0600070205080204" pitchFamily="50" charset="-128"/>
+                  </a:endParaRPr>
+                </a:p>
+                <a:p>
+                  <a:pPr algn="ctr"/>
+                  <a:r>
+                    <a:rPr lang="ja-JP" altLang="en-US" sz="900">
+                      <a:solidFill>
+                        <a:sysClr val="windowText" lastClr="000000"/>
+                      </a:solidFill>
+                      <a:latin typeface="MS UI Gothic" panose="020B0600070205080204" pitchFamily="50" charset="-128"/>
+                      <a:ea typeface="MS UI Gothic" panose="020B0600070205080204" pitchFamily="50" charset="-128"/>
+                    </a:rPr>
+                    <a:t>押下</a:t>
+                  </a:r>
+                  <a:endParaRPr kumimoji="1" lang="ja-JP" altLang="en-US" sz="900">
+                    <a:solidFill>
+                      <a:sysClr val="windowText" lastClr="000000"/>
+                    </a:solidFill>
+                    <a:latin typeface="MS UI Gothic" panose="020B0600070205080204" pitchFamily="50" charset="-128"/>
+                    <a:ea typeface="MS UI Gothic" panose="020B0600070205080204" pitchFamily="50" charset="-128"/>
+                  </a:endParaRPr>
+                </a:p>
+              </p:txBody>
+            </p:sp>
+            <p:sp>
+              <p:nvSpPr>
+                <p:cNvPr id="29" name="フローチャート : 手操作入力 51"/>
+                <p:cNvSpPr/>
+                <p:nvPr/>
+              </p:nvSpPr>
+              <p:spPr>
+                <a:xfrm>
+                  <a:off x="3887483" y="2367510"/>
+                  <a:ext cx="1244767" cy="427177"/>
+                </a:xfrm>
+                <a:prstGeom prst="flowChartManualInput">
+                  <a:avLst/>
+                </a:prstGeom>
+                <a:solidFill>
+                  <a:sysClr val="window" lastClr="FFFFFF"/>
+                </a:solidFill>
+                <a:ln>
+                  <a:solidFill>
+                    <a:sysClr val="windowText" lastClr="000000"/>
+                  </a:solidFill>
+                </a:ln>
+              </p:spPr>
+              <p:style>
+                <a:lnRef idx="2">
+                  <a:schemeClr val="accent1">
+                    <a:shade val="50000"/>
+                  </a:schemeClr>
+                </a:lnRef>
+                <a:fillRef idx="1">
+                  <a:schemeClr val="accent1"/>
+                </a:fillRef>
+                <a:effectRef idx="0">
+                  <a:schemeClr val="accent1"/>
+                </a:effectRef>
+                <a:fontRef idx="minor">
+                  <a:schemeClr val="lt1"/>
+                </a:fontRef>
+              </p:style>
+              <p:txBody>
+                <a:bodyPr wrap="square" rtlCol="0" anchor="ctr"/>
+                <a:lstStyle>
+                  <a:lvl1pPr marL="0" indent="0">
+                    <a:defRPr sz="1100">
+                      <a:solidFill>
+                        <a:schemeClr val="lt1"/>
+                      </a:solidFill>
+                      <a:latin typeface="+mn-lt"/>
+                      <a:ea typeface="+mn-ea"/>
+                      <a:cs typeface="+mn-cs"/>
+                    </a:defRPr>
+                  </a:lvl1pPr>
+                  <a:lvl2pPr marL="457200" indent="0">
+                    <a:defRPr sz="1100">
+                      <a:solidFill>
+                        <a:schemeClr val="lt1"/>
+                      </a:solidFill>
+                      <a:latin typeface="+mn-lt"/>
+                      <a:ea typeface="+mn-ea"/>
+                      <a:cs typeface="+mn-cs"/>
+                    </a:defRPr>
+                  </a:lvl2pPr>
+                  <a:lvl3pPr marL="914400" indent="0">
+                    <a:defRPr sz="1100">
+                      <a:solidFill>
+                        <a:schemeClr val="lt1"/>
+                      </a:solidFill>
+                      <a:latin typeface="+mn-lt"/>
+                      <a:ea typeface="+mn-ea"/>
+                      <a:cs typeface="+mn-cs"/>
+                    </a:defRPr>
+                  </a:lvl3pPr>
+                  <a:lvl4pPr marL="1371600" indent="0">
+                    <a:defRPr sz="1100">
+                      <a:solidFill>
+                        <a:schemeClr val="lt1"/>
+                      </a:solidFill>
+                      <a:latin typeface="+mn-lt"/>
+                      <a:ea typeface="+mn-ea"/>
+                      <a:cs typeface="+mn-cs"/>
+                    </a:defRPr>
+                  </a:lvl4pPr>
+                  <a:lvl5pPr marL="1828800" indent="0">
+                    <a:defRPr sz="1100">
+                      <a:solidFill>
+                        <a:schemeClr val="lt1"/>
+                      </a:solidFill>
+                      <a:latin typeface="+mn-lt"/>
+                      <a:ea typeface="+mn-ea"/>
+                      <a:cs typeface="+mn-cs"/>
+                    </a:defRPr>
+                  </a:lvl5pPr>
+                  <a:lvl6pPr marL="2286000" indent="0">
+                    <a:defRPr sz="1100">
+                      <a:solidFill>
+                        <a:schemeClr val="lt1"/>
+                      </a:solidFill>
+                      <a:latin typeface="+mn-lt"/>
+                      <a:ea typeface="+mn-ea"/>
+                      <a:cs typeface="+mn-cs"/>
+                    </a:defRPr>
+                  </a:lvl6pPr>
+                  <a:lvl7pPr marL="2743200" indent="0">
+                    <a:defRPr sz="1100">
+                      <a:solidFill>
+                        <a:schemeClr val="lt1"/>
+                      </a:solidFill>
+                      <a:latin typeface="+mn-lt"/>
+                      <a:ea typeface="+mn-ea"/>
+                      <a:cs typeface="+mn-cs"/>
+                    </a:defRPr>
+                  </a:lvl7pPr>
+                  <a:lvl8pPr marL="3200400" indent="0">
+                    <a:defRPr sz="1100">
+                      <a:solidFill>
+                        <a:schemeClr val="lt1"/>
+                      </a:solidFill>
+                      <a:latin typeface="+mn-lt"/>
+                      <a:ea typeface="+mn-ea"/>
+                      <a:cs typeface="+mn-cs"/>
+                    </a:defRPr>
+                  </a:lvl8pPr>
+                  <a:lvl9pPr marL="3657600" indent="0">
+                    <a:defRPr sz="1100">
+                      <a:solidFill>
+                        <a:schemeClr val="lt1"/>
+                      </a:solidFill>
+                      <a:latin typeface="+mn-lt"/>
+                      <a:ea typeface="+mn-ea"/>
+                      <a:cs typeface="+mn-cs"/>
+                    </a:defRPr>
+                  </a:lvl9pPr>
+                </a:lstStyle>
+                <a:p>
+                  <a:pPr algn="ctr"/>
+                  <a:r>
+                    <a:rPr lang="ja-JP" altLang="en-US" sz="900">
+                      <a:solidFill>
+                        <a:sysClr val="windowText" lastClr="000000"/>
+                      </a:solidFill>
+                      <a:latin typeface="MS UI Gothic" panose="020B0600070205080204" pitchFamily="50" charset="-128"/>
+                      <a:ea typeface="MS UI Gothic" panose="020B0600070205080204" pitchFamily="50" charset="-128"/>
+                    </a:rPr>
+                    <a:t>「コメント」以外の場所を押下</a:t>
+                  </a:r>
+                  <a:endParaRPr kumimoji="1" lang="ja-JP" altLang="en-US" sz="900">
+                    <a:solidFill>
+                      <a:sysClr val="windowText" lastClr="000000"/>
+                    </a:solidFill>
+                    <a:latin typeface="MS UI Gothic" panose="020B0600070205080204" pitchFamily="50" charset="-128"/>
+                    <a:ea typeface="MS UI Gothic" panose="020B0600070205080204" pitchFamily="50" charset="-128"/>
+                  </a:endParaRPr>
+                </a:p>
+              </p:txBody>
+            </p:sp>
+            <p:cxnSp>
+              <p:nvCxnSpPr>
+                <p:cNvPr id="30" name="直線矢印コネクタ 29"/>
+                <p:cNvCxnSpPr>
+                  <a:stCxn id="29" idx="2"/>
+                  <a:endCxn id="16" idx="0"/>
+                </p:cNvCxnSpPr>
+                <p:nvPr/>
+              </p:nvCxnSpPr>
+              <p:spPr>
+                <a:xfrm>
+                  <a:off x="4509867" y="2794687"/>
+                  <a:ext cx="409" cy="291598"/>
+                </a:xfrm>
+                <a:prstGeom prst="straightConnector1">
+                  <a:avLst/>
+                </a:prstGeom>
+                <a:ln>
+                  <a:headEnd type="none"/>
+                  <a:tailEnd type="arrow"/>
+                </a:ln>
+              </p:spPr>
+              <p:style>
+                <a:lnRef idx="1">
+                  <a:schemeClr val="dk1"/>
+                </a:lnRef>
+                <a:fillRef idx="0">
+                  <a:schemeClr val="dk1"/>
+                </a:fillRef>
+                <a:effectRef idx="0">
+                  <a:schemeClr val="dk1"/>
+                </a:effectRef>
+                <a:fontRef idx="minor">
+                  <a:schemeClr val="tx1"/>
+                </a:fontRef>
+              </p:style>
+            </p:cxnSp>
+            <p:cxnSp>
+              <p:nvCxnSpPr>
+                <p:cNvPr id="31" name="直線矢印コネクタ 30"/>
+                <p:cNvCxnSpPr>
+                  <a:stCxn id="15" idx="2"/>
+                  <a:endCxn id="27" idx="0"/>
+                </p:cNvCxnSpPr>
+                <p:nvPr/>
+              </p:nvCxnSpPr>
+              <p:spPr>
+                <a:xfrm flipH="1">
+                  <a:off x="4523405" y="432339"/>
+                  <a:ext cx="1" cy="285634"/>
                 </a:xfrm>
                 <a:prstGeom prst="straightConnector1">
                   <a:avLst/>
@@ -8216,775 +12142,14 @@
               <p:nvCxnSpPr>
                 <p:cNvPr id="32" name="直線矢印コネクタ 31"/>
                 <p:cNvCxnSpPr>
-                  <a:stCxn id="5" idx="2"/>
-                  <a:endCxn id="6" idx="0"/>
+                  <a:stCxn id="27" idx="2"/>
+                  <a:endCxn id="28" idx="0"/>
                 </p:cNvCxnSpPr>
                 <p:nvPr/>
               </p:nvCxnSpPr>
               <p:spPr>
                 <a:xfrm flipH="1">
-                  <a:off x="3030626" y="2188826"/>
-                  <a:ext cx="1" cy="285635"/>
-                </a:xfrm>
-                <a:prstGeom prst="straightConnector1">
-                  <a:avLst/>
-                </a:prstGeom>
-                <a:ln>
-                  <a:headEnd type="none"/>
-                  <a:tailEnd type="arrow"/>
-                </a:ln>
-              </p:spPr>
-              <p:style>
-                <a:lnRef idx="1">
-                  <a:schemeClr val="dk1"/>
-                </a:lnRef>
-                <a:fillRef idx="0">
-                  <a:schemeClr val="dk1"/>
-                </a:fillRef>
-                <a:effectRef idx="0">
-                  <a:schemeClr val="dk1"/>
-                </a:effectRef>
-                <a:fontRef idx="minor">
-                  <a:schemeClr val="tx1"/>
-                </a:fontRef>
-              </p:style>
-            </p:cxnSp>
-            <p:cxnSp>
-              <p:nvCxnSpPr>
-                <p:cNvPr id="35" name="直線矢印コネクタ 34"/>
-                <p:cNvCxnSpPr>
-                  <a:stCxn id="6" idx="2"/>
-                  <a:endCxn id="9" idx="0"/>
-                </p:cNvCxnSpPr>
-                <p:nvPr/>
-              </p:nvCxnSpPr>
-              <p:spPr>
-                <a:xfrm flipH="1">
-                  <a:off x="3030217" y="2906800"/>
-                  <a:ext cx="409" cy="328353"/>
-                </a:xfrm>
-                <a:prstGeom prst="straightConnector1">
-                  <a:avLst/>
-                </a:prstGeom>
-                <a:ln>
-                  <a:headEnd type="none"/>
-                  <a:tailEnd type="arrow"/>
-                </a:ln>
-              </p:spPr>
-              <p:style>
-                <a:lnRef idx="1">
-                  <a:schemeClr val="dk1"/>
-                </a:lnRef>
-                <a:fillRef idx="0">
-                  <a:schemeClr val="dk1"/>
-                </a:fillRef>
-                <a:effectRef idx="0">
-                  <a:schemeClr val="dk1"/>
-                </a:effectRef>
-                <a:fontRef idx="minor">
-                  <a:schemeClr val="tx1"/>
-                </a:fontRef>
-              </p:style>
-            </p:cxnSp>
-            <p:cxnSp>
-              <p:nvCxnSpPr>
-                <p:cNvPr id="38" name="直線矢印コネクタ 37"/>
-                <p:cNvCxnSpPr>
-                  <a:stCxn id="27" idx="4"/>
-                  <a:endCxn id="6" idx="1"/>
-                </p:cNvCxnSpPr>
-                <p:nvPr/>
-              </p:nvCxnSpPr>
-              <p:spPr>
-                <a:xfrm flipV="1">
-                  <a:off x="1861478" y="2690631"/>
-                  <a:ext cx="547173" cy="7075"/>
-                </a:xfrm>
-                <a:prstGeom prst="straightConnector1">
-                  <a:avLst/>
-                </a:prstGeom>
-                <a:ln>
-                  <a:headEnd type="none"/>
-                  <a:tailEnd type="arrow"/>
-                </a:ln>
-              </p:spPr>
-              <p:style>
-                <a:lnRef idx="1">
-                  <a:schemeClr val="dk1"/>
-                </a:lnRef>
-                <a:fillRef idx="0">
-                  <a:schemeClr val="dk1"/>
-                </a:fillRef>
-                <a:effectRef idx="0">
-                  <a:schemeClr val="dk1"/>
-                </a:effectRef>
-                <a:fontRef idx="minor">
-                  <a:schemeClr val="tx1"/>
-                </a:fontRef>
-              </p:style>
-            </p:cxnSp>
-            <p:cxnSp>
-              <p:nvCxnSpPr>
-                <p:cNvPr id="41" name="直線矢印コネクタ 40"/>
-                <p:cNvCxnSpPr/>
-                <p:nvPr/>
-              </p:nvCxnSpPr>
-              <p:spPr>
-                <a:xfrm flipH="1">
-                  <a:off x="1860660" y="2584606"/>
-                  <a:ext cx="547173" cy="7075"/>
-                </a:xfrm>
-                <a:prstGeom prst="straightConnector1">
-                  <a:avLst/>
-                </a:prstGeom>
-                <a:ln>
-                  <a:headEnd type="none"/>
-                  <a:tailEnd type="arrow"/>
-                </a:ln>
-              </p:spPr>
-              <p:style>
-                <a:lnRef idx="1">
-                  <a:schemeClr val="dk1"/>
-                </a:lnRef>
-                <a:fillRef idx="0">
-                  <a:schemeClr val="dk1"/>
-                </a:fillRef>
-                <a:effectRef idx="0">
-                  <a:schemeClr val="dk1"/>
-                </a:effectRef>
-                <a:fontRef idx="minor">
-                  <a:schemeClr val="tx1"/>
-                </a:fontRef>
-              </p:style>
-            </p:cxnSp>
-            <p:cxnSp>
-              <p:nvCxnSpPr>
-                <p:cNvPr id="64" name="直線矢印コネクタ 63"/>
-                <p:cNvCxnSpPr>
-                  <a:stCxn id="19" idx="2"/>
-                  <a:endCxn id="20" idx="0"/>
-                </p:cNvCxnSpPr>
-                <p:nvPr/>
-              </p:nvCxnSpPr>
-              <p:spPr>
-                <a:xfrm flipH="1">
-                  <a:off x="9347137" y="1465690"/>
-                  <a:ext cx="409" cy="290796"/>
-                </a:xfrm>
-                <a:prstGeom prst="straightConnector1">
-                  <a:avLst/>
-                </a:prstGeom>
-                <a:ln>
-                  <a:headEnd type="none"/>
-                  <a:tailEnd type="arrow"/>
-                </a:ln>
-              </p:spPr>
-              <p:style>
-                <a:lnRef idx="1">
-                  <a:schemeClr val="dk1"/>
-                </a:lnRef>
-                <a:fillRef idx="0">
-                  <a:schemeClr val="dk1"/>
-                </a:fillRef>
-                <a:effectRef idx="0">
-                  <a:schemeClr val="dk1"/>
-                </a:effectRef>
-                <a:fontRef idx="minor">
-                  <a:schemeClr val="tx1"/>
-                </a:fontRef>
-              </p:style>
-            </p:cxnSp>
-            <p:sp>
-              <p:nvSpPr>
-                <p:cNvPr id="76" name="フローチャート : 定義済み処理 27"/>
-                <p:cNvSpPr/>
-                <p:nvPr/>
-              </p:nvSpPr>
-              <p:spPr>
-                <a:xfrm>
-                  <a:off x="4501905" y="1670761"/>
-                  <a:ext cx="1243949" cy="432339"/>
-                </a:xfrm>
-                <a:prstGeom prst="flowChartPredefinedProcess">
-                  <a:avLst/>
-                </a:prstGeom>
-                <a:solidFill>
-                  <a:sysClr val="window" lastClr="FFFFFF"/>
-                </a:solidFill>
-                <a:ln>
-                  <a:solidFill>
-                    <a:sysClr val="windowText" lastClr="000000"/>
-                  </a:solidFill>
-                </a:ln>
-              </p:spPr>
-              <p:style>
-                <a:lnRef idx="2">
-                  <a:schemeClr val="accent1">
-                    <a:shade val="50000"/>
-                  </a:schemeClr>
-                </a:lnRef>
-                <a:fillRef idx="1">
-                  <a:schemeClr val="accent1"/>
-                </a:fillRef>
-                <a:effectRef idx="0">
-                  <a:schemeClr val="accent1"/>
-                </a:effectRef>
-                <a:fontRef idx="minor">
-                  <a:schemeClr val="lt1"/>
-                </a:fontRef>
-              </p:style>
-              <p:txBody>
-                <a:bodyPr wrap="square" rtlCol="0" anchor="ctr"/>
-                <a:lstStyle>
-                  <a:lvl1pPr marL="0" indent="0">
-                    <a:defRPr sz="1100">
-                      <a:solidFill>
-                        <a:schemeClr val="lt1"/>
-                      </a:solidFill>
-                      <a:latin typeface="+mn-lt"/>
-                      <a:ea typeface="+mn-ea"/>
-                      <a:cs typeface="+mn-cs"/>
-                    </a:defRPr>
-                  </a:lvl1pPr>
-                  <a:lvl2pPr marL="457200" indent="0">
-                    <a:defRPr sz="1100">
-                      <a:solidFill>
-                        <a:schemeClr val="lt1"/>
-                      </a:solidFill>
-                      <a:latin typeface="+mn-lt"/>
-                      <a:ea typeface="+mn-ea"/>
-                      <a:cs typeface="+mn-cs"/>
-                    </a:defRPr>
-                  </a:lvl2pPr>
-                  <a:lvl3pPr marL="914400" indent="0">
-                    <a:defRPr sz="1100">
-                      <a:solidFill>
-                        <a:schemeClr val="lt1"/>
-                      </a:solidFill>
-                      <a:latin typeface="+mn-lt"/>
-                      <a:ea typeface="+mn-ea"/>
-                      <a:cs typeface="+mn-cs"/>
-                    </a:defRPr>
-                  </a:lvl3pPr>
-                  <a:lvl4pPr marL="1371600" indent="0">
-                    <a:defRPr sz="1100">
-                      <a:solidFill>
-                        <a:schemeClr val="lt1"/>
-                      </a:solidFill>
-                      <a:latin typeface="+mn-lt"/>
-                      <a:ea typeface="+mn-ea"/>
-                      <a:cs typeface="+mn-cs"/>
-                    </a:defRPr>
-                  </a:lvl4pPr>
-                  <a:lvl5pPr marL="1828800" indent="0">
-                    <a:defRPr sz="1100">
-                      <a:solidFill>
-                        <a:schemeClr val="lt1"/>
-                      </a:solidFill>
-                      <a:latin typeface="+mn-lt"/>
-                      <a:ea typeface="+mn-ea"/>
-                      <a:cs typeface="+mn-cs"/>
-                    </a:defRPr>
-                  </a:lvl5pPr>
-                  <a:lvl6pPr marL="2286000" indent="0">
-                    <a:defRPr sz="1100">
-                      <a:solidFill>
-                        <a:schemeClr val="lt1"/>
-                      </a:solidFill>
-                      <a:latin typeface="+mn-lt"/>
-                      <a:ea typeface="+mn-ea"/>
-                      <a:cs typeface="+mn-cs"/>
-                    </a:defRPr>
-                  </a:lvl6pPr>
-                  <a:lvl7pPr marL="2743200" indent="0">
-                    <a:defRPr sz="1100">
-                      <a:solidFill>
-                        <a:schemeClr val="lt1"/>
-                      </a:solidFill>
-                      <a:latin typeface="+mn-lt"/>
-                      <a:ea typeface="+mn-ea"/>
-                      <a:cs typeface="+mn-cs"/>
-                    </a:defRPr>
-                  </a:lvl7pPr>
-                  <a:lvl8pPr marL="3200400" indent="0">
-                    <a:defRPr sz="1100">
-                      <a:solidFill>
-                        <a:schemeClr val="lt1"/>
-                      </a:solidFill>
-                      <a:latin typeface="+mn-lt"/>
-                      <a:ea typeface="+mn-ea"/>
-                      <a:cs typeface="+mn-cs"/>
-                    </a:defRPr>
-                  </a:lvl8pPr>
-                  <a:lvl9pPr marL="3657600" indent="0">
-                    <a:defRPr sz="1100">
-                      <a:solidFill>
-                        <a:schemeClr val="lt1"/>
-                      </a:solidFill>
-                      <a:latin typeface="+mn-lt"/>
-                      <a:ea typeface="+mn-ea"/>
-                      <a:cs typeface="+mn-cs"/>
-                    </a:defRPr>
-                  </a:lvl9pPr>
-                </a:lstStyle>
-                <a:p>
-                  <a:pPr algn="ctr"/>
-                  <a:r>
-                    <a:rPr lang="ja-JP" altLang="en-US" sz="900" dirty="0" smtClean="0">
-                      <a:solidFill>
-                        <a:sysClr val="windowText" lastClr="000000"/>
-                      </a:solidFill>
-                      <a:latin typeface="MS UI Gothic" panose="020B0600070205080204" pitchFamily="50" charset="-128"/>
-                      <a:ea typeface="MS UI Gothic" panose="020B0600070205080204" pitchFamily="50" charset="-128"/>
-                    </a:rPr>
-                    <a:t>名前，コメント欄に入力</a:t>
-                  </a:r>
-                  <a:endParaRPr kumimoji="1" lang="en-US" altLang="ja-JP" sz="900" dirty="0">
-                    <a:solidFill>
-                      <a:sysClr val="windowText" lastClr="000000"/>
-                    </a:solidFill>
-                    <a:latin typeface="MS UI Gothic" panose="020B0600070205080204" pitchFamily="50" charset="-128"/>
-                    <a:ea typeface="MS UI Gothic" panose="020B0600070205080204" pitchFamily="50" charset="-128"/>
-                  </a:endParaRPr>
-                </a:p>
-              </p:txBody>
-            </p:sp>
-            <p:sp>
-              <p:nvSpPr>
-                <p:cNvPr id="78" name="フローチャート : 手操作入力 51"/>
-                <p:cNvSpPr/>
-                <p:nvPr/>
-              </p:nvSpPr>
-              <p:spPr>
-                <a:xfrm>
-                  <a:off x="4501068" y="2388736"/>
-                  <a:ext cx="1244767" cy="427177"/>
-                </a:xfrm>
-                <a:prstGeom prst="flowChartManualInput">
-                  <a:avLst/>
-                </a:prstGeom>
-                <a:solidFill>
-                  <a:sysClr val="window" lastClr="FFFFFF"/>
-                </a:solidFill>
-                <a:ln>
-                  <a:solidFill>
-                    <a:sysClr val="windowText" lastClr="000000"/>
-                  </a:solidFill>
-                </a:ln>
-              </p:spPr>
-              <p:style>
-                <a:lnRef idx="2">
-                  <a:schemeClr val="accent1">
-                    <a:shade val="50000"/>
-                  </a:schemeClr>
-                </a:lnRef>
-                <a:fillRef idx="1">
-                  <a:schemeClr val="accent1"/>
-                </a:fillRef>
-                <a:effectRef idx="0">
-                  <a:schemeClr val="accent1"/>
-                </a:effectRef>
-                <a:fontRef idx="minor">
-                  <a:schemeClr val="lt1"/>
-                </a:fontRef>
-              </p:style>
-              <p:txBody>
-                <a:bodyPr wrap="square" rtlCol="0" anchor="ctr"/>
-                <a:lstStyle>
-                  <a:lvl1pPr marL="0" indent="0">
-                    <a:defRPr sz="1100">
-                      <a:solidFill>
-                        <a:schemeClr val="lt1"/>
-                      </a:solidFill>
-                      <a:latin typeface="+mn-lt"/>
-                      <a:ea typeface="+mn-ea"/>
-                      <a:cs typeface="+mn-cs"/>
-                    </a:defRPr>
-                  </a:lvl1pPr>
-                  <a:lvl2pPr marL="457200" indent="0">
-                    <a:defRPr sz="1100">
-                      <a:solidFill>
-                        <a:schemeClr val="lt1"/>
-                      </a:solidFill>
-                      <a:latin typeface="+mn-lt"/>
-                      <a:ea typeface="+mn-ea"/>
-                      <a:cs typeface="+mn-cs"/>
-                    </a:defRPr>
-                  </a:lvl2pPr>
-                  <a:lvl3pPr marL="914400" indent="0">
-                    <a:defRPr sz="1100">
-                      <a:solidFill>
-                        <a:schemeClr val="lt1"/>
-                      </a:solidFill>
-                      <a:latin typeface="+mn-lt"/>
-                      <a:ea typeface="+mn-ea"/>
-                      <a:cs typeface="+mn-cs"/>
-                    </a:defRPr>
-                  </a:lvl3pPr>
-                  <a:lvl4pPr marL="1371600" indent="0">
-                    <a:defRPr sz="1100">
-                      <a:solidFill>
-                        <a:schemeClr val="lt1"/>
-                      </a:solidFill>
-                      <a:latin typeface="+mn-lt"/>
-                      <a:ea typeface="+mn-ea"/>
-                      <a:cs typeface="+mn-cs"/>
-                    </a:defRPr>
-                  </a:lvl4pPr>
-                  <a:lvl5pPr marL="1828800" indent="0">
-                    <a:defRPr sz="1100">
-                      <a:solidFill>
-                        <a:schemeClr val="lt1"/>
-                      </a:solidFill>
-                      <a:latin typeface="+mn-lt"/>
-                      <a:ea typeface="+mn-ea"/>
-                      <a:cs typeface="+mn-cs"/>
-                    </a:defRPr>
-                  </a:lvl5pPr>
-                  <a:lvl6pPr marL="2286000" indent="0">
-                    <a:defRPr sz="1100">
-                      <a:solidFill>
-                        <a:schemeClr val="lt1"/>
-                      </a:solidFill>
-                      <a:latin typeface="+mn-lt"/>
-                      <a:ea typeface="+mn-ea"/>
-                      <a:cs typeface="+mn-cs"/>
-                    </a:defRPr>
-                  </a:lvl6pPr>
-                  <a:lvl7pPr marL="2743200" indent="0">
-                    <a:defRPr sz="1100">
-                      <a:solidFill>
-                        <a:schemeClr val="lt1"/>
-                      </a:solidFill>
-                      <a:latin typeface="+mn-lt"/>
-                      <a:ea typeface="+mn-ea"/>
-                      <a:cs typeface="+mn-cs"/>
-                    </a:defRPr>
-                  </a:lvl7pPr>
-                  <a:lvl8pPr marL="3200400" indent="0">
-                    <a:defRPr sz="1100">
-                      <a:solidFill>
-                        <a:schemeClr val="lt1"/>
-                      </a:solidFill>
-                      <a:latin typeface="+mn-lt"/>
-                      <a:ea typeface="+mn-ea"/>
-                      <a:cs typeface="+mn-cs"/>
-                    </a:defRPr>
-                  </a:lvl8pPr>
-                  <a:lvl9pPr marL="3657600" indent="0">
-                    <a:defRPr sz="1100">
-                      <a:solidFill>
-                        <a:schemeClr val="lt1"/>
-                      </a:solidFill>
-                      <a:latin typeface="+mn-lt"/>
-                      <a:ea typeface="+mn-ea"/>
-                      <a:cs typeface="+mn-cs"/>
-                    </a:defRPr>
-                  </a:lvl9pPr>
-                </a:lstStyle>
-                <a:p>
-                  <a:pPr algn="ctr"/>
-                  <a:r>
-                    <a:rPr lang="ja-JP" altLang="en-US" sz="900" dirty="0" smtClean="0">
-                      <a:solidFill>
-                        <a:sysClr val="windowText" lastClr="000000"/>
-                      </a:solidFill>
-                      <a:latin typeface="MS UI Gothic" panose="020B0600070205080204" pitchFamily="50" charset="-128"/>
-                      <a:ea typeface="MS UI Gothic" panose="020B0600070205080204" pitchFamily="50" charset="-128"/>
-                    </a:rPr>
-                    <a:t>「</a:t>
-                  </a:r>
-                  <a:r>
-                    <a:rPr lang="ja-JP" altLang="en-US" sz="900" dirty="0">
-                      <a:solidFill>
-                        <a:sysClr val="windowText" lastClr="000000"/>
-                      </a:solidFill>
-                      <a:latin typeface="MS UI Gothic" panose="020B0600070205080204" pitchFamily="50" charset="-128"/>
-                      <a:ea typeface="MS UI Gothic" panose="020B0600070205080204" pitchFamily="50" charset="-128"/>
-                    </a:rPr>
-                    <a:t>投稿</a:t>
-                  </a:r>
-                  <a:r>
-                    <a:rPr lang="ja-JP" altLang="en-US" sz="900" dirty="0" smtClean="0">
-                      <a:solidFill>
-                        <a:sysClr val="windowText" lastClr="000000"/>
-                      </a:solidFill>
-                      <a:latin typeface="MS UI Gothic" panose="020B0600070205080204" pitchFamily="50" charset="-128"/>
-                      <a:ea typeface="MS UI Gothic" panose="020B0600070205080204" pitchFamily="50" charset="-128"/>
-                    </a:rPr>
-                    <a:t>する」ボタンを</a:t>
-                  </a:r>
-                  <a:endParaRPr lang="en-US" altLang="ja-JP" sz="900" dirty="0" smtClean="0">
-                    <a:solidFill>
-                      <a:sysClr val="windowText" lastClr="000000"/>
-                    </a:solidFill>
-                    <a:latin typeface="MS UI Gothic" panose="020B0600070205080204" pitchFamily="50" charset="-128"/>
-                    <a:ea typeface="MS UI Gothic" panose="020B0600070205080204" pitchFamily="50" charset="-128"/>
-                  </a:endParaRPr>
-                </a:p>
-                <a:p>
-                  <a:pPr algn="ctr"/>
-                  <a:r>
-                    <a:rPr lang="ja-JP" altLang="en-US" sz="900" dirty="0" smtClean="0">
-                      <a:solidFill>
-                        <a:sysClr val="windowText" lastClr="000000"/>
-                      </a:solidFill>
-                      <a:latin typeface="MS UI Gothic" panose="020B0600070205080204" pitchFamily="50" charset="-128"/>
-                      <a:ea typeface="MS UI Gothic" panose="020B0600070205080204" pitchFamily="50" charset="-128"/>
-                    </a:rPr>
-                    <a:t>押下</a:t>
-                  </a:r>
-                  <a:endParaRPr kumimoji="1" lang="ja-JP" altLang="en-US" sz="900" dirty="0">
-                    <a:solidFill>
-                      <a:sysClr val="windowText" lastClr="000000"/>
-                    </a:solidFill>
-                    <a:latin typeface="MS UI Gothic" panose="020B0600070205080204" pitchFamily="50" charset="-128"/>
-                    <a:ea typeface="MS UI Gothic" panose="020B0600070205080204" pitchFamily="50" charset="-128"/>
-                  </a:endParaRPr>
-                </a:p>
-              </p:txBody>
-            </p:sp>
-            <p:sp>
-              <p:nvSpPr>
-                <p:cNvPr id="91" name="フローチャート : 手操作入力 51"/>
-                <p:cNvSpPr/>
-                <p:nvPr/>
-              </p:nvSpPr>
-              <p:spPr>
-                <a:xfrm>
-                  <a:off x="4487958" y="3320298"/>
-                  <a:ext cx="1244767" cy="427177"/>
-                </a:xfrm>
-                <a:prstGeom prst="flowChartManualInput">
-                  <a:avLst/>
-                </a:prstGeom>
-                <a:solidFill>
-                  <a:sysClr val="window" lastClr="FFFFFF"/>
-                </a:solidFill>
-                <a:ln>
-                  <a:solidFill>
-                    <a:sysClr val="windowText" lastClr="000000"/>
-                  </a:solidFill>
-                </a:ln>
-              </p:spPr>
-              <p:style>
-                <a:lnRef idx="2">
-                  <a:schemeClr val="accent1">
-                    <a:shade val="50000"/>
-                  </a:schemeClr>
-                </a:lnRef>
-                <a:fillRef idx="1">
-                  <a:schemeClr val="accent1"/>
-                </a:fillRef>
-                <a:effectRef idx="0">
-                  <a:schemeClr val="accent1"/>
-                </a:effectRef>
-                <a:fontRef idx="minor">
-                  <a:schemeClr val="lt1"/>
-                </a:fontRef>
-              </p:style>
-              <p:txBody>
-                <a:bodyPr wrap="square" rtlCol="0" anchor="ctr"/>
-                <a:lstStyle>
-                  <a:lvl1pPr marL="0" indent="0">
-                    <a:defRPr sz="1100">
-                      <a:solidFill>
-                        <a:schemeClr val="lt1"/>
-                      </a:solidFill>
-                      <a:latin typeface="+mn-lt"/>
-                      <a:ea typeface="+mn-ea"/>
-                      <a:cs typeface="+mn-cs"/>
-                    </a:defRPr>
-                  </a:lvl1pPr>
-                  <a:lvl2pPr marL="457200" indent="0">
-                    <a:defRPr sz="1100">
-                      <a:solidFill>
-                        <a:schemeClr val="lt1"/>
-                      </a:solidFill>
-                      <a:latin typeface="+mn-lt"/>
-                      <a:ea typeface="+mn-ea"/>
-                      <a:cs typeface="+mn-cs"/>
-                    </a:defRPr>
-                  </a:lvl2pPr>
-                  <a:lvl3pPr marL="914400" indent="0">
-                    <a:defRPr sz="1100">
-                      <a:solidFill>
-                        <a:schemeClr val="lt1"/>
-                      </a:solidFill>
-                      <a:latin typeface="+mn-lt"/>
-                      <a:ea typeface="+mn-ea"/>
-                      <a:cs typeface="+mn-cs"/>
-                    </a:defRPr>
-                  </a:lvl3pPr>
-                  <a:lvl4pPr marL="1371600" indent="0">
-                    <a:defRPr sz="1100">
-                      <a:solidFill>
-                        <a:schemeClr val="lt1"/>
-                      </a:solidFill>
-                      <a:latin typeface="+mn-lt"/>
-                      <a:ea typeface="+mn-ea"/>
-                      <a:cs typeface="+mn-cs"/>
-                    </a:defRPr>
-                  </a:lvl4pPr>
-                  <a:lvl5pPr marL="1828800" indent="0">
-                    <a:defRPr sz="1100">
-                      <a:solidFill>
-                        <a:schemeClr val="lt1"/>
-                      </a:solidFill>
-                      <a:latin typeface="+mn-lt"/>
-                      <a:ea typeface="+mn-ea"/>
-                      <a:cs typeface="+mn-cs"/>
-                    </a:defRPr>
-                  </a:lvl5pPr>
-                  <a:lvl6pPr marL="2286000" indent="0">
-                    <a:defRPr sz="1100">
-                      <a:solidFill>
-                        <a:schemeClr val="lt1"/>
-                      </a:solidFill>
-                      <a:latin typeface="+mn-lt"/>
-                      <a:ea typeface="+mn-ea"/>
-                      <a:cs typeface="+mn-cs"/>
-                    </a:defRPr>
-                  </a:lvl6pPr>
-                  <a:lvl7pPr marL="2743200" indent="0">
-                    <a:defRPr sz="1100">
-                      <a:solidFill>
-                        <a:schemeClr val="lt1"/>
-                      </a:solidFill>
-                      <a:latin typeface="+mn-lt"/>
-                      <a:ea typeface="+mn-ea"/>
-                      <a:cs typeface="+mn-cs"/>
-                    </a:defRPr>
-                  </a:lvl7pPr>
-                  <a:lvl8pPr marL="3200400" indent="0">
-                    <a:defRPr sz="1100">
-                      <a:solidFill>
-                        <a:schemeClr val="lt1"/>
-                      </a:solidFill>
-                      <a:latin typeface="+mn-lt"/>
-                      <a:ea typeface="+mn-ea"/>
-                      <a:cs typeface="+mn-cs"/>
-                    </a:defRPr>
-                  </a:lvl8pPr>
-                  <a:lvl9pPr marL="3657600" indent="0">
-                    <a:defRPr sz="1100">
-                      <a:solidFill>
-                        <a:schemeClr val="lt1"/>
-                      </a:solidFill>
-                      <a:latin typeface="+mn-lt"/>
-                      <a:ea typeface="+mn-ea"/>
-                      <a:cs typeface="+mn-cs"/>
-                    </a:defRPr>
-                  </a:lvl9pPr>
-                </a:lstStyle>
-                <a:p>
-                  <a:pPr algn="ctr"/>
-                  <a:r>
-                    <a:rPr lang="ja-JP" altLang="en-US" sz="900" dirty="0" smtClean="0">
-                      <a:solidFill>
-                        <a:sysClr val="windowText" lastClr="000000"/>
-                      </a:solidFill>
-                      <a:latin typeface="MS UI Gothic" panose="020B0600070205080204" pitchFamily="50" charset="-128"/>
-                      <a:ea typeface="MS UI Gothic" panose="020B0600070205080204" pitchFamily="50" charset="-128"/>
-                    </a:rPr>
-                    <a:t>「コメント」以外の場所を押下</a:t>
-                  </a:r>
-                  <a:endParaRPr kumimoji="1" lang="ja-JP" altLang="en-US" sz="900" dirty="0">
-                    <a:solidFill>
-                      <a:sysClr val="windowText" lastClr="000000"/>
-                    </a:solidFill>
-                    <a:latin typeface="MS UI Gothic" panose="020B0600070205080204" pitchFamily="50" charset="-128"/>
-                    <a:ea typeface="MS UI Gothic" panose="020B0600070205080204" pitchFamily="50" charset="-128"/>
-                  </a:endParaRPr>
-                </a:p>
-              </p:txBody>
-            </p:sp>
-            <p:cxnSp>
-              <p:nvCxnSpPr>
-                <p:cNvPr id="104" name="直線矢印コネクタ 103"/>
-                <p:cNvCxnSpPr>
-                  <a:stCxn id="91" idx="2"/>
-                  <a:endCxn id="11" idx="0"/>
-                </p:cNvCxnSpPr>
-                <p:nvPr/>
-              </p:nvCxnSpPr>
-              <p:spPr>
-                <a:xfrm>
-                  <a:off x="5110342" y="3747475"/>
-                  <a:ext cx="409" cy="291598"/>
-                </a:xfrm>
-                <a:prstGeom prst="straightConnector1">
-                  <a:avLst/>
-                </a:prstGeom>
-                <a:ln>
-                  <a:headEnd type="none"/>
-                  <a:tailEnd type="arrow"/>
-                </a:ln>
-              </p:spPr>
-              <p:style>
-                <a:lnRef idx="1">
-                  <a:schemeClr val="dk1"/>
-                </a:lnRef>
-                <a:fillRef idx="0">
-                  <a:schemeClr val="dk1"/>
-                </a:fillRef>
-                <a:effectRef idx="0">
-                  <a:schemeClr val="dk1"/>
-                </a:effectRef>
-                <a:fontRef idx="minor">
-                  <a:schemeClr val="tx1"/>
-                </a:fontRef>
-              </p:style>
-            </p:cxnSp>
-            <p:cxnSp>
-              <p:nvCxnSpPr>
-                <p:cNvPr id="110" name="直線矢印コネクタ 109"/>
-                <p:cNvCxnSpPr>
-                  <a:stCxn id="10" idx="2"/>
-                  <a:endCxn id="76" idx="0"/>
-                </p:cNvCxnSpPr>
-                <p:nvPr/>
-              </p:nvCxnSpPr>
-              <p:spPr>
-                <a:xfrm flipH="1">
-                  <a:off x="5123880" y="1385127"/>
-                  <a:ext cx="1" cy="285634"/>
-                </a:xfrm>
-                <a:prstGeom prst="straightConnector1">
-                  <a:avLst/>
-                </a:prstGeom>
-                <a:ln>
-                  <a:headEnd type="none"/>
-                  <a:tailEnd type="arrow"/>
-                </a:ln>
-              </p:spPr>
-              <p:style>
-                <a:lnRef idx="1">
-                  <a:schemeClr val="dk1"/>
-                </a:lnRef>
-                <a:fillRef idx="0">
-                  <a:schemeClr val="dk1"/>
-                </a:fillRef>
-                <a:effectRef idx="0">
-                  <a:schemeClr val="dk1"/>
-                </a:effectRef>
-                <a:fontRef idx="minor">
-                  <a:schemeClr val="tx1"/>
-                </a:fontRef>
-              </p:style>
-            </p:cxnSp>
-            <p:cxnSp>
-              <p:nvCxnSpPr>
-                <p:cNvPr id="113" name="直線矢印コネクタ 112"/>
-                <p:cNvCxnSpPr>
-                  <a:stCxn id="76" idx="2"/>
-                  <a:endCxn id="78" idx="0"/>
-                </p:cNvCxnSpPr>
-                <p:nvPr/>
-              </p:nvCxnSpPr>
-              <p:spPr>
-                <a:xfrm flipH="1">
-                  <a:off x="5123452" y="2103100"/>
+                  <a:off x="4522977" y="1150312"/>
                   <a:ext cx="428" cy="328354"/>
                 </a:xfrm>
                 <a:prstGeom prst="straightConnector1">
@@ -9012,21 +12177,21 @@
             </p:cxnSp>
             <p:cxnSp>
               <p:nvCxnSpPr>
-                <p:cNvPr id="122" name="カギ線コネクタ 121"/>
+                <p:cNvPr id="33" name="カギ線コネクタ 32"/>
                 <p:cNvCxnSpPr>
-                  <a:endCxn id="91" idx="1"/>
+                  <a:endCxn id="29" idx="1"/>
                 </p:cNvCxnSpPr>
                 <p:nvPr/>
               </p:nvCxnSpPr>
               <p:spPr>
                 <a:xfrm rot="5400000">
-                  <a:off x="3801443" y="2211878"/>
-                  <a:ext cx="2008525" cy="635493"/>
+                  <a:off x="3200969" y="1259089"/>
+                  <a:ext cx="2008525" cy="635495"/>
                 </a:xfrm>
                 <a:prstGeom prst="bentConnector4">
                   <a:avLst>
-                    <a:gd name="adj1" fmla="val -369"/>
-                    <a:gd name="adj2" fmla="val 150960"/>
+                    <a:gd name="adj1" fmla="val -2740"/>
+                    <a:gd name="adj2" fmla="val 135972"/>
                   </a:avLst>
                 </a:prstGeom>
                 <a:ln>
@@ -9050,16 +12215,16 @@
             </p:cxnSp>
             <p:cxnSp>
               <p:nvCxnSpPr>
-                <p:cNvPr id="126" name="カギ線コネクタ 125"/>
+                <p:cNvPr id="34" name="カギ線コネクタ 33"/>
                 <p:cNvCxnSpPr>
-                  <a:stCxn id="9" idx="3"/>
-                  <a:endCxn id="10" idx="1"/>
+                  <a:stCxn id="14" idx="3"/>
+                  <a:endCxn id="15" idx="1"/>
                 </p:cNvCxnSpPr>
                 <p:nvPr/>
               </p:nvCxnSpPr>
               <p:spPr>
                 <a:xfrm flipV="1">
-                  <a:off x="3652600" y="1168958"/>
+                  <a:off x="3052125" y="216170"/>
                   <a:ext cx="849306" cy="2237066"/>
                 </a:xfrm>
                 <a:prstGeom prst="bentConnector3">
@@ -9088,16 +12253,16 @@
             </p:cxnSp>
             <p:cxnSp>
               <p:nvCxnSpPr>
-                <p:cNvPr id="142" name="カギ線コネクタ 141"/>
+                <p:cNvPr id="35" name="カギ線コネクタ 34"/>
                 <p:cNvCxnSpPr>
-                  <a:stCxn id="10" idx="0"/>
-                  <a:endCxn id="19" idx="0"/>
+                  <a:stCxn id="15" idx="0"/>
+                  <a:endCxn id="17" idx="0"/>
                 </p:cNvCxnSpPr>
                 <p:nvPr/>
               </p:nvCxnSpPr>
               <p:spPr>
                 <a:xfrm rot="16200000" flipH="1">
-                  <a:off x="7171491" y="-1094823"/>
+                  <a:off x="6571016" y="-2047611"/>
                   <a:ext cx="128443" cy="4223665"/>
                 </a:xfrm>
                 <a:prstGeom prst="bentConnector3">
@@ -9126,16 +12291,16 @@
             </p:cxnSp>
             <p:cxnSp>
               <p:nvCxnSpPr>
-                <p:cNvPr id="144" name="直線矢印コネクタ 143"/>
+                <p:cNvPr id="36" name="直線矢印コネクタ 143"/>
                 <p:cNvCxnSpPr>
-                  <a:stCxn id="10" idx="3"/>
-                  <a:endCxn id="28" idx="1"/>
+                  <a:stCxn id="15" idx="3"/>
+                  <a:endCxn id="20" idx="1"/>
                 </p:cNvCxnSpPr>
                 <p:nvPr/>
               </p:nvCxnSpPr>
               <p:spPr>
                 <a:xfrm>
-                  <a:off x="5745855" y="1168958"/>
+                  <a:off x="5145380" y="216170"/>
                   <a:ext cx="722456" cy="320963"/>
                 </a:xfrm>
                 <a:prstGeom prst="bentConnector2">
@@ -9162,18 +12327,18 @@
             </p:cxnSp>
             <p:cxnSp>
               <p:nvCxnSpPr>
-                <p:cNvPr id="145" name="直線矢印コネクタ 144"/>
+                <p:cNvPr id="37" name="直線矢印コネクタ 144"/>
                 <p:cNvCxnSpPr/>
                 <p:nvPr/>
               </p:nvCxnSpPr>
               <p:spPr>
                 <a:xfrm rot="10800000">
-                  <a:off x="5732725" y="1292060"/>
+                  <a:off x="5132250" y="339272"/>
                   <a:ext cx="506150" cy="178792"/>
                 </a:xfrm>
                 <a:prstGeom prst="bentConnector3">
                   <a:avLst>
-                    <a:gd name="adj1" fmla="val -810"/>
+                    <a:gd name="adj1" fmla="val -3135"/>
                   </a:avLst>
                 </a:prstGeom>
                 <a:ln>
@@ -9198,16 +12363,16 @@
             </p:cxnSp>
             <p:cxnSp>
               <p:nvCxnSpPr>
-                <p:cNvPr id="149" name="カギ線コネクタ 148"/>
+                <p:cNvPr id="38" name="カギ線コネクタ 37"/>
                 <p:cNvCxnSpPr>
-                  <a:stCxn id="78" idx="3"/>
-                  <a:endCxn id="28" idx="3"/>
+                  <a:stCxn id="28" idx="3"/>
+                  <a:endCxn id="20" idx="3"/>
                 </p:cNvCxnSpPr>
                 <p:nvPr/>
               </p:nvCxnSpPr>
               <p:spPr>
                 <a:xfrm flipV="1">
-                  <a:off x="5745835" y="1933060"/>
+                  <a:off x="5145360" y="980272"/>
                   <a:ext cx="722476" cy="669265"/>
                 </a:xfrm>
                 <a:prstGeom prst="bentConnector2">
@@ -9235,13 +12400,13 @@
           </p:grpSp>
           <p:sp>
             <p:nvSpPr>
-              <p:cNvPr id="36" name="フローチャート : 定義済み処理 27"/>
+              <p:cNvPr id="9" name="フローチャート : 定義済み処理 27"/>
               <p:cNvSpPr/>
               <p:nvPr/>
             </p:nvSpPr>
             <p:spPr>
               <a:xfrm>
-                <a:off x="5837809" y="2848363"/>
+                <a:off x="5237334" y="1895575"/>
                 <a:ext cx="1243949" cy="432339"/>
               </a:xfrm>
               <a:prstGeom prst="flowChartPredefinedProcess">
@@ -9369,36 +12534,16 @@
               <a:p>
                 <a:pPr algn="ctr"/>
                 <a:r>
-                  <a:rPr lang="ja-JP" altLang="en-US" sz="900" dirty="0" smtClean="0">
+                  <a:rPr lang="ja-JP" altLang="en-US" sz="900">
                     <a:solidFill>
                       <a:sysClr val="windowText" lastClr="000000"/>
                     </a:solidFill>
                     <a:latin typeface="MS UI Gothic" panose="020B0600070205080204" pitchFamily="50" charset="-128"/>
                     <a:ea typeface="MS UI Gothic" panose="020B0600070205080204" pitchFamily="50" charset="-128"/>
                   </a:rPr>
-                  <a:t>「</a:t>
+                  <a:t>「コメント」を</a:t>
                 </a:r>
-                <a:r>
-                  <a:rPr lang="ja-JP" altLang="en-US" sz="900" dirty="0">
-                    <a:solidFill>
-                      <a:sysClr val="windowText" lastClr="000000"/>
-                    </a:solidFill>
-                    <a:latin typeface="MS UI Gothic" panose="020B0600070205080204" pitchFamily="50" charset="-128"/>
-                    <a:ea typeface="MS UI Gothic" panose="020B0600070205080204" pitchFamily="50" charset="-128"/>
-                  </a:rPr>
-                  <a:t>コメント</a:t>
-                </a:r>
-                <a:r>
-                  <a:rPr lang="ja-JP" altLang="en-US" sz="900" dirty="0" smtClean="0">
-                    <a:solidFill>
-                      <a:sysClr val="windowText" lastClr="000000"/>
-                    </a:solidFill>
-                    <a:latin typeface="MS UI Gothic" panose="020B0600070205080204" pitchFamily="50" charset="-128"/>
-                    <a:ea typeface="MS UI Gothic" panose="020B0600070205080204" pitchFamily="50" charset="-128"/>
-                  </a:rPr>
-                  <a:t>」を</a:t>
-                </a:r>
-                <a:endParaRPr lang="en-US" altLang="ja-JP" sz="900" dirty="0" smtClean="0">
+                <a:endParaRPr lang="en-US" altLang="ja-JP" sz="900">
                   <a:solidFill>
                     <a:sysClr val="windowText" lastClr="000000"/>
                   </a:solidFill>
@@ -9409,7 +12554,7 @@
               <a:p>
                 <a:pPr algn="ctr"/>
                 <a:r>
-                  <a:rPr lang="ja-JP" altLang="en-US" sz="900" dirty="0" smtClean="0">
+                  <a:rPr lang="ja-JP" altLang="en-US" sz="900">
                     <a:solidFill>
                       <a:sysClr val="windowText" lastClr="000000"/>
                     </a:solidFill>
@@ -9418,7 +12563,7 @@
                   </a:rPr>
                   <a:t>更新し表示</a:t>
                 </a:r>
-                <a:endParaRPr kumimoji="1" lang="ja-JP" altLang="en-US" sz="900" dirty="0">
+                <a:endParaRPr kumimoji="1" lang="ja-JP" altLang="en-US" sz="900">
                   <a:solidFill>
                     <a:sysClr val="windowText" lastClr="000000"/>
                   </a:solidFill>
@@ -9430,16 +12575,16 @@
           </p:sp>
           <p:cxnSp>
             <p:nvCxnSpPr>
-              <p:cNvPr id="13" name="カギ線コネクタ 12"/>
+              <p:cNvPr id="10" name="カギ線コネクタ 9"/>
               <p:cNvCxnSpPr>
-                <a:stCxn id="78" idx="2"/>
-                <a:endCxn id="36" idx="1"/>
+                <a:stCxn id="28" idx="2"/>
+                <a:endCxn id="9" idx="1"/>
               </p:cNvCxnSpPr>
               <p:nvPr/>
             </p:nvCxnSpPr>
             <p:spPr>
               <a:xfrm rot="16200000" flipH="1">
-                <a:off x="5356320" y="2583044"/>
+                <a:off x="4755845" y="1630256"/>
                 <a:ext cx="248620" cy="714357"/>
               </a:xfrm>
               <a:prstGeom prst="bentConnector2">
@@ -9467,21 +12612,21 @@
         </p:grpSp>
         <p:cxnSp>
           <p:nvCxnSpPr>
-            <p:cNvPr id="7" name="カギ線コネクタ 6"/>
+            <p:cNvPr id="6" name="カギ線コネクタ 5"/>
             <p:cNvCxnSpPr>
-              <a:stCxn id="36" idx="3"/>
+              <a:stCxn id="9" idx="3"/>
             </p:cNvCxnSpPr>
             <p:nvPr/>
           </p:nvCxnSpPr>
           <p:spPr>
             <a:xfrm flipH="1" flipV="1">
-              <a:off x="6060160" y="962313"/>
-              <a:ext cx="1335923" cy="2026020"/>
+              <a:off x="5145361" y="85725"/>
+              <a:ext cx="1335922" cy="2026020"/>
             </a:xfrm>
             <a:prstGeom prst="bentConnector4">
               <a:avLst>
-                <a:gd name="adj1" fmla="val -17112"/>
-                <a:gd name="adj2" fmla="val 100061"/>
+                <a:gd name="adj1" fmla="val -6207"/>
+                <a:gd name="adj2" fmla="val 100136"/>
               </a:avLst>
             </a:prstGeom>
             <a:ln>
@@ -9505,20 +12650,20 @@
         </p:cxnSp>
         <p:cxnSp>
           <p:nvCxnSpPr>
-            <p:cNvPr id="23" name="カギ線コネクタ 22"/>
+            <p:cNvPr id="7" name="カギ線コネクタ 6"/>
             <p:cNvCxnSpPr>
-              <a:stCxn id="11" idx="1"/>
+              <a:stCxn id="16" idx="1"/>
             </p:cNvCxnSpPr>
             <p:nvPr/>
           </p:nvCxnSpPr>
           <p:spPr>
             <a:xfrm rot="10800000">
-              <a:off x="2736107" y="2739713"/>
-              <a:ext cx="2066995" cy="1439331"/>
+              <a:off x="1821309" y="1863127"/>
+              <a:ext cx="2066993" cy="1439329"/>
             </a:xfrm>
             <a:prstGeom prst="bentConnector3">
               <a:avLst>
-                <a:gd name="adj1" fmla="val 109906"/>
+                <a:gd name="adj1" fmla="val 117225"/>
               </a:avLst>
             </a:prstGeom>
             <a:ln>
@@ -9547,24 +12692,17 @@
     </p:spTree>
     <p:extLst>
       <p:ext uri="{BB962C8B-B14F-4D97-AF65-F5344CB8AC3E}">
-        <p14:creationId xmlns:p14="http://schemas.microsoft.com/office/powerpoint/2010/main" val="3829639849"/>
+        <p14:creationId xmlns:p14="http://schemas.microsoft.com/office/powerpoint/2010/main" val="382373223"/>
       </p:ext>
     </p:extLst>
   </p:cSld>
   <p:clrMapOvr>
     <a:masterClrMapping/>
   </p:clrMapOvr>
-  <p:timing>
-    <p:tnLst>
-      <p:par>
-        <p:cTn id="1" dur="indefinite" restart="never" nodeType="tmRoot"/>
-      </p:par>
-    </p:tnLst>
-  </p:timing>
 </p:sld>
 </file>
 
-<file path=ppt/slides/slide3.xml><?xml version="1.0" encoding="utf-8"?>
+<file path=ppt/slides/slide4.xml><?xml version="1.0" encoding="utf-8"?>
 <p:sld xmlns:a="http://schemas.openxmlformats.org/drawingml/2006/main" xmlns:r="http://schemas.openxmlformats.org/officeDocument/2006/relationships" xmlns:p="http://schemas.openxmlformats.org/presentationml/2006/main">
   <p:cSld>
     <p:spTree>
